--- a/codebook_tutorial.pptx
+++ b/codebook_tutorial.pptx
@@ -5,43 +5,46 @@
     <p:sldMasterId id="2147483657" r:id="rId1"/>
   </p:sldMasterIdLst>
   <p:notesMasterIdLst>
-    <p:notesMasterId r:id="rId16"/>
+    <p:notesMasterId r:id="rId19"/>
   </p:notesMasterIdLst>
   <p:sldIdLst>
     <p:sldId id="256" r:id="rId2"/>
     <p:sldId id="257" r:id="rId3"/>
     <p:sldId id="284" r:id="rId4"/>
-    <p:sldId id="285" r:id="rId5"/>
-    <p:sldId id="286" r:id="rId6"/>
-    <p:sldId id="287" r:id="rId7"/>
-    <p:sldId id="288" r:id="rId8"/>
-    <p:sldId id="289" r:id="rId9"/>
-    <p:sldId id="290" r:id="rId10"/>
-    <p:sldId id="291" r:id="rId11"/>
-    <p:sldId id="292" r:id="rId12"/>
-    <p:sldId id="293" r:id="rId13"/>
-    <p:sldId id="294" r:id="rId14"/>
-    <p:sldId id="295" r:id="rId15"/>
+    <p:sldId id="297" r:id="rId5"/>
+    <p:sldId id="298" r:id="rId6"/>
+    <p:sldId id="285" r:id="rId7"/>
+    <p:sldId id="286" r:id="rId8"/>
+    <p:sldId id="287" r:id="rId9"/>
+    <p:sldId id="288" r:id="rId10"/>
+    <p:sldId id="289" r:id="rId11"/>
+    <p:sldId id="290" r:id="rId12"/>
+    <p:sldId id="291" r:id="rId13"/>
+    <p:sldId id="296" r:id="rId14"/>
+    <p:sldId id="292" r:id="rId15"/>
+    <p:sldId id="293" r:id="rId16"/>
+    <p:sldId id="294" r:id="rId17"/>
+    <p:sldId id="295" r:id="rId18"/>
   </p:sldIdLst>
   <p:sldSz cx="9144000" cy="5143500" type="screen16x9"/>
   <p:notesSz cx="6858000" cy="9144000"/>
   <p:embeddedFontLst>
     <p:embeddedFont>
       <p:font typeface="Proxima Nova" panose="02020500000000000000" charset="0"/>
-      <p:regular r:id="rId17"/>
-      <p:bold r:id="rId18"/>
-      <p:italic r:id="rId19"/>
-      <p:boldItalic r:id="rId20"/>
+      <p:regular r:id="rId20"/>
+      <p:bold r:id="rId21"/>
+      <p:italic r:id="rId22"/>
+      <p:boldItalic r:id="rId23"/>
     </p:embeddedFont>
     <p:embeddedFont>
       <p:font typeface="微軟正黑體" panose="020B0604030504040204" pitchFamily="34" charset="-120"/>
-      <p:regular r:id="rId21"/>
-      <p:bold r:id="rId22"/>
+      <p:regular r:id="rId24"/>
+      <p:bold r:id="rId25"/>
     </p:embeddedFont>
     <p:embeddedFont>
       <p:font typeface="微軟正黑體" panose="020B0604030504040204" pitchFamily="34" charset="-120"/>
-      <p:regular r:id="rId21"/>
-      <p:bold r:id="rId22"/>
+      <p:regular r:id="rId24"/>
+      <p:bold r:id="rId25"/>
     </p:embeddedFont>
   </p:embeddedFontLst>
   <p:defaultTextStyle>
@@ -1110,7 +1113,7 @@
     </p:spTree>
     <p:extLst>
       <p:ext uri="{BB962C8B-B14F-4D97-AF65-F5344CB8AC3E}">
-        <p14:creationId xmlns:p14="http://schemas.microsoft.com/office/powerpoint/2010/main" val="2600987471"/>
+        <p14:creationId xmlns:p14="http://schemas.microsoft.com/office/powerpoint/2010/main" val="2171065341"/>
       </p:ext>
     </p:extLst>
   </p:cSld>
@@ -1125,7 +1128,7 @@
   <p:cSld>
     <p:spTree>
       <p:nvGrpSpPr>
-        <p:cNvPr id="1" name="Shape 238"/>
+        <p:cNvPr id="1" name="Shape 53"/>
         <p:cNvGrpSpPr/>
         <p:nvPr/>
       </p:nvGrpSpPr>
@@ -1139,7 +1142,7 @@
       </p:grpSpPr>
       <p:sp>
         <p:nvSpPr>
-          <p:cNvPr id="239" name="Google Shape;239;p27:notes"/>
+          <p:cNvPr id="54" name="Google Shape;54;p2:notes"/>
           <p:cNvSpPr>
             <a:spLocks noGrp="1" noRot="1" noChangeAspect="1"/>
           </p:cNvSpPr>
@@ -1190,7 +1193,7 @@
       </p:sp>
       <p:sp>
         <p:nvSpPr>
-          <p:cNvPr id="240" name="Google Shape;240;p27:notes"/>
+          <p:cNvPr id="55" name="Google Shape;55;p2:notes"/>
           <p:cNvSpPr txBox="1">
             <a:spLocks noGrp="1"/>
           </p:cNvSpPr>
@@ -1237,7 +1240,7 @@
     </p:spTree>
     <p:extLst>
       <p:ext uri="{BB962C8B-B14F-4D97-AF65-F5344CB8AC3E}">
-        <p14:creationId xmlns:p14="http://schemas.microsoft.com/office/powerpoint/2010/main" val="3633571054"/>
+        <p14:creationId xmlns:p14="http://schemas.microsoft.com/office/powerpoint/2010/main" val="370359609"/>
       </p:ext>
     </p:extLst>
   </p:cSld>
@@ -1364,7 +1367,7 @@
     </p:spTree>
     <p:extLst>
       <p:ext uri="{BB962C8B-B14F-4D97-AF65-F5344CB8AC3E}">
-        <p14:creationId xmlns:p14="http://schemas.microsoft.com/office/powerpoint/2010/main" val="4075078435"/>
+        <p14:creationId xmlns:p14="http://schemas.microsoft.com/office/powerpoint/2010/main" val="2600987471"/>
       </p:ext>
     </p:extLst>
   </p:cSld>
@@ -1491,6 +1494,387 @@
     </p:spTree>
     <p:extLst>
       <p:ext uri="{BB962C8B-B14F-4D97-AF65-F5344CB8AC3E}">
+        <p14:creationId xmlns:p14="http://schemas.microsoft.com/office/powerpoint/2010/main" val="1859044309"/>
+      </p:ext>
+    </p:extLst>
+  </p:cSld>
+  <p:clrMapOvr>
+    <a:masterClrMapping/>
+  </p:clrMapOvr>
+</p:notes>
+</file>
+
+<file path=ppt/notesSlides/notesSlide14.xml><?xml version="1.0" encoding="utf-8"?>
+<p:notes xmlns:a="http://schemas.openxmlformats.org/drawingml/2006/main" xmlns:r="http://schemas.openxmlformats.org/officeDocument/2006/relationships" xmlns:p="http://schemas.openxmlformats.org/presentationml/2006/main" showMasterSp="0" showMasterPhAnim="0">
+  <p:cSld>
+    <p:spTree>
+      <p:nvGrpSpPr>
+        <p:cNvPr id="1" name="Shape 238"/>
+        <p:cNvGrpSpPr/>
+        <p:nvPr/>
+      </p:nvGrpSpPr>
+      <p:grpSpPr>
+        <a:xfrm>
+          <a:off x="0" y="0"/>
+          <a:ext cx="0" cy="0"/>
+          <a:chOff x="0" y="0"/>
+          <a:chExt cx="0" cy="0"/>
+        </a:xfrm>
+      </p:grpSpPr>
+      <p:sp>
+        <p:nvSpPr>
+          <p:cNvPr id="239" name="Google Shape;239;p27:notes"/>
+          <p:cNvSpPr>
+            <a:spLocks noGrp="1" noRot="1" noChangeAspect="1"/>
+          </p:cNvSpPr>
+          <p:nvPr>
+            <p:ph type="sldImg" idx="2"/>
+          </p:nvPr>
+        </p:nvSpPr>
+        <p:spPr>
+          <a:xfrm>
+            <a:off x="381000" y="685800"/>
+            <a:ext cx="6096000" cy="3429000"/>
+          </a:xfrm>
+          <a:custGeom>
+            <a:avLst/>
+            <a:gdLst/>
+            <a:ahLst/>
+            <a:cxnLst/>
+            <a:rect l="l" t="t" r="r" b="b"/>
+            <a:pathLst>
+              <a:path w="120000" h="120000" extrusionOk="0">
+                <a:moveTo>
+                  <a:pt x="0" y="0"/>
+                </a:moveTo>
+                <a:lnTo>
+                  <a:pt x="120000" y="0"/>
+                </a:lnTo>
+                <a:lnTo>
+                  <a:pt x="120000" y="120000"/>
+                </a:lnTo>
+                <a:lnTo>
+                  <a:pt x="0" y="120000"/>
+                </a:lnTo>
+                <a:close/>
+              </a:path>
+            </a:pathLst>
+          </a:custGeom>
+          <a:noFill/>
+          <a:ln w="9525" cap="flat" cmpd="sng">
+            <a:solidFill>
+              <a:srgbClr val="000000"/>
+            </a:solidFill>
+            <a:prstDash val="solid"/>
+            <a:round/>
+            <a:headEnd type="none" w="sm" len="sm"/>
+            <a:tailEnd type="none" w="sm" len="sm"/>
+          </a:ln>
+        </p:spPr>
+      </p:sp>
+      <p:sp>
+        <p:nvSpPr>
+          <p:cNvPr id="240" name="Google Shape;240;p27:notes"/>
+          <p:cNvSpPr txBox="1">
+            <a:spLocks noGrp="1"/>
+          </p:cNvSpPr>
+          <p:nvPr>
+            <p:ph type="body" idx="1"/>
+          </p:nvPr>
+        </p:nvSpPr>
+        <p:spPr>
+          <a:xfrm>
+            <a:off x="685800" y="4343400"/>
+            <a:ext cx="5486400" cy="4114800"/>
+          </a:xfrm>
+          <a:prstGeom prst="rect">
+            <a:avLst/>
+          </a:prstGeom>
+          <a:noFill/>
+          <a:ln>
+            <a:noFill/>
+          </a:ln>
+        </p:spPr>
+        <p:txBody>
+          <a:bodyPr spcFirstLastPara="1" wrap="square" lIns="91425" tIns="91425" rIns="91425" bIns="91425" anchor="t" anchorCtr="0">
+            <a:noAutofit/>
+          </a:bodyPr>
+          <a:lstStyle/>
+          <a:p>
+            <a:pPr marL="0" lvl="0" indent="0" algn="l" rtl="0">
+              <a:lnSpc>
+                <a:spcPct val="100000"/>
+              </a:lnSpc>
+              <a:spcBef>
+                <a:spcPts val="0"/>
+              </a:spcBef>
+              <a:spcAft>
+                <a:spcPts val="0"/>
+              </a:spcAft>
+              <a:buSzPts val="1100"/>
+              <a:buNone/>
+            </a:pPr>
+            <a:endParaRPr/>
+          </a:p>
+        </p:txBody>
+      </p:sp>
+    </p:spTree>
+    <p:extLst>
+      <p:ext uri="{BB962C8B-B14F-4D97-AF65-F5344CB8AC3E}">
+        <p14:creationId xmlns:p14="http://schemas.microsoft.com/office/powerpoint/2010/main" val="3633571054"/>
+      </p:ext>
+    </p:extLst>
+  </p:cSld>
+  <p:clrMapOvr>
+    <a:masterClrMapping/>
+  </p:clrMapOvr>
+</p:notes>
+</file>
+
+<file path=ppt/notesSlides/notesSlide15.xml><?xml version="1.0" encoding="utf-8"?>
+<p:notes xmlns:a="http://schemas.openxmlformats.org/drawingml/2006/main" xmlns:r="http://schemas.openxmlformats.org/officeDocument/2006/relationships" xmlns:p="http://schemas.openxmlformats.org/presentationml/2006/main" showMasterSp="0" showMasterPhAnim="0">
+  <p:cSld>
+    <p:spTree>
+      <p:nvGrpSpPr>
+        <p:cNvPr id="1" name="Shape 238"/>
+        <p:cNvGrpSpPr/>
+        <p:nvPr/>
+      </p:nvGrpSpPr>
+      <p:grpSpPr>
+        <a:xfrm>
+          <a:off x="0" y="0"/>
+          <a:ext cx="0" cy="0"/>
+          <a:chOff x="0" y="0"/>
+          <a:chExt cx="0" cy="0"/>
+        </a:xfrm>
+      </p:grpSpPr>
+      <p:sp>
+        <p:nvSpPr>
+          <p:cNvPr id="239" name="Google Shape;239;p27:notes"/>
+          <p:cNvSpPr>
+            <a:spLocks noGrp="1" noRot="1" noChangeAspect="1"/>
+          </p:cNvSpPr>
+          <p:nvPr>
+            <p:ph type="sldImg" idx="2"/>
+          </p:nvPr>
+        </p:nvSpPr>
+        <p:spPr>
+          <a:xfrm>
+            <a:off x="381000" y="685800"/>
+            <a:ext cx="6096000" cy="3429000"/>
+          </a:xfrm>
+          <a:custGeom>
+            <a:avLst/>
+            <a:gdLst/>
+            <a:ahLst/>
+            <a:cxnLst/>
+            <a:rect l="l" t="t" r="r" b="b"/>
+            <a:pathLst>
+              <a:path w="120000" h="120000" extrusionOk="0">
+                <a:moveTo>
+                  <a:pt x="0" y="0"/>
+                </a:moveTo>
+                <a:lnTo>
+                  <a:pt x="120000" y="0"/>
+                </a:lnTo>
+                <a:lnTo>
+                  <a:pt x="120000" y="120000"/>
+                </a:lnTo>
+                <a:lnTo>
+                  <a:pt x="0" y="120000"/>
+                </a:lnTo>
+                <a:close/>
+              </a:path>
+            </a:pathLst>
+          </a:custGeom>
+          <a:noFill/>
+          <a:ln w="9525" cap="flat" cmpd="sng">
+            <a:solidFill>
+              <a:srgbClr val="000000"/>
+            </a:solidFill>
+            <a:prstDash val="solid"/>
+            <a:round/>
+            <a:headEnd type="none" w="sm" len="sm"/>
+            <a:tailEnd type="none" w="sm" len="sm"/>
+          </a:ln>
+        </p:spPr>
+      </p:sp>
+      <p:sp>
+        <p:nvSpPr>
+          <p:cNvPr id="240" name="Google Shape;240;p27:notes"/>
+          <p:cNvSpPr txBox="1">
+            <a:spLocks noGrp="1"/>
+          </p:cNvSpPr>
+          <p:nvPr>
+            <p:ph type="body" idx="1"/>
+          </p:nvPr>
+        </p:nvSpPr>
+        <p:spPr>
+          <a:xfrm>
+            <a:off x="685800" y="4343400"/>
+            <a:ext cx="5486400" cy="4114800"/>
+          </a:xfrm>
+          <a:prstGeom prst="rect">
+            <a:avLst/>
+          </a:prstGeom>
+          <a:noFill/>
+          <a:ln>
+            <a:noFill/>
+          </a:ln>
+        </p:spPr>
+        <p:txBody>
+          <a:bodyPr spcFirstLastPara="1" wrap="square" lIns="91425" tIns="91425" rIns="91425" bIns="91425" anchor="t" anchorCtr="0">
+            <a:noAutofit/>
+          </a:bodyPr>
+          <a:lstStyle/>
+          <a:p>
+            <a:pPr marL="0" lvl="0" indent="0" algn="l" rtl="0">
+              <a:lnSpc>
+                <a:spcPct val="100000"/>
+              </a:lnSpc>
+              <a:spcBef>
+                <a:spcPts val="0"/>
+              </a:spcBef>
+              <a:spcAft>
+                <a:spcPts val="0"/>
+              </a:spcAft>
+              <a:buSzPts val="1100"/>
+              <a:buNone/>
+            </a:pPr>
+            <a:endParaRPr/>
+          </a:p>
+        </p:txBody>
+      </p:sp>
+    </p:spTree>
+    <p:extLst>
+      <p:ext uri="{BB962C8B-B14F-4D97-AF65-F5344CB8AC3E}">
+        <p14:creationId xmlns:p14="http://schemas.microsoft.com/office/powerpoint/2010/main" val="4075078435"/>
+      </p:ext>
+    </p:extLst>
+  </p:cSld>
+  <p:clrMapOvr>
+    <a:masterClrMapping/>
+  </p:clrMapOvr>
+</p:notes>
+</file>
+
+<file path=ppt/notesSlides/notesSlide16.xml><?xml version="1.0" encoding="utf-8"?>
+<p:notes xmlns:a="http://schemas.openxmlformats.org/drawingml/2006/main" xmlns:r="http://schemas.openxmlformats.org/officeDocument/2006/relationships" xmlns:p="http://schemas.openxmlformats.org/presentationml/2006/main" showMasterSp="0" showMasterPhAnim="0">
+  <p:cSld>
+    <p:spTree>
+      <p:nvGrpSpPr>
+        <p:cNvPr id="1" name="Shape 238"/>
+        <p:cNvGrpSpPr/>
+        <p:nvPr/>
+      </p:nvGrpSpPr>
+      <p:grpSpPr>
+        <a:xfrm>
+          <a:off x="0" y="0"/>
+          <a:ext cx="0" cy="0"/>
+          <a:chOff x="0" y="0"/>
+          <a:chExt cx="0" cy="0"/>
+        </a:xfrm>
+      </p:grpSpPr>
+      <p:sp>
+        <p:nvSpPr>
+          <p:cNvPr id="239" name="Google Shape;239;p27:notes"/>
+          <p:cNvSpPr>
+            <a:spLocks noGrp="1" noRot="1" noChangeAspect="1"/>
+          </p:cNvSpPr>
+          <p:nvPr>
+            <p:ph type="sldImg" idx="2"/>
+          </p:nvPr>
+        </p:nvSpPr>
+        <p:spPr>
+          <a:xfrm>
+            <a:off x="381000" y="685800"/>
+            <a:ext cx="6096000" cy="3429000"/>
+          </a:xfrm>
+          <a:custGeom>
+            <a:avLst/>
+            <a:gdLst/>
+            <a:ahLst/>
+            <a:cxnLst/>
+            <a:rect l="l" t="t" r="r" b="b"/>
+            <a:pathLst>
+              <a:path w="120000" h="120000" extrusionOk="0">
+                <a:moveTo>
+                  <a:pt x="0" y="0"/>
+                </a:moveTo>
+                <a:lnTo>
+                  <a:pt x="120000" y="0"/>
+                </a:lnTo>
+                <a:lnTo>
+                  <a:pt x="120000" y="120000"/>
+                </a:lnTo>
+                <a:lnTo>
+                  <a:pt x="0" y="120000"/>
+                </a:lnTo>
+                <a:close/>
+              </a:path>
+            </a:pathLst>
+          </a:custGeom>
+          <a:noFill/>
+          <a:ln w="9525" cap="flat" cmpd="sng">
+            <a:solidFill>
+              <a:srgbClr val="000000"/>
+            </a:solidFill>
+            <a:prstDash val="solid"/>
+            <a:round/>
+            <a:headEnd type="none" w="sm" len="sm"/>
+            <a:tailEnd type="none" w="sm" len="sm"/>
+          </a:ln>
+        </p:spPr>
+      </p:sp>
+      <p:sp>
+        <p:nvSpPr>
+          <p:cNvPr id="240" name="Google Shape;240;p27:notes"/>
+          <p:cNvSpPr txBox="1">
+            <a:spLocks noGrp="1"/>
+          </p:cNvSpPr>
+          <p:nvPr>
+            <p:ph type="body" idx="1"/>
+          </p:nvPr>
+        </p:nvSpPr>
+        <p:spPr>
+          <a:xfrm>
+            <a:off x="685800" y="4343400"/>
+            <a:ext cx="5486400" cy="4114800"/>
+          </a:xfrm>
+          <a:prstGeom prst="rect">
+            <a:avLst/>
+          </a:prstGeom>
+          <a:noFill/>
+          <a:ln>
+            <a:noFill/>
+          </a:ln>
+        </p:spPr>
+        <p:txBody>
+          <a:bodyPr spcFirstLastPara="1" wrap="square" lIns="91425" tIns="91425" rIns="91425" bIns="91425" anchor="t" anchorCtr="0">
+            <a:noAutofit/>
+          </a:bodyPr>
+          <a:lstStyle/>
+          <a:p>
+            <a:pPr marL="0" lvl="0" indent="0" algn="l" rtl="0">
+              <a:lnSpc>
+                <a:spcPct val="100000"/>
+              </a:lnSpc>
+              <a:spcBef>
+                <a:spcPts val="0"/>
+              </a:spcBef>
+              <a:spcAft>
+                <a:spcPts val="0"/>
+              </a:spcAft>
+              <a:buSzPts val="1100"/>
+              <a:buNone/>
+            </a:pPr>
+            <a:endParaRPr/>
+          </a:p>
+        </p:txBody>
+      </p:sp>
+    </p:spTree>
+    <p:extLst>
+      <p:ext uri="{BB962C8B-B14F-4D97-AF65-F5344CB8AC3E}">
         <p14:creationId xmlns:p14="http://schemas.microsoft.com/office/powerpoint/2010/main" val="1244719655"/>
       </p:ext>
     </p:extLst>
@@ -1501,7 +1885,7 @@
 </p:notes>
 </file>
 
-<file path=ppt/notesSlides/notesSlide14.xml><?xml version="1.0" encoding="utf-8"?>
+<file path=ppt/notesSlides/notesSlide17.xml><?xml version="1.0" encoding="utf-8"?>
 <p:notes xmlns:a="http://schemas.openxmlformats.org/drawingml/2006/main" xmlns:r="http://schemas.openxmlformats.org/officeDocument/2006/relationships" xmlns:p="http://schemas.openxmlformats.org/presentationml/2006/main" showMasterSp="0" showMasterPhAnim="0">
   <p:cSld>
     <p:spTree>
@@ -1882,7 +2266,7 @@
   <p:cSld>
     <p:spTree>
       <p:nvGrpSpPr>
-        <p:cNvPr id="1" name="Shape 238"/>
+        <p:cNvPr id="1" name="Shape 53"/>
         <p:cNvGrpSpPr/>
         <p:nvPr/>
       </p:nvGrpSpPr>
@@ -1896,7 +2280,7 @@
       </p:grpSpPr>
       <p:sp>
         <p:nvSpPr>
-          <p:cNvPr id="239" name="Google Shape;239;p27:notes"/>
+          <p:cNvPr id="54" name="Google Shape;54;p2:notes"/>
           <p:cNvSpPr>
             <a:spLocks noGrp="1" noRot="1" noChangeAspect="1"/>
           </p:cNvSpPr>
@@ -1947,7 +2331,7 @@
       </p:sp>
       <p:sp>
         <p:nvSpPr>
-          <p:cNvPr id="240" name="Google Shape;240;p27:notes"/>
+          <p:cNvPr id="55" name="Google Shape;55;p2:notes"/>
           <p:cNvSpPr txBox="1">
             <a:spLocks noGrp="1"/>
           </p:cNvSpPr>
@@ -1994,7 +2378,7 @@
     </p:spTree>
     <p:extLst>
       <p:ext uri="{BB962C8B-B14F-4D97-AF65-F5344CB8AC3E}">
-        <p14:creationId xmlns:p14="http://schemas.microsoft.com/office/powerpoint/2010/main" val="1238697513"/>
+        <p14:creationId xmlns:p14="http://schemas.microsoft.com/office/powerpoint/2010/main" val="581713491"/>
       </p:ext>
     </p:extLst>
   </p:cSld>
@@ -2121,7 +2505,7 @@
     </p:spTree>
     <p:extLst>
       <p:ext uri="{BB962C8B-B14F-4D97-AF65-F5344CB8AC3E}">
-        <p14:creationId xmlns:p14="http://schemas.microsoft.com/office/powerpoint/2010/main" val="2758828771"/>
+        <p14:creationId xmlns:p14="http://schemas.microsoft.com/office/powerpoint/2010/main" val="3851072853"/>
       </p:ext>
     </p:extLst>
   </p:cSld>
@@ -2248,7 +2632,7 @@
     </p:spTree>
     <p:extLst>
       <p:ext uri="{BB962C8B-B14F-4D97-AF65-F5344CB8AC3E}">
-        <p14:creationId xmlns:p14="http://schemas.microsoft.com/office/powerpoint/2010/main" val="13898844"/>
+        <p14:creationId xmlns:p14="http://schemas.microsoft.com/office/powerpoint/2010/main" val="1238697513"/>
       </p:ext>
     </p:extLst>
   </p:cSld>
@@ -2375,7 +2759,7 @@
     </p:spTree>
     <p:extLst>
       <p:ext uri="{BB962C8B-B14F-4D97-AF65-F5344CB8AC3E}">
-        <p14:creationId xmlns:p14="http://schemas.microsoft.com/office/powerpoint/2010/main" val="2508137300"/>
+        <p14:creationId xmlns:p14="http://schemas.microsoft.com/office/powerpoint/2010/main" val="2758828771"/>
       </p:ext>
     </p:extLst>
   </p:cSld>
@@ -2502,7 +2886,7 @@
     </p:spTree>
     <p:extLst>
       <p:ext uri="{BB962C8B-B14F-4D97-AF65-F5344CB8AC3E}">
-        <p14:creationId xmlns:p14="http://schemas.microsoft.com/office/powerpoint/2010/main" val="2171065341"/>
+        <p14:creationId xmlns:p14="http://schemas.microsoft.com/office/powerpoint/2010/main" val="13898844"/>
       </p:ext>
     </p:extLst>
   </p:cSld>
@@ -2517,7 +2901,7 @@
   <p:cSld>
     <p:spTree>
       <p:nvGrpSpPr>
-        <p:cNvPr id="1" name="Shape 53"/>
+        <p:cNvPr id="1" name="Shape 238"/>
         <p:cNvGrpSpPr/>
         <p:nvPr/>
       </p:nvGrpSpPr>
@@ -2531,7 +2915,7 @@
       </p:grpSpPr>
       <p:sp>
         <p:nvSpPr>
-          <p:cNvPr id="54" name="Google Shape;54;p2:notes"/>
+          <p:cNvPr id="239" name="Google Shape;239;p27:notes"/>
           <p:cNvSpPr>
             <a:spLocks noGrp="1" noRot="1" noChangeAspect="1"/>
           </p:cNvSpPr>
@@ -2582,7 +2966,7 @@
       </p:sp>
       <p:sp>
         <p:nvSpPr>
-          <p:cNvPr id="55" name="Google Shape;55;p2:notes"/>
+          <p:cNvPr id="240" name="Google Shape;240;p27:notes"/>
           <p:cNvSpPr txBox="1">
             <a:spLocks noGrp="1"/>
           </p:cNvSpPr>
@@ -2629,7 +3013,7 @@
     </p:spTree>
     <p:extLst>
       <p:ext uri="{BB962C8B-B14F-4D97-AF65-F5344CB8AC3E}">
-        <p14:creationId xmlns:p14="http://schemas.microsoft.com/office/powerpoint/2010/main" val="370359609"/>
+        <p14:creationId xmlns:p14="http://schemas.microsoft.com/office/powerpoint/2010/main" val="2508137300"/>
       </p:ext>
     </p:extLst>
   </p:cSld>
@@ -9687,7 +10071,7 @@
                 <a:cs typeface="Microsoft JhengHei"/>
                 <a:sym typeface="Microsoft JhengHei"/>
               </a:rPr>
-              <a:t>Codebook</a:t>
+              <a:t>Codebook </a:t>
             </a:r>
             <a:r>
               <a:rPr lang="en-US" altLang="zh-TW" dirty="0">
@@ -9696,7 +10080,7 @@
                 <a:cs typeface="Microsoft JhengHei"/>
                 <a:sym typeface="Microsoft JhengHei"/>
               </a:rPr>
-              <a:t>/git</a:t>
+              <a:t>/ git tutorial</a:t>
             </a:r>
             <a:r>
               <a:rPr lang="zh-TW" altLang="en-US" dirty="0">
@@ -9765,7 +10149,7 @@
                 <a:cs typeface="Microsoft JhengHei"/>
                 <a:sym typeface="Microsoft JhengHei"/>
               </a:rPr>
-              <a:t>Codebook making and git usage</a:t>
+              <a:t>Codebook making and git basic usage</a:t>
             </a:r>
             <a:endParaRPr dirty="0">
               <a:latin typeface="Microsoft JhengHei"/>
@@ -9850,25 +10234,7 @@
                 <a:cs typeface="Microsoft JhengHei"/>
                 <a:sym typeface="Microsoft JhengHei"/>
               </a:rPr>
-              <a:t>Git and </a:t>
-            </a:r>
-            <a:r>
-              <a:rPr lang="en-US" altLang="zh-TW" dirty="0" err="1">
-                <a:latin typeface="Microsoft JhengHei"/>
-                <a:ea typeface="Microsoft JhengHei"/>
-                <a:cs typeface="Microsoft JhengHei"/>
-                <a:sym typeface="Microsoft JhengHei"/>
-              </a:rPr>
-              <a:t>Github</a:t>
-            </a:r>
-            <a:r>
-              <a:rPr lang="en-US" altLang="zh-TW" dirty="0">
-                <a:latin typeface="Microsoft JhengHei"/>
-                <a:ea typeface="Microsoft JhengHei"/>
-                <a:cs typeface="Microsoft JhengHei"/>
-                <a:sym typeface="Microsoft JhengHei"/>
-              </a:rPr>
-              <a:t> intro</a:t>
+              <a:t>Codebook editing</a:t>
             </a:r>
             <a:endParaRPr dirty="0">
               <a:latin typeface="Microsoft JhengHei"/>
@@ -9922,86 +10288,257 @@
               <a:buChar char="●"/>
             </a:pPr>
             <a:r>
+              <a:rPr lang="zh-TW" altLang="en-US" dirty="0">
+                <a:solidFill>
+                  <a:schemeClr val="tx1"/>
+                </a:solidFill>
+              </a:rPr>
+              <a:t>打開專案資料夾的</a:t>
+            </a:r>
+            <a:r>
+              <a:rPr lang="en-US" altLang="zh-TW" dirty="0" err="1">
+                <a:solidFill>
+                  <a:schemeClr val="tx1"/>
+                </a:solidFill>
+              </a:rPr>
+              <a:t>content.tex</a:t>
+            </a:r>
+            <a:endParaRPr lang="en-US" altLang="zh-TW" dirty="0">
+              <a:solidFill>
+                <a:schemeClr val="tx1"/>
+              </a:solidFill>
+            </a:endParaRPr>
+          </a:p>
+          <a:p>
+            <a:pPr lvl="0"/>
+            <a:r>
+              <a:rPr lang="en-US" altLang="zh-TW" dirty="0">
+                <a:solidFill>
+                  <a:schemeClr val="tx1"/>
+                </a:solidFill>
+              </a:rPr>
+              <a:t>\section</a:t>
+            </a:r>
+            <a:r>
+              <a:rPr lang="zh-TW" altLang="en-US" dirty="0">
+                <a:solidFill>
+                  <a:schemeClr val="tx1"/>
+                </a:solidFill>
+              </a:rPr>
+              <a:t>就是大主題，</a:t>
+            </a:r>
+            <a:r>
+              <a:rPr lang="en-US" altLang="zh-TW" dirty="0">
+                <a:solidFill>
+                  <a:schemeClr val="tx1"/>
+                </a:solidFill>
+              </a:rPr>
+              <a:t>\subsection</a:t>
+            </a:r>
+            <a:r>
+              <a:rPr lang="zh-TW" altLang="en-US" dirty="0">
+                <a:solidFill>
+                  <a:schemeClr val="tx1"/>
+                </a:solidFill>
+              </a:rPr>
+              <a:t>就是每個小概念</a:t>
+            </a:r>
+            <a:r>
+              <a:rPr lang="en-US" altLang="zh-TW" dirty="0" err="1">
+                <a:solidFill>
+                  <a:schemeClr val="tx1"/>
+                </a:solidFill>
+              </a:rPr>
+              <a:t>templete</a:t>
+            </a:r>
+            <a:r>
+              <a:rPr lang="zh-TW" altLang="en-US" dirty="0">
+                <a:solidFill>
+                  <a:schemeClr val="tx1"/>
+                </a:solidFill>
+              </a:rPr>
+              <a:t>的名字，</a:t>
+            </a:r>
+            <a:br>
+              <a:rPr lang="en-US" altLang="zh-TW" dirty="0">
+                <a:solidFill>
+                  <a:schemeClr val="tx1"/>
+                </a:solidFill>
+              </a:rPr>
+            </a:br>
+            <a:r>
               <a:rPr lang="en-US" altLang="zh-TW" dirty="0"/>
-              <a:t>Git </a:t>
+              <a:t>\</a:t>
+            </a:r>
+            <a:r>
+              <a:rPr lang="en-US" altLang="zh-TW" dirty="0" err="1"/>
+              <a:t>lstinputlisting</a:t>
             </a:r>
             <a:r>
               <a:rPr lang="zh-TW" altLang="en-US" dirty="0"/>
-              <a:t>是一個分散式版本控制軟體，而</a:t>
+              <a:t>就是要開哪個資料夾的哪個檔案</a:t>
+            </a:r>
+            <a:endParaRPr lang="en-US" altLang="zh-TW" dirty="0"/>
+          </a:p>
+          <a:p>
+            <a:pPr lvl="0"/>
+            <a:r>
+              <a:rPr lang="zh-TW" altLang="en-US" dirty="0">
+                <a:solidFill>
+                  <a:schemeClr val="tx1"/>
+                </a:solidFill>
+              </a:rPr>
+              <a:t>所以記得相對應的檔案要在正確的資料夾存在，否則會跑不出來</a:t>
+            </a:r>
+            <a:endParaRPr lang="en-US" altLang="zh-TW" dirty="0">
+              <a:solidFill>
+                <a:schemeClr val="tx1"/>
+              </a:solidFill>
+            </a:endParaRPr>
+          </a:p>
+          <a:p>
+            <a:pPr lvl="0"/>
+            <a:r>
+              <a:rPr lang="zh-TW" altLang="en-US" dirty="0">
+                <a:solidFill>
+                  <a:schemeClr val="tx1"/>
+                </a:solidFill>
+              </a:rPr>
+              <a:t>你也可以先將你自己習慣的程式碼放進其他資料夾裡面，然後不要</a:t>
+            </a:r>
+            <a:r>
+              <a:rPr lang="en-US" altLang="zh-TW" dirty="0"/>
+              <a:t>\</a:t>
             </a:r>
             <a:r>
               <a:rPr lang="en-US" altLang="zh-TW" dirty="0" err="1"/>
-              <a:t>Github</a:t>
+              <a:t>lstinputlisting</a:t>
             </a:r>
             <a:r>
               <a:rPr lang="zh-TW" altLang="en-US" dirty="0"/>
-              <a:t>則是透過</a:t>
-            </a:r>
-            <a:r>
-              <a:rPr lang="en-US" altLang="zh-TW" dirty="0"/>
-              <a:t>Git</a:t>
-            </a:r>
-            <a:r>
-              <a:rPr lang="zh-TW" altLang="en-US" dirty="0"/>
-              <a:t>來保管程式碼的平臺</a:t>
+              <a:t>，等到有需要再調整就好</a:t>
             </a:r>
             <a:endParaRPr lang="en-US" altLang="zh-TW" dirty="0"/>
           </a:p>
           <a:p>
-            <a:pPr marL="457200" lvl="0" indent="-342900" algn="l" rtl="0">
-              <a:lnSpc>
-                <a:spcPct val="115000"/>
-              </a:lnSpc>
-              <a:spcBef>
-                <a:spcPts val="0"/>
-              </a:spcBef>
-              <a:spcAft>
-                <a:spcPts val="0"/>
-              </a:spcAft>
-              <a:buSzPts val="1800"/>
-              <a:buChar char="●"/>
-            </a:pPr>
-            <a:r>
-              <a:rPr lang="zh-TW" altLang="en-US" dirty="0"/>
-              <a:t>只要會用</a:t>
-            </a:r>
-            <a:r>
-              <a:rPr lang="en-US" altLang="zh-TW" dirty="0"/>
-              <a:t>Git</a:t>
-            </a:r>
-            <a:r>
-              <a:rPr lang="zh-TW" altLang="en-US" dirty="0"/>
-              <a:t>，就可以在本地端測試完你要的功能，然後再同步到雲端</a:t>
-            </a:r>
-            <a:endParaRPr lang="en-US" altLang="zh-TW" dirty="0"/>
-          </a:p>
-          <a:p>
-            <a:pPr marL="457200" lvl="0" indent="-342900" algn="l" rtl="0">
-              <a:lnSpc>
-                <a:spcPct val="115000"/>
-              </a:lnSpc>
-              <a:spcBef>
-                <a:spcPts val="0"/>
-              </a:spcBef>
-              <a:spcAft>
-                <a:spcPts val="0"/>
-              </a:spcAft>
-              <a:buSzPts val="1800"/>
-              <a:buChar char="●"/>
-            </a:pPr>
-            <a:r>
-              <a:rPr lang="zh-TW" altLang="en-US" dirty="0"/>
-              <a:t>還有其他功能就自己</a:t>
-            </a:r>
-            <a:r>
-              <a:rPr lang="en-US" altLang="zh-TW" dirty="0"/>
-              <a:t>Google</a:t>
-            </a:r>
-            <a:r>
-              <a:rPr lang="zh-TW" altLang="en-US" dirty="0"/>
-              <a:t>查吧，我這邊只會教如何更新至雲端</a:t>
-            </a:r>
-            <a:endParaRPr lang="en-US" altLang="zh-TW" dirty="0"/>
+            <a:pPr lvl="0"/>
+            <a:r>
+              <a:rPr lang="en-US" altLang="zh-TW" dirty="0" err="1">
+                <a:solidFill>
+                  <a:schemeClr val="tx1"/>
+                </a:solidFill>
+              </a:rPr>
+              <a:t>content.tex</a:t>
+            </a:r>
+            <a:r>
+              <a:rPr lang="en-US" altLang="zh-TW" dirty="0">
+                <a:solidFill>
+                  <a:schemeClr val="tx1"/>
+                </a:solidFill>
+              </a:rPr>
+              <a:t> </a:t>
+            </a:r>
+            <a:r>
+              <a:rPr lang="zh-TW" altLang="en-US" dirty="0">
+                <a:solidFill>
+                  <a:schemeClr val="tx1"/>
+                </a:solidFill>
+              </a:rPr>
+              <a:t>改完就存檔就好，不用播放，也放不出來</a:t>
+            </a:r>
+            <a:endParaRPr lang="en-US" altLang="zh-TW" dirty="0">
+              <a:solidFill>
+                <a:schemeClr val="tx1"/>
+              </a:solidFill>
+            </a:endParaRPr>
+          </a:p>
+          <a:p>
+            <a:pPr lvl="0"/>
+            <a:r>
+              <a:rPr lang="en-US" altLang="zh-TW" dirty="0" err="1">
+                <a:solidFill>
+                  <a:srgbClr val="FF0000"/>
+                </a:solidFill>
+              </a:rPr>
+              <a:t>codebook.tex</a:t>
+            </a:r>
+            <a:r>
+              <a:rPr lang="en-US" altLang="zh-TW" dirty="0">
+                <a:solidFill>
+                  <a:srgbClr val="FF0000"/>
+                </a:solidFill>
+              </a:rPr>
+              <a:t> </a:t>
+            </a:r>
+            <a:r>
+              <a:rPr lang="zh-TW" altLang="en-US" dirty="0">
+                <a:solidFill>
+                  <a:srgbClr val="FF0000"/>
+                </a:solidFill>
+              </a:rPr>
+              <a:t>改 </a:t>
+            </a:r>
+            <a:r>
+              <a:rPr lang="en-US" altLang="zh-TW" dirty="0">
+                <a:solidFill>
+                  <a:srgbClr val="FF0000"/>
+                </a:solidFill>
+              </a:rPr>
+              <a:t>codebook </a:t>
+            </a:r>
+            <a:r>
+              <a:rPr lang="zh-TW" altLang="en-US" dirty="0">
+                <a:solidFill>
+                  <a:srgbClr val="FF0000"/>
+                </a:solidFill>
+              </a:rPr>
+              <a:t>本身的格式，</a:t>
+            </a:r>
+            <a:r>
+              <a:rPr lang="en-US" altLang="zh-TW" dirty="0" err="1">
+                <a:solidFill>
+                  <a:srgbClr val="FF0000"/>
+                </a:solidFill>
+              </a:rPr>
+              <a:t>content.tex</a:t>
+            </a:r>
+            <a:r>
+              <a:rPr lang="en-US" altLang="zh-TW" dirty="0">
+                <a:solidFill>
+                  <a:srgbClr val="FF0000"/>
+                </a:solidFill>
+              </a:rPr>
+              <a:t> </a:t>
+            </a:r>
+            <a:r>
+              <a:rPr lang="zh-TW" altLang="en-US" dirty="0">
+                <a:solidFill>
+                  <a:srgbClr val="FF0000"/>
+                </a:solidFill>
+              </a:rPr>
+              <a:t>改 </a:t>
+            </a:r>
+            <a:r>
+              <a:rPr lang="en-US" altLang="zh-TW" dirty="0">
+                <a:solidFill>
+                  <a:srgbClr val="FF0000"/>
+                </a:solidFill>
+              </a:rPr>
+              <a:t>codebook </a:t>
+            </a:r>
+            <a:r>
+              <a:rPr lang="zh-TW" altLang="en-US" dirty="0">
+                <a:solidFill>
+                  <a:srgbClr val="FF0000"/>
+                </a:solidFill>
+              </a:rPr>
+              <a:t>的內容</a:t>
+            </a:r>
+            <a:endParaRPr lang="en-US" altLang="zh-TW" dirty="0">
+              <a:solidFill>
+                <a:srgbClr val="FF0000"/>
+              </a:solidFill>
+            </a:endParaRPr>
           </a:p>
           <a:p>
             <a:pPr marL="457200" lvl="0" indent="-342900" algn="l" rtl="0">
@@ -10094,7 +10631,7 @@
     </p:spTree>
     <p:extLst>
       <p:ext uri="{BB962C8B-B14F-4D97-AF65-F5344CB8AC3E}">
-        <p14:creationId xmlns:p14="http://schemas.microsoft.com/office/powerpoint/2010/main" val="3774511067"/>
+        <p14:creationId xmlns:p14="http://schemas.microsoft.com/office/powerpoint/2010/main" val="234966480"/>
       </p:ext>
     </p:extLst>
   </p:cSld>
@@ -10109,7 +10646,7 @@
   <p:cSld>
     <p:spTree>
       <p:nvGrpSpPr>
-        <p:cNvPr id="1" name="Shape 241"/>
+        <p:cNvPr id="1" name="Shape 56"/>
         <p:cNvGrpSpPr/>
         <p:nvPr/>
       </p:nvGrpSpPr>
@@ -10123,7 +10660,7 @@
       </p:grpSpPr>
       <p:sp>
         <p:nvSpPr>
-          <p:cNvPr id="242" name="Google Shape;242;p37"/>
+          <p:cNvPr id="57" name="Google Shape;57;p12"/>
           <p:cNvSpPr txBox="1">
             <a:spLocks noGrp="1"/>
           </p:cNvSpPr>
@@ -10133,8 +10670,8 @@
         </p:nvSpPr>
         <p:spPr>
           <a:xfrm>
-            <a:off x="311700" y="445025"/>
-            <a:ext cx="8520600" cy="572700"/>
+            <a:off x="510450" y="2057400"/>
+            <a:ext cx="8123100" cy="778800"/>
           </a:xfrm>
           <a:prstGeom prst="rect">
             <a:avLst/>
@@ -10145,7 +10682,7 @@
           </a:ln>
         </p:spPr>
         <p:txBody>
-          <a:bodyPr spcFirstLastPara="1" wrap="square" lIns="91425" tIns="91425" rIns="91425" bIns="91425" anchor="t" anchorCtr="0">
+          <a:bodyPr spcFirstLastPara="1" wrap="square" lIns="91425" tIns="91425" rIns="91425" bIns="91425" anchor="b" anchorCtr="0">
             <a:noAutofit/>
           </a:bodyPr>
           <a:lstStyle/>
@@ -10160,32 +10697,19 @@
               <a:spcAft>
                 <a:spcPts val="0"/>
               </a:spcAft>
-              <a:buSzPts val="2800"/>
+              <a:buSzPts val="3600"/>
               <a:buNone/>
             </a:pPr>
             <a:r>
-              <a:rPr lang="en-US" altLang="zh-TW" dirty="0">
+              <a:rPr lang="en-US" sz="4000" dirty="0">
                 <a:latin typeface="Microsoft JhengHei"/>
                 <a:ea typeface="Microsoft JhengHei"/>
                 <a:cs typeface="Microsoft JhengHei"/>
                 <a:sym typeface="Microsoft JhengHei"/>
               </a:rPr>
-              <a:t>Download </a:t>
-            </a:r>
-            <a:r>
-              <a:rPr lang="en-US" altLang="zh-TW" dirty="0"/>
-              <a:t>git and generate </a:t>
-            </a:r>
-            <a:r>
-              <a:rPr lang="en-US" altLang="zh-TW" dirty="0">
-                <a:latin typeface="Microsoft JhengHei"/>
-                <a:ea typeface="Microsoft JhengHei"/>
-                <a:cs typeface="Microsoft JhengHei"/>
-                <a:sym typeface="Microsoft JhengHei"/>
-              </a:rPr>
-              <a:t>SSH key</a:t>
-            </a:r>
-            <a:endParaRPr dirty="0">
+              <a:t>Git basic usage</a:t>
+            </a:r>
+            <a:endParaRPr sz="4000" dirty="0">
               <a:latin typeface="Microsoft JhengHei"/>
               <a:ea typeface="Microsoft JhengHei"/>
               <a:cs typeface="Microsoft JhengHei"/>
@@ -10196,18 +10720,14 @@
       </p:sp>
       <p:sp>
         <p:nvSpPr>
-          <p:cNvPr id="243" name="Google Shape;243;p37"/>
-          <p:cNvSpPr txBox="1">
-            <a:spLocks noGrp="1"/>
-          </p:cNvSpPr>
-          <p:nvPr>
-            <p:ph type="body" idx="1"/>
-          </p:nvPr>
+          <p:cNvPr id="58" name="Google Shape;58;p12"/>
+          <p:cNvSpPr txBox="1"/>
+          <p:nvPr/>
         </p:nvSpPr>
         <p:spPr>
           <a:xfrm>
-            <a:off x="311699" y="1152474"/>
-            <a:ext cx="8758882" cy="3799969"/>
+            <a:off x="510449" y="3186752"/>
+            <a:ext cx="7650911" cy="338554"/>
           </a:xfrm>
           <a:prstGeom prst="rect">
             <a:avLst/>
@@ -10218,433 +10738,44 @@
           </a:ln>
         </p:spPr>
         <p:txBody>
-          <a:bodyPr spcFirstLastPara="1" wrap="square" lIns="91425" tIns="91425" rIns="91425" bIns="91425" anchor="t" anchorCtr="0">
+          <a:bodyPr spcFirstLastPara="1" wrap="square" lIns="91425" tIns="45700" rIns="91425" bIns="45700" anchor="t" anchorCtr="0">
             <a:noAutofit/>
           </a:bodyPr>
           <a:lstStyle/>
           <a:p>
-            <a:pPr marL="457200" lvl="0" indent="-342900" algn="l" rtl="0">
-              <a:lnSpc>
-                <a:spcPct val="115000"/>
-              </a:lnSpc>
-              <a:spcBef>
-                <a:spcPts val="0"/>
-              </a:spcBef>
-              <a:spcAft>
-                <a:spcPts val="0"/>
-              </a:spcAft>
-              <a:buSzPts val="1800"/>
-              <a:buChar char="●"/>
+            <a:pPr marL="0" marR="0" lvl="0" indent="0" algn="l" rtl="0">
+              <a:lnSpc>
+                <a:spcPct val="100000"/>
+              </a:lnSpc>
+              <a:spcBef>
+                <a:spcPts val="0"/>
+              </a:spcBef>
+              <a:spcAft>
+                <a:spcPts val="0"/>
+              </a:spcAft>
+              <a:buClr>
+                <a:srgbClr val="000000"/>
+              </a:buClr>
+              <a:buSzPts val="1600"/>
+              <a:buFont typeface="Arial"/>
+              <a:buNone/>
             </a:pPr>
-            <a:r>
-              <a:rPr lang="zh-TW" altLang="en-US" dirty="0"/>
-              <a:t>先下載 </a:t>
-            </a:r>
-            <a:r>
-              <a:rPr lang="en-US" altLang="zh-TW" dirty="0"/>
-              <a:t>Git for windows</a:t>
-            </a:r>
-            <a:r>
-              <a:rPr lang="zh-TW" altLang="en-US" dirty="0"/>
-              <a:t>並安裝，並且去辦一隻</a:t>
-            </a:r>
-            <a:r>
-              <a:rPr lang="en-US" altLang="zh-TW" dirty="0" err="1"/>
-              <a:t>Github</a:t>
-            </a:r>
-            <a:r>
-              <a:rPr lang="zh-TW" altLang="en-US" dirty="0"/>
-              <a:t>帳號</a:t>
-            </a:r>
-            <a:endParaRPr lang="en-US" altLang="zh-TW" dirty="0"/>
-          </a:p>
-          <a:p>
-            <a:pPr marL="457200" lvl="0" indent="-342900" algn="l" rtl="0">
-              <a:lnSpc>
-                <a:spcPct val="115000"/>
-              </a:lnSpc>
-              <a:spcBef>
-                <a:spcPts val="0"/>
-              </a:spcBef>
-              <a:spcAft>
-                <a:spcPts val="0"/>
-              </a:spcAft>
-              <a:buSzPts val="1800"/>
-              <a:buChar char="●"/>
-            </a:pPr>
-            <a:r>
-              <a:rPr lang="en-US" altLang="zh-TW" dirty="0" err="1"/>
-              <a:t>Github</a:t>
-            </a:r>
-            <a:r>
-              <a:rPr lang="zh-TW" altLang="en-US" dirty="0"/>
-              <a:t>有三個模式，</a:t>
-            </a:r>
-            <a:r>
-              <a:rPr lang="en-US" altLang="zh-TW" dirty="0"/>
-              <a:t>https / SSH / </a:t>
-            </a:r>
-            <a:r>
-              <a:rPr lang="en-US" altLang="zh-TW" dirty="0" err="1"/>
-              <a:t>Github</a:t>
-            </a:r>
-            <a:r>
-              <a:rPr lang="en-US" altLang="zh-TW" dirty="0"/>
-              <a:t> CLI</a:t>
-            </a:r>
-          </a:p>
-          <a:p>
-            <a:pPr marL="457200" lvl="0" indent="-342900" algn="l" rtl="0">
-              <a:lnSpc>
-                <a:spcPct val="115000"/>
-              </a:lnSpc>
-              <a:spcBef>
-                <a:spcPts val="0"/>
-              </a:spcBef>
-              <a:spcAft>
-                <a:spcPts val="0"/>
-              </a:spcAft>
-              <a:buSzPts val="1800"/>
-              <a:buChar char="●"/>
-            </a:pPr>
-            <a:r>
-              <a:rPr lang="en-US" altLang="zh-TW" dirty="0"/>
-              <a:t>https mode</a:t>
-            </a:r>
-            <a:r>
-              <a:rPr lang="zh-TW" altLang="en-US" dirty="0"/>
-              <a:t>每次推送上去跟同步下來都需要輸入帳號密碼，而</a:t>
-            </a:r>
-            <a:r>
-              <a:rPr lang="en-US" altLang="zh-TW" dirty="0"/>
-              <a:t>SSH</a:t>
-            </a:r>
-            <a:r>
-              <a:rPr lang="zh-TW" altLang="en-US" dirty="0"/>
-              <a:t>不用，他會直接對事先生成的</a:t>
-            </a:r>
-            <a:r>
-              <a:rPr lang="en-US" altLang="zh-TW" dirty="0"/>
-              <a:t>Key</a:t>
-            </a:r>
-            <a:r>
-              <a:rPr lang="zh-TW" altLang="en-US" dirty="0"/>
-              <a:t>，因此這次要先教如何生成一個</a:t>
-            </a:r>
-            <a:r>
-              <a:rPr lang="en-US" altLang="zh-TW" dirty="0"/>
-              <a:t>SSH key</a:t>
-            </a:r>
-          </a:p>
-          <a:p>
-            <a:pPr marL="457200" lvl="0" indent="-342900" algn="l" rtl="0">
-              <a:lnSpc>
-                <a:spcPct val="115000"/>
-              </a:lnSpc>
-              <a:spcBef>
-                <a:spcPts val="0"/>
-              </a:spcBef>
-              <a:spcAft>
-                <a:spcPts val="0"/>
-              </a:spcAft>
-              <a:buSzPts val="1800"/>
-              <a:buChar char="●"/>
-            </a:pPr>
-            <a:endParaRPr lang="en-US" altLang="zh-TW" dirty="0"/>
-          </a:p>
-          <a:p>
-            <a:pPr marL="457200" lvl="0" indent="-342900" algn="l" rtl="0">
-              <a:lnSpc>
-                <a:spcPct val="115000"/>
-              </a:lnSpc>
-              <a:spcBef>
-                <a:spcPts val="0"/>
-              </a:spcBef>
-              <a:spcAft>
-                <a:spcPts val="0"/>
-              </a:spcAft>
-              <a:buSzPts val="1800"/>
-              <a:buChar char="●"/>
-            </a:pPr>
-            <a:r>
-              <a:rPr lang="zh-TW" altLang="en-US" sz="1600" dirty="0"/>
-              <a:t>隨便一個地方右鍵</a:t>
-            </a:r>
-            <a:r>
-              <a:rPr lang="en-US" altLang="zh-TW" sz="1600" dirty="0"/>
-              <a:t>git bash here</a:t>
-            </a:r>
-          </a:p>
-          <a:p>
-            <a:pPr lvl="0"/>
-            <a:r>
-              <a:rPr lang="zh-TW" altLang="en-US" sz="1600" dirty="0"/>
-              <a:t>輸入</a:t>
-            </a:r>
-            <a:r>
-              <a:rPr lang="en-US" altLang="zh-TW" sz="1600" dirty="0" err="1"/>
-              <a:t>ssh</a:t>
-            </a:r>
-            <a:r>
-              <a:rPr lang="en-US" altLang="zh-TW" sz="1600" dirty="0"/>
-              <a:t>-keygen -t </a:t>
-            </a:r>
-            <a:r>
-              <a:rPr lang="en-US" altLang="zh-TW" sz="1600" dirty="0" err="1"/>
-              <a:t>rsa</a:t>
-            </a:r>
-            <a:r>
-              <a:rPr lang="en-US" altLang="zh-TW" sz="1600" dirty="0"/>
-              <a:t> -b 4096 -C [YOUR_EMAIL_ADDRESS]</a:t>
-            </a:r>
-            <a:r>
-              <a:rPr lang="zh-TW" altLang="en-US" sz="1600" dirty="0"/>
-              <a:t> </a:t>
-            </a:r>
-            <a:endParaRPr lang="en-US" altLang="zh-TW" sz="1600" dirty="0"/>
-          </a:p>
-          <a:p>
-            <a:pPr lvl="0"/>
-            <a:r>
-              <a:rPr lang="zh-TW" altLang="en-US" sz="1600" dirty="0"/>
-              <a:t>系統接著會問你存</a:t>
-            </a:r>
-            <a:r>
-              <a:rPr lang="en-US" altLang="zh-TW" sz="1600" dirty="0"/>
-              <a:t>key</a:t>
-            </a:r>
-            <a:r>
-              <a:rPr lang="zh-TW" altLang="en-US" sz="1600" dirty="0"/>
-              <a:t>的地方跟要不要設定密碼，我懶所以直接</a:t>
-            </a:r>
-            <a:r>
-              <a:rPr lang="en-US" altLang="zh-TW" sz="1600" dirty="0"/>
-              <a:t>enter</a:t>
-            </a:r>
-            <a:r>
-              <a:rPr lang="zh-TW" altLang="en-US" sz="1600" dirty="0"/>
-              <a:t>跳過</a:t>
-            </a:r>
-            <a:endParaRPr lang="en-US" altLang="zh-TW" sz="1600" dirty="0"/>
-          </a:p>
-          <a:p>
-            <a:pPr lvl="0"/>
-            <a:r>
-              <a:rPr lang="zh-TW" altLang="en-US" sz="1600" dirty="0"/>
-              <a:t>輸入</a:t>
-            </a:r>
-            <a:r>
-              <a:rPr lang="en-US" altLang="zh-TW" sz="1600" dirty="0"/>
-              <a:t>cat ~/.</a:t>
-            </a:r>
-            <a:r>
-              <a:rPr lang="en-US" altLang="zh-TW" sz="1600" dirty="0" err="1"/>
-              <a:t>ssh</a:t>
-            </a:r>
-            <a:r>
-              <a:rPr lang="en-US" altLang="zh-TW" sz="1600" dirty="0"/>
-              <a:t>/id_rsa.pub</a:t>
-            </a:r>
-            <a:r>
-              <a:rPr lang="zh-TW" altLang="en-US" sz="1600" dirty="0"/>
-              <a:t>，將出來的結果複製起來</a:t>
-            </a:r>
-            <a:r>
-              <a:rPr lang="en-US" altLang="zh-TW" sz="1600" dirty="0"/>
-              <a:t>(</a:t>
-            </a:r>
-            <a:r>
-              <a:rPr lang="zh-TW" altLang="en-US" sz="1600" dirty="0"/>
-              <a:t>整個複製，拉到整個</a:t>
-            </a:r>
-            <a:r>
-              <a:rPr lang="en-US" altLang="zh-TW" sz="1600" dirty="0"/>
-              <a:t>email</a:t>
-            </a:r>
-            <a:r>
-              <a:rPr lang="zh-TW" altLang="en-US" sz="1600" dirty="0"/>
-              <a:t>都反白為止</a:t>
-            </a:r>
-            <a:r>
-              <a:rPr lang="en-US" altLang="zh-TW" sz="1600" dirty="0"/>
-              <a:t>)</a:t>
-            </a:r>
-          </a:p>
-          <a:p>
-            <a:r>
-              <a:rPr lang="zh-TW" altLang="en-US" sz="1600" dirty="0"/>
-              <a:t>登入 </a:t>
-            </a:r>
-            <a:r>
-              <a:rPr lang="en-US" altLang="zh-TW" sz="1600" dirty="0" err="1"/>
-              <a:t>Github</a:t>
-            </a:r>
-            <a:r>
-              <a:rPr lang="en-US" altLang="zh-TW" sz="1600" dirty="0"/>
-              <a:t> &gt; </a:t>
-            </a:r>
-            <a:r>
-              <a:rPr lang="zh-TW" altLang="en-US" sz="1600" dirty="0"/>
-              <a:t>右上角 </a:t>
-            </a:r>
-            <a:r>
-              <a:rPr lang="en-US" altLang="zh-TW" sz="1600" dirty="0"/>
-              <a:t>Settings &gt; </a:t>
-            </a:r>
-            <a:r>
-              <a:rPr lang="zh-TW" altLang="en-US" sz="1600" dirty="0"/>
-              <a:t>左邊 </a:t>
-            </a:r>
-            <a:r>
-              <a:rPr lang="en-US" altLang="zh-TW" sz="1600" dirty="0"/>
-              <a:t>SSH and GPG keys &gt; </a:t>
-            </a:r>
-            <a:r>
-              <a:rPr lang="zh-TW" altLang="en-US" sz="1600" dirty="0"/>
-              <a:t>右邊 </a:t>
-            </a:r>
-            <a:r>
-              <a:rPr lang="en-US" altLang="zh-TW" sz="1600" dirty="0"/>
-              <a:t>New SSH key</a:t>
-            </a:r>
-          </a:p>
-          <a:p>
-            <a:r>
-              <a:rPr lang="zh-TW" altLang="en-US" sz="1600" dirty="0"/>
-              <a:t>取一個賞心悅目的名字，然後將剛剛那串貼上送出</a:t>
-            </a:r>
-          </a:p>
-          <a:p>
-            <a:endParaRPr lang="en-US" altLang="zh-TW" sz="1600" dirty="0"/>
-          </a:p>
-          <a:p>
-            <a:pPr lvl="0"/>
-            <a:endParaRPr lang="en-US" altLang="zh-TW" dirty="0"/>
-          </a:p>
-          <a:p>
-            <a:pPr marL="457200" lvl="0" indent="-342900" algn="l" rtl="0">
-              <a:lnSpc>
-                <a:spcPct val="115000"/>
-              </a:lnSpc>
-              <a:spcBef>
-                <a:spcPts val="0"/>
-              </a:spcBef>
-              <a:spcAft>
-                <a:spcPts val="0"/>
-              </a:spcAft>
-              <a:buSzPts val="1800"/>
-              <a:buChar char="●"/>
-            </a:pPr>
-            <a:endParaRPr lang="en-US" altLang="zh-TW" dirty="0"/>
-          </a:p>
-          <a:p>
-            <a:pPr marL="457200" lvl="0" indent="-342900" algn="l" rtl="0">
-              <a:lnSpc>
-                <a:spcPct val="115000"/>
-              </a:lnSpc>
-              <a:spcBef>
-                <a:spcPts val="0"/>
-              </a:spcBef>
-              <a:spcAft>
-                <a:spcPts val="0"/>
-              </a:spcAft>
-              <a:buSzPts val="1800"/>
-              <a:buChar char="●"/>
-            </a:pPr>
-            <a:endParaRPr lang="en-US" altLang="zh-TW" dirty="0"/>
-          </a:p>
-          <a:p>
-            <a:pPr marL="457200" lvl="0" indent="-342900" algn="l" rtl="0">
-              <a:lnSpc>
-                <a:spcPct val="115000"/>
-              </a:lnSpc>
-              <a:spcBef>
-                <a:spcPts val="0"/>
-              </a:spcBef>
-              <a:spcAft>
-                <a:spcPts val="0"/>
-              </a:spcAft>
-              <a:buSzPts val="1800"/>
-              <a:buChar char="●"/>
-            </a:pPr>
-            <a:endParaRPr lang="en-US" altLang="zh-TW" dirty="0"/>
-          </a:p>
-          <a:p>
-            <a:pPr marL="457200" lvl="0" indent="-342900" algn="l" rtl="0">
-              <a:lnSpc>
-                <a:spcPct val="115000"/>
-              </a:lnSpc>
-              <a:spcBef>
-                <a:spcPts val="0"/>
-              </a:spcBef>
-              <a:spcAft>
-                <a:spcPts val="0"/>
-              </a:spcAft>
-              <a:buSzPts val="1800"/>
-              <a:buChar char="●"/>
-            </a:pPr>
-            <a:endParaRPr lang="en-US" altLang="zh-TW" dirty="0"/>
-          </a:p>
-          <a:p>
-            <a:pPr marL="457200" lvl="0" indent="-342900" algn="l" rtl="0">
-              <a:lnSpc>
-                <a:spcPct val="115000"/>
-              </a:lnSpc>
-              <a:spcBef>
-                <a:spcPts val="0"/>
-              </a:spcBef>
-              <a:spcAft>
-                <a:spcPts val="0"/>
-              </a:spcAft>
-              <a:buSzPts val="1800"/>
-              <a:buChar char="●"/>
-            </a:pPr>
-            <a:endParaRPr dirty="0"/>
-          </a:p>
-        </p:txBody>
-      </p:sp>
-      <p:sp>
-        <p:nvSpPr>
-          <p:cNvPr id="2" name="投影片編號版面配置區 1">
-            <a:extLst>
-              <a:ext uri="{FF2B5EF4-FFF2-40B4-BE49-F238E27FC236}">
-                <a16:creationId xmlns:a16="http://schemas.microsoft.com/office/drawing/2014/main" id="{E5F2B600-0B8E-4FD9-BC4F-8E04A1563A49}"/>
-              </a:ext>
-            </a:extLst>
-          </p:cNvPr>
-          <p:cNvSpPr>
-            <a:spLocks noGrp="1"/>
-          </p:cNvSpPr>
-          <p:nvPr>
-            <p:ph type="sldNum" idx="12"/>
-          </p:nvPr>
-        </p:nvSpPr>
-        <p:spPr/>
-        <p:txBody>
-          <a:bodyPr/>
-          <a:lstStyle/>
-          <a:p>
-            <a:pPr marL="0" lvl="0" indent="0" algn="r" rtl="0">
-              <a:spcBef>
-                <a:spcPts val="0"/>
-              </a:spcBef>
-              <a:spcAft>
-                <a:spcPts val="0"/>
-              </a:spcAft>
-              <a:buNone/>
-            </a:pPr>
-            <a:fld id="{00000000-1234-1234-1234-123412341234}" type="slidenum">
-              <a:rPr lang="en-US" smtClean="0"/>
-              <a:t>11</a:t>
-            </a:fld>
-            <a:endParaRPr lang="en-US"/>
+            <a:endParaRPr sz="1600" b="0" i="0" u="none" strike="noStrike" cap="none">
+              <a:solidFill>
+                <a:schemeClr val="lt1"/>
+              </a:solidFill>
+              <a:latin typeface="Microsoft JhengHei"/>
+              <a:ea typeface="Microsoft JhengHei"/>
+              <a:cs typeface="Microsoft JhengHei"/>
+              <a:sym typeface="Microsoft JhengHei"/>
+            </a:endParaRPr>
           </a:p>
         </p:txBody>
       </p:sp>
     </p:spTree>
     <p:extLst>
       <p:ext uri="{BB962C8B-B14F-4D97-AF65-F5344CB8AC3E}">
-        <p14:creationId xmlns:p14="http://schemas.microsoft.com/office/powerpoint/2010/main" val="49042096"/>
+        <p14:creationId xmlns:p14="http://schemas.microsoft.com/office/powerpoint/2010/main" val="1903965547"/>
       </p:ext>
     </p:extLst>
   </p:cSld>
@@ -10714,16 +10845,31 @@
               <a:buNone/>
             </a:pPr>
             <a:r>
-              <a:rPr lang="en-US" dirty="0"/>
-              <a:t>Git</a:t>
-            </a:r>
-            <a:r>
-              <a:rPr lang="zh-TW" altLang="en-US" dirty="0"/>
-              <a:t> </a:t>
-            </a:r>
-            <a:r>
-              <a:rPr lang="en-US" altLang="zh-TW" dirty="0"/>
-              <a:t>pull and push intro</a:t>
+              <a:rPr lang="en-US" altLang="zh-TW" dirty="0">
+                <a:latin typeface="Microsoft JhengHei"/>
+                <a:ea typeface="Microsoft JhengHei"/>
+                <a:cs typeface="Microsoft JhengHei"/>
+                <a:sym typeface="Microsoft JhengHei"/>
+              </a:rPr>
+              <a:t>Git and </a:t>
+            </a:r>
+            <a:r>
+              <a:rPr lang="en-US" altLang="zh-TW" dirty="0" err="1">
+                <a:latin typeface="Microsoft JhengHei"/>
+                <a:ea typeface="Microsoft JhengHei"/>
+                <a:cs typeface="Microsoft JhengHei"/>
+                <a:sym typeface="Microsoft JhengHei"/>
+              </a:rPr>
+              <a:t>Github</a:t>
+            </a:r>
+            <a:r>
+              <a:rPr lang="en-US" altLang="zh-TW" dirty="0">
+                <a:latin typeface="Microsoft JhengHei"/>
+                <a:ea typeface="Microsoft JhengHei"/>
+                <a:cs typeface="Microsoft JhengHei"/>
+                <a:sym typeface="Microsoft JhengHei"/>
+              </a:rPr>
+              <a:t> intro</a:t>
             </a:r>
             <a:endParaRPr dirty="0">
               <a:latin typeface="Microsoft JhengHei"/>
@@ -10746,8 +10892,8 @@
         </p:nvSpPr>
         <p:spPr>
           <a:xfrm>
-            <a:off x="311699" y="1152474"/>
-            <a:ext cx="4754210" cy="3799969"/>
+            <a:off x="311699" y="1152475"/>
+            <a:ext cx="8658765" cy="3416400"/>
           </a:xfrm>
           <a:prstGeom prst="rect">
             <a:avLst/>
@@ -10777,16 +10923,32 @@
               <a:buChar char="●"/>
             </a:pPr>
             <a:r>
+              <a:rPr lang="en-US" altLang="zh-TW" dirty="0"/>
+              <a:t>Git </a:t>
+            </a:r>
+            <a:r>
               <a:rPr lang="zh-TW" altLang="en-US" dirty="0"/>
-              <a:t>右圖為</a:t>
+              <a:t>是一個分散式版本控制軟體，而 </a:t>
+            </a:r>
+            <a:r>
+              <a:rPr lang="en-US" altLang="zh-TW" dirty="0" err="1"/>
+              <a:t>Github</a:t>
             </a:r>
             <a:r>
               <a:rPr lang="en-US" altLang="zh-TW" dirty="0"/>
-              <a:t>Git</a:t>
+              <a:t> </a:t>
             </a:r>
             <a:r>
               <a:rPr lang="zh-TW" altLang="en-US" dirty="0"/>
-              <a:t>的基本流程</a:t>
+              <a:t>則是透過 </a:t>
+            </a:r>
+            <a:r>
+              <a:rPr lang="en-US" altLang="zh-TW" dirty="0"/>
+              <a:t>Git </a:t>
+            </a:r>
+            <a:r>
+              <a:rPr lang="zh-TW" altLang="en-US" dirty="0"/>
+              <a:t>來保管程式碼的平臺</a:t>
             </a:r>
             <a:endParaRPr lang="en-US" altLang="zh-TW" dirty="0"/>
           </a:p>
@@ -10806,31 +10968,15 @@
             </a:pPr>
             <a:r>
               <a:rPr lang="zh-TW" altLang="en-US" dirty="0"/>
-              <a:t>第一次抓別人的專案下來需要</a:t>
+              <a:t>只要會用 </a:t>
             </a:r>
             <a:r>
               <a:rPr lang="en-US" altLang="zh-TW" dirty="0"/>
-              <a:t>git clone</a:t>
+              <a:t>Git</a:t>
             </a:r>
             <a:r>
               <a:rPr lang="zh-TW" altLang="en-US" dirty="0"/>
-              <a:t>以創建一個</a:t>
-            </a:r>
-            <a:r>
-              <a:rPr lang="en-US" altLang="zh-TW" dirty="0"/>
-              <a:t>local repository</a:t>
-            </a:r>
-            <a:r>
-              <a:rPr lang="zh-TW" altLang="en-US" dirty="0"/>
-              <a:t>，之後只要</a:t>
-            </a:r>
-            <a:r>
-              <a:rPr lang="en-US" altLang="zh-TW" dirty="0"/>
-              <a:t>git pull</a:t>
-            </a:r>
-            <a:r>
-              <a:rPr lang="zh-TW" altLang="en-US" dirty="0"/>
-              <a:t>更新就好</a:t>
+              <a:t>，就可以在本地端測試完你要的功能，然後再同步到雲端</a:t>
             </a:r>
             <a:endParaRPr lang="en-US" altLang="zh-TW" dirty="0"/>
           </a:p>
@@ -10850,20 +10996,20 @@
             </a:pPr>
             <a:r>
               <a:rPr lang="zh-TW" altLang="en-US" dirty="0"/>
-              <a:t>要送上去要過 </a:t>
+              <a:t>以下將介紹基本 </a:t>
             </a:r>
             <a:r>
               <a:rPr lang="en-US" altLang="zh-TW" dirty="0"/>
-              <a:t>git add &gt; git commit &gt; git push</a:t>
+              <a:t>Git </a:t>
             </a:r>
             <a:r>
               <a:rPr lang="zh-TW" altLang="en-US" dirty="0"/>
-              <a:t>三個步驟，不可省略。</a:t>
-            </a:r>
-            <a:endParaRPr lang="en-US" altLang="zh-TW" dirty="0"/>
-          </a:p>
-          <a:p>
-            <a:endParaRPr lang="en-US" altLang="zh-TW" dirty="0"/>
+              <a:t>的使用方法，以方便各位更新 </a:t>
+            </a:r>
+            <a:r>
+              <a:rPr lang="en-US" altLang="zh-TW" dirty="0"/>
+              <a:t>codebook</a:t>
+            </a:r>
           </a:p>
           <a:p>
             <a:pPr marL="457200" lvl="0" indent="-342900" algn="l" rtl="0">
@@ -10882,10 +11028,6 @@
             <a:endParaRPr lang="en-US" altLang="zh-TW" dirty="0"/>
           </a:p>
           <a:p>
-            <a:pPr lvl="0"/>
-            <a:endParaRPr lang="en-US" altLang="zh-TW" dirty="0"/>
-          </a:p>
-          <a:p>
             <a:pPr marL="457200" lvl="0" indent="-342900" algn="l" rtl="0">
               <a:lnSpc>
                 <a:spcPct val="115000"/>
@@ -10899,38 +11041,36 @@
               <a:buSzPts val="1800"/>
               <a:buChar char="●"/>
             </a:pPr>
-            <a:endParaRPr lang="en-US" altLang="zh-TW" dirty="0"/>
-          </a:p>
-          <a:p>
-            <a:pPr marL="457200" lvl="0" indent="-342900" algn="l" rtl="0">
-              <a:lnSpc>
-                <a:spcPct val="115000"/>
-              </a:lnSpc>
-              <a:spcBef>
-                <a:spcPts val="0"/>
-              </a:spcBef>
-              <a:spcAft>
-                <a:spcPts val="0"/>
-              </a:spcAft>
-              <a:buSzPts val="1800"/>
-              <a:buChar char="●"/>
-            </a:pPr>
-            <a:endParaRPr lang="en-US" altLang="zh-TW" dirty="0"/>
-          </a:p>
-          <a:p>
-            <a:pPr marL="457200" lvl="0" indent="-342900" algn="l" rtl="0">
-              <a:lnSpc>
-                <a:spcPct val="115000"/>
-              </a:lnSpc>
-              <a:spcBef>
-                <a:spcPts val="0"/>
-              </a:spcBef>
-              <a:spcAft>
-                <a:spcPts val="0"/>
-              </a:spcAft>
-              <a:buSzPts val="1800"/>
-              <a:buChar char="●"/>
-            </a:pPr>
+            <a:r>
+              <a:rPr lang="zh-TW" altLang="en-US" dirty="0"/>
+              <a:t>首先，先辦一支 </a:t>
+            </a:r>
+            <a:r>
+              <a:rPr lang="en-US" altLang="zh-TW" dirty="0" err="1"/>
+              <a:t>Github</a:t>
+            </a:r>
+            <a:r>
+              <a:rPr lang="en-US" altLang="zh-TW" dirty="0"/>
+              <a:t> </a:t>
+            </a:r>
+            <a:r>
+              <a:rPr lang="zh-TW" altLang="en-US" dirty="0"/>
+              <a:t>帳號，並且下載 </a:t>
+            </a:r>
+            <a:r>
+              <a:rPr lang="en-US" altLang="zh-TW" dirty="0">
+                <a:hlinkClick r:id="rId3"/>
+              </a:rPr>
+              <a:t>Git for windows</a:t>
+            </a:r>
+            <a:r>
+              <a:rPr lang="en-US" altLang="zh-TW" dirty="0"/>
+              <a:t> </a:t>
+            </a:r>
+            <a:r>
+              <a:rPr lang="zh-TW" altLang="en-US" dirty="0"/>
+              <a:t>且安裝</a:t>
+            </a:r>
             <a:endParaRPr lang="en-US" altLang="zh-TW" dirty="0"/>
           </a:p>
           <a:p>
@@ -11005,55 +11145,10 @@
           </a:p>
         </p:txBody>
       </p:sp>
-      <p:pic>
-        <p:nvPicPr>
-          <p:cNvPr id="2052" name="Picture 4" descr="http://dic.vbird.tw/network_project/images/git_procedure.png">
-            <a:extLst>
-              <a:ext uri="{FF2B5EF4-FFF2-40B4-BE49-F238E27FC236}">
-                <a16:creationId xmlns:a16="http://schemas.microsoft.com/office/drawing/2014/main" id="{04877AFF-0755-4B71-BD2A-26F8B520C0BA}"/>
-              </a:ext>
-            </a:extLst>
-          </p:cNvPr>
-          <p:cNvPicPr>
-            <a:picLocks noChangeAspect="1" noChangeArrowheads="1"/>
-          </p:cNvPicPr>
-          <p:nvPr/>
-        </p:nvPicPr>
-        <p:blipFill rotWithShape="1">
-          <a:blip r:embed="rId3">
-            <a:extLst>
-              <a:ext uri="{28A0092B-C50C-407E-A947-70E740481C1C}">
-                <a14:useLocalDpi xmlns:a14="http://schemas.microsoft.com/office/drawing/2010/main" val="0"/>
-              </a:ext>
-            </a:extLst>
-          </a:blip>
-          <a:srcRect l="2271" t="3617" r="4930" b="6539"/>
-          <a:stretch/>
-        </p:blipFill>
-        <p:spPr bwMode="auto">
-          <a:xfrm>
-            <a:off x="4991919" y="86682"/>
-            <a:ext cx="3945173" cy="2182631"/>
-          </a:xfrm>
-          <a:prstGeom prst="rect">
-            <a:avLst/>
-          </a:prstGeom>
-          <a:noFill/>
-          <a:extLst>
-            <a:ext uri="{909E8E84-426E-40DD-AFC4-6F175D3DCCD1}">
-              <a14:hiddenFill xmlns:a14="http://schemas.microsoft.com/office/drawing/2010/main">
-                <a:solidFill>
-                  <a:srgbClr val="FFFFFF"/>
-                </a:solidFill>
-              </a14:hiddenFill>
-            </a:ext>
-          </a:extLst>
-        </p:spPr>
-      </p:pic>
     </p:spTree>
     <p:extLst>
       <p:ext uri="{BB962C8B-B14F-4D97-AF65-F5344CB8AC3E}">
-        <p14:creationId xmlns:p14="http://schemas.microsoft.com/office/powerpoint/2010/main" val="2257625500"/>
+        <p14:creationId xmlns:p14="http://schemas.microsoft.com/office/powerpoint/2010/main" val="3774511067"/>
       </p:ext>
     </p:extLst>
   </p:cSld>
@@ -11123,16 +11218,26 @@
               <a:buNone/>
             </a:pPr>
             <a:r>
-              <a:rPr lang="en-US" dirty="0"/>
-              <a:t>Git</a:t>
-            </a:r>
-            <a:r>
-              <a:rPr lang="zh-TW" altLang="en-US" dirty="0"/>
-              <a:t> </a:t>
+              <a:rPr lang="en-US" altLang="zh-TW" dirty="0">
+                <a:latin typeface="Microsoft JhengHei"/>
+                <a:ea typeface="Microsoft JhengHei"/>
+                <a:cs typeface="Microsoft JhengHei"/>
+                <a:sym typeface="Microsoft JhengHei"/>
+              </a:rPr>
+              <a:t>Download </a:t>
             </a:r>
             <a:r>
               <a:rPr lang="en-US" altLang="zh-TW" dirty="0"/>
-              <a:t>pull</a:t>
+              <a:t>git and generate </a:t>
+            </a:r>
+            <a:r>
+              <a:rPr lang="en-US" altLang="zh-TW" dirty="0">
+                <a:latin typeface="Microsoft JhengHei"/>
+                <a:ea typeface="Microsoft JhengHei"/>
+                <a:cs typeface="Microsoft JhengHei"/>
+                <a:sym typeface="Microsoft JhengHei"/>
+              </a:rPr>
+              <a:t>SSH key</a:t>
             </a:r>
             <a:endParaRPr dirty="0">
               <a:latin typeface="Microsoft JhengHei"/>
@@ -11155,8 +11260,8 @@
         </p:nvSpPr>
         <p:spPr>
           <a:xfrm>
-            <a:off x="311698" y="1152474"/>
-            <a:ext cx="8520599" cy="3799969"/>
+            <a:off x="311699" y="1152474"/>
+            <a:ext cx="8758882" cy="3799969"/>
           </a:xfrm>
           <a:prstGeom prst="rect">
             <a:avLst/>
@@ -11172,101 +11277,6 @@
           </a:bodyPr>
           <a:lstStyle/>
           <a:p>
-            <a:r>
-              <a:rPr lang="zh-TW" altLang="en-US" dirty="0"/>
-              <a:t>回到剛剛我的</a:t>
-            </a:r>
-            <a:r>
-              <a:rPr lang="en-US" altLang="zh-TW" dirty="0"/>
-              <a:t>repository</a:t>
-            </a:r>
-            <a:r>
-              <a:rPr lang="zh-TW" altLang="en-US" dirty="0"/>
-              <a:t>（下稱</a:t>
-            </a:r>
-            <a:r>
-              <a:rPr lang="en-US" altLang="zh-TW" dirty="0"/>
-              <a:t>repo</a:t>
-            </a:r>
-            <a:r>
-              <a:rPr lang="zh-TW" altLang="en-US" dirty="0"/>
-              <a:t>），然後如右圖按下複製</a:t>
-            </a:r>
-            <a:endParaRPr lang="en-US" altLang="zh-TW" dirty="0"/>
-          </a:p>
-          <a:p>
-            <a:r>
-              <a:rPr lang="zh-TW" altLang="en-US" dirty="0"/>
-              <a:t>打開</a:t>
-            </a:r>
-            <a:r>
-              <a:rPr lang="en-US" altLang="zh-TW" dirty="0"/>
-              <a:t>git bash</a:t>
-            </a:r>
-            <a:r>
-              <a:rPr lang="zh-TW" altLang="en-US" dirty="0"/>
-              <a:t>，輸入</a:t>
-            </a:r>
-            <a:r>
-              <a:rPr lang="en-US" altLang="zh-TW" dirty="0"/>
-              <a:t>git clone</a:t>
-            </a:r>
-            <a:r>
-              <a:rPr lang="zh-TW" altLang="en-US" dirty="0"/>
-              <a:t>，然後隔一個空白鍵貼上剛剛那串後</a:t>
-            </a:r>
-            <a:r>
-              <a:rPr lang="en-US" altLang="zh-TW" dirty="0"/>
-              <a:t>Enter</a:t>
-            </a:r>
-          </a:p>
-          <a:p>
-            <a:r>
-              <a:rPr lang="zh-TW" altLang="en-US" dirty="0"/>
-              <a:t>跑一下，就會在你開</a:t>
-            </a:r>
-            <a:r>
-              <a:rPr lang="en-US" altLang="zh-TW" dirty="0"/>
-              <a:t>bash</a:t>
-            </a:r>
-            <a:r>
-              <a:rPr lang="zh-TW" altLang="en-US" dirty="0"/>
-              <a:t>的地方出現一個</a:t>
-            </a:r>
-            <a:r>
-              <a:rPr lang="en-US" altLang="zh-TW" dirty="0"/>
-              <a:t>local repo</a:t>
-            </a:r>
-          </a:p>
-          <a:p>
-            <a:r>
-              <a:rPr lang="zh-TW" altLang="en-US" dirty="0"/>
-              <a:t>然後就可以大改特改啦</a:t>
-            </a:r>
-            <a:r>
-              <a:rPr lang="en-US" altLang="zh-TW" dirty="0"/>
-              <a:t>~</a:t>
-            </a:r>
-          </a:p>
-          <a:p>
-            <a:r>
-              <a:rPr lang="zh-TW" altLang="en-US" dirty="0"/>
-              <a:t>如果已經有這專案的</a:t>
-            </a:r>
-            <a:r>
-              <a:rPr lang="en-US" altLang="zh-TW" dirty="0"/>
-              <a:t>local repo</a:t>
-            </a:r>
-            <a:r>
-              <a:rPr lang="zh-TW" altLang="en-US" dirty="0"/>
-              <a:t>，想要同步進度的話，只要輸入</a:t>
-            </a:r>
-            <a:r>
-              <a:rPr lang="en-US" altLang="zh-TW" dirty="0"/>
-              <a:t>git pull</a:t>
-            </a:r>
-          </a:p>
-          <a:p>
             <a:pPr marL="457200" lvl="0" indent="-342900" algn="l" rtl="0">
               <a:lnSpc>
                 <a:spcPct val="115000"/>
@@ -11280,6 +11290,180 @@
               <a:buSzPts val="1800"/>
               <a:buChar char="●"/>
             </a:pPr>
+            <a:r>
+              <a:rPr lang="en-US" altLang="zh-TW" dirty="0" err="1"/>
+              <a:t>Github</a:t>
+            </a:r>
+            <a:r>
+              <a:rPr lang="zh-TW" altLang="en-US" dirty="0"/>
+              <a:t>有三個模式，</a:t>
+            </a:r>
+            <a:r>
+              <a:rPr lang="en-US" altLang="zh-TW" dirty="0"/>
+              <a:t>https / SSH / </a:t>
+            </a:r>
+            <a:r>
+              <a:rPr lang="en-US" altLang="zh-TW" dirty="0" err="1"/>
+              <a:t>Github</a:t>
+            </a:r>
+            <a:r>
+              <a:rPr lang="en-US" altLang="zh-TW" dirty="0"/>
+              <a:t> CLI</a:t>
+            </a:r>
+          </a:p>
+          <a:p>
+            <a:pPr marL="457200" lvl="0" indent="-342900" algn="l" rtl="0">
+              <a:lnSpc>
+                <a:spcPct val="115000"/>
+              </a:lnSpc>
+              <a:spcBef>
+                <a:spcPts val="0"/>
+              </a:spcBef>
+              <a:spcAft>
+                <a:spcPts val="0"/>
+              </a:spcAft>
+              <a:buSzPts val="1800"/>
+              <a:buChar char="●"/>
+            </a:pPr>
+            <a:r>
+              <a:rPr lang="en-US" altLang="zh-TW" dirty="0"/>
+              <a:t>https mode</a:t>
+            </a:r>
+            <a:r>
+              <a:rPr lang="zh-TW" altLang="en-US" dirty="0"/>
+              <a:t>每次推送上去跟同步下來都需要輸入帳號密碼</a:t>
+            </a:r>
+            <a:endParaRPr lang="en-US" altLang="zh-TW" dirty="0"/>
+          </a:p>
+          <a:p>
+            <a:pPr marL="457200" lvl="0" indent="-342900" algn="l" rtl="0">
+              <a:lnSpc>
+                <a:spcPct val="115000"/>
+              </a:lnSpc>
+              <a:spcBef>
+                <a:spcPts val="0"/>
+              </a:spcBef>
+              <a:spcAft>
+                <a:spcPts val="0"/>
+              </a:spcAft>
+              <a:buSzPts val="1800"/>
+              <a:buChar char="●"/>
+            </a:pPr>
+            <a:r>
+              <a:rPr lang="en-US" altLang="zh-TW" dirty="0"/>
+              <a:t>SSH</a:t>
+            </a:r>
+            <a:r>
+              <a:rPr lang="zh-TW" altLang="en-US" dirty="0"/>
+              <a:t>會直接對照，事先生成的</a:t>
+            </a:r>
+            <a:r>
+              <a:rPr lang="en-US" altLang="zh-TW" dirty="0"/>
+              <a:t>Key</a:t>
+            </a:r>
+            <a:r>
+              <a:rPr lang="zh-TW" altLang="en-US" dirty="0"/>
+              <a:t>，因此這次要先教如何生成一個</a:t>
+            </a:r>
+            <a:r>
+              <a:rPr lang="en-US" altLang="zh-TW" dirty="0"/>
+              <a:t>SSH key</a:t>
+            </a:r>
+          </a:p>
+          <a:p>
+            <a:pPr marL="457200" lvl="0" indent="-342900" algn="l" rtl="0">
+              <a:lnSpc>
+                <a:spcPct val="115000"/>
+              </a:lnSpc>
+              <a:spcBef>
+                <a:spcPts val="0"/>
+              </a:spcBef>
+              <a:spcAft>
+                <a:spcPts val="0"/>
+              </a:spcAft>
+              <a:buSzPts val="1800"/>
+              <a:buChar char="●"/>
+            </a:pPr>
+            <a:endParaRPr lang="en-US" altLang="zh-TW" sz="1600" dirty="0"/>
+          </a:p>
+          <a:p>
+            <a:pPr marL="457200" lvl="0" indent="-342900" algn="l" rtl="0">
+              <a:lnSpc>
+                <a:spcPct val="115000"/>
+              </a:lnSpc>
+              <a:spcBef>
+                <a:spcPts val="0"/>
+              </a:spcBef>
+              <a:spcAft>
+                <a:spcPts val="0"/>
+              </a:spcAft>
+              <a:buSzPts val="1800"/>
+              <a:buChar char="●"/>
+            </a:pPr>
+            <a:r>
+              <a:rPr lang="zh-TW" altLang="en-US" dirty="0"/>
+              <a:t>原理：電腦生 </a:t>
+            </a:r>
+            <a:r>
+              <a:rPr lang="en-US" altLang="zh-TW" dirty="0"/>
+              <a:t>SSH key -&gt;</a:t>
+            </a:r>
+            <a:r>
+              <a:rPr lang="zh-TW" altLang="en-US" dirty="0"/>
+              <a:t>將 </a:t>
+            </a:r>
+            <a:r>
+              <a:rPr lang="en-US" altLang="zh-TW" dirty="0"/>
+              <a:t>SSH key </a:t>
+            </a:r>
+            <a:r>
+              <a:rPr lang="zh-TW" altLang="en-US" dirty="0"/>
+              <a:t>跟 </a:t>
+            </a:r>
+            <a:r>
+              <a:rPr lang="en-US" altLang="zh-TW" dirty="0" err="1"/>
+              <a:t>Github</a:t>
+            </a:r>
+            <a:r>
+              <a:rPr lang="en-US" altLang="zh-TW" dirty="0"/>
+              <a:t> </a:t>
+            </a:r>
+            <a:r>
+              <a:rPr lang="zh-TW" altLang="en-US" dirty="0"/>
+              <a:t>帳號綁在一起</a:t>
+            </a:r>
+            <a:r>
+              <a:rPr lang="en-US" altLang="zh-TW" dirty="0"/>
+              <a:t> -&gt;git </a:t>
+            </a:r>
+            <a:r>
+              <a:rPr lang="zh-TW" altLang="en-US" dirty="0"/>
+              <a:t>操作的時候會拿 </a:t>
+            </a:r>
+            <a:r>
+              <a:rPr lang="en-US" altLang="zh-TW" dirty="0"/>
+              <a:t>SSH key</a:t>
+            </a:r>
+            <a:r>
+              <a:rPr lang="zh-TW" altLang="en-US" dirty="0"/>
+              <a:t> 跟 </a:t>
+            </a:r>
+            <a:r>
+              <a:rPr lang="en-US" altLang="zh-TW" dirty="0"/>
+              <a:t>private repo </a:t>
+            </a:r>
+            <a:r>
+              <a:rPr lang="zh-TW" altLang="en-US" dirty="0"/>
+              <a:t>的</a:t>
+            </a:r>
+            <a:r>
+              <a:rPr lang="en-US" altLang="zh-TW" dirty="0"/>
+              <a:t> members’ SSH keys </a:t>
+            </a:r>
+            <a:r>
+              <a:rPr lang="zh-TW" altLang="en-US" dirty="0"/>
+              <a:t>做比對</a:t>
+            </a:r>
             <a:endParaRPr lang="en-US" altLang="zh-TW" dirty="0"/>
           </a:p>
           <a:p>
@@ -11406,40 +11590,10 @@
           </a:p>
         </p:txBody>
       </p:sp>
-      <p:pic>
-        <p:nvPicPr>
-          <p:cNvPr id="3" name="圖片 2">
-            <a:extLst>
-              <a:ext uri="{FF2B5EF4-FFF2-40B4-BE49-F238E27FC236}">
-                <a16:creationId xmlns:a16="http://schemas.microsoft.com/office/drawing/2014/main" id="{A0FAB0D0-6585-4756-9777-5F0F0D49B1AF}"/>
-              </a:ext>
-            </a:extLst>
-          </p:cNvPr>
-          <p:cNvPicPr>
-            <a:picLocks noChangeAspect="1"/>
-          </p:cNvPicPr>
-          <p:nvPr/>
-        </p:nvPicPr>
-        <p:blipFill>
-          <a:blip r:embed="rId3"/>
-          <a:stretch>
-            <a:fillRect/>
-          </a:stretch>
-        </p:blipFill>
-        <p:spPr>
-          <a:xfrm>
-            <a:off x="6162516" y="2955509"/>
-            <a:ext cx="2669781" cy="1742966"/>
-          </a:xfrm>
-          <a:prstGeom prst="rect">
-            <a:avLst/>
-          </a:prstGeom>
-        </p:spPr>
-      </p:pic>
     </p:spTree>
     <p:extLst>
       <p:ext uri="{BB962C8B-B14F-4D97-AF65-F5344CB8AC3E}">
-        <p14:creationId xmlns:p14="http://schemas.microsoft.com/office/powerpoint/2010/main" val="2307317400"/>
+        <p14:creationId xmlns:p14="http://schemas.microsoft.com/office/powerpoint/2010/main" val="2852421448"/>
       </p:ext>
     </p:extLst>
   </p:cSld>
@@ -11509,6 +11663,472 @@
               <a:buNone/>
             </a:pPr>
             <a:r>
+              <a:rPr lang="en-US" altLang="zh-TW" dirty="0">
+                <a:latin typeface="Microsoft JhengHei"/>
+                <a:ea typeface="Microsoft JhengHei"/>
+                <a:cs typeface="Microsoft JhengHei"/>
+                <a:sym typeface="Microsoft JhengHei"/>
+              </a:rPr>
+              <a:t>Download </a:t>
+            </a:r>
+            <a:r>
+              <a:rPr lang="en-US" altLang="zh-TW" dirty="0"/>
+              <a:t>git and generate </a:t>
+            </a:r>
+            <a:r>
+              <a:rPr lang="en-US" altLang="zh-TW" dirty="0">
+                <a:latin typeface="Microsoft JhengHei"/>
+                <a:ea typeface="Microsoft JhengHei"/>
+                <a:cs typeface="Microsoft JhengHei"/>
+                <a:sym typeface="Microsoft JhengHei"/>
+              </a:rPr>
+              <a:t>SSH key(</a:t>
+            </a:r>
+            <a:r>
+              <a:rPr lang="zh-TW" altLang="en-US" dirty="0">
+                <a:latin typeface="Microsoft JhengHei"/>
+                <a:ea typeface="Microsoft JhengHei"/>
+                <a:cs typeface="Microsoft JhengHei"/>
+                <a:sym typeface="Microsoft JhengHei"/>
+              </a:rPr>
+              <a:t>續</a:t>
+            </a:r>
+            <a:r>
+              <a:rPr lang="en-US" altLang="zh-TW" dirty="0">
+                <a:latin typeface="Microsoft JhengHei"/>
+                <a:ea typeface="Microsoft JhengHei"/>
+                <a:cs typeface="Microsoft JhengHei"/>
+                <a:sym typeface="Microsoft JhengHei"/>
+              </a:rPr>
+              <a:t>)</a:t>
+            </a:r>
+            <a:endParaRPr dirty="0">
+              <a:latin typeface="Microsoft JhengHei"/>
+              <a:ea typeface="Microsoft JhengHei"/>
+              <a:cs typeface="Microsoft JhengHei"/>
+              <a:sym typeface="Microsoft JhengHei"/>
+            </a:endParaRPr>
+          </a:p>
+        </p:txBody>
+      </p:sp>
+      <p:sp>
+        <p:nvSpPr>
+          <p:cNvPr id="243" name="Google Shape;243;p37"/>
+          <p:cNvSpPr txBox="1">
+            <a:spLocks noGrp="1"/>
+          </p:cNvSpPr>
+          <p:nvPr>
+            <p:ph type="body" idx="1"/>
+          </p:nvPr>
+        </p:nvSpPr>
+        <p:spPr>
+          <a:xfrm>
+            <a:off x="311699" y="1152474"/>
+            <a:ext cx="8758882" cy="3799969"/>
+          </a:xfrm>
+          <a:prstGeom prst="rect">
+            <a:avLst/>
+          </a:prstGeom>
+          <a:noFill/>
+          <a:ln>
+            <a:noFill/>
+          </a:ln>
+        </p:spPr>
+        <p:txBody>
+          <a:bodyPr spcFirstLastPara="1" wrap="square" lIns="91425" tIns="91425" rIns="91425" bIns="91425" anchor="t" anchorCtr="0">
+            <a:noAutofit/>
+          </a:bodyPr>
+          <a:lstStyle/>
+          <a:p>
+            <a:pPr lvl="0"/>
+            <a:r>
+              <a:rPr lang="zh-TW" altLang="en-US" dirty="0"/>
+              <a:t>隨便一個地方右鍵</a:t>
+            </a:r>
+            <a:r>
+              <a:rPr lang="en-US" altLang="zh-TW" dirty="0"/>
+              <a:t>git bash here</a:t>
+            </a:r>
+          </a:p>
+          <a:p>
+            <a:pPr lvl="0"/>
+            <a:r>
+              <a:rPr lang="zh-TW" altLang="en-US" dirty="0"/>
+              <a:t>輸入</a:t>
+            </a:r>
+            <a:r>
+              <a:rPr lang="en-US" altLang="zh-TW" dirty="0" err="1"/>
+              <a:t>ssh</a:t>
+            </a:r>
+            <a:r>
+              <a:rPr lang="en-US" altLang="zh-TW" dirty="0"/>
+              <a:t>-keygen -t </a:t>
+            </a:r>
+            <a:r>
+              <a:rPr lang="en-US" altLang="zh-TW" dirty="0" err="1"/>
+              <a:t>rsa</a:t>
+            </a:r>
+            <a:r>
+              <a:rPr lang="en-US" altLang="zh-TW" dirty="0"/>
+              <a:t> -b 4096 -C [YOUR_EMAIL_ADDRESS]</a:t>
+            </a:r>
+            <a:r>
+              <a:rPr lang="zh-TW" altLang="en-US" dirty="0"/>
+              <a:t> </a:t>
+            </a:r>
+            <a:endParaRPr lang="en-US" altLang="zh-TW" dirty="0"/>
+          </a:p>
+          <a:p>
+            <a:pPr lvl="0"/>
+            <a:r>
+              <a:rPr lang="zh-TW" altLang="en-US" dirty="0"/>
+              <a:t>系統接著會問你存</a:t>
+            </a:r>
+            <a:r>
+              <a:rPr lang="en-US" altLang="zh-TW" dirty="0"/>
+              <a:t>key</a:t>
+            </a:r>
+            <a:r>
+              <a:rPr lang="zh-TW" altLang="en-US" dirty="0"/>
+              <a:t>的地方跟要不要設定密碼，我懶所以直接</a:t>
+            </a:r>
+            <a:r>
+              <a:rPr lang="en-US" altLang="zh-TW" dirty="0"/>
+              <a:t>enter</a:t>
+            </a:r>
+            <a:r>
+              <a:rPr lang="zh-TW" altLang="en-US" dirty="0"/>
+              <a:t>兩次跳過</a:t>
+            </a:r>
+            <a:endParaRPr lang="en-US" altLang="zh-TW" dirty="0"/>
+          </a:p>
+          <a:p>
+            <a:pPr lvl="0"/>
+            <a:r>
+              <a:rPr lang="zh-TW" altLang="en-US" dirty="0"/>
+              <a:t>輸入</a:t>
+            </a:r>
+            <a:r>
+              <a:rPr lang="en-US" altLang="zh-TW" dirty="0"/>
+              <a:t>cat ~/.</a:t>
+            </a:r>
+            <a:r>
+              <a:rPr lang="en-US" altLang="zh-TW" dirty="0" err="1"/>
+              <a:t>ssh</a:t>
+            </a:r>
+            <a:r>
+              <a:rPr lang="en-US" altLang="zh-TW" dirty="0"/>
+              <a:t>/id_rsa.pub</a:t>
+            </a:r>
+            <a:r>
+              <a:rPr lang="zh-TW" altLang="en-US" dirty="0"/>
+              <a:t>，將出來的結果複製起來</a:t>
+            </a:r>
+            <a:r>
+              <a:rPr lang="en-US" altLang="zh-TW" dirty="0"/>
+              <a:t>(</a:t>
+            </a:r>
+            <a:r>
+              <a:rPr lang="zh-TW" altLang="en-US" dirty="0"/>
+              <a:t>整個複製，拉到整個</a:t>
+            </a:r>
+            <a:r>
+              <a:rPr lang="en-US" altLang="zh-TW" dirty="0"/>
+              <a:t>email</a:t>
+            </a:r>
+            <a:r>
+              <a:rPr lang="zh-TW" altLang="en-US" dirty="0"/>
+              <a:t>都反白為止</a:t>
+            </a:r>
+            <a:r>
+              <a:rPr lang="en-US" altLang="zh-TW" dirty="0"/>
+              <a:t>)</a:t>
+            </a:r>
+          </a:p>
+          <a:p>
+            <a:r>
+              <a:rPr lang="zh-TW" altLang="en-US" dirty="0"/>
+              <a:t>登入 </a:t>
+            </a:r>
+            <a:r>
+              <a:rPr lang="en-US" altLang="zh-TW" dirty="0" err="1"/>
+              <a:t>Github</a:t>
+            </a:r>
+            <a:r>
+              <a:rPr lang="en-US" altLang="zh-TW" dirty="0"/>
+              <a:t> &gt; </a:t>
+            </a:r>
+            <a:r>
+              <a:rPr lang="zh-TW" altLang="en-US" dirty="0"/>
+              <a:t>右上角 </a:t>
+            </a:r>
+            <a:r>
+              <a:rPr lang="en-US" altLang="zh-TW" dirty="0"/>
+              <a:t>Settings &gt; </a:t>
+            </a:r>
+            <a:r>
+              <a:rPr lang="zh-TW" altLang="en-US" dirty="0"/>
+              <a:t>左邊 </a:t>
+            </a:r>
+            <a:r>
+              <a:rPr lang="en-US" altLang="zh-TW" dirty="0"/>
+              <a:t>SSH and GPG keys &gt; </a:t>
+            </a:r>
+            <a:r>
+              <a:rPr lang="zh-TW" altLang="en-US" dirty="0"/>
+              <a:t>右邊 </a:t>
+            </a:r>
+            <a:r>
+              <a:rPr lang="en-US" altLang="zh-TW" dirty="0"/>
+              <a:t>New SSH key</a:t>
+            </a:r>
+          </a:p>
+          <a:p>
+            <a:r>
+              <a:rPr lang="zh-TW" altLang="en-US" dirty="0"/>
+              <a:t>取一個賞心悅目的名字（建議跟擁有該 </a:t>
+            </a:r>
+            <a:r>
+              <a:rPr lang="en-US" altLang="zh-TW" dirty="0"/>
+              <a:t>SSH key </a:t>
+            </a:r>
+            <a:r>
+              <a:rPr lang="zh-TW" altLang="en-US" dirty="0"/>
+              <a:t>的 </a:t>
+            </a:r>
+            <a:r>
+              <a:rPr lang="en-US" altLang="zh-TW" dirty="0"/>
+              <a:t>PC </a:t>
+            </a:r>
+            <a:r>
+              <a:rPr lang="zh-TW" altLang="en-US" dirty="0"/>
+              <a:t>有關係的名字，比如</a:t>
+            </a:r>
+            <a:r>
+              <a:rPr lang="en-US" altLang="zh-TW" dirty="0"/>
+              <a:t> Lab 518 PC</a:t>
+            </a:r>
+            <a:r>
+              <a:rPr lang="zh-TW" altLang="en-US" dirty="0"/>
+              <a:t>），然後將剛剛那串貼上送出</a:t>
+            </a:r>
+          </a:p>
+          <a:p>
+            <a:pPr marL="457200" lvl="0" indent="-342900" algn="l" rtl="0">
+              <a:lnSpc>
+                <a:spcPct val="115000"/>
+              </a:lnSpc>
+              <a:spcBef>
+                <a:spcPts val="0"/>
+              </a:spcBef>
+              <a:spcAft>
+                <a:spcPts val="0"/>
+              </a:spcAft>
+              <a:buSzPts val="1800"/>
+              <a:buChar char="●"/>
+            </a:pPr>
+            <a:endParaRPr lang="en-US" altLang="zh-TW" dirty="0"/>
+          </a:p>
+          <a:p>
+            <a:endParaRPr lang="en-US" altLang="zh-TW" sz="1600" dirty="0"/>
+          </a:p>
+          <a:p>
+            <a:pPr lvl="0"/>
+            <a:endParaRPr lang="en-US" altLang="zh-TW" dirty="0"/>
+          </a:p>
+          <a:p>
+            <a:pPr marL="457200" lvl="0" indent="-342900" algn="l" rtl="0">
+              <a:lnSpc>
+                <a:spcPct val="115000"/>
+              </a:lnSpc>
+              <a:spcBef>
+                <a:spcPts val="0"/>
+              </a:spcBef>
+              <a:spcAft>
+                <a:spcPts val="0"/>
+              </a:spcAft>
+              <a:buSzPts val="1800"/>
+              <a:buChar char="●"/>
+            </a:pPr>
+            <a:endParaRPr lang="en-US" altLang="zh-TW" dirty="0"/>
+          </a:p>
+          <a:p>
+            <a:pPr marL="457200" lvl="0" indent="-342900" algn="l" rtl="0">
+              <a:lnSpc>
+                <a:spcPct val="115000"/>
+              </a:lnSpc>
+              <a:spcBef>
+                <a:spcPts val="0"/>
+              </a:spcBef>
+              <a:spcAft>
+                <a:spcPts val="0"/>
+              </a:spcAft>
+              <a:buSzPts val="1800"/>
+              <a:buChar char="●"/>
+            </a:pPr>
+            <a:endParaRPr lang="en-US" altLang="zh-TW" dirty="0"/>
+          </a:p>
+          <a:p>
+            <a:pPr marL="457200" lvl="0" indent="-342900" algn="l" rtl="0">
+              <a:lnSpc>
+                <a:spcPct val="115000"/>
+              </a:lnSpc>
+              <a:spcBef>
+                <a:spcPts val="0"/>
+              </a:spcBef>
+              <a:spcAft>
+                <a:spcPts val="0"/>
+              </a:spcAft>
+              <a:buSzPts val="1800"/>
+              <a:buChar char="●"/>
+            </a:pPr>
+            <a:endParaRPr lang="en-US" altLang="zh-TW" dirty="0"/>
+          </a:p>
+          <a:p>
+            <a:pPr marL="457200" lvl="0" indent="-342900" algn="l" rtl="0">
+              <a:lnSpc>
+                <a:spcPct val="115000"/>
+              </a:lnSpc>
+              <a:spcBef>
+                <a:spcPts val="0"/>
+              </a:spcBef>
+              <a:spcAft>
+                <a:spcPts val="0"/>
+              </a:spcAft>
+              <a:buSzPts val="1800"/>
+              <a:buChar char="●"/>
+            </a:pPr>
+            <a:endParaRPr lang="en-US" altLang="zh-TW" dirty="0"/>
+          </a:p>
+          <a:p>
+            <a:pPr marL="457200" lvl="0" indent="-342900" algn="l" rtl="0">
+              <a:lnSpc>
+                <a:spcPct val="115000"/>
+              </a:lnSpc>
+              <a:spcBef>
+                <a:spcPts val="0"/>
+              </a:spcBef>
+              <a:spcAft>
+                <a:spcPts val="0"/>
+              </a:spcAft>
+              <a:buSzPts val="1800"/>
+              <a:buChar char="●"/>
+            </a:pPr>
+            <a:endParaRPr dirty="0"/>
+          </a:p>
+        </p:txBody>
+      </p:sp>
+      <p:sp>
+        <p:nvSpPr>
+          <p:cNvPr id="2" name="投影片編號版面配置區 1">
+            <a:extLst>
+              <a:ext uri="{FF2B5EF4-FFF2-40B4-BE49-F238E27FC236}">
+                <a16:creationId xmlns:a16="http://schemas.microsoft.com/office/drawing/2014/main" id="{E5F2B600-0B8E-4FD9-BC4F-8E04A1563A49}"/>
+              </a:ext>
+            </a:extLst>
+          </p:cNvPr>
+          <p:cNvSpPr>
+            <a:spLocks noGrp="1"/>
+          </p:cNvSpPr>
+          <p:nvPr>
+            <p:ph type="sldNum" idx="12"/>
+          </p:nvPr>
+        </p:nvSpPr>
+        <p:spPr/>
+        <p:txBody>
+          <a:bodyPr/>
+          <a:lstStyle/>
+          <a:p>
+            <a:pPr marL="0" lvl="0" indent="0" algn="r" rtl="0">
+              <a:spcBef>
+                <a:spcPts val="0"/>
+              </a:spcBef>
+              <a:spcAft>
+                <a:spcPts val="0"/>
+              </a:spcAft>
+              <a:buNone/>
+            </a:pPr>
+            <a:fld id="{00000000-1234-1234-1234-123412341234}" type="slidenum">
+              <a:rPr lang="en-US" smtClean="0"/>
+              <a:t>14</a:t>
+            </a:fld>
+            <a:endParaRPr lang="en-US"/>
+          </a:p>
+        </p:txBody>
+      </p:sp>
+    </p:spTree>
+    <p:extLst>
+      <p:ext uri="{BB962C8B-B14F-4D97-AF65-F5344CB8AC3E}">
+        <p14:creationId xmlns:p14="http://schemas.microsoft.com/office/powerpoint/2010/main" val="49042096"/>
+      </p:ext>
+    </p:extLst>
+  </p:cSld>
+  <p:clrMapOvr>
+    <a:masterClrMapping/>
+  </p:clrMapOvr>
+</p:sld>
+</file>
+
+<file path=ppt/slides/slide15.xml><?xml version="1.0" encoding="utf-8"?>
+<p:sld xmlns:a="http://schemas.openxmlformats.org/drawingml/2006/main" xmlns:r="http://schemas.openxmlformats.org/officeDocument/2006/relationships" xmlns:p="http://schemas.openxmlformats.org/presentationml/2006/main">
+  <p:cSld>
+    <p:spTree>
+      <p:nvGrpSpPr>
+        <p:cNvPr id="1" name="Shape 241"/>
+        <p:cNvGrpSpPr/>
+        <p:nvPr/>
+      </p:nvGrpSpPr>
+      <p:grpSpPr>
+        <a:xfrm>
+          <a:off x="0" y="0"/>
+          <a:ext cx="0" cy="0"/>
+          <a:chOff x="0" y="0"/>
+          <a:chExt cx="0" cy="0"/>
+        </a:xfrm>
+      </p:grpSpPr>
+      <p:sp>
+        <p:nvSpPr>
+          <p:cNvPr id="242" name="Google Shape;242;p37"/>
+          <p:cNvSpPr txBox="1">
+            <a:spLocks noGrp="1"/>
+          </p:cNvSpPr>
+          <p:nvPr>
+            <p:ph type="title"/>
+          </p:nvPr>
+        </p:nvSpPr>
+        <p:spPr>
+          <a:xfrm>
+            <a:off x="311700" y="445025"/>
+            <a:ext cx="8520600" cy="572700"/>
+          </a:xfrm>
+          <a:prstGeom prst="rect">
+            <a:avLst/>
+          </a:prstGeom>
+          <a:noFill/>
+          <a:ln>
+            <a:noFill/>
+          </a:ln>
+        </p:spPr>
+        <p:txBody>
+          <a:bodyPr spcFirstLastPara="1" wrap="square" lIns="91425" tIns="91425" rIns="91425" bIns="91425" anchor="t" anchorCtr="0">
+            <a:noAutofit/>
+          </a:bodyPr>
+          <a:lstStyle/>
+          <a:p>
+            <a:pPr marL="0" lvl="0" indent="0" algn="l" rtl="0">
+              <a:lnSpc>
+                <a:spcPct val="100000"/>
+              </a:lnSpc>
+              <a:spcBef>
+                <a:spcPts val="0"/>
+              </a:spcBef>
+              <a:spcAft>
+                <a:spcPts val="0"/>
+              </a:spcAft>
+              <a:buSzPts val="2800"/>
+              <a:buNone/>
+            </a:pPr>
+            <a:r>
               <a:rPr lang="en-US" dirty="0"/>
               <a:t>Git</a:t>
             </a:r>
@@ -11518,7 +12138,412 @@
             </a:r>
             <a:r>
               <a:rPr lang="en-US" altLang="zh-TW" dirty="0"/>
-              <a:t>push</a:t>
+              <a:t>basic intro</a:t>
+            </a:r>
+            <a:endParaRPr dirty="0">
+              <a:latin typeface="Microsoft JhengHei"/>
+              <a:ea typeface="Microsoft JhengHei"/>
+              <a:cs typeface="Microsoft JhengHei"/>
+              <a:sym typeface="Microsoft JhengHei"/>
+            </a:endParaRPr>
+          </a:p>
+        </p:txBody>
+      </p:sp>
+      <p:sp>
+        <p:nvSpPr>
+          <p:cNvPr id="243" name="Google Shape;243;p37"/>
+          <p:cNvSpPr txBox="1">
+            <a:spLocks noGrp="1"/>
+          </p:cNvSpPr>
+          <p:nvPr>
+            <p:ph type="body" idx="1"/>
+          </p:nvPr>
+        </p:nvSpPr>
+        <p:spPr>
+          <a:xfrm>
+            <a:off x="311698" y="1152474"/>
+            <a:ext cx="8592021" cy="3799969"/>
+          </a:xfrm>
+          <a:prstGeom prst="rect">
+            <a:avLst/>
+          </a:prstGeom>
+          <a:noFill/>
+          <a:ln>
+            <a:noFill/>
+          </a:ln>
+        </p:spPr>
+        <p:txBody>
+          <a:bodyPr spcFirstLastPara="1" wrap="square" lIns="91425" tIns="91425" rIns="91425" bIns="91425" anchor="t" anchorCtr="0">
+            <a:noAutofit/>
+          </a:bodyPr>
+          <a:lstStyle/>
+          <a:p>
+            <a:pPr marL="457200" lvl="0" indent="-342900" algn="l" rtl="0">
+              <a:lnSpc>
+                <a:spcPct val="115000"/>
+              </a:lnSpc>
+              <a:spcBef>
+                <a:spcPts val="0"/>
+              </a:spcBef>
+              <a:spcAft>
+                <a:spcPts val="0"/>
+              </a:spcAft>
+              <a:buSzPts val="1800"/>
+              <a:buChar char="●"/>
+            </a:pPr>
+            <a:r>
+              <a:rPr lang="zh-TW" altLang="en-US" dirty="0"/>
+              <a:t>下圖為</a:t>
+            </a:r>
+            <a:r>
+              <a:rPr lang="en-US" altLang="zh-TW" dirty="0"/>
+              <a:t>Git</a:t>
+            </a:r>
+            <a:r>
+              <a:rPr lang="zh-TW" altLang="en-US" dirty="0"/>
+              <a:t>的基本流程</a:t>
+            </a:r>
+            <a:endParaRPr lang="en-US" altLang="zh-TW" dirty="0"/>
+          </a:p>
+          <a:p>
+            <a:pPr marL="457200" lvl="0" indent="-342900" algn="l" rtl="0">
+              <a:lnSpc>
+                <a:spcPct val="115000"/>
+              </a:lnSpc>
+              <a:spcBef>
+                <a:spcPts val="0"/>
+              </a:spcBef>
+              <a:spcAft>
+                <a:spcPts val="0"/>
+              </a:spcAft>
+              <a:buSzPts val="1800"/>
+              <a:buChar char="●"/>
+            </a:pPr>
+            <a:r>
+              <a:rPr lang="zh-TW" altLang="en-US" dirty="0"/>
+              <a:t>第一次抓別人的專案下來需要</a:t>
+            </a:r>
+            <a:r>
+              <a:rPr lang="en-US" altLang="zh-TW" dirty="0"/>
+              <a:t>git clone</a:t>
+            </a:r>
+            <a:r>
+              <a:rPr lang="zh-TW" altLang="en-US" dirty="0"/>
+              <a:t>以創建一個</a:t>
+            </a:r>
+            <a:r>
+              <a:rPr lang="en-US" altLang="zh-TW" dirty="0"/>
+              <a:t>local repository</a:t>
+            </a:r>
+            <a:r>
+              <a:rPr lang="zh-TW" altLang="en-US" dirty="0"/>
+              <a:t>，之後只要</a:t>
+            </a:r>
+            <a:r>
+              <a:rPr lang="en-US" altLang="zh-TW" dirty="0"/>
+              <a:t>git pull</a:t>
+            </a:r>
+            <a:r>
+              <a:rPr lang="zh-TW" altLang="en-US" dirty="0"/>
+              <a:t>更新就好</a:t>
+            </a:r>
+            <a:endParaRPr lang="en-US" altLang="zh-TW" dirty="0"/>
+          </a:p>
+          <a:p>
+            <a:pPr marL="457200" lvl="0" indent="-342900" algn="l" rtl="0">
+              <a:lnSpc>
+                <a:spcPct val="115000"/>
+              </a:lnSpc>
+              <a:spcBef>
+                <a:spcPts val="0"/>
+              </a:spcBef>
+              <a:spcAft>
+                <a:spcPts val="0"/>
+              </a:spcAft>
+              <a:buSzPts val="1800"/>
+              <a:buChar char="●"/>
+            </a:pPr>
+            <a:r>
+              <a:rPr lang="zh-TW" altLang="en-US" dirty="0"/>
+              <a:t>要送上去要過 </a:t>
+            </a:r>
+            <a:r>
+              <a:rPr lang="en-US" altLang="zh-TW" dirty="0"/>
+              <a:t>git add &gt; git commit &gt; git push</a:t>
+            </a:r>
+            <a:r>
+              <a:rPr lang="zh-TW" altLang="en-US" dirty="0"/>
+              <a:t>三個步驟，不可省略。</a:t>
+            </a:r>
+            <a:endParaRPr lang="en-US" altLang="zh-TW" dirty="0"/>
+          </a:p>
+          <a:p>
+            <a:endParaRPr lang="en-US" altLang="zh-TW" dirty="0"/>
+          </a:p>
+          <a:p>
+            <a:pPr marL="457200" lvl="0" indent="-342900" algn="l" rtl="0">
+              <a:lnSpc>
+                <a:spcPct val="115000"/>
+              </a:lnSpc>
+              <a:spcBef>
+                <a:spcPts val="0"/>
+              </a:spcBef>
+              <a:spcAft>
+                <a:spcPts val="0"/>
+              </a:spcAft>
+              <a:buSzPts val="1800"/>
+              <a:buChar char="●"/>
+            </a:pPr>
+            <a:endParaRPr lang="en-US" altLang="zh-TW" dirty="0"/>
+          </a:p>
+          <a:p>
+            <a:pPr lvl="0"/>
+            <a:endParaRPr lang="en-US" altLang="zh-TW" dirty="0"/>
+          </a:p>
+          <a:p>
+            <a:pPr marL="457200" lvl="0" indent="-342900" algn="l" rtl="0">
+              <a:lnSpc>
+                <a:spcPct val="115000"/>
+              </a:lnSpc>
+              <a:spcBef>
+                <a:spcPts val="0"/>
+              </a:spcBef>
+              <a:spcAft>
+                <a:spcPts val="0"/>
+              </a:spcAft>
+              <a:buSzPts val="1800"/>
+              <a:buChar char="●"/>
+            </a:pPr>
+            <a:endParaRPr lang="en-US" altLang="zh-TW" dirty="0"/>
+          </a:p>
+          <a:p>
+            <a:pPr marL="457200" lvl="0" indent="-342900" algn="l" rtl="0">
+              <a:lnSpc>
+                <a:spcPct val="115000"/>
+              </a:lnSpc>
+              <a:spcBef>
+                <a:spcPts val="0"/>
+              </a:spcBef>
+              <a:spcAft>
+                <a:spcPts val="0"/>
+              </a:spcAft>
+              <a:buSzPts val="1800"/>
+              <a:buChar char="●"/>
+            </a:pPr>
+            <a:endParaRPr lang="en-US" altLang="zh-TW" dirty="0"/>
+          </a:p>
+          <a:p>
+            <a:pPr marL="457200" lvl="0" indent="-342900" algn="l" rtl="0">
+              <a:lnSpc>
+                <a:spcPct val="115000"/>
+              </a:lnSpc>
+              <a:spcBef>
+                <a:spcPts val="0"/>
+              </a:spcBef>
+              <a:spcAft>
+                <a:spcPts val="0"/>
+              </a:spcAft>
+              <a:buSzPts val="1800"/>
+              <a:buChar char="●"/>
+            </a:pPr>
+            <a:endParaRPr lang="en-US" altLang="zh-TW" dirty="0"/>
+          </a:p>
+          <a:p>
+            <a:pPr marL="457200" lvl="0" indent="-342900" algn="l" rtl="0">
+              <a:lnSpc>
+                <a:spcPct val="115000"/>
+              </a:lnSpc>
+              <a:spcBef>
+                <a:spcPts val="0"/>
+              </a:spcBef>
+              <a:spcAft>
+                <a:spcPts val="0"/>
+              </a:spcAft>
+              <a:buSzPts val="1800"/>
+              <a:buChar char="●"/>
+            </a:pPr>
+            <a:endParaRPr lang="en-US" altLang="zh-TW" dirty="0"/>
+          </a:p>
+          <a:p>
+            <a:pPr marL="457200" lvl="0" indent="-342900" algn="l" rtl="0">
+              <a:lnSpc>
+                <a:spcPct val="115000"/>
+              </a:lnSpc>
+              <a:spcBef>
+                <a:spcPts val="0"/>
+              </a:spcBef>
+              <a:spcAft>
+                <a:spcPts val="0"/>
+              </a:spcAft>
+              <a:buSzPts val="1800"/>
+              <a:buChar char="●"/>
+            </a:pPr>
+            <a:endParaRPr dirty="0"/>
+          </a:p>
+        </p:txBody>
+      </p:sp>
+      <p:sp>
+        <p:nvSpPr>
+          <p:cNvPr id="2" name="投影片編號版面配置區 1">
+            <a:extLst>
+              <a:ext uri="{FF2B5EF4-FFF2-40B4-BE49-F238E27FC236}">
+                <a16:creationId xmlns:a16="http://schemas.microsoft.com/office/drawing/2014/main" id="{E5F2B600-0B8E-4FD9-BC4F-8E04A1563A49}"/>
+              </a:ext>
+            </a:extLst>
+          </p:cNvPr>
+          <p:cNvSpPr>
+            <a:spLocks noGrp="1"/>
+          </p:cNvSpPr>
+          <p:nvPr>
+            <p:ph type="sldNum" idx="12"/>
+          </p:nvPr>
+        </p:nvSpPr>
+        <p:spPr/>
+        <p:txBody>
+          <a:bodyPr/>
+          <a:lstStyle/>
+          <a:p>
+            <a:pPr marL="0" lvl="0" indent="0" algn="r" rtl="0">
+              <a:spcBef>
+                <a:spcPts val="0"/>
+              </a:spcBef>
+              <a:spcAft>
+                <a:spcPts val="0"/>
+              </a:spcAft>
+              <a:buNone/>
+            </a:pPr>
+            <a:fld id="{00000000-1234-1234-1234-123412341234}" type="slidenum">
+              <a:rPr lang="en-US" smtClean="0"/>
+              <a:t>15</a:t>
+            </a:fld>
+            <a:endParaRPr lang="en-US"/>
+          </a:p>
+        </p:txBody>
+      </p:sp>
+      <p:pic>
+        <p:nvPicPr>
+          <p:cNvPr id="2052" name="Picture 4" descr="http://dic.vbird.tw/network_project/images/git_procedure.png">
+            <a:extLst>
+              <a:ext uri="{FF2B5EF4-FFF2-40B4-BE49-F238E27FC236}">
+                <a16:creationId xmlns:a16="http://schemas.microsoft.com/office/drawing/2014/main" id="{04877AFF-0755-4B71-BD2A-26F8B520C0BA}"/>
+              </a:ext>
+            </a:extLst>
+          </p:cNvPr>
+          <p:cNvPicPr>
+            <a:picLocks noChangeAspect="1" noChangeArrowheads="1"/>
+          </p:cNvPicPr>
+          <p:nvPr/>
+        </p:nvPicPr>
+        <p:blipFill rotWithShape="1">
+          <a:blip r:embed="rId3">
+            <a:extLst>
+              <a:ext uri="{28A0092B-C50C-407E-A947-70E740481C1C}">
+                <a14:useLocalDpi xmlns:a14="http://schemas.microsoft.com/office/drawing/2010/main" val="0"/>
+              </a:ext>
+            </a:extLst>
+          </a:blip>
+          <a:srcRect l="2271" t="3617" r="4930" b="6539"/>
+          <a:stretch/>
+        </p:blipFill>
+        <p:spPr bwMode="auto">
+          <a:xfrm>
+            <a:off x="737591" y="2821999"/>
+            <a:ext cx="3945173" cy="2182631"/>
+          </a:xfrm>
+          <a:prstGeom prst="rect">
+            <a:avLst/>
+          </a:prstGeom>
+          <a:noFill/>
+          <a:extLst>
+            <a:ext uri="{909E8E84-426E-40DD-AFC4-6F175D3DCCD1}">
+              <a14:hiddenFill xmlns:a14="http://schemas.microsoft.com/office/drawing/2010/main">
+                <a:solidFill>
+                  <a:srgbClr val="FFFFFF"/>
+                </a:solidFill>
+              </a14:hiddenFill>
+            </a:ext>
+          </a:extLst>
+        </p:spPr>
+      </p:pic>
+    </p:spTree>
+    <p:extLst>
+      <p:ext uri="{BB962C8B-B14F-4D97-AF65-F5344CB8AC3E}">
+        <p14:creationId xmlns:p14="http://schemas.microsoft.com/office/powerpoint/2010/main" val="2257625500"/>
+      </p:ext>
+    </p:extLst>
+  </p:cSld>
+  <p:clrMapOvr>
+    <a:masterClrMapping/>
+  </p:clrMapOvr>
+</p:sld>
+</file>
+
+<file path=ppt/slides/slide16.xml><?xml version="1.0" encoding="utf-8"?>
+<p:sld xmlns:a="http://schemas.openxmlformats.org/drawingml/2006/main" xmlns:r="http://schemas.openxmlformats.org/officeDocument/2006/relationships" xmlns:p="http://schemas.openxmlformats.org/presentationml/2006/main">
+  <p:cSld>
+    <p:spTree>
+      <p:nvGrpSpPr>
+        <p:cNvPr id="1" name="Shape 241"/>
+        <p:cNvGrpSpPr/>
+        <p:nvPr/>
+      </p:nvGrpSpPr>
+      <p:grpSpPr>
+        <a:xfrm>
+          <a:off x="0" y="0"/>
+          <a:ext cx="0" cy="0"/>
+          <a:chOff x="0" y="0"/>
+          <a:chExt cx="0" cy="0"/>
+        </a:xfrm>
+      </p:grpSpPr>
+      <p:sp>
+        <p:nvSpPr>
+          <p:cNvPr id="242" name="Google Shape;242;p37"/>
+          <p:cNvSpPr txBox="1">
+            <a:spLocks noGrp="1"/>
+          </p:cNvSpPr>
+          <p:nvPr>
+            <p:ph type="title"/>
+          </p:nvPr>
+        </p:nvSpPr>
+        <p:spPr>
+          <a:xfrm>
+            <a:off x="311700" y="445025"/>
+            <a:ext cx="8520600" cy="572700"/>
+          </a:xfrm>
+          <a:prstGeom prst="rect">
+            <a:avLst/>
+          </a:prstGeom>
+          <a:noFill/>
+          <a:ln>
+            <a:noFill/>
+          </a:ln>
+        </p:spPr>
+        <p:txBody>
+          <a:bodyPr spcFirstLastPara="1" wrap="square" lIns="91425" tIns="91425" rIns="91425" bIns="91425" anchor="t" anchorCtr="0">
+            <a:noAutofit/>
+          </a:bodyPr>
+          <a:lstStyle/>
+          <a:p>
+            <a:pPr lvl="0"/>
+            <a:r>
+              <a:rPr lang="en-US" altLang="zh-TW" dirty="0"/>
+              <a:t>Git</a:t>
+            </a:r>
+            <a:r>
+              <a:rPr lang="zh-TW" altLang="en-US" dirty="0"/>
+              <a:t> </a:t>
+            </a:r>
+            <a:r>
+              <a:rPr lang="en-US" altLang="zh-TW" dirty="0"/>
+              <a:t>basic intro(</a:t>
+            </a:r>
+            <a:r>
+              <a:rPr lang="zh-TW" altLang="en-US" dirty="0"/>
+              <a:t>續</a:t>
+            </a:r>
+            <a:r>
+              <a:rPr lang="en-US" altLang="zh-TW" dirty="0"/>
+              <a:t>)</a:t>
             </a:r>
             <a:endParaRPr dirty="0">
               <a:latin typeface="Microsoft JhengHei"/>
@@ -11558,6 +12583,142 @@
           </a:bodyPr>
           <a:lstStyle/>
           <a:p>
+            <a:r>
+              <a:rPr lang="zh-TW" altLang="en-US" dirty="0"/>
+              <a:t>回到剛剛我的 </a:t>
+            </a:r>
+            <a:r>
+              <a:rPr lang="en-US" altLang="zh-TW" dirty="0"/>
+              <a:t>repository</a:t>
+            </a:r>
+            <a:r>
+              <a:rPr lang="zh-TW" altLang="en-US" dirty="0"/>
+              <a:t>（下稱 </a:t>
+            </a:r>
+            <a:r>
+              <a:rPr lang="en-US" altLang="zh-TW" dirty="0"/>
+              <a:t>repo</a:t>
+            </a:r>
+            <a:r>
+              <a:rPr lang="zh-TW" altLang="en-US" dirty="0"/>
+              <a:t>），然後如右圖按下複製</a:t>
+            </a:r>
+            <a:endParaRPr lang="en-US" altLang="zh-TW" dirty="0"/>
+          </a:p>
+          <a:p>
+            <a:r>
+              <a:rPr lang="zh-TW" altLang="en-US" dirty="0"/>
+              <a:t>桌面打開 </a:t>
+            </a:r>
+            <a:r>
+              <a:rPr lang="en-US" altLang="zh-TW" dirty="0"/>
+              <a:t>git bash</a:t>
+            </a:r>
+            <a:r>
+              <a:rPr lang="zh-TW" altLang="en-US" dirty="0"/>
+              <a:t>，輸入</a:t>
+            </a:r>
+            <a:r>
+              <a:rPr lang="en-US" altLang="zh-TW" dirty="0"/>
+              <a:t>git clone</a:t>
+            </a:r>
+            <a:r>
+              <a:rPr lang="zh-TW" altLang="en-US" dirty="0"/>
+              <a:t>，然後隔一個空白鍵貼上剛剛那串後 </a:t>
+            </a:r>
+            <a:r>
+              <a:rPr lang="en-US" altLang="zh-TW" dirty="0"/>
+              <a:t>Enter</a:t>
+            </a:r>
+          </a:p>
+          <a:p>
+            <a:r>
+              <a:rPr lang="zh-TW" altLang="en-US" dirty="0"/>
+              <a:t>跑一下，就會在你開 </a:t>
+            </a:r>
+            <a:r>
+              <a:rPr lang="en-US" altLang="zh-TW" dirty="0"/>
+              <a:t>bash </a:t>
+            </a:r>
+            <a:r>
+              <a:rPr lang="zh-TW" altLang="en-US" dirty="0"/>
+              <a:t>的地方出現一個 </a:t>
+            </a:r>
+            <a:r>
+              <a:rPr lang="en-US" altLang="zh-TW" dirty="0"/>
+              <a:t>local repo</a:t>
+            </a:r>
+          </a:p>
+          <a:p>
+            <a:r>
+              <a:rPr lang="zh-TW" altLang="en-US" dirty="0"/>
+              <a:t>然後就可以大改特改啦</a:t>
+            </a:r>
+            <a:r>
+              <a:rPr lang="en-US" altLang="zh-TW" dirty="0"/>
+              <a:t>~</a:t>
+            </a:r>
+          </a:p>
+          <a:p>
+            <a:r>
+              <a:rPr lang="zh-TW" altLang="en-US" dirty="0"/>
+              <a:t>如果已經有這專案的 </a:t>
+            </a:r>
+            <a:r>
+              <a:rPr lang="en-US" altLang="zh-TW" dirty="0"/>
+              <a:t>local repo</a:t>
+            </a:r>
+            <a:r>
+              <a:rPr lang="zh-TW" altLang="en-US" dirty="0"/>
+              <a:t>，想要同步進度的話，只要輸入</a:t>
+            </a:r>
+            <a:r>
+              <a:rPr lang="en-US" altLang="zh-TW" dirty="0"/>
+              <a:t>git pull</a:t>
+            </a:r>
+            <a:r>
+              <a:rPr lang="zh-TW" altLang="en-US" dirty="0"/>
+              <a:t>，</a:t>
+            </a:r>
+            <a:r>
+              <a:rPr lang="zh-TW" altLang="en-US" dirty="0">
+                <a:solidFill>
+                  <a:schemeClr val="tx2">
+                    <a:lumMod val="75000"/>
+                  </a:schemeClr>
+                </a:solidFill>
+              </a:rPr>
+              <a:t>出現異常訊息那就要處理 </a:t>
+            </a:r>
+            <a:r>
+              <a:rPr lang="en-US" altLang="zh-TW" dirty="0">
+                <a:solidFill>
+                  <a:schemeClr val="tx2">
+                    <a:lumMod val="75000"/>
+                  </a:schemeClr>
+                </a:solidFill>
+              </a:rPr>
+              <a:t>git conflict </a:t>
+            </a:r>
+            <a:r>
+              <a:rPr lang="zh-TW" altLang="en-US" dirty="0">
+                <a:solidFill>
+                  <a:schemeClr val="tx2">
+                    <a:lumMod val="75000"/>
+                  </a:schemeClr>
+                </a:solidFill>
+              </a:rPr>
+              <a:t>了（詳情請往後翻）</a:t>
+            </a:r>
+            <a:endParaRPr lang="en-US" altLang="zh-TW" dirty="0">
+              <a:solidFill>
+                <a:schemeClr val="tx2">
+                  <a:lumMod val="75000"/>
+                </a:schemeClr>
+              </a:solidFill>
+            </a:endParaRPr>
+          </a:p>
+          <a:p>
             <a:pPr marL="457200" lvl="0" indent="-342900" algn="l" rtl="0">
               <a:lnSpc>
                 <a:spcPct val="115000"/>
@@ -11571,273 +12732,11 @@
               <a:buSzPts val="1800"/>
               <a:buChar char="●"/>
             </a:pPr>
-            <a:r>
-              <a:rPr lang="zh-TW" altLang="en-US" dirty="0"/>
-              <a:t>大改特改之後，想要上傳至雲端資料夾要經過三個步驟：</a:t>
-            </a:r>
-            <a:r>
-              <a:rPr lang="en-US" altLang="zh-TW" dirty="0"/>
-              <a:t>add, commit, push</a:t>
-            </a:r>
-          </a:p>
-          <a:p>
-            <a:pPr marL="457200" lvl="0" indent="-342900" algn="l" rtl="0">
-              <a:lnSpc>
-                <a:spcPct val="115000"/>
-              </a:lnSpc>
-              <a:spcBef>
-                <a:spcPts val="0"/>
-              </a:spcBef>
-              <a:spcAft>
-                <a:spcPts val="0"/>
-              </a:spcAft>
-              <a:buSzPts val="1800"/>
-              <a:buChar char="●"/>
-            </a:pPr>
-            <a:r>
-              <a:rPr lang="en-US" altLang="zh-TW" dirty="0">
-                <a:solidFill>
-                  <a:srgbClr val="FF0000"/>
-                </a:solidFill>
-              </a:rPr>
-              <a:t>git add --all</a:t>
-            </a:r>
-          </a:p>
-          <a:p>
-            <a:pPr marL="457200" lvl="0" indent="-342900" algn="l" rtl="0">
-              <a:lnSpc>
-                <a:spcPct val="115000"/>
-              </a:lnSpc>
-              <a:spcBef>
-                <a:spcPts val="0"/>
-              </a:spcBef>
-              <a:spcAft>
-                <a:spcPts val="0"/>
-              </a:spcAft>
-              <a:buSzPts val="1800"/>
-              <a:buChar char="●"/>
-            </a:pPr>
-            <a:r>
-              <a:rPr lang="en-US" altLang="zh-TW" dirty="0">
-                <a:solidFill>
-                  <a:srgbClr val="FF0000"/>
-                </a:solidFill>
-              </a:rPr>
-              <a:t>git commit -m </a:t>
-            </a:r>
-            <a:r>
-              <a:rPr lang="en-US" altLang="zh-TW" dirty="0">
-                <a:solidFill>
-                  <a:srgbClr val="FF0000"/>
-                </a:solidFill>
-                <a:latin typeface="Times New Roman" panose="02020603050405020304" pitchFamily="18" charset="0"/>
-                <a:cs typeface="Times New Roman" panose="02020603050405020304" pitchFamily="18" charset="0"/>
-              </a:rPr>
-              <a:t>“</a:t>
-            </a:r>
-            <a:r>
-              <a:rPr lang="en-US" altLang="zh-TW" dirty="0">
-                <a:solidFill>
-                  <a:srgbClr val="FF0000"/>
-                </a:solidFill>
-                <a:latin typeface="微軟正黑體" panose="020B0604030504040204" pitchFamily="34" charset="-120"/>
-                <a:ea typeface="微軟正黑體" panose="020B0604030504040204" pitchFamily="34" charset="-120"/>
-                <a:cs typeface="Times New Roman" panose="02020603050405020304" pitchFamily="18" charset="0"/>
-              </a:rPr>
-              <a:t>SOME MESSAGE</a:t>
-            </a:r>
-            <a:r>
-              <a:rPr lang="en-US" altLang="zh-TW" dirty="0">
-                <a:solidFill>
-                  <a:srgbClr val="FF0000"/>
-                </a:solidFill>
-                <a:latin typeface="Times New Roman" panose="02020603050405020304" pitchFamily="18" charset="0"/>
-                <a:cs typeface="Times New Roman" panose="02020603050405020304" pitchFamily="18" charset="0"/>
-              </a:rPr>
-              <a:t>”</a:t>
-            </a:r>
-          </a:p>
-          <a:p>
-            <a:pPr marL="457200" lvl="0" indent="-342900" algn="l" rtl="0">
-              <a:lnSpc>
-                <a:spcPct val="115000"/>
-              </a:lnSpc>
-              <a:spcBef>
-                <a:spcPts val="0"/>
-              </a:spcBef>
-              <a:spcAft>
-                <a:spcPts val="0"/>
-              </a:spcAft>
-              <a:buSzPts val="1800"/>
-              <a:buChar char="●"/>
-            </a:pPr>
-            <a:r>
-              <a:rPr lang="en-US" altLang="zh-TW" dirty="0">
-                <a:solidFill>
-                  <a:srgbClr val="FF0000"/>
-                </a:solidFill>
-                <a:latin typeface="微軟正黑體" panose="020B0604030504040204" pitchFamily="34" charset="-120"/>
-                <a:ea typeface="微軟正黑體" panose="020B0604030504040204" pitchFamily="34" charset="-120"/>
-                <a:cs typeface="Times New Roman" panose="02020603050405020304" pitchFamily="18" charset="0"/>
-              </a:rPr>
-              <a:t>git push</a:t>
-            </a:r>
-          </a:p>
-          <a:p>
-            <a:pPr marL="457200" lvl="0" indent="-342900" algn="l" rtl="0">
-              <a:lnSpc>
-                <a:spcPct val="115000"/>
-              </a:lnSpc>
-              <a:spcBef>
-                <a:spcPts val="0"/>
-              </a:spcBef>
-              <a:spcAft>
-                <a:spcPts val="0"/>
-              </a:spcAft>
-              <a:buSzPts val="1800"/>
-              <a:buChar char="●"/>
-            </a:pPr>
-            <a:r>
-              <a:rPr lang="en-US" altLang="zh-TW" dirty="0">
-                <a:latin typeface="微軟正黑體" panose="020B0604030504040204" pitchFamily="34" charset="-120"/>
-                <a:ea typeface="微軟正黑體" panose="020B0604030504040204" pitchFamily="34" charset="-120"/>
-              </a:rPr>
-              <a:t>git add</a:t>
-            </a:r>
-            <a:r>
-              <a:rPr lang="zh-TW" altLang="en-US" dirty="0">
-                <a:latin typeface="微軟正黑體" panose="020B0604030504040204" pitchFamily="34" charset="-120"/>
-                <a:ea typeface="微軟正黑體" panose="020B0604030504040204" pitchFamily="34" charset="-120"/>
-              </a:rPr>
-              <a:t> 代表將檔案加入索引，</a:t>
-            </a:r>
-            <a:r>
-              <a:rPr lang="en-US" altLang="zh-TW" dirty="0">
-                <a:latin typeface="微軟正黑體" panose="020B0604030504040204" pitchFamily="34" charset="-120"/>
-                <a:ea typeface="微軟正黑體" panose="020B0604030504040204" pitchFamily="34" charset="-120"/>
-              </a:rPr>
-              <a:t>--all</a:t>
-            </a:r>
-            <a:r>
-              <a:rPr lang="zh-TW" altLang="en-US" dirty="0">
-                <a:latin typeface="微軟正黑體" panose="020B0604030504040204" pitchFamily="34" charset="-120"/>
-                <a:ea typeface="微軟正黑體" panose="020B0604030504040204" pitchFamily="34" charset="-120"/>
-              </a:rPr>
-              <a:t>則是將所有檔案加進索引</a:t>
-            </a:r>
-            <a:endParaRPr lang="en-US" altLang="zh-TW" dirty="0">
-              <a:latin typeface="微軟正黑體" panose="020B0604030504040204" pitchFamily="34" charset="-120"/>
-              <a:ea typeface="微軟正黑體" panose="020B0604030504040204" pitchFamily="34" charset="-120"/>
-            </a:endParaRPr>
-          </a:p>
-          <a:p>
-            <a:pPr marL="457200" lvl="0" indent="-342900" algn="l" rtl="0">
-              <a:lnSpc>
-                <a:spcPct val="115000"/>
-              </a:lnSpc>
-              <a:spcBef>
-                <a:spcPts val="0"/>
-              </a:spcBef>
-              <a:spcAft>
-                <a:spcPts val="0"/>
-              </a:spcAft>
-              <a:buSzPts val="1800"/>
-              <a:buChar char="●"/>
-            </a:pPr>
-            <a:r>
-              <a:rPr lang="en-US" altLang="zh-TW" dirty="0">
-                <a:latin typeface="微軟正黑體" panose="020B0604030504040204" pitchFamily="34" charset="-120"/>
-                <a:ea typeface="微軟正黑體" panose="020B0604030504040204" pitchFamily="34" charset="-120"/>
-              </a:rPr>
-              <a:t>git commit </a:t>
-            </a:r>
-            <a:r>
-              <a:rPr lang="zh-TW" altLang="en-US" dirty="0">
-                <a:latin typeface="微軟正黑體" panose="020B0604030504040204" pitchFamily="34" charset="-120"/>
-                <a:ea typeface="微軟正黑體" panose="020B0604030504040204" pitchFamily="34" charset="-120"/>
-              </a:rPr>
-              <a:t>代表對這個版本下個簡單的註解，</a:t>
-            </a:r>
-            <a:r>
-              <a:rPr lang="en-US" altLang="zh-TW" dirty="0">
-                <a:latin typeface="微軟正黑體" panose="020B0604030504040204" pitchFamily="34" charset="-120"/>
-                <a:ea typeface="微軟正黑體" panose="020B0604030504040204" pitchFamily="34" charset="-120"/>
-              </a:rPr>
-              <a:t>-m</a:t>
-            </a:r>
-            <a:r>
-              <a:rPr lang="zh-TW" altLang="en-US" dirty="0">
-                <a:latin typeface="微軟正黑體" panose="020B0604030504040204" pitchFamily="34" charset="-120"/>
-                <a:ea typeface="微軟正黑體" panose="020B0604030504040204" pitchFamily="34" charset="-120"/>
-              </a:rPr>
-              <a:t>代表</a:t>
-            </a:r>
-            <a:r>
-              <a:rPr lang="en-US" altLang="zh-TW" dirty="0">
-                <a:latin typeface="微軟正黑體" panose="020B0604030504040204" pitchFamily="34" charset="-120"/>
-                <a:ea typeface="微軟正黑體" panose="020B0604030504040204" pitchFamily="34" charset="-120"/>
-              </a:rPr>
-              <a:t>message</a:t>
-            </a:r>
-            <a:r>
-              <a:rPr lang="zh-TW" altLang="en-US" dirty="0">
-                <a:latin typeface="微軟正黑體" panose="020B0604030504040204" pitchFamily="34" charset="-120"/>
-                <a:ea typeface="微軟正黑體" panose="020B0604030504040204" pitchFamily="34" charset="-120"/>
-              </a:rPr>
-              <a:t>，然後含兩個雙引號將訊息打進去。</a:t>
-            </a:r>
-            <a:endParaRPr lang="en-US" altLang="zh-TW" dirty="0">
-              <a:latin typeface="微軟正黑體" panose="020B0604030504040204" pitchFamily="34" charset="-120"/>
-              <a:ea typeface="微軟正黑體" panose="020B0604030504040204" pitchFamily="34" charset="-120"/>
-            </a:endParaRPr>
-          </a:p>
-          <a:p>
-            <a:pPr marL="457200" lvl="0" indent="-342900" algn="l" rtl="0">
-              <a:lnSpc>
-                <a:spcPct val="115000"/>
-              </a:lnSpc>
-              <a:spcBef>
-                <a:spcPts val="0"/>
-              </a:spcBef>
-              <a:spcAft>
-                <a:spcPts val="0"/>
-              </a:spcAft>
-              <a:buSzPts val="1800"/>
-              <a:buChar char="●"/>
-            </a:pPr>
-            <a:r>
-              <a:rPr lang="en-US" altLang="zh-TW" dirty="0">
-                <a:latin typeface="微軟正黑體" panose="020B0604030504040204" pitchFamily="34" charset="-120"/>
-                <a:ea typeface="微軟正黑體" panose="020B0604030504040204" pitchFamily="34" charset="-120"/>
-              </a:rPr>
-              <a:t>git push </a:t>
-            </a:r>
-            <a:r>
-              <a:rPr lang="zh-TW" altLang="en-US" dirty="0">
-                <a:latin typeface="微軟正黑體" panose="020B0604030504040204" pitchFamily="34" charset="-120"/>
-                <a:ea typeface="微軟正黑體" panose="020B0604030504040204" pitchFamily="34" charset="-120"/>
-              </a:rPr>
-              <a:t>顧名思義就是將這個版本推上去。</a:t>
-            </a:r>
-            <a:endParaRPr lang="en-US" altLang="zh-TW" dirty="0">
-              <a:latin typeface="微軟正黑體" panose="020B0604030504040204" pitchFamily="34" charset="-120"/>
-              <a:ea typeface="微軟正黑體" panose="020B0604030504040204" pitchFamily="34" charset="-120"/>
-            </a:endParaRPr>
+            <a:endParaRPr lang="en-US" altLang="zh-TW" dirty="0"/>
           </a:p>
           <a:p>
             <a:pPr lvl="0"/>
-            <a:r>
-              <a:rPr lang="zh-TW" altLang="en-US" dirty="0"/>
-              <a:t>此外，如果要看更動的話，那可以輸入</a:t>
-            </a:r>
-            <a:r>
-              <a:rPr lang="en-US" altLang="zh-TW" dirty="0">
-                <a:solidFill>
-                  <a:srgbClr val="FF0000"/>
-                </a:solidFill>
-              </a:rPr>
-              <a:t>git log</a:t>
-            </a:r>
+            <a:endParaRPr lang="en-US" altLang="zh-TW" dirty="0"/>
           </a:p>
           <a:p>
             <a:pPr marL="457200" lvl="0" indent="-342900" algn="l" rtl="0">
@@ -11953,7 +12852,604 @@
             </a:pPr>
             <a:fld id="{00000000-1234-1234-1234-123412341234}" type="slidenum">
               <a:rPr lang="en-US" smtClean="0"/>
-              <a:t>14</a:t>
+              <a:t>16</a:t>
+            </a:fld>
+            <a:endParaRPr lang="en-US"/>
+          </a:p>
+        </p:txBody>
+      </p:sp>
+      <p:pic>
+        <p:nvPicPr>
+          <p:cNvPr id="3" name="圖片 2">
+            <a:extLst>
+              <a:ext uri="{FF2B5EF4-FFF2-40B4-BE49-F238E27FC236}">
+                <a16:creationId xmlns:a16="http://schemas.microsoft.com/office/drawing/2014/main" id="{A0FAB0D0-6585-4756-9777-5F0F0D49B1AF}"/>
+              </a:ext>
+            </a:extLst>
+          </p:cNvPr>
+          <p:cNvPicPr>
+            <a:picLocks noChangeAspect="1"/>
+          </p:cNvPicPr>
+          <p:nvPr/>
+        </p:nvPicPr>
+        <p:blipFill>
+          <a:blip r:embed="rId3"/>
+          <a:stretch>
+            <a:fillRect/>
+          </a:stretch>
+        </p:blipFill>
+        <p:spPr>
+          <a:xfrm>
+            <a:off x="6162516" y="2955509"/>
+            <a:ext cx="2669781" cy="1742966"/>
+          </a:xfrm>
+          <a:prstGeom prst="rect">
+            <a:avLst/>
+          </a:prstGeom>
+        </p:spPr>
+      </p:pic>
+    </p:spTree>
+    <p:extLst>
+      <p:ext uri="{BB962C8B-B14F-4D97-AF65-F5344CB8AC3E}">
+        <p14:creationId xmlns:p14="http://schemas.microsoft.com/office/powerpoint/2010/main" val="2307317400"/>
+      </p:ext>
+    </p:extLst>
+  </p:cSld>
+  <p:clrMapOvr>
+    <a:masterClrMapping/>
+  </p:clrMapOvr>
+</p:sld>
+</file>
+
+<file path=ppt/slides/slide17.xml><?xml version="1.0" encoding="utf-8"?>
+<p:sld xmlns:a="http://schemas.openxmlformats.org/drawingml/2006/main" xmlns:r="http://schemas.openxmlformats.org/officeDocument/2006/relationships" xmlns:p="http://schemas.openxmlformats.org/presentationml/2006/main">
+  <p:cSld>
+    <p:spTree>
+      <p:nvGrpSpPr>
+        <p:cNvPr id="1" name="Shape 241"/>
+        <p:cNvGrpSpPr/>
+        <p:nvPr/>
+      </p:nvGrpSpPr>
+      <p:grpSpPr>
+        <a:xfrm>
+          <a:off x="0" y="0"/>
+          <a:ext cx="0" cy="0"/>
+          <a:chOff x="0" y="0"/>
+          <a:chExt cx="0" cy="0"/>
+        </a:xfrm>
+      </p:grpSpPr>
+      <p:sp>
+        <p:nvSpPr>
+          <p:cNvPr id="242" name="Google Shape;242;p37"/>
+          <p:cNvSpPr txBox="1">
+            <a:spLocks noGrp="1"/>
+          </p:cNvSpPr>
+          <p:nvPr>
+            <p:ph type="title"/>
+          </p:nvPr>
+        </p:nvSpPr>
+        <p:spPr>
+          <a:xfrm>
+            <a:off x="311700" y="445025"/>
+            <a:ext cx="8520600" cy="572700"/>
+          </a:xfrm>
+          <a:prstGeom prst="rect">
+            <a:avLst/>
+          </a:prstGeom>
+          <a:noFill/>
+          <a:ln>
+            <a:noFill/>
+          </a:ln>
+        </p:spPr>
+        <p:txBody>
+          <a:bodyPr spcFirstLastPara="1" wrap="square" lIns="91425" tIns="91425" rIns="91425" bIns="91425" anchor="t" anchorCtr="0">
+            <a:noAutofit/>
+          </a:bodyPr>
+          <a:lstStyle/>
+          <a:p>
+            <a:pPr marL="0" lvl="0" indent="0" algn="l" rtl="0">
+              <a:lnSpc>
+                <a:spcPct val="100000"/>
+              </a:lnSpc>
+              <a:spcBef>
+                <a:spcPts val="0"/>
+              </a:spcBef>
+              <a:spcAft>
+                <a:spcPts val="0"/>
+              </a:spcAft>
+              <a:buSzPts val="2800"/>
+              <a:buNone/>
+            </a:pPr>
+            <a:r>
+              <a:rPr lang="en-US" dirty="0"/>
+              <a:t>Git</a:t>
+            </a:r>
+            <a:r>
+              <a:rPr lang="zh-TW" altLang="en-US" dirty="0"/>
+              <a:t> </a:t>
+            </a:r>
+            <a:r>
+              <a:rPr lang="en-US" altLang="zh-TW" dirty="0"/>
+              <a:t>push</a:t>
+            </a:r>
+            <a:endParaRPr dirty="0">
+              <a:latin typeface="Microsoft JhengHei"/>
+              <a:ea typeface="Microsoft JhengHei"/>
+              <a:cs typeface="Microsoft JhengHei"/>
+              <a:sym typeface="Microsoft JhengHei"/>
+            </a:endParaRPr>
+          </a:p>
+        </p:txBody>
+      </p:sp>
+      <p:sp>
+        <p:nvSpPr>
+          <p:cNvPr id="243" name="Google Shape;243;p37"/>
+          <p:cNvSpPr txBox="1">
+            <a:spLocks noGrp="1"/>
+          </p:cNvSpPr>
+          <p:nvPr>
+            <p:ph type="body" idx="1"/>
+          </p:nvPr>
+        </p:nvSpPr>
+        <p:spPr>
+          <a:xfrm>
+            <a:off x="311698" y="1152474"/>
+            <a:ext cx="8520599" cy="3799969"/>
+          </a:xfrm>
+          <a:prstGeom prst="rect">
+            <a:avLst/>
+          </a:prstGeom>
+          <a:noFill/>
+          <a:ln>
+            <a:noFill/>
+          </a:ln>
+        </p:spPr>
+        <p:txBody>
+          <a:bodyPr spcFirstLastPara="1" wrap="square" lIns="91425" tIns="91425" rIns="91425" bIns="91425" anchor="t" anchorCtr="0">
+            <a:noAutofit/>
+          </a:bodyPr>
+          <a:lstStyle/>
+          <a:p>
+            <a:pPr marL="457200" lvl="0" indent="-342900" algn="l" rtl="0">
+              <a:lnSpc>
+                <a:spcPct val="115000"/>
+              </a:lnSpc>
+              <a:spcBef>
+                <a:spcPts val="0"/>
+              </a:spcBef>
+              <a:spcAft>
+                <a:spcPts val="0"/>
+              </a:spcAft>
+              <a:buSzPts val="1800"/>
+              <a:buChar char="●"/>
+            </a:pPr>
+            <a:r>
+              <a:rPr lang="zh-TW" altLang="en-US" dirty="0"/>
+              <a:t>大改特改之後，想要上傳至雲端資料夾要經過三個步驟：</a:t>
+            </a:r>
+            <a:r>
+              <a:rPr lang="en-US" altLang="zh-TW" dirty="0"/>
+              <a:t>add, commit, push</a:t>
+            </a:r>
+          </a:p>
+          <a:p>
+            <a:pPr marL="457200" lvl="0" indent="-342900" algn="l" rtl="0">
+              <a:lnSpc>
+                <a:spcPct val="115000"/>
+              </a:lnSpc>
+              <a:spcBef>
+                <a:spcPts val="0"/>
+              </a:spcBef>
+              <a:spcAft>
+                <a:spcPts val="0"/>
+              </a:spcAft>
+              <a:buSzPts val="1800"/>
+              <a:buChar char="●"/>
+            </a:pPr>
+            <a:r>
+              <a:rPr lang="en-US" altLang="zh-TW" dirty="0">
+                <a:solidFill>
+                  <a:srgbClr val="FF0000"/>
+                </a:solidFill>
+              </a:rPr>
+              <a:t>git add --all </a:t>
+            </a:r>
+            <a:r>
+              <a:rPr lang="zh-TW" altLang="en-US" dirty="0">
+                <a:solidFill>
+                  <a:schemeClr val="tx1"/>
+                </a:solidFill>
+              </a:rPr>
+              <a:t>或者</a:t>
+            </a:r>
+            <a:r>
+              <a:rPr lang="zh-TW" altLang="en-US" dirty="0">
+                <a:solidFill>
+                  <a:srgbClr val="FF0000"/>
+                </a:solidFill>
+              </a:rPr>
+              <a:t> </a:t>
+            </a:r>
+            <a:r>
+              <a:rPr lang="en-US" altLang="zh-TW" dirty="0">
+                <a:solidFill>
+                  <a:srgbClr val="FF0000"/>
+                </a:solidFill>
+              </a:rPr>
+              <a:t>git add .</a:t>
+            </a:r>
+          </a:p>
+          <a:p>
+            <a:pPr marL="457200" lvl="0" indent="-342900" algn="l" rtl="0">
+              <a:lnSpc>
+                <a:spcPct val="115000"/>
+              </a:lnSpc>
+              <a:spcBef>
+                <a:spcPts val="0"/>
+              </a:spcBef>
+              <a:spcAft>
+                <a:spcPts val="0"/>
+              </a:spcAft>
+              <a:buSzPts val="1800"/>
+              <a:buChar char="●"/>
+            </a:pPr>
+            <a:r>
+              <a:rPr lang="en-US" altLang="zh-TW" dirty="0">
+                <a:solidFill>
+                  <a:srgbClr val="FF0000"/>
+                </a:solidFill>
+              </a:rPr>
+              <a:t>git commit -m </a:t>
+            </a:r>
+            <a:r>
+              <a:rPr lang="en-US" altLang="zh-TW" dirty="0">
+                <a:solidFill>
+                  <a:srgbClr val="FF0000"/>
+                </a:solidFill>
+                <a:latin typeface="Times New Roman" panose="02020603050405020304" pitchFamily="18" charset="0"/>
+                <a:cs typeface="Times New Roman" panose="02020603050405020304" pitchFamily="18" charset="0"/>
+              </a:rPr>
+              <a:t>“</a:t>
+            </a:r>
+            <a:r>
+              <a:rPr lang="en-US" altLang="zh-TW" dirty="0">
+                <a:solidFill>
+                  <a:srgbClr val="FF0000"/>
+                </a:solidFill>
+                <a:latin typeface="微軟正黑體" panose="020B0604030504040204" pitchFamily="34" charset="-120"/>
+                <a:ea typeface="微軟正黑體" panose="020B0604030504040204" pitchFamily="34" charset="-120"/>
+                <a:cs typeface="Times New Roman" panose="02020603050405020304" pitchFamily="18" charset="0"/>
+              </a:rPr>
+              <a:t>SOME MESSAGE</a:t>
+            </a:r>
+            <a:r>
+              <a:rPr lang="en-US" altLang="zh-TW" dirty="0">
+                <a:solidFill>
+                  <a:srgbClr val="FF0000"/>
+                </a:solidFill>
+                <a:latin typeface="Times New Roman" panose="02020603050405020304" pitchFamily="18" charset="0"/>
+                <a:cs typeface="Times New Roman" panose="02020603050405020304" pitchFamily="18" charset="0"/>
+              </a:rPr>
+              <a:t>”</a:t>
+            </a:r>
+          </a:p>
+          <a:p>
+            <a:pPr marL="457200" lvl="0" indent="-342900" algn="l" rtl="0">
+              <a:lnSpc>
+                <a:spcPct val="115000"/>
+              </a:lnSpc>
+              <a:spcBef>
+                <a:spcPts val="0"/>
+              </a:spcBef>
+              <a:spcAft>
+                <a:spcPts val="0"/>
+              </a:spcAft>
+              <a:buSzPts val="1800"/>
+              <a:buChar char="●"/>
+            </a:pPr>
+            <a:r>
+              <a:rPr lang="en-US" altLang="zh-TW" dirty="0">
+                <a:solidFill>
+                  <a:srgbClr val="FF0000"/>
+                </a:solidFill>
+                <a:latin typeface="微軟正黑體" panose="020B0604030504040204" pitchFamily="34" charset="-120"/>
+                <a:ea typeface="微軟正黑體" panose="020B0604030504040204" pitchFamily="34" charset="-120"/>
+                <a:cs typeface="Times New Roman" panose="02020603050405020304" pitchFamily="18" charset="0"/>
+              </a:rPr>
+              <a:t>git push</a:t>
+            </a:r>
+          </a:p>
+          <a:p>
+            <a:pPr marL="457200" lvl="0" indent="-342900" algn="l" rtl="0">
+              <a:lnSpc>
+                <a:spcPct val="115000"/>
+              </a:lnSpc>
+              <a:spcBef>
+                <a:spcPts val="0"/>
+              </a:spcBef>
+              <a:spcAft>
+                <a:spcPts val="0"/>
+              </a:spcAft>
+              <a:buSzPts val="1800"/>
+              <a:buChar char="●"/>
+            </a:pPr>
+            <a:r>
+              <a:rPr lang="en-US" altLang="zh-TW" dirty="0">
+                <a:latin typeface="微軟正黑體" panose="020B0604030504040204" pitchFamily="34" charset="-120"/>
+                <a:ea typeface="微軟正黑體" panose="020B0604030504040204" pitchFamily="34" charset="-120"/>
+              </a:rPr>
+              <a:t>git add</a:t>
+            </a:r>
+            <a:r>
+              <a:rPr lang="zh-TW" altLang="en-US" dirty="0">
+                <a:latin typeface="微軟正黑體" panose="020B0604030504040204" pitchFamily="34" charset="-120"/>
+                <a:ea typeface="微軟正黑體" panose="020B0604030504040204" pitchFamily="34" charset="-120"/>
+              </a:rPr>
+              <a:t> 代表將檔案加入索引，</a:t>
+            </a:r>
+            <a:r>
+              <a:rPr lang="en-US" altLang="zh-TW" dirty="0">
+                <a:latin typeface="微軟正黑體" panose="020B0604030504040204" pitchFamily="34" charset="-120"/>
+                <a:ea typeface="微軟正黑體" panose="020B0604030504040204" pitchFamily="34" charset="-120"/>
+              </a:rPr>
+              <a:t>--all</a:t>
+            </a:r>
+            <a:r>
+              <a:rPr lang="zh-TW" altLang="en-US" dirty="0">
+                <a:latin typeface="微軟正黑體" panose="020B0604030504040204" pitchFamily="34" charset="-120"/>
+                <a:ea typeface="微軟正黑體" panose="020B0604030504040204" pitchFamily="34" charset="-120"/>
+              </a:rPr>
+              <a:t>則是將所有檔案加進索引</a:t>
+            </a:r>
+            <a:endParaRPr lang="en-US" altLang="zh-TW" dirty="0">
+              <a:latin typeface="微軟正黑體" panose="020B0604030504040204" pitchFamily="34" charset="-120"/>
+              <a:ea typeface="微軟正黑體" panose="020B0604030504040204" pitchFamily="34" charset="-120"/>
+            </a:endParaRPr>
+          </a:p>
+          <a:p>
+            <a:pPr marL="457200" lvl="0" indent="-342900" algn="l" rtl="0">
+              <a:lnSpc>
+                <a:spcPct val="115000"/>
+              </a:lnSpc>
+              <a:spcBef>
+                <a:spcPts val="0"/>
+              </a:spcBef>
+              <a:spcAft>
+                <a:spcPts val="0"/>
+              </a:spcAft>
+              <a:buSzPts val="1800"/>
+              <a:buChar char="●"/>
+            </a:pPr>
+            <a:r>
+              <a:rPr lang="en-US" altLang="zh-TW" dirty="0">
+                <a:latin typeface="微軟正黑體" panose="020B0604030504040204" pitchFamily="34" charset="-120"/>
+                <a:ea typeface="微軟正黑體" panose="020B0604030504040204" pitchFamily="34" charset="-120"/>
+              </a:rPr>
+              <a:t>git commit </a:t>
+            </a:r>
+            <a:r>
+              <a:rPr lang="zh-TW" altLang="en-US" dirty="0">
+                <a:latin typeface="微軟正黑體" panose="020B0604030504040204" pitchFamily="34" charset="-120"/>
+                <a:ea typeface="微軟正黑體" panose="020B0604030504040204" pitchFamily="34" charset="-120"/>
+              </a:rPr>
+              <a:t>代表對這個版本下個簡單的註解，</a:t>
+            </a:r>
+            <a:r>
+              <a:rPr lang="en-US" altLang="zh-TW" dirty="0">
+                <a:latin typeface="微軟正黑體" panose="020B0604030504040204" pitchFamily="34" charset="-120"/>
+                <a:ea typeface="微軟正黑體" panose="020B0604030504040204" pitchFamily="34" charset="-120"/>
+              </a:rPr>
+              <a:t>-m </a:t>
+            </a:r>
+            <a:r>
+              <a:rPr lang="zh-TW" altLang="en-US" dirty="0">
+                <a:latin typeface="微軟正黑體" panose="020B0604030504040204" pitchFamily="34" charset="-120"/>
+                <a:ea typeface="微軟正黑體" panose="020B0604030504040204" pitchFamily="34" charset="-120"/>
+              </a:rPr>
+              <a:t>代表 </a:t>
+            </a:r>
+            <a:r>
+              <a:rPr lang="en-US" altLang="zh-TW" dirty="0">
+                <a:latin typeface="微軟正黑體" panose="020B0604030504040204" pitchFamily="34" charset="-120"/>
+                <a:ea typeface="微軟正黑體" panose="020B0604030504040204" pitchFamily="34" charset="-120"/>
+              </a:rPr>
+              <a:t>message</a:t>
+            </a:r>
+            <a:r>
+              <a:rPr lang="zh-TW" altLang="en-US" dirty="0">
+                <a:latin typeface="微軟正黑體" panose="020B0604030504040204" pitchFamily="34" charset="-120"/>
+                <a:ea typeface="微軟正黑體" panose="020B0604030504040204" pitchFamily="34" charset="-120"/>
+              </a:rPr>
+              <a:t>，然後含兩個雙引號將訊息打進去。</a:t>
+            </a:r>
+            <a:endParaRPr lang="en-US" altLang="zh-TW" dirty="0">
+              <a:latin typeface="微軟正黑體" panose="020B0604030504040204" pitchFamily="34" charset="-120"/>
+              <a:ea typeface="微軟正黑體" panose="020B0604030504040204" pitchFamily="34" charset="-120"/>
+            </a:endParaRPr>
+          </a:p>
+          <a:p>
+            <a:pPr marL="457200" lvl="0" indent="-342900" algn="l" rtl="0">
+              <a:lnSpc>
+                <a:spcPct val="115000"/>
+              </a:lnSpc>
+              <a:spcBef>
+                <a:spcPts val="0"/>
+              </a:spcBef>
+              <a:spcAft>
+                <a:spcPts val="0"/>
+              </a:spcAft>
+              <a:buSzPts val="1800"/>
+              <a:buChar char="●"/>
+            </a:pPr>
+            <a:r>
+              <a:rPr lang="en-US" altLang="zh-TW" dirty="0">
+                <a:latin typeface="微軟正黑體" panose="020B0604030504040204" pitchFamily="34" charset="-120"/>
+                <a:ea typeface="微軟正黑體" panose="020B0604030504040204" pitchFamily="34" charset="-120"/>
+              </a:rPr>
+              <a:t>git push </a:t>
+            </a:r>
+            <a:r>
+              <a:rPr lang="zh-TW" altLang="en-US" dirty="0">
+                <a:latin typeface="微軟正黑體" panose="020B0604030504040204" pitchFamily="34" charset="-120"/>
+                <a:ea typeface="微軟正黑體" panose="020B0604030504040204" pitchFamily="34" charset="-120"/>
+              </a:rPr>
+              <a:t>顧名思義就是將這個版本推上去。</a:t>
+            </a:r>
+            <a:endParaRPr lang="en-US" altLang="zh-TW" dirty="0">
+              <a:latin typeface="微軟正黑體" panose="020B0604030504040204" pitchFamily="34" charset="-120"/>
+              <a:ea typeface="微軟正黑體" panose="020B0604030504040204" pitchFamily="34" charset="-120"/>
+            </a:endParaRPr>
+          </a:p>
+          <a:p>
+            <a:pPr lvl="0"/>
+            <a:r>
+              <a:rPr lang="zh-TW" altLang="en-US" dirty="0"/>
+              <a:t>此外，如果要看更動的話，那可以輸入 </a:t>
+            </a:r>
+            <a:r>
+              <a:rPr lang="en-US" altLang="zh-TW" dirty="0">
+                <a:solidFill>
+                  <a:srgbClr val="FF0000"/>
+                </a:solidFill>
+              </a:rPr>
+              <a:t>git log</a:t>
+            </a:r>
+          </a:p>
+          <a:p>
+            <a:pPr lvl="0"/>
+            <a:r>
+              <a:rPr lang="zh-TW" altLang="en-US" dirty="0">
+                <a:solidFill>
+                  <a:schemeClr val="tx2">
+                    <a:lumMod val="75000"/>
+                  </a:schemeClr>
+                </a:solidFill>
+              </a:rPr>
+              <a:t>這些指令後面可以加別的參數，會有不同效果</a:t>
+            </a:r>
+            <a:endParaRPr lang="en-US" altLang="zh-TW" dirty="0">
+              <a:solidFill>
+                <a:schemeClr val="tx2">
+                  <a:lumMod val="75000"/>
+                </a:schemeClr>
+              </a:solidFill>
+            </a:endParaRPr>
+          </a:p>
+          <a:p>
+            <a:pPr marL="457200" lvl="0" indent="-342900" algn="l" rtl="0">
+              <a:lnSpc>
+                <a:spcPct val="115000"/>
+              </a:lnSpc>
+              <a:spcBef>
+                <a:spcPts val="0"/>
+              </a:spcBef>
+              <a:spcAft>
+                <a:spcPts val="0"/>
+              </a:spcAft>
+              <a:buSzPts val="1800"/>
+              <a:buChar char="●"/>
+            </a:pPr>
+            <a:endParaRPr lang="en-US" altLang="zh-TW" dirty="0"/>
+          </a:p>
+          <a:p>
+            <a:pPr marL="457200" lvl="0" indent="-342900" algn="l" rtl="0">
+              <a:lnSpc>
+                <a:spcPct val="115000"/>
+              </a:lnSpc>
+              <a:spcBef>
+                <a:spcPts val="0"/>
+              </a:spcBef>
+              <a:spcAft>
+                <a:spcPts val="0"/>
+              </a:spcAft>
+              <a:buSzPts val="1800"/>
+              <a:buChar char="●"/>
+            </a:pPr>
+            <a:endParaRPr lang="en-US" altLang="zh-TW" dirty="0"/>
+          </a:p>
+          <a:p>
+            <a:pPr marL="457200" lvl="0" indent="-342900" algn="l" rtl="0">
+              <a:lnSpc>
+                <a:spcPct val="115000"/>
+              </a:lnSpc>
+              <a:spcBef>
+                <a:spcPts val="0"/>
+              </a:spcBef>
+              <a:spcAft>
+                <a:spcPts val="0"/>
+              </a:spcAft>
+              <a:buSzPts val="1800"/>
+              <a:buChar char="●"/>
+            </a:pPr>
+            <a:endParaRPr lang="en-US" altLang="zh-TW" dirty="0"/>
+          </a:p>
+          <a:p>
+            <a:pPr marL="457200" lvl="0" indent="-342900" algn="l" rtl="0">
+              <a:lnSpc>
+                <a:spcPct val="115000"/>
+              </a:lnSpc>
+              <a:spcBef>
+                <a:spcPts val="0"/>
+              </a:spcBef>
+              <a:spcAft>
+                <a:spcPts val="0"/>
+              </a:spcAft>
+              <a:buSzPts val="1800"/>
+              <a:buChar char="●"/>
+            </a:pPr>
+            <a:endParaRPr lang="en-US" altLang="zh-TW" dirty="0"/>
+          </a:p>
+          <a:p>
+            <a:pPr marL="457200" lvl="0" indent="-342900" algn="l" rtl="0">
+              <a:lnSpc>
+                <a:spcPct val="115000"/>
+              </a:lnSpc>
+              <a:spcBef>
+                <a:spcPts val="0"/>
+              </a:spcBef>
+              <a:spcAft>
+                <a:spcPts val="0"/>
+              </a:spcAft>
+              <a:buSzPts val="1800"/>
+              <a:buChar char="●"/>
+            </a:pPr>
+            <a:endParaRPr dirty="0"/>
+          </a:p>
+        </p:txBody>
+      </p:sp>
+      <p:sp>
+        <p:nvSpPr>
+          <p:cNvPr id="2" name="投影片編號版面配置區 1">
+            <a:extLst>
+              <a:ext uri="{FF2B5EF4-FFF2-40B4-BE49-F238E27FC236}">
+                <a16:creationId xmlns:a16="http://schemas.microsoft.com/office/drawing/2014/main" id="{E5F2B600-0B8E-4FD9-BC4F-8E04A1563A49}"/>
+              </a:ext>
+            </a:extLst>
+          </p:cNvPr>
+          <p:cNvSpPr>
+            <a:spLocks noGrp="1"/>
+          </p:cNvSpPr>
+          <p:nvPr>
+            <p:ph type="sldNum" idx="12"/>
+          </p:nvPr>
+        </p:nvSpPr>
+        <p:spPr/>
+        <p:txBody>
+          <a:bodyPr/>
+          <a:lstStyle/>
+          <a:p>
+            <a:pPr marL="0" lvl="0" indent="0" algn="r" rtl="0">
+              <a:spcBef>
+                <a:spcPts val="0"/>
+              </a:spcBef>
+              <a:spcAft>
+                <a:spcPts val="0"/>
+              </a:spcAft>
+              <a:buNone/>
+            </a:pPr>
+            <a:fld id="{00000000-1234-1234-1234-123412341234}" type="slidenum">
+              <a:rPr lang="en-US" smtClean="0"/>
+              <a:t>17</a:t>
             </a:fld>
             <a:endParaRPr lang="en-US"/>
           </a:p>
@@ -12032,13 +13528,13 @@
               <a:buNone/>
             </a:pPr>
             <a:r>
-              <a:rPr lang="en-US" sz="4000" dirty="0">
+              <a:rPr lang="zh-TW" altLang="en-US" sz="4000" dirty="0">
                 <a:latin typeface="Microsoft JhengHei"/>
                 <a:ea typeface="Microsoft JhengHei"/>
                 <a:cs typeface="Microsoft JhengHei"/>
                 <a:sym typeface="Microsoft JhengHei"/>
               </a:rPr>
-              <a:t>Codebook making</a:t>
+              <a:t>課前廢話</a:t>
             </a:r>
             <a:endParaRPr sz="4000" dirty="0">
               <a:latin typeface="Microsoft JhengHei"/>
@@ -12171,13 +13667,13 @@
               <a:buNone/>
             </a:pPr>
             <a:r>
-              <a:rPr lang="en-US" altLang="zh-TW" dirty="0">
+              <a:rPr lang="zh-TW" altLang="en-US" dirty="0">
                 <a:latin typeface="Microsoft JhengHei"/>
                 <a:ea typeface="Microsoft JhengHei"/>
                 <a:cs typeface="Microsoft JhengHei"/>
                 <a:sym typeface="Microsoft JhengHei"/>
               </a:rPr>
-              <a:t>Codebook intro</a:t>
+              <a:t>課前廢話</a:t>
             </a:r>
             <a:endParaRPr dirty="0">
               <a:latin typeface="Microsoft JhengHei"/>
@@ -12231,32 +13727,38 @@
               <a:buChar char="●"/>
             </a:pPr>
             <a:r>
-              <a:rPr lang="en-US" dirty="0"/>
-              <a:t>ICPC</a:t>
-            </a:r>
-            <a:r>
-              <a:rPr lang="zh-TW" altLang="en-US" dirty="0"/>
-              <a:t>規定每個隊伍可以帶</a:t>
-            </a:r>
-            <a:r>
-              <a:rPr lang="en-US" altLang="zh-TW" dirty="0"/>
-              <a:t>25</a:t>
-            </a:r>
-            <a:r>
-              <a:rPr lang="zh-TW" altLang="en-US" dirty="0"/>
-              <a:t>頁的參考資料，但要滿足以下</a:t>
-            </a:r>
-            <a:r>
               <a:rPr lang="zh-TW" altLang="en-US" dirty="0">
-                <a:hlinkClick r:id="rId3"/>
+                <a:solidFill>
+                  <a:srgbClr val="FF0000"/>
+                </a:solidFill>
               </a:rPr>
-              <a:t>條件</a:t>
-            </a:r>
-            <a:r>
-              <a:rPr lang="zh-TW" altLang="en-US" dirty="0"/>
-              <a:t>：</a:t>
-            </a:r>
-            <a:endParaRPr lang="en-US" altLang="zh-TW" dirty="0"/>
+              <a:t>重要的紅色</a:t>
+            </a:r>
+            <a:r>
+              <a:rPr lang="zh-TW" altLang="en-US" dirty="0">
+                <a:solidFill>
+                  <a:schemeClr val="tx1"/>
+                </a:solidFill>
+              </a:rPr>
+              <a:t>，正常的敘述黑色，</a:t>
+            </a:r>
+            <a:r>
+              <a:rPr lang="zh-TW" altLang="en-US" dirty="0">
+                <a:solidFill>
+                  <a:schemeClr val="tx2">
+                    <a:lumMod val="75000"/>
+                  </a:schemeClr>
+                </a:solidFill>
+              </a:rPr>
+              <a:t>額外補充、對當前不太重要的綠色</a:t>
+            </a:r>
+            <a:endParaRPr lang="en-US" altLang="zh-TW" dirty="0">
+              <a:solidFill>
+                <a:schemeClr val="tx2">
+                  <a:lumMod val="75000"/>
+                </a:schemeClr>
+              </a:solidFill>
+            </a:endParaRPr>
           </a:p>
           <a:p>
             <a:pPr marL="457200" lvl="0" indent="-342900" algn="l" rtl="0">
@@ -12272,163 +13774,27 @@
               <a:buSzPts val="1800"/>
               <a:buChar char="●"/>
             </a:pPr>
-            <a:endParaRPr lang="en-US" altLang="zh-TW" dirty="0"/>
-          </a:p>
-          <a:p>
-            <a:pPr marL="457200" lvl="0" indent="-342900" algn="l" rtl="0">
-              <a:lnSpc>
-                <a:spcPct val="115000"/>
-              </a:lnSpc>
-              <a:spcBef>
-                <a:spcPts val="0"/>
-              </a:spcBef>
-              <a:spcAft>
-                <a:spcPts val="0"/>
-              </a:spcAft>
-              <a:buSzPts val="1800"/>
-              <a:buChar char="●"/>
-            </a:pPr>
-            <a:endParaRPr lang="en-US" altLang="zh-TW" dirty="0"/>
-          </a:p>
-          <a:p>
-            <a:pPr marL="457200" lvl="0" indent="-342900" algn="l" rtl="0">
-              <a:lnSpc>
-                <a:spcPct val="115000"/>
-              </a:lnSpc>
-              <a:spcBef>
-                <a:spcPts val="0"/>
-              </a:spcBef>
-              <a:spcAft>
-                <a:spcPts val="0"/>
-              </a:spcAft>
-              <a:buSzPts val="1800"/>
-              <a:buChar char="●"/>
-            </a:pPr>
-            <a:endParaRPr lang="en-US" altLang="zh-TW" dirty="0"/>
-          </a:p>
-          <a:p>
-            <a:pPr marL="457200" lvl="0" indent="-342900" algn="l" rtl="0">
-              <a:lnSpc>
-                <a:spcPct val="115000"/>
-              </a:lnSpc>
-              <a:spcBef>
-                <a:spcPts val="0"/>
-              </a:spcBef>
-              <a:spcAft>
-                <a:spcPts val="0"/>
-              </a:spcAft>
-              <a:buSzPts val="1800"/>
-              <a:buChar char="●"/>
-            </a:pPr>
-            <a:r>
-              <a:rPr lang="en-US" altLang="zh-TW" dirty="0"/>
-              <a:t>25 </a:t>
-            </a:r>
-            <a:r>
-              <a:rPr lang="zh-TW" altLang="en-US" dirty="0"/>
-              <a:t>頁單頁，左上註明隊伍跟所屬學校，右上註明頁數</a:t>
-            </a:r>
-            <a:endParaRPr lang="en-US" altLang="zh-TW" dirty="0"/>
-          </a:p>
-          <a:p>
-            <a:pPr marL="457200" lvl="0" indent="-342900" algn="l" rtl="0">
-              <a:lnSpc>
-                <a:spcPct val="115000"/>
-              </a:lnSpc>
-              <a:spcBef>
-                <a:spcPts val="0"/>
-              </a:spcBef>
-              <a:spcAft>
-                <a:spcPts val="0"/>
-              </a:spcAft>
-              <a:buSzPts val="1800"/>
-              <a:buChar char="●"/>
-            </a:pPr>
-            <a:r>
-              <a:rPr lang="zh-TW" altLang="en-US" dirty="0"/>
-              <a:t>要視力正常的人離 </a:t>
-            </a:r>
-            <a:r>
-              <a:rPr lang="en-US" altLang="zh-TW" dirty="0"/>
-              <a:t>codebook 50 </a:t>
-            </a:r>
-            <a:r>
-              <a:rPr lang="zh-TW" altLang="en-US" dirty="0"/>
-              <a:t>公分處，在不仰賴輔具的情況下閱讀</a:t>
-            </a:r>
-            <a:endParaRPr lang="en-US" altLang="zh-TW" dirty="0"/>
-          </a:p>
-          <a:p>
-            <a:pPr marL="457200" lvl="0" indent="-342900" algn="l" rtl="0">
-              <a:lnSpc>
-                <a:spcPct val="115000"/>
-              </a:lnSpc>
-              <a:spcBef>
-                <a:spcPts val="0"/>
-              </a:spcBef>
-              <a:spcAft>
-                <a:spcPts val="0"/>
-              </a:spcAft>
-              <a:buSzPts val="1800"/>
-              <a:buChar char="●"/>
-            </a:pPr>
-            <a:r>
-              <a:rPr lang="zh-TW" altLang="en-US" dirty="0"/>
-              <a:t>可以手寫或更正在紙上面，但僅限正面</a:t>
-            </a:r>
-            <a:endParaRPr lang="en-US" altLang="zh-TW" dirty="0"/>
-          </a:p>
-          <a:p>
-            <a:pPr marL="457200" lvl="0" indent="-342900" algn="l" rtl="0">
-              <a:lnSpc>
-                <a:spcPct val="115000"/>
-              </a:lnSpc>
-              <a:spcBef>
-                <a:spcPts val="0"/>
-              </a:spcBef>
-              <a:spcAft>
-                <a:spcPts val="0"/>
-              </a:spcAft>
-              <a:buSzPts val="1800"/>
-              <a:buChar char="●"/>
-            </a:pPr>
-            <a:r>
-              <a:rPr lang="zh-TW" altLang="en-US" dirty="0"/>
-              <a:t>最後一句話可以跳過，因為區域賽沒有那麼苛刻。</a:t>
-            </a:r>
-            <a:endParaRPr lang="en-US" altLang="zh-TW" dirty="0"/>
-          </a:p>
-          <a:p>
-            <a:pPr marL="457200" lvl="0" indent="-342900" algn="l" rtl="0">
-              <a:lnSpc>
-                <a:spcPct val="115000"/>
-              </a:lnSpc>
-              <a:spcBef>
-                <a:spcPts val="0"/>
-              </a:spcBef>
-              <a:spcAft>
-                <a:spcPts val="0"/>
-              </a:spcAft>
-              <a:buSzPts val="1800"/>
-              <a:buChar char="●"/>
-            </a:pPr>
-            <a:endParaRPr lang="en-US" altLang="zh-TW" dirty="0"/>
-          </a:p>
-          <a:p>
-            <a:pPr marL="457200" lvl="0" indent="-342900" algn="l" rtl="0">
-              <a:lnSpc>
-                <a:spcPct val="115000"/>
-              </a:lnSpc>
-              <a:spcBef>
-                <a:spcPts val="0"/>
-              </a:spcBef>
-              <a:spcAft>
-                <a:spcPts val="0"/>
-              </a:spcAft>
-              <a:buSzPts val="1800"/>
-              <a:buChar char="●"/>
-            </a:pPr>
-            <a:endParaRPr dirty="0"/>
+            <a:r>
+              <a:rPr lang="zh-TW" altLang="en-US" dirty="0">
+                <a:solidFill>
+                  <a:schemeClr val="tx1"/>
+                </a:solidFill>
+              </a:rPr>
+              <a:t>如果有色弱或者紅綠色盲的我很抱歉，</a:t>
+            </a:r>
+            <a:r>
+              <a:rPr lang="zh-TW" altLang="en-US" b="1" dirty="0">
+                <a:solidFill>
+                  <a:schemeClr val="accent5"/>
+                </a:solidFill>
+              </a:rPr>
+              <a:t>但我還是不會改</a:t>
+            </a:r>
+            <a:endParaRPr b="1" dirty="0">
+              <a:solidFill>
+                <a:schemeClr val="accent5"/>
+              </a:solidFill>
+            </a:endParaRPr>
           </a:p>
         </p:txBody>
       </p:sp>
@@ -12470,36 +13836,6 @@
           </a:p>
         </p:txBody>
       </p:sp>
-      <p:pic>
-        <p:nvPicPr>
-          <p:cNvPr id="3" name="圖片 2">
-            <a:extLst>
-              <a:ext uri="{FF2B5EF4-FFF2-40B4-BE49-F238E27FC236}">
-                <a16:creationId xmlns:a16="http://schemas.microsoft.com/office/drawing/2014/main" id="{0517B23E-4BAD-45CE-BCDB-7D215BE081FD}"/>
-              </a:ext>
-            </a:extLst>
-          </p:cNvPr>
-          <p:cNvPicPr>
-            <a:picLocks noChangeAspect="1"/>
-          </p:cNvPicPr>
-          <p:nvPr/>
-        </p:nvPicPr>
-        <p:blipFill>
-          <a:blip r:embed="rId4"/>
-          <a:stretch>
-            <a:fillRect/>
-          </a:stretch>
-        </p:blipFill>
-        <p:spPr>
-          <a:xfrm>
-            <a:off x="45454" y="1609269"/>
-            <a:ext cx="8786846" cy="708125"/>
-          </a:xfrm>
-          <a:prstGeom prst="rect">
-            <a:avLst/>
-          </a:prstGeom>
-        </p:spPr>
-      </p:pic>
     </p:spTree>
     <p:extLst>
       <p:ext uri="{BB962C8B-B14F-4D97-AF65-F5344CB8AC3E}">
@@ -12518,7 +13854,7 @@
   <p:cSld>
     <p:spTree>
       <p:nvGrpSpPr>
-        <p:cNvPr id="1" name="Shape 241"/>
+        <p:cNvPr id="1" name="Shape 56"/>
         <p:cNvGrpSpPr/>
         <p:nvPr/>
       </p:nvGrpSpPr>
@@ -12532,7 +13868,7 @@
       </p:grpSpPr>
       <p:sp>
         <p:nvSpPr>
-          <p:cNvPr id="242" name="Google Shape;242;p37"/>
+          <p:cNvPr id="57" name="Google Shape;57;p12"/>
           <p:cNvSpPr txBox="1">
             <a:spLocks noGrp="1"/>
           </p:cNvSpPr>
@@ -12542,8 +13878,8 @@
         </p:nvSpPr>
         <p:spPr>
           <a:xfrm>
-            <a:off x="311700" y="445025"/>
-            <a:ext cx="8520600" cy="572700"/>
+            <a:off x="510450" y="2057400"/>
+            <a:ext cx="8123100" cy="778800"/>
           </a:xfrm>
           <a:prstGeom prst="rect">
             <a:avLst/>
@@ -12554,7 +13890,7 @@
           </a:ln>
         </p:spPr>
         <p:txBody>
-          <a:bodyPr spcFirstLastPara="1" wrap="square" lIns="91425" tIns="91425" rIns="91425" bIns="91425" anchor="t" anchorCtr="0">
+          <a:bodyPr spcFirstLastPara="1" wrap="square" lIns="91425" tIns="91425" rIns="91425" bIns="91425" anchor="b" anchorCtr="0">
             <a:noAutofit/>
           </a:bodyPr>
           <a:lstStyle/>
@@ -12569,19 +13905,19 @@
               <a:spcAft>
                 <a:spcPts val="0"/>
               </a:spcAft>
-              <a:buSzPts val="2800"/>
+              <a:buSzPts val="3600"/>
               <a:buNone/>
             </a:pPr>
             <a:r>
-              <a:rPr lang="en-US" altLang="zh-TW" dirty="0">
+              <a:rPr lang="en-US" sz="4000" dirty="0">
                 <a:latin typeface="Microsoft JhengHei"/>
                 <a:ea typeface="Microsoft JhengHei"/>
                 <a:cs typeface="Microsoft JhengHei"/>
                 <a:sym typeface="Microsoft JhengHei"/>
               </a:rPr>
-              <a:t>Codebook intro</a:t>
-            </a:r>
-            <a:endParaRPr dirty="0">
+              <a:t>Codebook making</a:t>
+            </a:r>
+            <a:endParaRPr sz="4000" dirty="0">
               <a:latin typeface="Microsoft JhengHei"/>
               <a:ea typeface="Microsoft JhengHei"/>
               <a:cs typeface="Microsoft JhengHei"/>
@@ -12592,18 +13928,14 @@
       </p:sp>
       <p:sp>
         <p:nvSpPr>
-          <p:cNvPr id="243" name="Google Shape;243;p37"/>
-          <p:cNvSpPr txBox="1">
-            <a:spLocks noGrp="1"/>
-          </p:cNvSpPr>
-          <p:nvPr>
-            <p:ph type="body" idx="1"/>
-          </p:nvPr>
+          <p:cNvPr id="58" name="Google Shape;58;p12"/>
+          <p:cNvSpPr txBox="1"/>
+          <p:nvPr/>
         </p:nvSpPr>
         <p:spPr>
           <a:xfrm>
-            <a:off x="311699" y="1152475"/>
-            <a:ext cx="8429691" cy="3416400"/>
+            <a:off x="510449" y="3186752"/>
+            <a:ext cx="7650911" cy="338554"/>
           </a:xfrm>
           <a:prstGeom prst="rect">
             <a:avLst/>
@@ -12614,187 +13946,44 @@
           </a:ln>
         </p:spPr>
         <p:txBody>
-          <a:bodyPr spcFirstLastPara="1" wrap="square" lIns="91425" tIns="91425" rIns="91425" bIns="91425" anchor="t" anchorCtr="0">
+          <a:bodyPr spcFirstLastPara="1" wrap="square" lIns="91425" tIns="45700" rIns="91425" bIns="45700" anchor="t" anchorCtr="0">
             <a:noAutofit/>
           </a:bodyPr>
           <a:lstStyle/>
           <a:p>
-            <a:pPr marL="457200" lvl="0" indent="-342900" algn="l" rtl="0">
-              <a:lnSpc>
-                <a:spcPct val="115000"/>
-              </a:lnSpc>
-              <a:spcBef>
-                <a:spcPts val="0"/>
-              </a:spcBef>
-              <a:spcAft>
-                <a:spcPts val="0"/>
-              </a:spcAft>
-              <a:buSzPts val="1800"/>
-              <a:buChar char="●"/>
+            <a:pPr marL="0" marR="0" lvl="0" indent="0" algn="l" rtl="0">
+              <a:lnSpc>
+                <a:spcPct val="100000"/>
+              </a:lnSpc>
+              <a:spcBef>
+                <a:spcPts val="0"/>
+              </a:spcBef>
+              <a:spcAft>
+                <a:spcPts val="0"/>
+              </a:spcAft>
+              <a:buClr>
+                <a:srgbClr val="000000"/>
+              </a:buClr>
+              <a:buSzPts val="1600"/>
+              <a:buFont typeface="Arial"/>
+              <a:buNone/>
             </a:pPr>
-            <a:r>
-              <a:rPr lang="zh-TW" altLang="en-US" dirty="0"/>
-              <a:t>所以為了省事情，北大以往的 </a:t>
-            </a:r>
-            <a:r>
-              <a:rPr lang="en-US" altLang="zh-TW" dirty="0"/>
-              <a:t>codebook </a:t>
-            </a:r>
-            <a:r>
-              <a:rPr lang="zh-TW" altLang="en-US" dirty="0"/>
-              <a:t>都是從交大竹狐那邊抄來的，在此感謝 </a:t>
-            </a:r>
-            <a:r>
-              <a:rPr lang="en-US" altLang="zh-TW" dirty="0" err="1"/>
-              <a:t>NCTU_Tmprry</a:t>
-            </a:r>
-            <a:endParaRPr lang="en-US" altLang="zh-TW" dirty="0"/>
-          </a:p>
-          <a:p>
-            <a:pPr marL="457200" lvl="0" indent="-342900" algn="l" rtl="0">
-              <a:lnSpc>
-                <a:spcPct val="115000"/>
-              </a:lnSpc>
-              <a:spcBef>
-                <a:spcPts val="0"/>
-              </a:spcBef>
-              <a:spcAft>
-                <a:spcPts val="0"/>
-              </a:spcAft>
-              <a:buSzPts val="1800"/>
-              <a:buChar char="●"/>
-            </a:pPr>
-            <a:r>
-              <a:rPr lang="zh-TW" altLang="en-US" dirty="0"/>
-              <a:t>所以接下來的課程要介紹如何更改他們的 </a:t>
-            </a:r>
-            <a:r>
-              <a:rPr lang="en-US" altLang="zh-TW" dirty="0"/>
-              <a:t>codebook</a:t>
-            </a:r>
-          </a:p>
-          <a:p>
-            <a:pPr marL="457200" lvl="0" indent="-342900" algn="l" rtl="0">
-              <a:lnSpc>
-                <a:spcPct val="115000"/>
-              </a:lnSpc>
-              <a:spcBef>
-                <a:spcPts val="0"/>
-              </a:spcBef>
-              <a:spcAft>
-                <a:spcPts val="0"/>
-              </a:spcAft>
-              <a:buSzPts val="1800"/>
-              <a:buChar char="●"/>
-            </a:pPr>
-            <a:endParaRPr lang="en-US" altLang="zh-TW" dirty="0"/>
-          </a:p>
-          <a:p>
-            <a:pPr marL="457200" lvl="0" indent="-342900" algn="l" rtl="0">
-              <a:lnSpc>
-                <a:spcPct val="115000"/>
-              </a:lnSpc>
-              <a:spcBef>
-                <a:spcPts val="0"/>
-              </a:spcBef>
-              <a:spcAft>
-                <a:spcPts val="0"/>
-              </a:spcAft>
-              <a:buSzPts val="1800"/>
-              <a:buChar char="●"/>
-            </a:pPr>
-            <a:endParaRPr lang="en-US" altLang="zh-TW" dirty="0"/>
-          </a:p>
-          <a:p>
-            <a:pPr marL="457200" lvl="0" indent="-342900" algn="l" rtl="0">
-              <a:lnSpc>
-                <a:spcPct val="115000"/>
-              </a:lnSpc>
-              <a:spcBef>
-                <a:spcPts val="0"/>
-              </a:spcBef>
-              <a:spcAft>
-                <a:spcPts val="0"/>
-              </a:spcAft>
-              <a:buSzPts val="1800"/>
-              <a:buChar char="●"/>
-            </a:pPr>
-            <a:endParaRPr dirty="0"/>
+            <a:endParaRPr sz="1600" b="0" i="0" u="none" strike="noStrike" cap="none">
+              <a:solidFill>
+                <a:schemeClr val="lt1"/>
+              </a:solidFill>
+              <a:latin typeface="Microsoft JhengHei"/>
+              <a:ea typeface="Microsoft JhengHei"/>
+              <a:cs typeface="Microsoft JhengHei"/>
+              <a:sym typeface="Microsoft JhengHei"/>
+            </a:endParaRPr>
           </a:p>
         </p:txBody>
       </p:sp>
-      <p:sp>
-        <p:nvSpPr>
-          <p:cNvPr id="2" name="投影片編號版面配置區 1">
-            <a:extLst>
-              <a:ext uri="{FF2B5EF4-FFF2-40B4-BE49-F238E27FC236}">
-                <a16:creationId xmlns:a16="http://schemas.microsoft.com/office/drawing/2014/main" id="{E5F2B600-0B8E-4FD9-BC4F-8E04A1563A49}"/>
-              </a:ext>
-            </a:extLst>
-          </p:cNvPr>
-          <p:cNvSpPr>
-            <a:spLocks noGrp="1"/>
-          </p:cNvSpPr>
-          <p:nvPr>
-            <p:ph type="sldNum" idx="12"/>
-          </p:nvPr>
-        </p:nvSpPr>
-        <p:spPr/>
-        <p:txBody>
-          <a:bodyPr/>
-          <a:lstStyle/>
-          <a:p>
-            <a:pPr marL="0" lvl="0" indent="0" algn="r" rtl="0">
-              <a:spcBef>
-                <a:spcPts val="0"/>
-              </a:spcBef>
-              <a:spcAft>
-                <a:spcPts val="0"/>
-              </a:spcAft>
-              <a:buNone/>
-            </a:pPr>
-            <a:fld id="{00000000-1234-1234-1234-123412341234}" type="slidenum">
-              <a:rPr lang="en-US" smtClean="0"/>
-              <a:t>4</a:t>
-            </a:fld>
-            <a:endParaRPr lang="en-US"/>
-          </a:p>
-        </p:txBody>
-      </p:sp>
-      <p:pic>
-        <p:nvPicPr>
-          <p:cNvPr id="4" name="圖片 3">
-            <a:extLst>
-              <a:ext uri="{FF2B5EF4-FFF2-40B4-BE49-F238E27FC236}">
-                <a16:creationId xmlns:a16="http://schemas.microsoft.com/office/drawing/2014/main" id="{61206054-3E93-4C67-BB60-FC27E0AF428E}"/>
-              </a:ext>
-            </a:extLst>
-          </p:cNvPr>
-          <p:cNvPicPr>
-            <a:picLocks noChangeAspect="1"/>
-          </p:cNvPicPr>
-          <p:nvPr/>
-        </p:nvPicPr>
-        <p:blipFill>
-          <a:blip r:embed="rId3"/>
-          <a:stretch>
-            <a:fillRect/>
-          </a:stretch>
-        </p:blipFill>
-        <p:spPr>
-          <a:xfrm>
-            <a:off x="400467" y="2387648"/>
-            <a:ext cx="8343066" cy="1824885"/>
-          </a:xfrm>
-          <a:prstGeom prst="rect">
-            <a:avLst/>
-          </a:prstGeom>
-        </p:spPr>
-      </p:pic>
     </p:spTree>
     <p:extLst>
       <p:ext uri="{BB962C8B-B14F-4D97-AF65-F5344CB8AC3E}">
-        <p14:creationId xmlns:p14="http://schemas.microsoft.com/office/powerpoint/2010/main" val="2905501275"/>
+        <p14:creationId xmlns:p14="http://schemas.microsoft.com/office/powerpoint/2010/main" val="1209967065"/>
       </p:ext>
     </p:extLst>
   </p:cSld>
@@ -12870,7 +14059,7 @@
                 <a:cs typeface="Microsoft JhengHei"/>
                 <a:sym typeface="Microsoft JhengHei"/>
               </a:rPr>
-              <a:t>Codebook making</a:t>
+              <a:t>Codebook intro</a:t>
             </a:r>
             <a:endParaRPr dirty="0">
               <a:latin typeface="Microsoft JhengHei"/>
@@ -12924,94 +14113,32 @@
               <a:buChar char="●"/>
             </a:pPr>
             <a:r>
+              <a:rPr lang="en-US" dirty="0"/>
+              <a:t>ICPC</a:t>
+            </a:r>
+            <a:r>
+              <a:rPr lang="zh-TW" altLang="en-US" dirty="0"/>
+              <a:t>規定每個隊伍可以帶</a:t>
+            </a:r>
+            <a:r>
               <a:rPr lang="en-US" altLang="zh-TW" dirty="0"/>
-              <a:t>Download </a:t>
-            </a:r>
-            <a:r>
-              <a:rPr lang="en-US" altLang="zh-TW" dirty="0" err="1"/>
-              <a:t>texwork</a:t>
-            </a:r>
-            <a:r>
-              <a:rPr lang="en-US" altLang="zh-TW" dirty="0"/>
-              <a:t> and install</a:t>
-            </a:r>
-          </a:p>
-          <a:p>
-            <a:pPr marL="457200" lvl="0" indent="-342900" algn="l" rtl="0">
-              <a:lnSpc>
-                <a:spcPct val="115000"/>
-              </a:lnSpc>
-              <a:spcBef>
-                <a:spcPts val="0"/>
-              </a:spcBef>
-              <a:spcAft>
-                <a:spcPts val="0"/>
-              </a:spcAft>
-              <a:buSzPts val="1800"/>
-              <a:buChar char="●"/>
-            </a:pPr>
+              <a:t>25</a:t>
+            </a:r>
             <a:r>
               <a:rPr lang="zh-TW" altLang="en-US" dirty="0"/>
-              <a:t>去</a:t>
+              <a:t>頁的參考資料，但要滿足以下</a:t>
             </a:r>
             <a:r>
               <a:rPr lang="zh-TW" altLang="en-US" dirty="0">
                 <a:hlinkClick r:id="rId3"/>
               </a:rPr>
-              <a:t>這裡</a:t>
+              <a:t>條件</a:t>
             </a:r>
             <a:r>
               <a:rPr lang="zh-TW" altLang="en-US" dirty="0"/>
-              <a:t>下載整個專案，然後解壓縮</a:t>
-            </a:r>
-            <a:r>
-              <a:rPr lang="en-US" altLang="zh-TW" dirty="0"/>
-              <a:t>(</a:t>
-            </a:r>
-            <a:r>
-              <a:rPr lang="zh-TW" altLang="en-US" dirty="0"/>
-              <a:t>下圖</a:t>
-            </a:r>
-            <a:r>
-              <a:rPr lang="en-US" altLang="zh-TW" dirty="0"/>
-              <a:t>)</a:t>
-            </a:r>
-          </a:p>
-          <a:p>
-            <a:pPr lvl="0"/>
-            <a:r>
-              <a:rPr lang="zh-TW" altLang="en-US" dirty="0"/>
-              <a:t>解壓縮完裡面有個「</a:t>
-            </a:r>
-            <a:r>
-              <a:rPr lang="en-US" altLang="zh-TW" dirty="0"/>
-              <a:t>NotoSansCJKtc-Regular.otf</a:t>
-            </a:r>
-            <a:r>
-              <a:rPr lang="zh-TW" altLang="en-US" dirty="0"/>
-              <a:t>」的檔案，</a:t>
-            </a:r>
-            <a:r>
-              <a:rPr lang="zh-TW" altLang="en-US" dirty="0">
-                <a:solidFill>
-                  <a:srgbClr val="FF0000"/>
-                </a:solidFill>
-              </a:rPr>
-              <a:t>對其右鍵「為所有使用者安裝」</a:t>
-            </a:r>
-            <a:endParaRPr lang="en-US" altLang="zh-TW" dirty="0">
-              <a:solidFill>
-                <a:srgbClr val="FF0000"/>
-              </a:solidFill>
-            </a:endParaRPr>
-          </a:p>
-          <a:p>
-            <a:pPr lvl="0"/>
-            <a:endParaRPr lang="en-US" altLang="zh-TW" dirty="0">
-              <a:solidFill>
-                <a:srgbClr val="FF0000"/>
-              </a:solidFill>
-            </a:endParaRPr>
+              <a:t>：</a:t>
+            </a:r>
+            <a:endParaRPr lang="en-US" altLang="zh-TW" dirty="0"/>
           </a:p>
           <a:p>
             <a:pPr marL="457200" lvl="0" indent="-342900" algn="l" rtl="0">
@@ -13043,6 +14170,114 @@
               <a:buSzPts val="1800"/>
               <a:buChar char="●"/>
             </a:pPr>
+            <a:endParaRPr lang="en-US" altLang="zh-TW" dirty="0"/>
+          </a:p>
+          <a:p>
+            <a:pPr marL="457200" lvl="0" indent="-342900" algn="l" rtl="0">
+              <a:lnSpc>
+                <a:spcPct val="115000"/>
+              </a:lnSpc>
+              <a:spcBef>
+                <a:spcPts val="0"/>
+              </a:spcBef>
+              <a:spcAft>
+                <a:spcPts val="0"/>
+              </a:spcAft>
+              <a:buSzPts val="1800"/>
+              <a:buChar char="●"/>
+            </a:pPr>
+            <a:endParaRPr lang="en-US" altLang="zh-TW" dirty="0"/>
+          </a:p>
+          <a:p>
+            <a:pPr marL="457200" lvl="0" indent="-342900" algn="l" rtl="0">
+              <a:lnSpc>
+                <a:spcPct val="115000"/>
+              </a:lnSpc>
+              <a:spcBef>
+                <a:spcPts val="0"/>
+              </a:spcBef>
+              <a:spcAft>
+                <a:spcPts val="0"/>
+              </a:spcAft>
+              <a:buSzPts val="1800"/>
+              <a:buChar char="●"/>
+            </a:pPr>
+            <a:r>
+              <a:rPr lang="en-US" altLang="zh-TW" dirty="0"/>
+              <a:t>25 </a:t>
+            </a:r>
+            <a:r>
+              <a:rPr lang="zh-TW" altLang="en-US" dirty="0"/>
+              <a:t>頁單頁，左上註明隊伍跟所屬學校，右上註明頁數</a:t>
+            </a:r>
+            <a:endParaRPr lang="en-US" altLang="zh-TW" dirty="0"/>
+          </a:p>
+          <a:p>
+            <a:pPr marL="457200" lvl="0" indent="-342900" algn="l" rtl="0">
+              <a:lnSpc>
+                <a:spcPct val="115000"/>
+              </a:lnSpc>
+              <a:spcBef>
+                <a:spcPts val="0"/>
+              </a:spcBef>
+              <a:spcAft>
+                <a:spcPts val="0"/>
+              </a:spcAft>
+              <a:buSzPts val="1800"/>
+              <a:buChar char="●"/>
+            </a:pPr>
+            <a:r>
+              <a:rPr lang="zh-TW" altLang="en-US" dirty="0"/>
+              <a:t>要視力正常的人離 </a:t>
+            </a:r>
+            <a:r>
+              <a:rPr lang="en-US" altLang="zh-TW" dirty="0"/>
+              <a:t>codebook 50 </a:t>
+            </a:r>
+            <a:r>
+              <a:rPr lang="zh-TW" altLang="en-US" dirty="0"/>
+              <a:t>公分處，在不仰賴輔具的情況下閱讀</a:t>
+            </a:r>
+            <a:endParaRPr lang="en-US" altLang="zh-TW" dirty="0"/>
+          </a:p>
+          <a:p>
+            <a:pPr marL="457200" lvl="0" indent="-342900" algn="l" rtl="0">
+              <a:lnSpc>
+                <a:spcPct val="115000"/>
+              </a:lnSpc>
+              <a:spcBef>
+                <a:spcPts val="0"/>
+              </a:spcBef>
+              <a:spcAft>
+                <a:spcPts val="0"/>
+              </a:spcAft>
+              <a:buSzPts val="1800"/>
+              <a:buChar char="●"/>
+            </a:pPr>
+            <a:r>
+              <a:rPr lang="zh-TW" altLang="en-US" dirty="0"/>
+              <a:t>可以手寫或更正在紙上面，但僅限正面</a:t>
+            </a:r>
+            <a:endParaRPr lang="en-US" altLang="zh-TW" dirty="0"/>
+          </a:p>
+          <a:p>
+            <a:pPr marL="457200" lvl="0" indent="-342900" algn="l" rtl="0">
+              <a:lnSpc>
+                <a:spcPct val="115000"/>
+              </a:lnSpc>
+              <a:spcBef>
+                <a:spcPts val="0"/>
+              </a:spcBef>
+              <a:spcAft>
+                <a:spcPts val="0"/>
+              </a:spcAft>
+              <a:buSzPts val="1800"/>
+              <a:buChar char="●"/>
+            </a:pPr>
+            <a:r>
+              <a:rPr lang="zh-TW" altLang="en-US" dirty="0"/>
+              <a:t>文件要放進有學校名稱的筆記本或資料夾裡，但這句話從來沒有被執行過，都只有用訂書機訂</a:t>
+            </a:r>
             <a:endParaRPr lang="en-US" altLang="zh-TW" dirty="0"/>
           </a:p>
           <a:p>
@@ -13103,10 +14338,10 @@
       </p:sp>
       <p:pic>
         <p:nvPicPr>
-          <p:cNvPr id="6" name="圖片 5">
+          <p:cNvPr id="3" name="圖片 2">
             <a:extLst>
               <a:ext uri="{FF2B5EF4-FFF2-40B4-BE49-F238E27FC236}">
-                <a16:creationId xmlns:a16="http://schemas.microsoft.com/office/drawing/2014/main" id="{22A94108-B896-4D52-8841-96C5C5F16CF6}"/>
+                <a16:creationId xmlns:a16="http://schemas.microsoft.com/office/drawing/2014/main" id="{0517B23E-4BAD-45CE-BCDB-7D215BE081FD}"/>
               </a:ext>
             </a:extLst>
           </p:cNvPr>
@@ -13123,8 +14358,8 @@
         </p:blipFill>
         <p:spPr>
           <a:xfrm>
-            <a:off x="311699" y="2552775"/>
-            <a:ext cx="5588517" cy="2307242"/>
+            <a:off x="45454" y="1609269"/>
+            <a:ext cx="8786846" cy="708125"/>
           </a:xfrm>
           <a:prstGeom prst="rect">
             <a:avLst/>
@@ -13134,7 +14369,7 @@
     </p:spTree>
     <p:extLst>
       <p:ext uri="{BB962C8B-B14F-4D97-AF65-F5344CB8AC3E}">
-        <p14:creationId xmlns:p14="http://schemas.microsoft.com/office/powerpoint/2010/main" val="2501958368"/>
+        <p14:creationId xmlns:p14="http://schemas.microsoft.com/office/powerpoint/2010/main" val="1787794055"/>
       </p:ext>
     </p:extLst>
   </p:cSld>
@@ -13210,25 +14445,7 @@
                 <a:cs typeface="Microsoft JhengHei"/>
                 <a:sym typeface="Microsoft JhengHei"/>
               </a:rPr>
-              <a:t>Codebook making(</a:t>
-            </a:r>
-            <a:r>
-              <a:rPr lang="en-US" altLang="zh-TW" dirty="0" err="1">
-                <a:latin typeface="Microsoft JhengHei"/>
-                <a:ea typeface="Microsoft JhengHei"/>
-                <a:cs typeface="Microsoft JhengHei"/>
-                <a:sym typeface="Microsoft JhengHei"/>
-              </a:rPr>
-              <a:t>Miktex</a:t>
-            </a:r>
-            <a:r>
-              <a:rPr lang="en-US" altLang="zh-TW" dirty="0">
-                <a:latin typeface="Microsoft JhengHei"/>
-                <a:ea typeface="Microsoft JhengHei"/>
-                <a:cs typeface="Microsoft JhengHei"/>
-                <a:sym typeface="Microsoft JhengHei"/>
-              </a:rPr>
-              <a:t>)</a:t>
+              <a:t>Codebook intro</a:t>
             </a:r>
             <a:endParaRPr dirty="0">
               <a:latin typeface="Microsoft JhengHei"/>
@@ -13283,49 +14500,19 @@
             </a:pPr>
             <a:r>
               <a:rPr lang="zh-TW" altLang="en-US" dirty="0"/>
-              <a:t>去</a:t>
-            </a:r>
-            <a:r>
-              <a:rPr lang="zh-TW" altLang="en-US" dirty="0">
-                <a:hlinkClick r:id="rId3"/>
-              </a:rPr>
-              <a:t>官網</a:t>
+              <a:t>所以為了省事情，北大以往的 </a:t>
+            </a:r>
+            <a:r>
+              <a:rPr lang="en-US" altLang="zh-TW" dirty="0"/>
+              <a:t>codebook </a:t>
             </a:r>
             <a:r>
               <a:rPr lang="zh-TW" altLang="en-US" dirty="0"/>
-              <a:t>下載</a:t>
-            </a:r>
-            <a:r>
-              <a:rPr lang="en-US" altLang="zh-TW" dirty="0"/>
-              <a:t> </a:t>
+              <a:t>都是從交大竹狐那邊抄來的，在此感謝 </a:t>
             </a:r>
             <a:r>
               <a:rPr lang="en-US" altLang="zh-TW" dirty="0" err="1"/>
-              <a:t>miktex</a:t>
-            </a:r>
-            <a:r>
-              <a:rPr lang="zh-TW" altLang="en-US" dirty="0"/>
-              <a:t>，懶就點</a:t>
-            </a:r>
-            <a:r>
-              <a:rPr lang="zh-TW" altLang="en-US" dirty="0">
-                <a:hlinkClick r:id="rId4"/>
-              </a:rPr>
-              <a:t>這個</a:t>
-            </a:r>
-            <a:r>
-              <a:rPr lang="zh-TW" altLang="en-US" dirty="0"/>
-              <a:t>或</a:t>
-            </a:r>
-            <a:r>
-              <a:rPr lang="zh-TW" altLang="en-US" dirty="0">
-                <a:hlinkClick r:id="rId5"/>
-              </a:rPr>
-              <a:t>這個</a:t>
-            </a:r>
-            <a:r>
-              <a:rPr lang="zh-TW" altLang="en-US" dirty="0"/>
-              <a:t>，會直接下載，然後安裝過程直接下一步到最後</a:t>
+              <a:t>NCTU_Tmprry</a:t>
             </a:r>
             <a:endParaRPr lang="en-US" altLang="zh-TW" dirty="0"/>
           </a:p>
@@ -13344,300 +14531,13 @@
               <a:buChar char="●"/>
             </a:pPr>
             <a:r>
-              <a:rPr lang="en-US" altLang="zh-TW" dirty="0">
-                <a:solidFill>
-                  <a:schemeClr val="tx1"/>
-                </a:solidFill>
-              </a:rPr>
-              <a:t>Windows</a:t>
-            </a:r>
-            <a:r>
-              <a:rPr lang="zh-TW" altLang="en-US" dirty="0">
-                <a:solidFill>
-                  <a:schemeClr val="tx1"/>
-                </a:solidFill>
-              </a:rPr>
-              <a:t>開始</a:t>
-            </a:r>
-            <a:r>
-              <a:rPr lang="en-US" altLang="zh-TW" dirty="0">
-                <a:solidFill>
-                  <a:schemeClr val="tx1"/>
-                </a:solidFill>
-              </a:rPr>
-              <a:t>&gt;</a:t>
-            </a:r>
-            <a:r>
-              <a:rPr lang="zh-TW" altLang="en-US" dirty="0">
-                <a:solidFill>
-                  <a:schemeClr val="tx1"/>
-                </a:solidFill>
-              </a:rPr>
-              <a:t>找到</a:t>
-            </a:r>
-            <a:r>
-              <a:rPr lang="en-US" altLang="zh-TW" dirty="0" err="1">
-                <a:solidFill>
-                  <a:schemeClr val="tx1"/>
-                </a:solidFill>
-              </a:rPr>
-              <a:t>Miktex</a:t>
-            </a:r>
-            <a:r>
-              <a:rPr lang="en-US" altLang="zh-TW" dirty="0">
-                <a:solidFill>
-                  <a:schemeClr val="tx1"/>
-                </a:solidFill>
-              </a:rPr>
-              <a:t> console</a:t>
-            </a:r>
-            <a:r>
-              <a:rPr lang="zh-TW" altLang="en-US" dirty="0">
-                <a:solidFill>
-                  <a:schemeClr val="tx1"/>
-                </a:solidFill>
-              </a:rPr>
-              <a:t>之後右鍵「以系統管理員身份執行」</a:t>
-            </a:r>
-            <a:endParaRPr lang="en-US" altLang="zh-TW" dirty="0">
-              <a:solidFill>
-                <a:schemeClr val="tx1"/>
-              </a:solidFill>
-            </a:endParaRPr>
-          </a:p>
-          <a:p>
-            <a:pPr marL="457200" lvl="0" indent="-342900" algn="l" rtl="0">
-              <a:lnSpc>
-                <a:spcPct val="115000"/>
-              </a:lnSpc>
-              <a:spcBef>
-                <a:spcPts val="0"/>
-              </a:spcBef>
-              <a:spcAft>
-                <a:spcPts val="0"/>
-              </a:spcAft>
-              <a:buSzPts val="1800"/>
-              <a:buChar char="●"/>
-            </a:pPr>
-            <a:r>
-              <a:rPr lang="zh-TW" altLang="en-US" dirty="0">
-                <a:solidFill>
-                  <a:schemeClr val="tx1"/>
-                </a:solidFill>
-              </a:rPr>
-              <a:t>如果沒有蹦出畫面，那代表背景就會</a:t>
-            </a:r>
-            <a:r>
-              <a:rPr lang="en-US" altLang="zh-TW" dirty="0">
-                <a:solidFill>
-                  <a:schemeClr val="tx1"/>
-                </a:solidFill>
-              </a:rPr>
-              <a:t>run </a:t>
-            </a:r>
-            <a:r>
-              <a:rPr lang="en-US" altLang="zh-TW" dirty="0" err="1">
-                <a:solidFill>
-                  <a:schemeClr val="tx1"/>
-                </a:solidFill>
-              </a:rPr>
-              <a:t>Miktex</a:t>
-            </a:r>
-            <a:r>
-              <a:rPr lang="en-US" altLang="zh-TW" dirty="0">
-                <a:solidFill>
-                  <a:schemeClr val="tx1"/>
-                </a:solidFill>
-              </a:rPr>
-              <a:t>&gt;Windows</a:t>
-            </a:r>
-            <a:r>
-              <a:rPr lang="zh-TW" altLang="en-US" dirty="0">
-                <a:solidFill>
-                  <a:schemeClr val="tx1"/>
-                </a:solidFill>
-              </a:rPr>
-              <a:t>右下方工具列找</a:t>
-            </a:r>
-            <a:r>
-              <a:rPr lang="en-US" altLang="zh-TW" dirty="0" err="1">
-                <a:solidFill>
-                  <a:schemeClr val="tx1"/>
-                </a:solidFill>
-              </a:rPr>
-              <a:t>Miktex</a:t>
-            </a:r>
-            <a:r>
-              <a:rPr lang="zh-TW" altLang="en-US" dirty="0">
-                <a:solidFill>
-                  <a:schemeClr val="tx1"/>
-                </a:solidFill>
-              </a:rPr>
-              <a:t>的</a:t>
-            </a:r>
-            <a:r>
-              <a:rPr lang="en-US" altLang="zh-TW" dirty="0">
-                <a:solidFill>
-                  <a:schemeClr val="tx1"/>
-                </a:solidFill>
-              </a:rPr>
-              <a:t>icon</a:t>
-            </a:r>
-            <a:r>
-              <a:rPr lang="zh-TW" altLang="en-US" dirty="0">
-                <a:solidFill>
-                  <a:schemeClr val="tx1"/>
-                </a:solidFill>
-              </a:rPr>
-              <a:t>重新點開（</a:t>
-            </a:r>
-            <a:r>
-              <a:rPr lang="en-US" altLang="zh-TW" dirty="0">
-                <a:solidFill>
-                  <a:schemeClr val="tx1"/>
-                </a:solidFill>
-              </a:rPr>
-              <a:t>icon</a:t>
-            </a:r>
-            <a:r>
-              <a:rPr lang="zh-TW" altLang="en-US" dirty="0">
-                <a:solidFill>
-                  <a:schemeClr val="tx1"/>
-                </a:solidFill>
-              </a:rPr>
-              <a:t>為下圖的右下角）</a:t>
-            </a:r>
-            <a:endParaRPr lang="en-US" altLang="zh-TW" dirty="0">
-              <a:solidFill>
-                <a:schemeClr val="tx1"/>
-              </a:solidFill>
-            </a:endParaRPr>
-          </a:p>
-          <a:p>
-            <a:pPr marL="457200" lvl="0" indent="-342900" algn="l" rtl="0">
-              <a:lnSpc>
-                <a:spcPct val="115000"/>
-              </a:lnSpc>
-              <a:spcBef>
-                <a:spcPts val="0"/>
-              </a:spcBef>
-              <a:spcAft>
-                <a:spcPts val="0"/>
-              </a:spcAft>
-              <a:buSzPts val="1800"/>
-              <a:buChar char="●"/>
-            </a:pPr>
-            <a:r>
-              <a:rPr lang="zh-TW" altLang="en-US" dirty="0">
-                <a:solidFill>
-                  <a:schemeClr val="tx1"/>
-                </a:solidFill>
-              </a:rPr>
-              <a:t>第一次</a:t>
-            </a:r>
-            <a:r>
-              <a:rPr lang="en-US" altLang="zh-TW" dirty="0" err="1">
-                <a:solidFill>
-                  <a:schemeClr val="tx1"/>
-                </a:solidFill>
-              </a:rPr>
-              <a:t>Miktex</a:t>
-            </a:r>
-            <a:r>
-              <a:rPr lang="en-US" altLang="zh-TW" dirty="0">
-                <a:solidFill>
-                  <a:schemeClr val="tx1"/>
-                </a:solidFill>
-              </a:rPr>
-              <a:t> console&gt;package</a:t>
-            </a:r>
-            <a:r>
-              <a:rPr lang="zh-TW" altLang="en-US" dirty="0">
-                <a:solidFill>
-                  <a:schemeClr val="tx1"/>
-                </a:solidFill>
-              </a:rPr>
-              <a:t>需要加載，等個一分鐘應該就會好了，之後點</a:t>
-            </a:r>
-            <a:r>
-              <a:rPr lang="en-US" altLang="zh-TW" dirty="0">
-                <a:solidFill>
-                  <a:schemeClr val="tx1"/>
-                </a:solidFill>
-              </a:rPr>
-              <a:t>package&gt;</a:t>
-            </a:r>
-            <a:r>
-              <a:rPr lang="zh-TW" altLang="en-US" dirty="0">
-                <a:solidFill>
-                  <a:schemeClr val="tx1"/>
-                </a:solidFill>
-              </a:rPr>
-              <a:t>對話框搜尋</a:t>
-            </a:r>
-            <a:r>
-              <a:rPr lang="en-US" altLang="zh-TW" dirty="0" err="1">
-                <a:solidFill>
-                  <a:schemeClr val="tx1"/>
-                </a:solidFill>
-              </a:rPr>
-              <a:t>xecjk</a:t>
-            </a:r>
-            <a:r>
-              <a:rPr lang="zh-TW" altLang="en-US" dirty="0">
-                <a:solidFill>
-                  <a:schemeClr val="tx1"/>
-                </a:solidFill>
-              </a:rPr>
-              <a:t>之後安裝他</a:t>
-            </a:r>
-            <a:endParaRPr lang="en-US" altLang="zh-TW" dirty="0">
-              <a:solidFill>
-                <a:schemeClr val="tx1"/>
-              </a:solidFill>
-            </a:endParaRPr>
-          </a:p>
-          <a:p>
-            <a:pPr marL="457200" lvl="0" indent="-342900" algn="l" rtl="0">
-              <a:lnSpc>
-                <a:spcPct val="115000"/>
-              </a:lnSpc>
-              <a:spcBef>
-                <a:spcPts val="0"/>
-              </a:spcBef>
-              <a:spcAft>
-                <a:spcPts val="0"/>
-              </a:spcAft>
-              <a:buSzPts val="1800"/>
-              <a:buChar char="●"/>
-            </a:pPr>
-            <a:endParaRPr lang="en-US" altLang="zh-TW" dirty="0">
-              <a:solidFill>
-                <a:schemeClr val="tx1"/>
-              </a:solidFill>
-              <a:latin typeface="Times New Roman" panose="02020603050405020304" pitchFamily="18" charset="0"/>
-              <a:cs typeface="Times New Roman" panose="02020603050405020304" pitchFamily="18" charset="0"/>
-            </a:endParaRPr>
-          </a:p>
-          <a:p>
-            <a:pPr marL="457200" lvl="0" indent="-342900" algn="l" rtl="0">
-              <a:lnSpc>
-                <a:spcPct val="115000"/>
-              </a:lnSpc>
-              <a:spcBef>
-                <a:spcPts val="0"/>
-              </a:spcBef>
-              <a:spcAft>
-                <a:spcPts val="0"/>
-              </a:spcAft>
-              <a:buSzPts val="1800"/>
-              <a:buChar char="●"/>
-            </a:pPr>
-            <a:endParaRPr lang="en-US" altLang="zh-TW" dirty="0">
-              <a:solidFill>
-                <a:schemeClr val="tx1"/>
-              </a:solidFill>
-            </a:endParaRPr>
+              <a:rPr lang="zh-TW" altLang="en-US" dirty="0"/>
+              <a:t>所以接下來的課程要介紹如何更改他們的 </a:t>
+            </a:r>
+            <a:r>
+              <a:rPr lang="en-US" altLang="zh-TW" dirty="0"/>
+              <a:t>codebook</a:t>
+            </a:r>
           </a:p>
           <a:p>
             <a:pPr marL="457200" lvl="0" indent="-342900" algn="l" rtl="0">
@@ -13729,10 +14629,10 @@
       </p:sp>
       <p:pic>
         <p:nvPicPr>
-          <p:cNvPr id="3" name="圖片 2">
+          <p:cNvPr id="4" name="圖片 3">
             <a:extLst>
               <a:ext uri="{FF2B5EF4-FFF2-40B4-BE49-F238E27FC236}">
-                <a16:creationId xmlns:a16="http://schemas.microsoft.com/office/drawing/2014/main" id="{BC071B12-E415-42DF-91D9-A50B5C4D3DDC}"/>
+                <a16:creationId xmlns:a16="http://schemas.microsoft.com/office/drawing/2014/main" id="{61206054-3E93-4C67-BB60-FC27E0AF428E}"/>
               </a:ext>
             </a:extLst>
           </p:cNvPr>
@@ -13742,15 +14642,15 @@
           <p:nvPr/>
         </p:nvPicPr>
         <p:blipFill>
-          <a:blip r:embed="rId6"/>
+          <a:blip r:embed="rId3"/>
           <a:stretch>
             <a:fillRect/>
           </a:stretch>
         </p:blipFill>
         <p:spPr>
           <a:xfrm>
-            <a:off x="311699" y="3576629"/>
-            <a:ext cx="1143160" cy="828791"/>
+            <a:off x="400467" y="2387648"/>
+            <a:ext cx="8343066" cy="1824885"/>
           </a:xfrm>
           <a:prstGeom prst="rect">
             <a:avLst/>
@@ -13760,7 +14660,7 @@
     </p:spTree>
     <p:extLst>
       <p:ext uri="{BB962C8B-B14F-4D97-AF65-F5344CB8AC3E}">
-        <p14:creationId xmlns:p14="http://schemas.microsoft.com/office/powerpoint/2010/main" val="2200015890"/>
+        <p14:creationId xmlns:p14="http://schemas.microsoft.com/office/powerpoint/2010/main" val="2905501275"/>
       </p:ext>
     </p:extLst>
   </p:cSld>
@@ -13890,108 +14790,16 @@
               <a:buChar char="●"/>
             </a:pPr>
             <a:r>
-              <a:rPr lang="zh-TW" altLang="en-US" dirty="0">
-                <a:solidFill>
-                  <a:schemeClr val="tx1"/>
-                </a:solidFill>
-              </a:rPr>
-              <a:t>打開之前被你解壓縮的資料夾內部</a:t>
-            </a:r>
-            <a:r>
-              <a:rPr lang="en-US" altLang="zh-TW" dirty="0">
-                <a:solidFill>
-                  <a:schemeClr val="tx1"/>
-                </a:solidFill>
-              </a:rPr>
-              <a:t>&gt;</a:t>
-            </a:r>
-            <a:r>
-              <a:rPr lang="zh-TW" altLang="en-US" dirty="0">
-                <a:solidFill>
-                  <a:schemeClr val="tx1"/>
-                </a:solidFill>
-              </a:rPr>
-              <a:t>把副擋名打開</a:t>
-            </a:r>
-            <a:r>
-              <a:rPr lang="en-US" altLang="zh-TW" dirty="0">
-                <a:solidFill>
-                  <a:schemeClr val="tx1"/>
-                </a:solidFill>
-              </a:rPr>
-              <a:t>&gt;</a:t>
-            </a:r>
-            <a:r>
-              <a:rPr lang="zh-TW" altLang="en-US" dirty="0">
-                <a:solidFill>
-                  <a:schemeClr val="tx1"/>
-                </a:solidFill>
-              </a:rPr>
-              <a:t>用</a:t>
-            </a:r>
-            <a:r>
-              <a:rPr lang="en-US" altLang="zh-TW" dirty="0" err="1">
-                <a:solidFill>
-                  <a:schemeClr val="tx1"/>
-                </a:solidFill>
-              </a:rPr>
+              <a:rPr lang="en-US" altLang="zh-TW" dirty="0"/>
+              <a:t>Download </a:t>
+            </a:r>
+            <a:r>
+              <a:rPr lang="en-US" altLang="zh-TW" dirty="0" err="1"/>
               <a:t>texwork</a:t>
             </a:r>
             <a:r>
-              <a:rPr lang="zh-TW" altLang="en-US" dirty="0">
-                <a:solidFill>
-                  <a:schemeClr val="tx1"/>
-                </a:solidFill>
-              </a:rPr>
-              <a:t>打開</a:t>
-            </a:r>
-            <a:r>
-              <a:rPr lang="en-US" altLang="zh-TW" dirty="0" err="1">
-                <a:solidFill>
-                  <a:schemeClr val="tx1"/>
-                </a:solidFill>
-              </a:rPr>
-              <a:t>codebook.tex</a:t>
-            </a:r>
-            <a:r>
-              <a:rPr lang="en-US" altLang="zh-TW" dirty="0">
-                <a:solidFill>
-                  <a:schemeClr val="tx1"/>
-                </a:solidFill>
-              </a:rPr>
-              <a:t>&gt;</a:t>
-            </a:r>
-            <a:r>
-              <a:rPr lang="zh-TW" altLang="en-US" dirty="0">
-                <a:solidFill>
-                  <a:schemeClr val="tx1"/>
-                </a:solidFill>
-              </a:rPr>
-              <a:t>會出現一個一左一右的畫面，左邊是</a:t>
-            </a:r>
-            <a:r>
-              <a:rPr lang="en-US" altLang="zh-TW" dirty="0">
-                <a:solidFill>
-                  <a:schemeClr val="tx1"/>
-                </a:solidFill>
-              </a:rPr>
-              <a:t>script</a:t>
-            </a:r>
-            <a:r>
-              <a:rPr lang="zh-TW" altLang="en-US" dirty="0">
-                <a:solidFill>
-                  <a:schemeClr val="tx1"/>
-                </a:solidFill>
-              </a:rPr>
-              <a:t>，右邊是目前的</a:t>
-            </a:r>
-            <a:r>
-              <a:rPr lang="en-US" altLang="zh-TW" dirty="0">
-                <a:solidFill>
-                  <a:schemeClr val="tx1"/>
-                </a:solidFill>
-              </a:rPr>
-              <a:t>pdf</a:t>
+              <a:rPr lang="en-US" altLang="zh-TW" dirty="0"/>
+              <a:t> and install</a:t>
             </a:r>
           </a:p>
           <a:p>
@@ -14009,159 +14817,65 @@
               <a:buChar char="●"/>
             </a:pPr>
             <a:r>
+              <a:rPr lang="zh-TW" altLang="en-US" dirty="0"/>
+              <a:t>去</a:t>
+            </a:r>
+            <a:r>
               <a:rPr lang="zh-TW" altLang="en-US" dirty="0">
-                <a:solidFill>
-                  <a:schemeClr val="tx1"/>
-                </a:solidFill>
+                <a:hlinkClick r:id="rId3"/>
               </a:rPr>
-              <a:t>選擇</a:t>
-            </a:r>
-            <a:r>
-              <a:rPr lang="en-US" altLang="zh-TW">
-                <a:solidFill>
-                  <a:schemeClr val="tx1"/>
+              <a:t>這裡</a:t>
+            </a:r>
+            <a:r>
+              <a:rPr lang="zh-TW" altLang="en-US" dirty="0"/>
+              <a:t>下載整個專案，然後解壓縮</a:t>
+            </a:r>
+            <a:r>
+              <a:rPr lang="en-US" altLang="zh-TW" dirty="0"/>
+              <a:t>(</a:t>
+            </a:r>
+            <a:r>
+              <a:rPr lang="zh-TW" altLang="en-US" dirty="0"/>
+              <a:t>下圖，後面有進階作法</a:t>
+            </a:r>
+            <a:r>
+              <a:rPr lang="en-US" altLang="zh-TW" dirty="0"/>
+              <a:t>)</a:t>
+            </a:r>
+          </a:p>
+          <a:p>
+            <a:pPr lvl="0"/>
+            <a:r>
+              <a:rPr lang="zh-TW" altLang="en-US" dirty="0"/>
+              <a:t>解壓縮完裡面有個「</a:t>
+            </a:r>
+            <a:r>
+              <a:rPr lang="en-US" altLang="zh-TW" dirty="0"/>
+              <a:t>NotoSansCJKtc-Regular.otf</a:t>
+            </a:r>
+            <a:r>
+              <a:rPr lang="zh-TW" altLang="en-US" dirty="0"/>
+              <a:t>」的檔案，</a:t>
+            </a:r>
+            <a:r>
+              <a:rPr lang="zh-TW" altLang="en-US" dirty="0">
+                <a:solidFill>
+                  <a:srgbClr val="FF0000"/>
                 </a:solidFill>
               </a:rPr>
-              <a:t>Xelatex</a:t>
-            </a:r>
-            <a:r>
-              <a:rPr lang="zh-TW" altLang="en-US" dirty="0">
-                <a:solidFill>
-                  <a:schemeClr val="tx1"/>
-                </a:solidFill>
-              </a:rPr>
-              <a:t>，然後播放，過程中可能會出現彈跳視窗要你裝就裝</a:t>
+              <a:t>對其右鍵「為所有使用者安裝」</a:t>
             </a:r>
             <a:endParaRPr lang="en-US" altLang="zh-TW" dirty="0">
               <a:solidFill>
-                <a:schemeClr val="tx1"/>
+                <a:srgbClr val="FF0000"/>
               </a:solidFill>
             </a:endParaRPr>
           </a:p>
           <a:p>
-            <a:pPr marL="457200" lvl="0" indent="-342900" algn="l" rtl="0">
-              <a:lnSpc>
-                <a:spcPct val="115000"/>
-              </a:lnSpc>
-              <a:spcBef>
-                <a:spcPts val="0"/>
-              </a:spcBef>
-              <a:spcAft>
-                <a:spcPts val="0"/>
-              </a:spcAft>
-              <a:buSzPts val="1800"/>
-              <a:buChar char="●"/>
-            </a:pPr>
-            <a:r>
-              <a:rPr lang="zh-TW" altLang="en-US" dirty="0">
-                <a:solidFill>
-                  <a:schemeClr val="tx1"/>
-                </a:solidFill>
-              </a:rPr>
-              <a:t>完事右邊會出現新的</a:t>
-            </a:r>
-            <a:r>
-              <a:rPr lang="en-US" altLang="zh-TW" dirty="0">
-                <a:solidFill>
-                  <a:schemeClr val="tx1"/>
-                </a:solidFill>
-              </a:rPr>
-              <a:t>codebook</a:t>
-            </a:r>
-            <a:r>
-              <a:rPr lang="zh-TW" altLang="en-US" dirty="0">
-                <a:solidFill>
-                  <a:schemeClr val="tx1"/>
-                </a:solidFill>
-              </a:rPr>
-              <a:t>，檢查一下</a:t>
-            </a:r>
-            <a:r>
-              <a:rPr lang="en-US" altLang="zh-TW" dirty="0">
-                <a:solidFill>
-                  <a:schemeClr val="tx1"/>
-                </a:solidFill>
-              </a:rPr>
-              <a:t>codebook</a:t>
-            </a:r>
-            <a:r>
-              <a:rPr lang="zh-TW" altLang="en-US" dirty="0">
-                <a:solidFill>
-                  <a:schemeClr val="tx1"/>
-                </a:solidFill>
-              </a:rPr>
-              <a:t>的右上角是不是今天的日期。</a:t>
-            </a:r>
+            <a:pPr lvl="0"/>
             <a:endParaRPr lang="en-US" altLang="zh-TW" dirty="0">
               <a:solidFill>
-                <a:schemeClr val="tx1"/>
-              </a:solidFill>
-            </a:endParaRPr>
-          </a:p>
-          <a:p>
-            <a:pPr marL="457200" lvl="0" indent="-342900" algn="l" rtl="0">
-              <a:lnSpc>
-                <a:spcPct val="115000"/>
-              </a:lnSpc>
-              <a:spcBef>
-                <a:spcPts val="0"/>
-              </a:spcBef>
-              <a:spcAft>
-                <a:spcPts val="0"/>
-              </a:spcAft>
-              <a:buSzPts val="1800"/>
-              <a:buChar char="●"/>
-            </a:pPr>
-            <a:r>
-              <a:rPr lang="zh-TW" altLang="en-US" dirty="0">
-                <a:solidFill>
-                  <a:schemeClr val="tx1"/>
-                </a:solidFill>
-              </a:rPr>
-              <a:t>有時候會出現跑出來的</a:t>
-            </a:r>
-            <a:r>
-              <a:rPr lang="en-US" altLang="zh-TW" dirty="0">
-                <a:solidFill>
-                  <a:schemeClr val="tx1"/>
-                </a:solidFill>
-              </a:rPr>
-              <a:t>codebook</a:t>
-            </a:r>
-            <a:r>
-              <a:rPr lang="zh-TW" altLang="en-US" dirty="0">
-                <a:solidFill>
-                  <a:schemeClr val="tx1"/>
-                </a:solidFill>
-              </a:rPr>
-              <a:t>沒有目錄的情形，重跑就好。</a:t>
-            </a:r>
-            <a:r>
-              <a:rPr lang="en-US" altLang="zh-TW" dirty="0">
-                <a:solidFill>
-                  <a:schemeClr val="tx1"/>
-                </a:solidFill>
-              </a:rPr>
-              <a:t>	</a:t>
-            </a:r>
-          </a:p>
-          <a:p>
-            <a:pPr marL="457200" lvl="0" indent="-342900" algn="l" rtl="0">
-              <a:lnSpc>
-                <a:spcPct val="115000"/>
-              </a:lnSpc>
-              <a:spcBef>
-                <a:spcPts val="0"/>
-              </a:spcBef>
-              <a:spcAft>
-                <a:spcPts val="0"/>
-              </a:spcAft>
-              <a:buSzPts val="1800"/>
-              <a:buChar char="●"/>
-            </a:pPr>
-            <a:endParaRPr lang="en-US" altLang="zh-TW" dirty="0">
-              <a:solidFill>
-                <a:schemeClr val="tx1"/>
+                <a:srgbClr val="FF0000"/>
               </a:solidFill>
             </a:endParaRPr>
           </a:p>
@@ -14253,10 +14967,40 @@
           </a:p>
         </p:txBody>
       </p:sp>
+      <p:pic>
+        <p:nvPicPr>
+          <p:cNvPr id="6" name="圖片 5">
+            <a:extLst>
+              <a:ext uri="{FF2B5EF4-FFF2-40B4-BE49-F238E27FC236}">
+                <a16:creationId xmlns:a16="http://schemas.microsoft.com/office/drawing/2014/main" id="{22A94108-B896-4D52-8841-96C5C5F16CF6}"/>
+              </a:ext>
+            </a:extLst>
+          </p:cNvPr>
+          <p:cNvPicPr>
+            <a:picLocks noChangeAspect="1"/>
+          </p:cNvPicPr>
+          <p:nvPr/>
+        </p:nvPicPr>
+        <p:blipFill>
+          <a:blip r:embed="rId4"/>
+          <a:stretch>
+            <a:fillRect/>
+          </a:stretch>
+        </p:blipFill>
+        <p:spPr>
+          <a:xfrm>
+            <a:off x="311699" y="2552775"/>
+            <a:ext cx="5588517" cy="2307242"/>
+          </a:xfrm>
+          <a:prstGeom prst="rect">
+            <a:avLst/>
+          </a:prstGeom>
+        </p:spPr>
+      </p:pic>
     </p:spTree>
     <p:extLst>
       <p:ext uri="{BB962C8B-B14F-4D97-AF65-F5344CB8AC3E}">
-        <p14:creationId xmlns:p14="http://schemas.microsoft.com/office/powerpoint/2010/main" val="2379089085"/>
+        <p14:creationId xmlns:p14="http://schemas.microsoft.com/office/powerpoint/2010/main" val="2501958368"/>
       </p:ext>
     </p:extLst>
   </p:cSld>
@@ -14332,7 +15076,641 @@
                 <a:cs typeface="Microsoft JhengHei"/>
                 <a:sym typeface="Microsoft JhengHei"/>
               </a:rPr>
-              <a:t>Codebook editing</a:t>
+              <a:t>Codebook making(</a:t>
+            </a:r>
+            <a:r>
+              <a:rPr lang="en-US" altLang="zh-TW" dirty="0" err="1">
+                <a:latin typeface="Microsoft JhengHei"/>
+                <a:ea typeface="Microsoft JhengHei"/>
+                <a:cs typeface="Microsoft JhengHei"/>
+                <a:sym typeface="Microsoft JhengHei"/>
+              </a:rPr>
+              <a:t>Miktex</a:t>
+            </a:r>
+            <a:r>
+              <a:rPr lang="en-US" altLang="zh-TW" dirty="0">
+                <a:latin typeface="Microsoft JhengHei"/>
+                <a:ea typeface="Microsoft JhengHei"/>
+                <a:cs typeface="Microsoft JhengHei"/>
+                <a:sym typeface="Microsoft JhengHei"/>
+              </a:rPr>
+              <a:t>)</a:t>
+            </a:r>
+            <a:endParaRPr dirty="0">
+              <a:latin typeface="Microsoft JhengHei"/>
+              <a:ea typeface="Microsoft JhengHei"/>
+              <a:cs typeface="Microsoft JhengHei"/>
+              <a:sym typeface="Microsoft JhengHei"/>
+            </a:endParaRPr>
+          </a:p>
+        </p:txBody>
+      </p:sp>
+      <p:sp>
+        <p:nvSpPr>
+          <p:cNvPr id="243" name="Google Shape;243;p37"/>
+          <p:cNvSpPr txBox="1">
+            <a:spLocks noGrp="1"/>
+          </p:cNvSpPr>
+          <p:nvPr>
+            <p:ph type="body" idx="1"/>
+          </p:nvPr>
+        </p:nvSpPr>
+        <p:spPr>
+          <a:xfrm>
+            <a:off x="311699" y="1152475"/>
+            <a:ext cx="8709459" cy="3416400"/>
+          </a:xfrm>
+          <a:prstGeom prst="rect">
+            <a:avLst/>
+          </a:prstGeom>
+          <a:noFill/>
+          <a:ln>
+            <a:noFill/>
+          </a:ln>
+        </p:spPr>
+        <p:txBody>
+          <a:bodyPr spcFirstLastPara="1" wrap="square" lIns="91425" tIns="91425" rIns="91425" bIns="91425" anchor="t" anchorCtr="0">
+            <a:noAutofit/>
+          </a:bodyPr>
+          <a:lstStyle/>
+          <a:p>
+            <a:pPr marL="457200" lvl="0" indent="-342900" algn="l" rtl="0">
+              <a:lnSpc>
+                <a:spcPct val="115000"/>
+              </a:lnSpc>
+              <a:spcBef>
+                <a:spcPts val="0"/>
+              </a:spcBef>
+              <a:spcAft>
+                <a:spcPts val="0"/>
+              </a:spcAft>
+              <a:buSzPts val="1800"/>
+              <a:buChar char="●"/>
+            </a:pPr>
+            <a:r>
+              <a:rPr lang="zh-TW" altLang="en-US" dirty="0"/>
+              <a:t>去</a:t>
+            </a:r>
+            <a:r>
+              <a:rPr lang="zh-TW" altLang="en-US" dirty="0">
+                <a:hlinkClick r:id="rId3"/>
+              </a:rPr>
+              <a:t>官網</a:t>
+            </a:r>
+            <a:r>
+              <a:rPr lang="zh-TW" altLang="en-US" dirty="0"/>
+              <a:t>下載</a:t>
+            </a:r>
+            <a:r>
+              <a:rPr lang="en-US" altLang="zh-TW" dirty="0"/>
+              <a:t> </a:t>
+            </a:r>
+            <a:r>
+              <a:rPr lang="en-US" altLang="zh-TW" dirty="0" err="1"/>
+              <a:t>miktex</a:t>
+            </a:r>
+            <a:r>
+              <a:rPr lang="zh-TW" altLang="en-US" dirty="0"/>
+              <a:t>，懶就點</a:t>
+            </a:r>
+            <a:r>
+              <a:rPr lang="zh-TW" altLang="en-US" dirty="0">
+                <a:hlinkClick r:id="rId4"/>
+              </a:rPr>
+              <a:t>這個</a:t>
+            </a:r>
+            <a:r>
+              <a:rPr lang="zh-TW" altLang="en-US" dirty="0"/>
+              <a:t>或</a:t>
+            </a:r>
+            <a:r>
+              <a:rPr lang="zh-TW" altLang="en-US" dirty="0">
+                <a:hlinkClick r:id="rId5"/>
+              </a:rPr>
+              <a:t>這個</a:t>
+            </a:r>
+            <a:r>
+              <a:rPr lang="zh-TW" altLang="en-US" dirty="0"/>
+              <a:t>，會直接下載，安裝過程按下一步到底</a:t>
+            </a:r>
+            <a:endParaRPr lang="en-US" altLang="zh-TW" dirty="0"/>
+          </a:p>
+          <a:p>
+            <a:pPr marL="457200" lvl="0" indent="-342900" algn="l" rtl="0">
+              <a:lnSpc>
+                <a:spcPct val="115000"/>
+              </a:lnSpc>
+              <a:spcBef>
+                <a:spcPts val="0"/>
+              </a:spcBef>
+              <a:spcAft>
+                <a:spcPts val="0"/>
+              </a:spcAft>
+              <a:buSzPts val="1800"/>
+              <a:buChar char="●"/>
+            </a:pPr>
+            <a:r>
+              <a:rPr lang="en-US" altLang="zh-TW" dirty="0">
+                <a:solidFill>
+                  <a:schemeClr val="tx1"/>
+                </a:solidFill>
+              </a:rPr>
+              <a:t>Windows</a:t>
+            </a:r>
+            <a:r>
+              <a:rPr lang="zh-TW" altLang="en-US" dirty="0">
+                <a:solidFill>
+                  <a:schemeClr val="tx1"/>
+                </a:solidFill>
+              </a:rPr>
+              <a:t>開始</a:t>
+            </a:r>
+            <a:r>
+              <a:rPr lang="en-US" altLang="zh-TW" dirty="0">
+                <a:solidFill>
+                  <a:schemeClr val="tx1"/>
+                </a:solidFill>
+              </a:rPr>
+              <a:t>&gt;</a:t>
+            </a:r>
+            <a:r>
+              <a:rPr lang="zh-TW" altLang="en-US" dirty="0">
+                <a:solidFill>
+                  <a:schemeClr val="tx1"/>
+                </a:solidFill>
+              </a:rPr>
+              <a:t>找到</a:t>
+            </a:r>
+            <a:r>
+              <a:rPr lang="en-US" altLang="zh-TW" dirty="0" err="1">
+                <a:solidFill>
+                  <a:schemeClr val="tx1"/>
+                </a:solidFill>
+              </a:rPr>
+              <a:t>Miktex</a:t>
+            </a:r>
+            <a:r>
+              <a:rPr lang="en-US" altLang="zh-TW" dirty="0">
+                <a:solidFill>
+                  <a:schemeClr val="tx1"/>
+                </a:solidFill>
+              </a:rPr>
+              <a:t> console</a:t>
+            </a:r>
+            <a:r>
+              <a:rPr lang="zh-TW" altLang="en-US" dirty="0">
+                <a:solidFill>
+                  <a:schemeClr val="tx1"/>
+                </a:solidFill>
+              </a:rPr>
+              <a:t>之後右鍵「以系統管理員身份執行」</a:t>
+            </a:r>
+            <a:endParaRPr lang="en-US" altLang="zh-TW" dirty="0">
+              <a:solidFill>
+                <a:schemeClr val="tx1"/>
+              </a:solidFill>
+            </a:endParaRPr>
+          </a:p>
+          <a:p>
+            <a:pPr marL="457200" lvl="0" indent="-342900" algn="l" rtl="0">
+              <a:lnSpc>
+                <a:spcPct val="115000"/>
+              </a:lnSpc>
+              <a:spcBef>
+                <a:spcPts val="0"/>
+              </a:spcBef>
+              <a:spcAft>
+                <a:spcPts val="0"/>
+              </a:spcAft>
+              <a:buSzPts val="1800"/>
+              <a:buChar char="●"/>
+            </a:pPr>
+            <a:r>
+              <a:rPr lang="zh-TW" altLang="en-US" dirty="0">
+                <a:solidFill>
+                  <a:schemeClr val="tx1"/>
+                </a:solidFill>
+              </a:rPr>
+              <a:t>如果沒有蹦出畫面，那代表背景就會</a:t>
+            </a:r>
+            <a:r>
+              <a:rPr lang="en-US" altLang="zh-TW" dirty="0">
+                <a:solidFill>
+                  <a:schemeClr val="tx1"/>
+                </a:solidFill>
+              </a:rPr>
+              <a:t>run </a:t>
+            </a:r>
+            <a:r>
+              <a:rPr lang="en-US" altLang="zh-TW" dirty="0" err="1">
+                <a:solidFill>
+                  <a:schemeClr val="tx1"/>
+                </a:solidFill>
+              </a:rPr>
+              <a:t>Miktex</a:t>
+            </a:r>
+            <a:r>
+              <a:rPr lang="zh-TW" altLang="en-US" dirty="0">
+                <a:solidFill>
+                  <a:schemeClr val="tx1"/>
+                </a:solidFill>
+              </a:rPr>
+              <a:t>，此時</a:t>
+            </a:r>
+            <a:r>
+              <a:rPr lang="en-US" altLang="zh-TW" dirty="0">
+                <a:solidFill>
+                  <a:schemeClr val="tx1"/>
+                </a:solidFill>
+              </a:rPr>
+              <a:t>Windows</a:t>
+            </a:r>
+            <a:r>
+              <a:rPr lang="zh-TW" altLang="en-US" dirty="0">
+                <a:solidFill>
+                  <a:schemeClr val="tx1"/>
+                </a:solidFill>
+              </a:rPr>
+              <a:t>右下方工具列找</a:t>
+            </a:r>
+            <a:r>
+              <a:rPr lang="en-US" altLang="zh-TW" dirty="0" err="1">
+                <a:solidFill>
+                  <a:schemeClr val="tx1"/>
+                </a:solidFill>
+              </a:rPr>
+              <a:t>Miktex</a:t>
+            </a:r>
+            <a:r>
+              <a:rPr lang="zh-TW" altLang="en-US" dirty="0">
+                <a:solidFill>
+                  <a:schemeClr val="tx1"/>
+                </a:solidFill>
+              </a:rPr>
+              <a:t>的</a:t>
+            </a:r>
+            <a:r>
+              <a:rPr lang="en-US" altLang="zh-TW" dirty="0">
+                <a:solidFill>
+                  <a:schemeClr val="tx1"/>
+                </a:solidFill>
+              </a:rPr>
+              <a:t>icon</a:t>
+            </a:r>
+            <a:r>
+              <a:rPr lang="zh-TW" altLang="en-US" dirty="0">
+                <a:solidFill>
+                  <a:schemeClr val="tx1"/>
+                </a:solidFill>
+              </a:rPr>
+              <a:t>重新點開（</a:t>
+            </a:r>
+            <a:r>
+              <a:rPr lang="en-US" altLang="zh-TW" dirty="0">
+                <a:solidFill>
+                  <a:schemeClr val="tx1"/>
+                </a:solidFill>
+              </a:rPr>
+              <a:t>icon</a:t>
+            </a:r>
+            <a:r>
+              <a:rPr lang="zh-TW" altLang="en-US" dirty="0">
+                <a:solidFill>
+                  <a:schemeClr val="tx1"/>
+                </a:solidFill>
+              </a:rPr>
+              <a:t>為下圖的右下角）</a:t>
+            </a:r>
+            <a:endParaRPr lang="en-US" altLang="zh-TW" dirty="0">
+              <a:solidFill>
+                <a:schemeClr val="tx1"/>
+              </a:solidFill>
+            </a:endParaRPr>
+          </a:p>
+          <a:p>
+            <a:pPr marL="457200" lvl="0" indent="-342900" algn="l" rtl="0">
+              <a:lnSpc>
+                <a:spcPct val="115000"/>
+              </a:lnSpc>
+              <a:spcBef>
+                <a:spcPts val="0"/>
+              </a:spcBef>
+              <a:spcAft>
+                <a:spcPts val="0"/>
+              </a:spcAft>
+              <a:buSzPts val="1800"/>
+              <a:buChar char="●"/>
+            </a:pPr>
+            <a:r>
+              <a:rPr lang="zh-TW" altLang="en-US" dirty="0">
+                <a:solidFill>
+                  <a:schemeClr val="tx1"/>
+                </a:solidFill>
+              </a:rPr>
+              <a:t>第一次</a:t>
+            </a:r>
+            <a:r>
+              <a:rPr lang="en-US" altLang="zh-TW" dirty="0" err="1">
+                <a:solidFill>
+                  <a:schemeClr val="tx1"/>
+                </a:solidFill>
+              </a:rPr>
+              <a:t>Miktex</a:t>
+            </a:r>
+            <a:r>
+              <a:rPr lang="en-US" altLang="zh-TW" dirty="0">
+                <a:solidFill>
+                  <a:schemeClr val="tx1"/>
+                </a:solidFill>
+              </a:rPr>
+              <a:t> console&gt;package</a:t>
+            </a:r>
+            <a:r>
+              <a:rPr lang="zh-TW" altLang="en-US" dirty="0">
+                <a:solidFill>
+                  <a:schemeClr val="tx1"/>
+                </a:solidFill>
+              </a:rPr>
+              <a:t>需要加載，等個一分鐘應該就會好了，之後點</a:t>
+            </a:r>
+            <a:r>
+              <a:rPr lang="en-US" altLang="zh-TW" dirty="0">
+                <a:solidFill>
+                  <a:schemeClr val="tx1"/>
+                </a:solidFill>
+              </a:rPr>
+              <a:t>package&gt;</a:t>
+            </a:r>
+            <a:r>
+              <a:rPr lang="zh-TW" altLang="en-US" dirty="0">
+                <a:solidFill>
+                  <a:schemeClr val="tx1"/>
+                </a:solidFill>
+              </a:rPr>
+              <a:t>對話框搜尋</a:t>
+            </a:r>
+            <a:r>
+              <a:rPr lang="en-US" altLang="zh-TW" dirty="0" err="1">
+                <a:solidFill>
+                  <a:schemeClr val="tx1"/>
+                </a:solidFill>
+              </a:rPr>
+              <a:t>xecjk</a:t>
+            </a:r>
+            <a:r>
+              <a:rPr lang="zh-TW" altLang="en-US" dirty="0">
+                <a:solidFill>
+                  <a:schemeClr val="tx1"/>
+                </a:solidFill>
+              </a:rPr>
+              <a:t>之後安裝他</a:t>
+            </a:r>
+            <a:endParaRPr lang="en-US" altLang="zh-TW" dirty="0">
+              <a:solidFill>
+                <a:schemeClr val="tx1"/>
+              </a:solidFill>
+            </a:endParaRPr>
+          </a:p>
+          <a:p>
+            <a:pPr marL="457200" lvl="0" indent="-342900" algn="l" rtl="0">
+              <a:lnSpc>
+                <a:spcPct val="115000"/>
+              </a:lnSpc>
+              <a:spcBef>
+                <a:spcPts val="0"/>
+              </a:spcBef>
+              <a:spcAft>
+                <a:spcPts val="0"/>
+              </a:spcAft>
+              <a:buSzPts val="1800"/>
+              <a:buChar char="●"/>
+            </a:pPr>
+            <a:endParaRPr lang="en-US" altLang="zh-TW" dirty="0">
+              <a:solidFill>
+                <a:schemeClr val="tx1"/>
+              </a:solidFill>
+              <a:latin typeface="Times New Roman" panose="02020603050405020304" pitchFamily="18" charset="0"/>
+              <a:cs typeface="Times New Roman" panose="02020603050405020304" pitchFamily="18" charset="0"/>
+            </a:endParaRPr>
+          </a:p>
+          <a:p>
+            <a:pPr marL="457200" lvl="0" indent="-342900" algn="l" rtl="0">
+              <a:lnSpc>
+                <a:spcPct val="115000"/>
+              </a:lnSpc>
+              <a:spcBef>
+                <a:spcPts val="0"/>
+              </a:spcBef>
+              <a:spcAft>
+                <a:spcPts val="0"/>
+              </a:spcAft>
+              <a:buSzPts val="1800"/>
+              <a:buChar char="●"/>
+            </a:pPr>
+            <a:endParaRPr lang="en-US" altLang="zh-TW" dirty="0">
+              <a:solidFill>
+                <a:schemeClr val="tx1"/>
+              </a:solidFill>
+            </a:endParaRPr>
+          </a:p>
+          <a:p>
+            <a:pPr marL="457200" lvl="0" indent="-342900" algn="l" rtl="0">
+              <a:lnSpc>
+                <a:spcPct val="115000"/>
+              </a:lnSpc>
+              <a:spcBef>
+                <a:spcPts val="0"/>
+              </a:spcBef>
+              <a:spcAft>
+                <a:spcPts val="0"/>
+              </a:spcAft>
+              <a:buSzPts val="1800"/>
+              <a:buChar char="●"/>
+            </a:pPr>
+            <a:endParaRPr lang="en-US" altLang="zh-TW" dirty="0"/>
+          </a:p>
+          <a:p>
+            <a:pPr marL="457200" lvl="0" indent="-342900" algn="l" rtl="0">
+              <a:lnSpc>
+                <a:spcPct val="115000"/>
+              </a:lnSpc>
+              <a:spcBef>
+                <a:spcPts val="0"/>
+              </a:spcBef>
+              <a:spcAft>
+                <a:spcPts val="0"/>
+              </a:spcAft>
+              <a:buSzPts val="1800"/>
+              <a:buChar char="●"/>
+            </a:pPr>
+            <a:endParaRPr lang="en-US" altLang="zh-TW" dirty="0"/>
+          </a:p>
+          <a:p>
+            <a:pPr marL="457200" lvl="0" indent="-342900" algn="l" rtl="0">
+              <a:lnSpc>
+                <a:spcPct val="115000"/>
+              </a:lnSpc>
+              <a:spcBef>
+                <a:spcPts val="0"/>
+              </a:spcBef>
+              <a:spcAft>
+                <a:spcPts val="0"/>
+              </a:spcAft>
+              <a:buSzPts val="1800"/>
+              <a:buChar char="●"/>
+            </a:pPr>
+            <a:endParaRPr dirty="0"/>
+          </a:p>
+        </p:txBody>
+      </p:sp>
+      <p:sp>
+        <p:nvSpPr>
+          <p:cNvPr id="2" name="投影片編號版面配置區 1">
+            <a:extLst>
+              <a:ext uri="{FF2B5EF4-FFF2-40B4-BE49-F238E27FC236}">
+                <a16:creationId xmlns:a16="http://schemas.microsoft.com/office/drawing/2014/main" id="{E5F2B600-0B8E-4FD9-BC4F-8E04A1563A49}"/>
+              </a:ext>
+            </a:extLst>
+          </p:cNvPr>
+          <p:cNvSpPr>
+            <a:spLocks noGrp="1"/>
+          </p:cNvSpPr>
+          <p:nvPr>
+            <p:ph type="sldNum" idx="12"/>
+          </p:nvPr>
+        </p:nvSpPr>
+        <p:spPr/>
+        <p:txBody>
+          <a:bodyPr/>
+          <a:lstStyle/>
+          <a:p>
+            <a:pPr marL="0" lvl="0" indent="0" algn="r" rtl="0">
+              <a:spcBef>
+                <a:spcPts val="0"/>
+              </a:spcBef>
+              <a:spcAft>
+                <a:spcPts val="0"/>
+              </a:spcAft>
+              <a:buNone/>
+            </a:pPr>
+            <a:fld id="{00000000-1234-1234-1234-123412341234}" type="slidenum">
+              <a:rPr lang="en-US" smtClean="0"/>
+              <a:t>8</a:t>
+            </a:fld>
+            <a:endParaRPr lang="en-US"/>
+          </a:p>
+        </p:txBody>
+      </p:sp>
+      <p:pic>
+        <p:nvPicPr>
+          <p:cNvPr id="3" name="圖片 2">
+            <a:extLst>
+              <a:ext uri="{FF2B5EF4-FFF2-40B4-BE49-F238E27FC236}">
+                <a16:creationId xmlns:a16="http://schemas.microsoft.com/office/drawing/2014/main" id="{BC071B12-E415-42DF-91D9-A50B5C4D3DDC}"/>
+              </a:ext>
+            </a:extLst>
+          </p:cNvPr>
+          <p:cNvPicPr>
+            <a:picLocks noChangeAspect="1"/>
+          </p:cNvPicPr>
+          <p:nvPr/>
+        </p:nvPicPr>
+        <p:blipFill>
+          <a:blip r:embed="rId6"/>
+          <a:stretch>
+            <a:fillRect/>
+          </a:stretch>
+        </p:blipFill>
+        <p:spPr>
+          <a:xfrm>
+            <a:off x="311699" y="3576629"/>
+            <a:ext cx="1143160" cy="828791"/>
+          </a:xfrm>
+          <a:prstGeom prst="rect">
+            <a:avLst/>
+          </a:prstGeom>
+        </p:spPr>
+      </p:pic>
+    </p:spTree>
+    <p:extLst>
+      <p:ext uri="{BB962C8B-B14F-4D97-AF65-F5344CB8AC3E}">
+        <p14:creationId xmlns:p14="http://schemas.microsoft.com/office/powerpoint/2010/main" val="2200015890"/>
+      </p:ext>
+    </p:extLst>
+  </p:cSld>
+  <p:clrMapOvr>
+    <a:masterClrMapping/>
+  </p:clrMapOvr>
+</p:sld>
+</file>
+
+<file path=ppt/slides/slide9.xml><?xml version="1.0" encoding="utf-8"?>
+<p:sld xmlns:a="http://schemas.openxmlformats.org/drawingml/2006/main" xmlns:r="http://schemas.openxmlformats.org/officeDocument/2006/relationships" xmlns:p="http://schemas.openxmlformats.org/presentationml/2006/main">
+  <p:cSld>
+    <p:spTree>
+      <p:nvGrpSpPr>
+        <p:cNvPr id="1" name="Shape 241"/>
+        <p:cNvGrpSpPr/>
+        <p:nvPr/>
+      </p:nvGrpSpPr>
+      <p:grpSpPr>
+        <a:xfrm>
+          <a:off x="0" y="0"/>
+          <a:ext cx="0" cy="0"/>
+          <a:chOff x="0" y="0"/>
+          <a:chExt cx="0" cy="0"/>
+        </a:xfrm>
+      </p:grpSpPr>
+      <p:sp>
+        <p:nvSpPr>
+          <p:cNvPr id="242" name="Google Shape;242;p37"/>
+          <p:cNvSpPr txBox="1">
+            <a:spLocks noGrp="1"/>
+          </p:cNvSpPr>
+          <p:nvPr>
+            <p:ph type="title"/>
+          </p:nvPr>
+        </p:nvSpPr>
+        <p:spPr>
+          <a:xfrm>
+            <a:off x="311700" y="445025"/>
+            <a:ext cx="8520600" cy="572700"/>
+          </a:xfrm>
+          <a:prstGeom prst="rect">
+            <a:avLst/>
+          </a:prstGeom>
+          <a:noFill/>
+          <a:ln>
+            <a:noFill/>
+          </a:ln>
+        </p:spPr>
+        <p:txBody>
+          <a:bodyPr spcFirstLastPara="1" wrap="square" lIns="91425" tIns="91425" rIns="91425" bIns="91425" anchor="t" anchorCtr="0">
+            <a:noAutofit/>
+          </a:bodyPr>
+          <a:lstStyle/>
+          <a:p>
+            <a:pPr marL="0" lvl="0" indent="0" algn="l" rtl="0">
+              <a:lnSpc>
+                <a:spcPct val="100000"/>
+              </a:lnSpc>
+              <a:spcBef>
+                <a:spcPts val="0"/>
+              </a:spcBef>
+              <a:spcAft>
+                <a:spcPts val="0"/>
+              </a:spcAft>
+              <a:buSzPts val="2800"/>
+              <a:buNone/>
+            </a:pPr>
+            <a:r>
+              <a:rPr lang="en-US" altLang="zh-TW" dirty="0">
+                <a:latin typeface="Microsoft JhengHei"/>
+                <a:ea typeface="Microsoft JhengHei"/>
+                <a:cs typeface="Microsoft JhengHei"/>
+                <a:sym typeface="Microsoft JhengHei"/>
+              </a:rPr>
+              <a:t>Codebook making</a:t>
             </a:r>
             <a:endParaRPr dirty="0">
               <a:latin typeface="Microsoft JhengHei"/>
@@ -14391,7 +15769,39 @@
                   <a:schemeClr val="tx1"/>
                 </a:solidFill>
               </a:rPr>
-              <a:t>打開專案資料夾的</a:t>
+              <a:t>打開之前被你解壓縮的資料夾內部</a:t>
+            </a:r>
+            <a:r>
+              <a:rPr lang="en-US" altLang="zh-TW" dirty="0">
+                <a:solidFill>
+                  <a:schemeClr val="tx1"/>
+                </a:solidFill>
+              </a:rPr>
+              <a:t>&gt;</a:t>
+            </a:r>
+            <a:r>
+              <a:rPr lang="zh-TW" altLang="en-US" dirty="0">
+                <a:solidFill>
+                  <a:schemeClr val="tx1"/>
+                </a:solidFill>
+              </a:rPr>
+              <a:t>把副擋名打開</a:t>
+            </a:r>
+            <a:r>
+              <a:rPr lang="en-US" altLang="zh-TW" dirty="0">
+                <a:solidFill>
+                  <a:schemeClr val="tx1"/>
+                </a:solidFill>
+              </a:rPr>
+              <a:t>&gt;</a:t>
+            </a:r>
+            <a:r>
+              <a:rPr lang="zh-TW" altLang="en-US" dirty="0">
+                <a:solidFill>
+                  <a:schemeClr val="tx1"/>
+                </a:solidFill>
+              </a:rPr>
+              <a:t>用</a:t>
             </a:r>
             <a:r>
               <a:rPr lang="en-US" altLang="zh-TW" dirty="0" err="1">
@@ -14399,7 +15809,102 @@
                   <a:schemeClr val="tx1"/>
                 </a:solidFill>
               </a:rPr>
-              <a:t>content.tex</a:t>
+              <a:t>texwork</a:t>
+            </a:r>
+            <a:r>
+              <a:rPr lang="zh-TW" altLang="en-US" dirty="0">
+                <a:solidFill>
+                  <a:schemeClr val="tx1"/>
+                </a:solidFill>
+              </a:rPr>
+              <a:t>打開</a:t>
+            </a:r>
+            <a:r>
+              <a:rPr lang="en-US" altLang="zh-TW" dirty="0" err="1">
+                <a:solidFill>
+                  <a:schemeClr val="tx1"/>
+                </a:solidFill>
+              </a:rPr>
+              <a:t>codebook.tex</a:t>
+            </a:r>
+            <a:r>
+              <a:rPr lang="en-US" altLang="zh-TW" dirty="0">
+                <a:solidFill>
+                  <a:schemeClr val="tx1"/>
+                </a:solidFill>
+              </a:rPr>
+              <a:t>&gt;</a:t>
+            </a:r>
+            <a:r>
+              <a:rPr lang="zh-TW" altLang="en-US" dirty="0">
+                <a:solidFill>
+                  <a:schemeClr val="tx1"/>
+                </a:solidFill>
+              </a:rPr>
+              <a:t>會出現一個一左一右的畫面，左邊是</a:t>
+            </a:r>
+            <a:r>
+              <a:rPr lang="en-US" altLang="zh-TW" dirty="0">
+                <a:solidFill>
+                  <a:schemeClr val="tx1"/>
+                </a:solidFill>
+              </a:rPr>
+              <a:t>script</a:t>
+            </a:r>
+            <a:r>
+              <a:rPr lang="zh-TW" altLang="en-US" dirty="0">
+                <a:solidFill>
+                  <a:schemeClr val="tx1"/>
+                </a:solidFill>
+              </a:rPr>
+              <a:t>，右邊是目前的</a:t>
+            </a:r>
+            <a:r>
+              <a:rPr lang="en-US" altLang="zh-TW" dirty="0">
+                <a:solidFill>
+                  <a:schemeClr val="tx1"/>
+                </a:solidFill>
+              </a:rPr>
+              <a:t>pdf</a:t>
+            </a:r>
+          </a:p>
+          <a:p>
+            <a:pPr marL="457200" lvl="0" indent="-342900" algn="l" rtl="0">
+              <a:lnSpc>
+                <a:spcPct val="115000"/>
+              </a:lnSpc>
+              <a:spcBef>
+                <a:spcPts val="0"/>
+              </a:spcBef>
+              <a:spcAft>
+                <a:spcPts val="0"/>
+              </a:spcAft>
+              <a:buSzPts val="1800"/>
+              <a:buChar char="●"/>
+            </a:pPr>
+            <a:r>
+              <a:rPr lang="zh-TW" altLang="en-US" dirty="0">
+                <a:solidFill>
+                  <a:schemeClr val="tx1"/>
+                </a:solidFill>
+              </a:rPr>
+              <a:t>選擇</a:t>
+            </a:r>
+            <a:r>
+              <a:rPr lang="en-US" altLang="zh-TW" dirty="0" err="1">
+                <a:solidFill>
+                  <a:schemeClr val="tx1"/>
+                </a:solidFill>
+              </a:rPr>
+              <a:t>Xelatex</a:t>
+            </a:r>
+            <a:r>
+              <a:rPr lang="zh-TW" altLang="en-US" dirty="0">
+                <a:solidFill>
+                  <a:schemeClr val="tx1"/>
+                </a:solidFill>
+              </a:rPr>
+              <a:t>，然後播放，過程中可能會出現彈跳視窗要你裝就裝</a:t>
             </a:r>
             <a:endParaRPr lang="en-US" altLang="zh-TW" dirty="0">
               <a:solidFill>
@@ -14408,14 +15913,34 @@
             </a:endParaRPr>
           </a:p>
           <a:p>
-            <a:pPr lvl="0"/>
+            <a:pPr marL="457200" lvl="0" indent="-342900" algn="l" rtl="0">
+              <a:lnSpc>
+                <a:spcPct val="115000"/>
+              </a:lnSpc>
+              <a:spcBef>
+                <a:spcPts val="0"/>
+              </a:spcBef>
+              <a:spcAft>
+                <a:spcPts val="0"/>
+              </a:spcAft>
+              <a:buSzPts val="1800"/>
+              <a:buChar char="●"/>
+            </a:pPr>
+            <a:r>
+              <a:rPr lang="zh-TW" altLang="en-US" dirty="0">
+                <a:solidFill>
+                  <a:schemeClr val="tx1"/>
+                </a:solidFill>
+              </a:rPr>
+              <a:t>完事右邊會出現新的</a:t>
+            </a:r>
             <a:r>
               <a:rPr lang="en-US" altLang="zh-TW" dirty="0">
                 <a:solidFill>
                   <a:schemeClr val="tx1"/>
                 </a:solidFill>
               </a:rPr>
-              <a:t>\section</a:t>
+              <a:t>codebook</a:t>
             </a:r>
             <a:r>
               <a:rPr lang="zh-TW" altLang="en-US" dirty="0">
@@ -14423,7 +15948,7 @@
                   <a:schemeClr val="tx1"/>
                 </a:solidFill>
               </a:rPr>
-              <a:t>就是大主題，</a:t>
+              <a:t>，檢查一下出來的</a:t>
             </a:r>
             <a:r>
               <a:rPr lang="en-US" altLang="zh-TW" dirty="0">
@@ -14431,7 +15956,7 @@
                   <a:schemeClr val="tx1"/>
                 </a:solidFill>
               </a:rPr>
-              <a:t>\subsection</a:t>
+              <a:t>pdf</a:t>
             </a:r>
             <a:r>
               <a:rPr lang="zh-TW" altLang="en-US" dirty="0">
@@ -14439,54 +15964,7 @@
                   <a:schemeClr val="tx1"/>
                 </a:solidFill>
               </a:rPr>
-              <a:t>就是每個小概念</a:t>
-            </a:r>
-            <a:r>
-              <a:rPr lang="en-US" altLang="zh-TW" dirty="0" err="1">
-                <a:solidFill>
-                  <a:schemeClr val="tx1"/>
-                </a:solidFill>
-              </a:rPr>
-              <a:t>templete</a:t>
-            </a:r>
-            <a:r>
-              <a:rPr lang="zh-TW" altLang="en-US" dirty="0">
-                <a:solidFill>
-                  <a:schemeClr val="tx1"/>
-                </a:solidFill>
-              </a:rPr>
-              <a:t>的名字，</a:t>
-            </a:r>
-            <a:br>
-              <a:rPr lang="en-US" altLang="zh-TW" dirty="0">
-                <a:solidFill>
-                  <a:schemeClr val="tx1"/>
-                </a:solidFill>
-              </a:rPr>
-            </a:br>
-            <a:r>
-              <a:rPr lang="en-US" altLang="zh-TW" dirty="0"/>
-              <a:t>\</a:t>
-            </a:r>
-            <a:r>
-              <a:rPr lang="en-US" altLang="zh-TW" dirty="0" err="1"/>
-              <a:t>lstinputlisting</a:t>
-            </a:r>
-            <a:r>
-              <a:rPr lang="zh-TW" altLang="en-US" dirty="0"/>
-              <a:t>就是要開哪個資料夾的哪個檔案</a:t>
-            </a:r>
-            <a:endParaRPr lang="en-US" altLang="zh-TW" dirty="0"/>
-          </a:p>
-          <a:p>
-            <a:pPr lvl="0"/>
-            <a:r>
-              <a:rPr lang="zh-TW" altLang="en-US" dirty="0">
-                <a:solidFill>
-                  <a:schemeClr val="tx1"/>
-                </a:solidFill>
-              </a:rPr>
-              <a:t>所以記得相對應的檔案要在正確的資料夾存在，否則會跑不出來</a:t>
+              <a:t>右上角是不是今天日期。</a:t>
             </a:r>
             <a:endParaRPr lang="en-US" altLang="zh-TW" dirty="0">
               <a:solidFill>
@@ -14495,114 +15973,69 @@
             </a:endParaRPr>
           </a:p>
           <a:p>
-            <a:pPr lvl="0"/>
+            <a:pPr marL="457200" lvl="0" indent="-342900" algn="l" rtl="0">
+              <a:lnSpc>
+                <a:spcPct val="115000"/>
+              </a:lnSpc>
+              <a:spcBef>
+                <a:spcPts val="0"/>
+              </a:spcBef>
+              <a:spcAft>
+                <a:spcPts val="0"/>
+              </a:spcAft>
+              <a:buSzPts val="1800"/>
+              <a:buChar char="●"/>
+            </a:pPr>
             <a:r>
               <a:rPr lang="zh-TW" altLang="en-US" dirty="0">
                 <a:solidFill>
                   <a:schemeClr val="tx1"/>
                 </a:solidFill>
               </a:rPr>
-              <a:t>你也可以先將你自己習慣的程式碼放進其他資料夾裡面，然後不要</a:t>
-            </a:r>
-            <a:r>
-              <a:rPr lang="en-US" altLang="zh-TW" dirty="0"/>
-              <a:t>\</a:t>
-            </a:r>
-            <a:r>
-              <a:rPr lang="en-US" altLang="zh-TW" dirty="0" err="1"/>
-              <a:t>lstinputlisting</a:t>
-            </a:r>
-            <a:r>
-              <a:rPr lang="zh-TW" altLang="en-US" dirty="0"/>
-              <a:t>，等到有需要再調整就好</a:t>
-            </a:r>
-            <a:endParaRPr lang="en-US" altLang="zh-TW" dirty="0"/>
-          </a:p>
-          <a:p>
-            <a:pPr lvl="0"/>
+              <a:t>有時候會出現跑出來的</a:t>
+            </a:r>
+            <a:r>
+              <a:rPr lang="en-US" altLang="zh-TW" dirty="0">
+                <a:solidFill>
+                  <a:schemeClr val="tx1"/>
+                </a:solidFill>
+              </a:rPr>
+              <a:t>codebook</a:t>
+            </a:r>
             <a:r>
               <a:rPr lang="zh-TW" altLang="en-US" dirty="0">
                 <a:solidFill>
                   <a:schemeClr val="tx1"/>
                 </a:solidFill>
               </a:rPr>
-              <a:t>改完就存檔就好，不用播放，也放不出來</a:t>
-            </a:r>
+              <a:t>沒有目錄的情形，重跑就好。</a:t>
+            </a:r>
+            <a:r>
+              <a:rPr lang="en-US" altLang="zh-TW" dirty="0">
+                <a:solidFill>
+                  <a:schemeClr val="tx1"/>
+                </a:solidFill>
+              </a:rPr>
+              <a:t>	</a:t>
+            </a:r>
+          </a:p>
+          <a:p>
+            <a:pPr marL="457200" lvl="0" indent="-342900" algn="l" rtl="0">
+              <a:lnSpc>
+                <a:spcPct val="115000"/>
+              </a:lnSpc>
+              <a:spcBef>
+                <a:spcPts val="0"/>
+              </a:spcBef>
+              <a:spcAft>
+                <a:spcPts val="0"/>
+              </a:spcAft>
+              <a:buSzPts val="1800"/>
+              <a:buChar char="●"/>
+            </a:pPr>
             <a:endParaRPr lang="en-US" altLang="zh-TW" dirty="0">
               <a:solidFill>
                 <a:schemeClr val="tx1"/>
-              </a:solidFill>
-            </a:endParaRPr>
-          </a:p>
-          <a:p>
-            <a:pPr lvl="0"/>
-            <a:r>
-              <a:rPr lang="en-US" altLang="zh-TW" dirty="0" err="1">
-                <a:solidFill>
-                  <a:srgbClr val="FF0000"/>
-                </a:solidFill>
-              </a:rPr>
-              <a:t>codebook.tex</a:t>
-            </a:r>
-            <a:r>
-              <a:rPr lang="zh-TW" altLang="en-US" dirty="0">
-                <a:solidFill>
-                  <a:srgbClr val="FF0000"/>
-                </a:solidFill>
-              </a:rPr>
-              <a:t>改</a:t>
-            </a:r>
-            <a:r>
-              <a:rPr lang="en-US" altLang="zh-TW" dirty="0">
-                <a:solidFill>
-                  <a:srgbClr val="FF0000"/>
-                </a:solidFill>
-              </a:rPr>
-              <a:t>codebook</a:t>
-            </a:r>
-            <a:r>
-              <a:rPr lang="zh-TW" altLang="en-US" dirty="0">
-                <a:solidFill>
-                  <a:srgbClr val="FF0000"/>
-                </a:solidFill>
-              </a:rPr>
-              <a:t>本身的</a:t>
-            </a:r>
-            <a:r>
-              <a:rPr lang="en-US" altLang="zh-TW" dirty="0">
-                <a:solidFill>
-                  <a:srgbClr val="FF0000"/>
-                </a:solidFill>
-              </a:rPr>
-              <a:t>layout</a:t>
-            </a:r>
-            <a:r>
-              <a:rPr lang="zh-TW" altLang="en-US" dirty="0">
-                <a:solidFill>
-                  <a:srgbClr val="FF0000"/>
-                </a:solidFill>
-              </a:rPr>
-              <a:t>，</a:t>
-            </a:r>
-            <a:r>
-              <a:rPr lang="en-US" altLang="zh-TW" dirty="0" err="1">
-                <a:solidFill>
-                  <a:srgbClr val="FF0000"/>
-                </a:solidFill>
-              </a:rPr>
-              <a:t>content.tex</a:t>
-            </a:r>
-            <a:r>
-              <a:rPr lang="zh-TW" altLang="en-US" dirty="0">
-                <a:solidFill>
-                  <a:srgbClr val="FF0000"/>
-                </a:solidFill>
-              </a:rPr>
-              <a:t>改內容</a:t>
-            </a:r>
-            <a:endParaRPr lang="en-US" altLang="zh-TW" dirty="0">
-              <a:solidFill>
-                <a:srgbClr val="FF0000"/>
               </a:solidFill>
             </a:endParaRPr>
           </a:p>
@@ -14688,7 +16121,7 @@
             </a:pPr>
             <a:fld id="{00000000-1234-1234-1234-123412341234}" type="slidenum">
               <a:rPr lang="en-US" smtClean="0"/>
-              <a:t>8</a:t>
+              <a:t>9</a:t>
             </a:fld>
             <a:endParaRPr lang="en-US"/>
           </a:p>
@@ -14697,151 +16130,7 @@
     </p:spTree>
     <p:extLst>
       <p:ext uri="{BB962C8B-B14F-4D97-AF65-F5344CB8AC3E}">
-        <p14:creationId xmlns:p14="http://schemas.microsoft.com/office/powerpoint/2010/main" val="234966480"/>
-      </p:ext>
-    </p:extLst>
-  </p:cSld>
-  <p:clrMapOvr>
-    <a:masterClrMapping/>
-  </p:clrMapOvr>
-</p:sld>
-</file>
-
-<file path=ppt/slides/slide9.xml><?xml version="1.0" encoding="utf-8"?>
-<p:sld xmlns:a="http://schemas.openxmlformats.org/drawingml/2006/main" xmlns:r="http://schemas.openxmlformats.org/officeDocument/2006/relationships" xmlns:p="http://schemas.openxmlformats.org/presentationml/2006/main">
-  <p:cSld>
-    <p:spTree>
-      <p:nvGrpSpPr>
-        <p:cNvPr id="1" name="Shape 56"/>
-        <p:cNvGrpSpPr/>
-        <p:nvPr/>
-      </p:nvGrpSpPr>
-      <p:grpSpPr>
-        <a:xfrm>
-          <a:off x="0" y="0"/>
-          <a:ext cx="0" cy="0"/>
-          <a:chOff x="0" y="0"/>
-          <a:chExt cx="0" cy="0"/>
-        </a:xfrm>
-      </p:grpSpPr>
-      <p:sp>
-        <p:nvSpPr>
-          <p:cNvPr id="57" name="Google Shape;57;p12"/>
-          <p:cNvSpPr txBox="1">
-            <a:spLocks noGrp="1"/>
-          </p:cNvSpPr>
-          <p:nvPr>
-            <p:ph type="title"/>
-          </p:nvPr>
-        </p:nvSpPr>
-        <p:spPr>
-          <a:xfrm>
-            <a:off x="510450" y="2057400"/>
-            <a:ext cx="8123100" cy="778800"/>
-          </a:xfrm>
-          <a:prstGeom prst="rect">
-            <a:avLst/>
-          </a:prstGeom>
-          <a:noFill/>
-          <a:ln>
-            <a:noFill/>
-          </a:ln>
-        </p:spPr>
-        <p:txBody>
-          <a:bodyPr spcFirstLastPara="1" wrap="square" lIns="91425" tIns="91425" rIns="91425" bIns="91425" anchor="b" anchorCtr="0">
-            <a:noAutofit/>
-          </a:bodyPr>
-          <a:lstStyle/>
-          <a:p>
-            <a:pPr marL="0" lvl="0" indent="0" algn="l" rtl="0">
-              <a:lnSpc>
-                <a:spcPct val="100000"/>
-              </a:lnSpc>
-              <a:spcBef>
-                <a:spcPts val="0"/>
-              </a:spcBef>
-              <a:spcAft>
-                <a:spcPts val="0"/>
-              </a:spcAft>
-              <a:buSzPts val="3600"/>
-              <a:buNone/>
-            </a:pPr>
-            <a:r>
-              <a:rPr lang="en-US" sz="4000" dirty="0">
-                <a:latin typeface="Microsoft JhengHei"/>
-                <a:ea typeface="Microsoft JhengHei"/>
-                <a:cs typeface="Microsoft JhengHei"/>
-                <a:sym typeface="Microsoft JhengHei"/>
-              </a:rPr>
-              <a:t>Git basic usage</a:t>
-            </a:r>
-            <a:endParaRPr sz="4000" dirty="0">
-              <a:latin typeface="Microsoft JhengHei"/>
-              <a:ea typeface="Microsoft JhengHei"/>
-              <a:cs typeface="Microsoft JhengHei"/>
-              <a:sym typeface="Microsoft JhengHei"/>
-            </a:endParaRPr>
-          </a:p>
-        </p:txBody>
-      </p:sp>
-      <p:sp>
-        <p:nvSpPr>
-          <p:cNvPr id="58" name="Google Shape;58;p12"/>
-          <p:cNvSpPr txBox="1"/>
-          <p:nvPr/>
-        </p:nvSpPr>
-        <p:spPr>
-          <a:xfrm>
-            <a:off x="510449" y="3186752"/>
-            <a:ext cx="7650911" cy="338554"/>
-          </a:xfrm>
-          <a:prstGeom prst="rect">
-            <a:avLst/>
-          </a:prstGeom>
-          <a:noFill/>
-          <a:ln>
-            <a:noFill/>
-          </a:ln>
-        </p:spPr>
-        <p:txBody>
-          <a:bodyPr spcFirstLastPara="1" wrap="square" lIns="91425" tIns="45700" rIns="91425" bIns="45700" anchor="t" anchorCtr="0">
-            <a:noAutofit/>
-          </a:bodyPr>
-          <a:lstStyle/>
-          <a:p>
-            <a:pPr marL="0" marR="0" lvl="0" indent="0" algn="l" rtl="0">
-              <a:lnSpc>
-                <a:spcPct val="100000"/>
-              </a:lnSpc>
-              <a:spcBef>
-                <a:spcPts val="0"/>
-              </a:spcBef>
-              <a:spcAft>
-                <a:spcPts val="0"/>
-              </a:spcAft>
-              <a:buClr>
-                <a:srgbClr val="000000"/>
-              </a:buClr>
-              <a:buSzPts val="1600"/>
-              <a:buFont typeface="Arial"/>
-              <a:buNone/>
-            </a:pPr>
-            <a:endParaRPr sz="1600" b="0" i="0" u="none" strike="noStrike" cap="none">
-              <a:solidFill>
-                <a:schemeClr val="lt1"/>
-              </a:solidFill>
-              <a:latin typeface="Microsoft JhengHei"/>
-              <a:ea typeface="Microsoft JhengHei"/>
-              <a:cs typeface="Microsoft JhengHei"/>
-              <a:sym typeface="Microsoft JhengHei"/>
-            </a:endParaRPr>
-          </a:p>
-        </p:txBody>
-      </p:sp>
-    </p:spTree>
-    <p:extLst>
-      <p:ext uri="{BB962C8B-B14F-4D97-AF65-F5344CB8AC3E}">
-        <p14:creationId xmlns:p14="http://schemas.microsoft.com/office/powerpoint/2010/main" val="1903965547"/>
+        <p14:creationId xmlns:p14="http://schemas.microsoft.com/office/powerpoint/2010/main" val="2379089085"/>
       </p:ext>
     </p:extLst>
   </p:cSld>

--- a/codebook_tutorial.pptx
+++ b/codebook_tutorial.pptx
@@ -5,7 +5,7 @@
     <p:sldMasterId id="2147483657" r:id="rId1"/>
   </p:sldMasterIdLst>
   <p:notesMasterIdLst>
-    <p:notesMasterId r:id="rId19"/>
+    <p:notesMasterId r:id="rId20"/>
   </p:notesMasterIdLst>
   <p:sldIdLst>
     <p:sldId id="256" r:id="rId2"/>
@@ -15,36 +15,37 @@
     <p:sldId id="298" r:id="rId6"/>
     <p:sldId id="285" r:id="rId7"/>
     <p:sldId id="286" r:id="rId8"/>
-    <p:sldId id="287" r:id="rId9"/>
-    <p:sldId id="288" r:id="rId10"/>
-    <p:sldId id="289" r:id="rId11"/>
-    <p:sldId id="290" r:id="rId12"/>
-    <p:sldId id="291" r:id="rId13"/>
-    <p:sldId id="296" r:id="rId14"/>
-    <p:sldId id="292" r:id="rId15"/>
-    <p:sldId id="293" r:id="rId16"/>
-    <p:sldId id="294" r:id="rId17"/>
-    <p:sldId id="295" r:id="rId18"/>
+    <p:sldId id="299" r:id="rId9"/>
+    <p:sldId id="287" r:id="rId10"/>
+    <p:sldId id="288" r:id="rId11"/>
+    <p:sldId id="289" r:id="rId12"/>
+    <p:sldId id="290" r:id="rId13"/>
+    <p:sldId id="291" r:id="rId14"/>
+    <p:sldId id="296" r:id="rId15"/>
+    <p:sldId id="292" r:id="rId16"/>
+    <p:sldId id="293" r:id="rId17"/>
+    <p:sldId id="294" r:id="rId18"/>
+    <p:sldId id="295" r:id="rId19"/>
   </p:sldIdLst>
   <p:sldSz cx="9144000" cy="5143500" type="screen16x9"/>
   <p:notesSz cx="6858000" cy="9144000"/>
   <p:embeddedFontLst>
     <p:embeddedFont>
-      <p:font typeface="Proxima Nova" panose="02020500000000000000" charset="0"/>
-      <p:regular r:id="rId20"/>
-      <p:bold r:id="rId21"/>
-      <p:italic r:id="rId22"/>
-      <p:boldItalic r:id="rId23"/>
+      <p:font typeface="微軟正黑體" panose="020B0604030504040204" pitchFamily="34" charset="-120"/>
+      <p:regular r:id="rId21"/>
+      <p:bold r:id="rId22"/>
     </p:embeddedFont>
     <p:embeddedFont>
       <p:font typeface="微軟正黑體" panose="020B0604030504040204" pitchFamily="34" charset="-120"/>
-      <p:regular r:id="rId24"/>
-      <p:bold r:id="rId25"/>
+      <p:regular r:id="rId21"/>
+      <p:bold r:id="rId22"/>
     </p:embeddedFont>
     <p:embeddedFont>
-      <p:font typeface="微軟正黑體" panose="020B0604030504040204" pitchFamily="34" charset="-120"/>
-      <p:regular r:id="rId24"/>
-      <p:bold r:id="rId25"/>
+      <p:font typeface="Proxima Nova" panose="02020500000000000000" charset="0"/>
+      <p:regular r:id="rId23"/>
+      <p:bold r:id="rId24"/>
+      <p:italic r:id="rId25"/>
+      <p:boldItalic r:id="rId26"/>
     </p:embeddedFont>
   </p:embeddedFontLst>
   <p:defaultTextStyle>
@@ -1113,6 +1114,133 @@
     </p:spTree>
     <p:extLst>
       <p:ext uri="{BB962C8B-B14F-4D97-AF65-F5344CB8AC3E}">
+        <p14:creationId xmlns:p14="http://schemas.microsoft.com/office/powerpoint/2010/main" val="2508137300"/>
+      </p:ext>
+    </p:extLst>
+  </p:cSld>
+  <p:clrMapOvr>
+    <a:masterClrMapping/>
+  </p:clrMapOvr>
+</p:notes>
+</file>
+
+<file path=ppt/notesSlides/notesSlide11.xml><?xml version="1.0" encoding="utf-8"?>
+<p:notes xmlns:a="http://schemas.openxmlformats.org/drawingml/2006/main" xmlns:r="http://schemas.openxmlformats.org/officeDocument/2006/relationships" xmlns:p="http://schemas.openxmlformats.org/presentationml/2006/main" showMasterSp="0" showMasterPhAnim="0">
+  <p:cSld>
+    <p:spTree>
+      <p:nvGrpSpPr>
+        <p:cNvPr id="1" name="Shape 238"/>
+        <p:cNvGrpSpPr/>
+        <p:nvPr/>
+      </p:nvGrpSpPr>
+      <p:grpSpPr>
+        <a:xfrm>
+          <a:off x="0" y="0"/>
+          <a:ext cx="0" cy="0"/>
+          <a:chOff x="0" y="0"/>
+          <a:chExt cx="0" cy="0"/>
+        </a:xfrm>
+      </p:grpSpPr>
+      <p:sp>
+        <p:nvSpPr>
+          <p:cNvPr id="239" name="Google Shape;239;p27:notes"/>
+          <p:cNvSpPr>
+            <a:spLocks noGrp="1" noRot="1" noChangeAspect="1"/>
+          </p:cNvSpPr>
+          <p:nvPr>
+            <p:ph type="sldImg" idx="2"/>
+          </p:nvPr>
+        </p:nvSpPr>
+        <p:spPr>
+          <a:xfrm>
+            <a:off x="381000" y="685800"/>
+            <a:ext cx="6096000" cy="3429000"/>
+          </a:xfrm>
+          <a:custGeom>
+            <a:avLst/>
+            <a:gdLst/>
+            <a:ahLst/>
+            <a:cxnLst/>
+            <a:rect l="l" t="t" r="r" b="b"/>
+            <a:pathLst>
+              <a:path w="120000" h="120000" extrusionOk="0">
+                <a:moveTo>
+                  <a:pt x="0" y="0"/>
+                </a:moveTo>
+                <a:lnTo>
+                  <a:pt x="120000" y="0"/>
+                </a:lnTo>
+                <a:lnTo>
+                  <a:pt x="120000" y="120000"/>
+                </a:lnTo>
+                <a:lnTo>
+                  <a:pt x="0" y="120000"/>
+                </a:lnTo>
+                <a:close/>
+              </a:path>
+            </a:pathLst>
+          </a:custGeom>
+          <a:noFill/>
+          <a:ln w="9525" cap="flat" cmpd="sng">
+            <a:solidFill>
+              <a:srgbClr val="000000"/>
+            </a:solidFill>
+            <a:prstDash val="solid"/>
+            <a:round/>
+            <a:headEnd type="none" w="sm" len="sm"/>
+            <a:tailEnd type="none" w="sm" len="sm"/>
+          </a:ln>
+        </p:spPr>
+      </p:sp>
+      <p:sp>
+        <p:nvSpPr>
+          <p:cNvPr id="240" name="Google Shape;240;p27:notes"/>
+          <p:cNvSpPr txBox="1">
+            <a:spLocks noGrp="1"/>
+          </p:cNvSpPr>
+          <p:nvPr>
+            <p:ph type="body" idx="1"/>
+          </p:nvPr>
+        </p:nvSpPr>
+        <p:spPr>
+          <a:xfrm>
+            <a:off x="685800" y="4343400"/>
+            <a:ext cx="5486400" cy="4114800"/>
+          </a:xfrm>
+          <a:prstGeom prst="rect">
+            <a:avLst/>
+          </a:prstGeom>
+          <a:noFill/>
+          <a:ln>
+            <a:noFill/>
+          </a:ln>
+        </p:spPr>
+        <p:txBody>
+          <a:bodyPr spcFirstLastPara="1" wrap="square" lIns="91425" tIns="91425" rIns="91425" bIns="91425" anchor="t" anchorCtr="0">
+            <a:noAutofit/>
+          </a:bodyPr>
+          <a:lstStyle/>
+          <a:p>
+            <a:pPr marL="0" lvl="0" indent="0" algn="l" rtl="0">
+              <a:lnSpc>
+                <a:spcPct val="100000"/>
+              </a:lnSpc>
+              <a:spcBef>
+                <a:spcPts val="0"/>
+              </a:spcBef>
+              <a:spcAft>
+                <a:spcPts val="0"/>
+              </a:spcAft>
+              <a:buSzPts val="1100"/>
+              <a:buNone/>
+            </a:pPr>
+            <a:endParaRPr/>
+          </a:p>
+        </p:txBody>
+      </p:sp>
+    </p:spTree>
+    <p:extLst>
+      <p:ext uri="{BB962C8B-B14F-4D97-AF65-F5344CB8AC3E}">
         <p14:creationId xmlns:p14="http://schemas.microsoft.com/office/powerpoint/2010/main" val="2171065341"/>
       </p:ext>
     </p:extLst>
@@ -1123,7 +1251,7 @@
 </p:notes>
 </file>
 
-<file path=ppt/notesSlides/notesSlide11.xml><?xml version="1.0" encoding="utf-8"?>
+<file path=ppt/notesSlides/notesSlide12.xml><?xml version="1.0" encoding="utf-8"?>
 <p:notes xmlns:a="http://schemas.openxmlformats.org/drawingml/2006/main" xmlns:r="http://schemas.openxmlformats.org/officeDocument/2006/relationships" xmlns:p="http://schemas.openxmlformats.org/presentationml/2006/main" showMasterSp="0" showMasterPhAnim="0">
   <p:cSld>
     <p:spTree>
@@ -1241,133 +1369,6 @@
     <p:extLst>
       <p:ext uri="{BB962C8B-B14F-4D97-AF65-F5344CB8AC3E}">
         <p14:creationId xmlns:p14="http://schemas.microsoft.com/office/powerpoint/2010/main" val="370359609"/>
-      </p:ext>
-    </p:extLst>
-  </p:cSld>
-  <p:clrMapOvr>
-    <a:masterClrMapping/>
-  </p:clrMapOvr>
-</p:notes>
-</file>
-
-<file path=ppt/notesSlides/notesSlide12.xml><?xml version="1.0" encoding="utf-8"?>
-<p:notes xmlns:a="http://schemas.openxmlformats.org/drawingml/2006/main" xmlns:r="http://schemas.openxmlformats.org/officeDocument/2006/relationships" xmlns:p="http://schemas.openxmlformats.org/presentationml/2006/main" showMasterSp="0" showMasterPhAnim="0">
-  <p:cSld>
-    <p:spTree>
-      <p:nvGrpSpPr>
-        <p:cNvPr id="1" name="Shape 238"/>
-        <p:cNvGrpSpPr/>
-        <p:nvPr/>
-      </p:nvGrpSpPr>
-      <p:grpSpPr>
-        <a:xfrm>
-          <a:off x="0" y="0"/>
-          <a:ext cx="0" cy="0"/>
-          <a:chOff x="0" y="0"/>
-          <a:chExt cx="0" cy="0"/>
-        </a:xfrm>
-      </p:grpSpPr>
-      <p:sp>
-        <p:nvSpPr>
-          <p:cNvPr id="239" name="Google Shape;239;p27:notes"/>
-          <p:cNvSpPr>
-            <a:spLocks noGrp="1" noRot="1" noChangeAspect="1"/>
-          </p:cNvSpPr>
-          <p:nvPr>
-            <p:ph type="sldImg" idx="2"/>
-          </p:nvPr>
-        </p:nvSpPr>
-        <p:spPr>
-          <a:xfrm>
-            <a:off x="381000" y="685800"/>
-            <a:ext cx="6096000" cy="3429000"/>
-          </a:xfrm>
-          <a:custGeom>
-            <a:avLst/>
-            <a:gdLst/>
-            <a:ahLst/>
-            <a:cxnLst/>
-            <a:rect l="l" t="t" r="r" b="b"/>
-            <a:pathLst>
-              <a:path w="120000" h="120000" extrusionOk="0">
-                <a:moveTo>
-                  <a:pt x="0" y="0"/>
-                </a:moveTo>
-                <a:lnTo>
-                  <a:pt x="120000" y="0"/>
-                </a:lnTo>
-                <a:lnTo>
-                  <a:pt x="120000" y="120000"/>
-                </a:lnTo>
-                <a:lnTo>
-                  <a:pt x="0" y="120000"/>
-                </a:lnTo>
-                <a:close/>
-              </a:path>
-            </a:pathLst>
-          </a:custGeom>
-          <a:noFill/>
-          <a:ln w="9525" cap="flat" cmpd="sng">
-            <a:solidFill>
-              <a:srgbClr val="000000"/>
-            </a:solidFill>
-            <a:prstDash val="solid"/>
-            <a:round/>
-            <a:headEnd type="none" w="sm" len="sm"/>
-            <a:tailEnd type="none" w="sm" len="sm"/>
-          </a:ln>
-        </p:spPr>
-      </p:sp>
-      <p:sp>
-        <p:nvSpPr>
-          <p:cNvPr id="240" name="Google Shape;240;p27:notes"/>
-          <p:cNvSpPr txBox="1">
-            <a:spLocks noGrp="1"/>
-          </p:cNvSpPr>
-          <p:nvPr>
-            <p:ph type="body" idx="1"/>
-          </p:nvPr>
-        </p:nvSpPr>
-        <p:spPr>
-          <a:xfrm>
-            <a:off x="685800" y="4343400"/>
-            <a:ext cx="5486400" cy="4114800"/>
-          </a:xfrm>
-          <a:prstGeom prst="rect">
-            <a:avLst/>
-          </a:prstGeom>
-          <a:noFill/>
-          <a:ln>
-            <a:noFill/>
-          </a:ln>
-        </p:spPr>
-        <p:txBody>
-          <a:bodyPr spcFirstLastPara="1" wrap="square" lIns="91425" tIns="91425" rIns="91425" bIns="91425" anchor="t" anchorCtr="0">
-            <a:noAutofit/>
-          </a:bodyPr>
-          <a:lstStyle/>
-          <a:p>
-            <a:pPr marL="0" lvl="0" indent="0" algn="l" rtl="0">
-              <a:lnSpc>
-                <a:spcPct val="100000"/>
-              </a:lnSpc>
-              <a:spcBef>
-                <a:spcPts val="0"/>
-              </a:spcBef>
-              <a:spcAft>
-                <a:spcPts val="0"/>
-              </a:spcAft>
-              <a:buSzPts val="1100"/>
-              <a:buNone/>
-            </a:pPr>
-            <a:endParaRPr/>
-          </a:p>
-        </p:txBody>
-      </p:sp>
-    </p:spTree>
-    <p:extLst>
-      <p:ext uri="{BB962C8B-B14F-4D97-AF65-F5344CB8AC3E}">
-        <p14:creationId xmlns:p14="http://schemas.microsoft.com/office/powerpoint/2010/main" val="2600987471"/>
       </p:ext>
     </p:extLst>
   </p:cSld>
@@ -1494,7 +1495,7 @@
     </p:spTree>
     <p:extLst>
       <p:ext uri="{BB962C8B-B14F-4D97-AF65-F5344CB8AC3E}">
-        <p14:creationId xmlns:p14="http://schemas.microsoft.com/office/powerpoint/2010/main" val="1859044309"/>
+        <p14:creationId xmlns:p14="http://schemas.microsoft.com/office/powerpoint/2010/main" val="2600987471"/>
       </p:ext>
     </p:extLst>
   </p:cSld>
@@ -1621,7 +1622,7 @@
     </p:spTree>
     <p:extLst>
       <p:ext uri="{BB962C8B-B14F-4D97-AF65-F5344CB8AC3E}">
-        <p14:creationId xmlns:p14="http://schemas.microsoft.com/office/powerpoint/2010/main" val="3633571054"/>
+        <p14:creationId xmlns:p14="http://schemas.microsoft.com/office/powerpoint/2010/main" val="1859044309"/>
       </p:ext>
     </p:extLst>
   </p:cSld>
@@ -1748,7 +1749,7 @@
     </p:spTree>
     <p:extLst>
       <p:ext uri="{BB962C8B-B14F-4D97-AF65-F5344CB8AC3E}">
-        <p14:creationId xmlns:p14="http://schemas.microsoft.com/office/powerpoint/2010/main" val="4075078435"/>
+        <p14:creationId xmlns:p14="http://schemas.microsoft.com/office/powerpoint/2010/main" val="3633571054"/>
       </p:ext>
     </p:extLst>
   </p:cSld>
@@ -1875,6 +1876,133 @@
     </p:spTree>
     <p:extLst>
       <p:ext uri="{BB962C8B-B14F-4D97-AF65-F5344CB8AC3E}">
+        <p14:creationId xmlns:p14="http://schemas.microsoft.com/office/powerpoint/2010/main" val="4075078435"/>
+      </p:ext>
+    </p:extLst>
+  </p:cSld>
+  <p:clrMapOvr>
+    <a:masterClrMapping/>
+  </p:clrMapOvr>
+</p:notes>
+</file>
+
+<file path=ppt/notesSlides/notesSlide17.xml><?xml version="1.0" encoding="utf-8"?>
+<p:notes xmlns:a="http://schemas.openxmlformats.org/drawingml/2006/main" xmlns:r="http://schemas.openxmlformats.org/officeDocument/2006/relationships" xmlns:p="http://schemas.openxmlformats.org/presentationml/2006/main" showMasterSp="0" showMasterPhAnim="0">
+  <p:cSld>
+    <p:spTree>
+      <p:nvGrpSpPr>
+        <p:cNvPr id="1" name="Shape 238"/>
+        <p:cNvGrpSpPr/>
+        <p:nvPr/>
+      </p:nvGrpSpPr>
+      <p:grpSpPr>
+        <a:xfrm>
+          <a:off x="0" y="0"/>
+          <a:ext cx="0" cy="0"/>
+          <a:chOff x="0" y="0"/>
+          <a:chExt cx="0" cy="0"/>
+        </a:xfrm>
+      </p:grpSpPr>
+      <p:sp>
+        <p:nvSpPr>
+          <p:cNvPr id="239" name="Google Shape;239;p27:notes"/>
+          <p:cNvSpPr>
+            <a:spLocks noGrp="1" noRot="1" noChangeAspect="1"/>
+          </p:cNvSpPr>
+          <p:nvPr>
+            <p:ph type="sldImg" idx="2"/>
+          </p:nvPr>
+        </p:nvSpPr>
+        <p:spPr>
+          <a:xfrm>
+            <a:off x="381000" y="685800"/>
+            <a:ext cx="6096000" cy="3429000"/>
+          </a:xfrm>
+          <a:custGeom>
+            <a:avLst/>
+            <a:gdLst/>
+            <a:ahLst/>
+            <a:cxnLst/>
+            <a:rect l="l" t="t" r="r" b="b"/>
+            <a:pathLst>
+              <a:path w="120000" h="120000" extrusionOk="0">
+                <a:moveTo>
+                  <a:pt x="0" y="0"/>
+                </a:moveTo>
+                <a:lnTo>
+                  <a:pt x="120000" y="0"/>
+                </a:lnTo>
+                <a:lnTo>
+                  <a:pt x="120000" y="120000"/>
+                </a:lnTo>
+                <a:lnTo>
+                  <a:pt x="0" y="120000"/>
+                </a:lnTo>
+                <a:close/>
+              </a:path>
+            </a:pathLst>
+          </a:custGeom>
+          <a:noFill/>
+          <a:ln w="9525" cap="flat" cmpd="sng">
+            <a:solidFill>
+              <a:srgbClr val="000000"/>
+            </a:solidFill>
+            <a:prstDash val="solid"/>
+            <a:round/>
+            <a:headEnd type="none" w="sm" len="sm"/>
+            <a:tailEnd type="none" w="sm" len="sm"/>
+          </a:ln>
+        </p:spPr>
+      </p:sp>
+      <p:sp>
+        <p:nvSpPr>
+          <p:cNvPr id="240" name="Google Shape;240;p27:notes"/>
+          <p:cNvSpPr txBox="1">
+            <a:spLocks noGrp="1"/>
+          </p:cNvSpPr>
+          <p:nvPr>
+            <p:ph type="body" idx="1"/>
+          </p:nvPr>
+        </p:nvSpPr>
+        <p:spPr>
+          <a:xfrm>
+            <a:off x="685800" y="4343400"/>
+            <a:ext cx="5486400" cy="4114800"/>
+          </a:xfrm>
+          <a:prstGeom prst="rect">
+            <a:avLst/>
+          </a:prstGeom>
+          <a:noFill/>
+          <a:ln>
+            <a:noFill/>
+          </a:ln>
+        </p:spPr>
+        <p:txBody>
+          <a:bodyPr spcFirstLastPara="1" wrap="square" lIns="91425" tIns="91425" rIns="91425" bIns="91425" anchor="t" anchorCtr="0">
+            <a:noAutofit/>
+          </a:bodyPr>
+          <a:lstStyle/>
+          <a:p>
+            <a:pPr marL="0" lvl="0" indent="0" algn="l" rtl="0">
+              <a:lnSpc>
+                <a:spcPct val="100000"/>
+              </a:lnSpc>
+              <a:spcBef>
+                <a:spcPts val="0"/>
+              </a:spcBef>
+              <a:spcAft>
+                <a:spcPts val="0"/>
+              </a:spcAft>
+              <a:buSzPts val="1100"/>
+              <a:buNone/>
+            </a:pPr>
+            <a:endParaRPr/>
+          </a:p>
+        </p:txBody>
+      </p:sp>
+    </p:spTree>
+    <p:extLst>
+      <p:ext uri="{BB962C8B-B14F-4D97-AF65-F5344CB8AC3E}">
         <p14:creationId xmlns:p14="http://schemas.microsoft.com/office/powerpoint/2010/main" val="1244719655"/>
       </p:ext>
     </p:extLst>
@@ -1885,7 +2013,7 @@
 </p:notes>
 </file>
 
-<file path=ppt/notesSlides/notesSlide17.xml><?xml version="1.0" encoding="utf-8"?>
+<file path=ppt/notesSlides/notesSlide18.xml><?xml version="1.0" encoding="utf-8"?>
 <p:notes xmlns:a="http://schemas.openxmlformats.org/drawingml/2006/main" xmlns:r="http://schemas.openxmlformats.org/officeDocument/2006/relationships" xmlns:p="http://schemas.openxmlformats.org/presentationml/2006/main" showMasterSp="0" showMasterPhAnim="0">
   <p:cSld>
     <p:spTree>
@@ -2886,7 +3014,7 @@
     </p:spTree>
     <p:extLst>
       <p:ext uri="{BB962C8B-B14F-4D97-AF65-F5344CB8AC3E}">
-        <p14:creationId xmlns:p14="http://schemas.microsoft.com/office/powerpoint/2010/main" val="13898844"/>
+        <p14:creationId xmlns:p14="http://schemas.microsoft.com/office/powerpoint/2010/main" val="2750118492"/>
       </p:ext>
     </p:extLst>
   </p:cSld>
@@ -3013,7 +3141,7 @@
     </p:spTree>
     <p:extLst>
       <p:ext uri="{BB962C8B-B14F-4D97-AF65-F5344CB8AC3E}">
-        <p14:creationId xmlns:p14="http://schemas.microsoft.com/office/powerpoint/2010/main" val="2508137300"/>
+        <p14:creationId xmlns:p14="http://schemas.microsoft.com/office/powerpoint/2010/main" val="13898844"/>
       </p:ext>
     </p:extLst>
   </p:cSld>
@@ -10234,6 +10362,553 @@
                 <a:cs typeface="Microsoft JhengHei"/>
                 <a:sym typeface="Microsoft JhengHei"/>
               </a:rPr>
+              <a:t>Codebook making</a:t>
+            </a:r>
+            <a:endParaRPr dirty="0">
+              <a:latin typeface="Microsoft JhengHei"/>
+              <a:ea typeface="Microsoft JhengHei"/>
+              <a:cs typeface="Microsoft JhengHei"/>
+              <a:sym typeface="Microsoft JhengHei"/>
+            </a:endParaRPr>
+          </a:p>
+        </p:txBody>
+      </p:sp>
+      <p:sp>
+        <p:nvSpPr>
+          <p:cNvPr id="243" name="Google Shape;243;p37"/>
+          <p:cNvSpPr txBox="1">
+            <a:spLocks noGrp="1"/>
+          </p:cNvSpPr>
+          <p:nvPr>
+            <p:ph type="body" idx="1"/>
+          </p:nvPr>
+        </p:nvSpPr>
+        <p:spPr>
+          <a:xfrm>
+            <a:off x="311699" y="1152475"/>
+            <a:ext cx="8637319" cy="3416400"/>
+          </a:xfrm>
+          <a:prstGeom prst="rect">
+            <a:avLst/>
+          </a:prstGeom>
+          <a:noFill/>
+          <a:ln>
+            <a:noFill/>
+          </a:ln>
+        </p:spPr>
+        <p:txBody>
+          <a:bodyPr spcFirstLastPara="1" wrap="square" lIns="91425" tIns="91425" rIns="91425" bIns="91425" anchor="t" anchorCtr="0">
+            <a:noAutofit/>
+          </a:bodyPr>
+          <a:lstStyle/>
+          <a:p>
+            <a:pPr marL="457200" lvl="0" indent="-342900" algn="l" rtl="0">
+              <a:lnSpc>
+                <a:spcPct val="115000"/>
+              </a:lnSpc>
+              <a:spcBef>
+                <a:spcPts val="0"/>
+              </a:spcBef>
+              <a:spcAft>
+                <a:spcPts val="0"/>
+              </a:spcAft>
+              <a:buSzPts val="1800"/>
+              <a:buChar char="●"/>
+            </a:pPr>
+            <a:r>
+              <a:rPr lang="zh-TW" altLang="en-US" dirty="0">
+                <a:solidFill>
+                  <a:schemeClr val="tx1"/>
+                </a:solidFill>
+              </a:rPr>
+              <a:t>打開被你解壓縮的資料夾內部 </a:t>
+            </a:r>
+            <a:r>
+              <a:rPr lang="en-US" altLang="zh-TW" dirty="0">
+                <a:solidFill>
+                  <a:schemeClr val="tx1"/>
+                </a:solidFill>
+              </a:rPr>
+              <a:t>&gt; </a:t>
+            </a:r>
+            <a:r>
+              <a:rPr lang="zh-TW" altLang="en-US" dirty="0">
+                <a:solidFill>
+                  <a:schemeClr val="tx1"/>
+                </a:solidFill>
+              </a:rPr>
+              <a:t>把「顯示副檔名」的設定打開 </a:t>
+            </a:r>
+            <a:r>
+              <a:rPr lang="en-US" altLang="zh-TW" dirty="0">
+                <a:solidFill>
+                  <a:schemeClr val="tx1"/>
+                </a:solidFill>
+              </a:rPr>
+              <a:t>&gt; </a:t>
+            </a:r>
+            <a:r>
+              <a:rPr lang="zh-TW" altLang="en-US" dirty="0">
+                <a:solidFill>
+                  <a:schemeClr val="tx1"/>
+                </a:solidFill>
+              </a:rPr>
+              <a:t>用</a:t>
+            </a:r>
+            <a:r>
+              <a:rPr lang="en-US" altLang="zh-TW" dirty="0">
+                <a:solidFill>
+                  <a:schemeClr val="tx1"/>
+                </a:solidFill>
+              </a:rPr>
+              <a:t>texwork</a:t>
+            </a:r>
+            <a:r>
+              <a:rPr lang="zh-TW" altLang="en-US" dirty="0">
+                <a:solidFill>
+                  <a:schemeClr val="tx1"/>
+                </a:solidFill>
+              </a:rPr>
+              <a:t>打開</a:t>
+            </a:r>
+            <a:r>
+              <a:rPr lang="en-US" altLang="zh-TW" dirty="0" err="1">
+                <a:solidFill>
+                  <a:schemeClr val="tx1"/>
+                </a:solidFill>
+              </a:rPr>
+              <a:t>codebook.tex</a:t>
+            </a:r>
+            <a:r>
+              <a:rPr lang="en-US" altLang="zh-TW" dirty="0">
+                <a:solidFill>
+                  <a:schemeClr val="tx1"/>
+                </a:solidFill>
+              </a:rPr>
+              <a:t> </a:t>
+            </a:r>
+          </a:p>
+          <a:p>
+            <a:pPr marL="457200" lvl="0" indent="-342900" algn="l" rtl="0">
+              <a:lnSpc>
+                <a:spcPct val="115000"/>
+              </a:lnSpc>
+              <a:spcBef>
+                <a:spcPts val="0"/>
+              </a:spcBef>
+              <a:spcAft>
+                <a:spcPts val="0"/>
+              </a:spcAft>
+              <a:buSzPts val="1800"/>
+              <a:buChar char="●"/>
+            </a:pPr>
+            <a:r>
+              <a:rPr lang="zh-TW" altLang="en-US" dirty="0">
+                <a:solidFill>
+                  <a:schemeClr val="tx1"/>
+                </a:solidFill>
+              </a:rPr>
+              <a:t>會出現一個一左一右的畫面，左邊是</a:t>
+            </a:r>
+            <a:r>
+              <a:rPr lang="en-US" altLang="zh-TW" dirty="0">
+                <a:solidFill>
+                  <a:schemeClr val="tx1"/>
+                </a:solidFill>
+              </a:rPr>
+              <a:t>script</a:t>
+            </a:r>
+            <a:r>
+              <a:rPr lang="zh-TW" altLang="en-US" dirty="0">
+                <a:solidFill>
+                  <a:schemeClr val="tx1"/>
+                </a:solidFill>
+              </a:rPr>
+              <a:t>，右邊是目前的</a:t>
+            </a:r>
+            <a:r>
+              <a:rPr lang="en-US" altLang="zh-TW" dirty="0">
+                <a:solidFill>
+                  <a:schemeClr val="tx1"/>
+                </a:solidFill>
+              </a:rPr>
+              <a:t>pdf</a:t>
+            </a:r>
+          </a:p>
+          <a:p>
+            <a:pPr marL="457200" lvl="0" indent="-342900" algn="l" rtl="0">
+              <a:lnSpc>
+                <a:spcPct val="115000"/>
+              </a:lnSpc>
+              <a:spcBef>
+                <a:spcPts val="0"/>
+              </a:spcBef>
+              <a:spcAft>
+                <a:spcPts val="0"/>
+              </a:spcAft>
+              <a:buSzPts val="1800"/>
+              <a:buChar char="●"/>
+            </a:pPr>
+            <a:endParaRPr lang="en-US" altLang="zh-TW" dirty="0">
+              <a:solidFill>
+                <a:schemeClr val="tx1"/>
+              </a:solidFill>
+            </a:endParaRPr>
+          </a:p>
+          <a:p>
+            <a:pPr marL="457200" lvl="0" indent="-342900" algn="l" rtl="0">
+              <a:lnSpc>
+                <a:spcPct val="115000"/>
+              </a:lnSpc>
+              <a:spcBef>
+                <a:spcPts val="0"/>
+              </a:spcBef>
+              <a:spcAft>
+                <a:spcPts val="0"/>
+              </a:spcAft>
+              <a:buSzPts val="1800"/>
+              <a:buChar char="●"/>
+            </a:pPr>
+            <a:r>
+              <a:rPr lang="zh-TW" altLang="en-US" dirty="0">
+                <a:solidFill>
+                  <a:schemeClr val="tx1"/>
+                </a:solidFill>
+              </a:rPr>
+              <a:t>選擇</a:t>
+            </a:r>
+            <a:r>
+              <a:rPr lang="en-US" altLang="zh-TW" dirty="0" err="1">
+                <a:solidFill>
+                  <a:schemeClr val="tx1"/>
+                </a:solidFill>
+              </a:rPr>
+              <a:t>Xelatex</a:t>
+            </a:r>
+            <a:r>
+              <a:rPr lang="zh-TW" altLang="en-US" dirty="0">
+                <a:solidFill>
+                  <a:schemeClr val="tx1"/>
+                </a:solidFill>
+              </a:rPr>
+              <a:t>，然後按 </a:t>
+            </a:r>
+            <a:r>
+              <a:rPr lang="en-US" altLang="zh-TW" dirty="0">
+                <a:solidFill>
+                  <a:schemeClr val="tx1"/>
+                </a:solidFill>
+              </a:rPr>
+              <a:t>texwork </a:t>
+            </a:r>
+            <a:r>
+              <a:rPr lang="zh-TW" altLang="en-US" dirty="0">
+                <a:solidFill>
+                  <a:schemeClr val="tx1"/>
+                </a:solidFill>
+              </a:rPr>
+              <a:t>的播放，過程中出現彈跳視窗要你裝就給他裝</a:t>
+            </a:r>
+            <a:endParaRPr lang="en-US" altLang="zh-TW" dirty="0">
+              <a:solidFill>
+                <a:schemeClr val="tx1"/>
+              </a:solidFill>
+            </a:endParaRPr>
+          </a:p>
+          <a:p>
+            <a:pPr marL="457200" lvl="0" indent="-342900" algn="l" rtl="0">
+              <a:lnSpc>
+                <a:spcPct val="115000"/>
+              </a:lnSpc>
+              <a:spcBef>
+                <a:spcPts val="0"/>
+              </a:spcBef>
+              <a:spcAft>
+                <a:spcPts val="0"/>
+              </a:spcAft>
+              <a:buSzPts val="1800"/>
+              <a:buChar char="●"/>
+            </a:pPr>
+            <a:r>
+              <a:rPr lang="zh-TW" altLang="en-US" dirty="0">
+                <a:solidFill>
+                  <a:schemeClr val="tx1"/>
+                </a:solidFill>
+              </a:rPr>
+              <a:t>完事右邊會出現新的 </a:t>
+            </a:r>
+            <a:r>
+              <a:rPr lang="en-US" altLang="zh-TW" dirty="0">
+                <a:solidFill>
+                  <a:schemeClr val="tx1"/>
+                </a:solidFill>
+              </a:rPr>
+              <a:t>codebook</a:t>
+            </a:r>
+            <a:r>
+              <a:rPr lang="zh-TW" altLang="en-US" dirty="0">
+                <a:solidFill>
+                  <a:schemeClr val="tx1"/>
+                </a:solidFill>
+              </a:rPr>
+              <a:t>，檢查一下出來的 </a:t>
+            </a:r>
+            <a:r>
+              <a:rPr lang="en-US" altLang="zh-TW" dirty="0">
+                <a:solidFill>
+                  <a:schemeClr val="tx1"/>
+                </a:solidFill>
+              </a:rPr>
+              <a:t>pdf </a:t>
+            </a:r>
+            <a:r>
+              <a:rPr lang="zh-TW" altLang="en-US" dirty="0">
+                <a:solidFill>
+                  <a:schemeClr val="tx1"/>
+                </a:solidFill>
+              </a:rPr>
+              <a:t>右上角是不是今天日期。</a:t>
+            </a:r>
+            <a:endParaRPr lang="en-US" altLang="zh-TW" dirty="0">
+              <a:solidFill>
+                <a:schemeClr val="tx1"/>
+              </a:solidFill>
+            </a:endParaRPr>
+          </a:p>
+          <a:p>
+            <a:pPr marL="457200" lvl="0" indent="-342900" algn="l" rtl="0">
+              <a:lnSpc>
+                <a:spcPct val="115000"/>
+              </a:lnSpc>
+              <a:spcBef>
+                <a:spcPts val="0"/>
+              </a:spcBef>
+              <a:spcAft>
+                <a:spcPts val="0"/>
+              </a:spcAft>
+              <a:buSzPts val="1800"/>
+              <a:buChar char="●"/>
+            </a:pPr>
+            <a:r>
+              <a:rPr lang="zh-TW" altLang="en-US" dirty="0">
+                <a:solidFill>
+                  <a:schemeClr val="tx1"/>
+                </a:solidFill>
+              </a:rPr>
+              <a:t>有時候會出現跑出來的 </a:t>
+            </a:r>
+            <a:r>
+              <a:rPr lang="en-US" altLang="zh-TW" dirty="0">
+                <a:solidFill>
+                  <a:schemeClr val="tx1"/>
+                </a:solidFill>
+              </a:rPr>
+              <a:t>codebook </a:t>
+            </a:r>
+            <a:r>
+              <a:rPr lang="zh-TW" altLang="en-US" dirty="0">
+                <a:solidFill>
+                  <a:schemeClr val="tx1"/>
+                </a:solidFill>
+              </a:rPr>
+              <a:t>沒有目錄的情形，重跑就好。</a:t>
+            </a:r>
+            <a:r>
+              <a:rPr lang="en-US" altLang="zh-TW" dirty="0">
+                <a:solidFill>
+                  <a:schemeClr val="tx1"/>
+                </a:solidFill>
+              </a:rPr>
+              <a:t>	</a:t>
+            </a:r>
+          </a:p>
+          <a:p>
+            <a:pPr marL="457200" lvl="0" indent="-342900" algn="l" rtl="0">
+              <a:lnSpc>
+                <a:spcPct val="115000"/>
+              </a:lnSpc>
+              <a:spcBef>
+                <a:spcPts val="0"/>
+              </a:spcBef>
+              <a:spcAft>
+                <a:spcPts val="0"/>
+              </a:spcAft>
+              <a:buSzPts val="1800"/>
+              <a:buChar char="●"/>
+            </a:pPr>
+            <a:endParaRPr lang="en-US" altLang="zh-TW" dirty="0">
+              <a:solidFill>
+                <a:schemeClr val="tx1"/>
+              </a:solidFill>
+            </a:endParaRPr>
+          </a:p>
+          <a:p>
+            <a:pPr marL="457200" lvl="0" indent="-342900" algn="l" rtl="0">
+              <a:lnSpc>
+                <a:spcPct val="115000"/>
+              </a:lnSpc>
+              <a:spcBef>
+                <a:spcPts val="0"/>
+              </a:spcBef>
+              <a:spcAft>
+                <a:spcPts val="0"/>
+              </a:spcAft>
+              <a:buSzPts val="1800"/>
+              <a:buChar char="●"/>
+            </a:pPr>
+            <a:endParaRPr lang="en-US" altLang="zh-TW" dirty="0"/>
+          </a:p>
+          <a:p>
+            <a:pPr marL="457200" lvl="0" indent="-342900" algn="l" rtl="0">
+              <a:lnSpc>
+                <a:spcPct val="115000"/>
+              </a:lnSpc>
+              <a:spcBef>
+                <a:spcPts val="0"/>
+              </a:spcBef>
+              <a:spcAft>
+                <a:spcPts val="0"/>
+              </a:spcAft>
+              <a:buSzPts val="1800"/>
+              <a:buChar char="●"/>
+            </a:pPr>
+            <a:endParaRPr lang="en-US" altLang="zh-TW" dirty="0"/>
+          </a:p>
+          <a:p>
+            <a:pPr marL="457200" lvl="0" indent="-342900" algn="l" rtl="0">
+              <a:lnSpc>
+                <a:spcPct val="115000"/>
+              </a:lnSpc>
+              <a:spcBef>
+                <a:spcPts val="0"/>
+              </a:spcBef>
+              <a:spcAft>
+                <a:spcPts val="0"/>
+              </a:spcAft>
+              <a:buSzPts val="1800"/>
+              <a:buChar char="●"/>
+            </a:pPr>
+            <a:endParaRPr dirty="0"/>
+          </a:p>
+        </p:txBody>
+      </p:sp>
+      <p:sp>
+        <p:nvSpPr>
+          <p:cNvPr id="2" name="投影片編號版面配置區 1">
+            <a:extLst>
+              <a:ext uri="{FF2B5EF4-FFF2-40B4-BE49-F238E27FC236}">
+                <a16:creationId xmlns:a16="http://schemas.microsoft.com/office/drawing/2014/main" id="{E5F2B600-0B8E-4FD9-BC4F-8E04A1563A49}"/>
+              </a:ext>
+            </a:extLst>
+          </p:cNvPr>
+          <p:cNvSpPr>
+            <a:spLocks noGrp="1"/>
+          </p:cNvSpPr>
+          <p:nvPr>
+            <p:ph type="sldNum" idx="12"/>
+          </p:nvPr>
+        </p:nvSpPr>
+        <p:spPr/>
+        <p:txBody>
+          <a:bodyPr/>
+          <a:lstStyle/>
+          <a:p>
+            <a:pPr marL="0" lvl="0" indent="0" algn="r" rtl="0">
+              <a:spcBef>
+                <a:spcPts val="0"/>
+              </a:spcBef>
+              <a:spcAft>
+                <a:spcPts val="0"/>
+              </a:spcAft>
+              <a:buNone/>
+            </a:pPr>
+            <a:fld id="{00000000-1234-1234-1234-123412341234}" type="slidenum">
+              <a:rPr lang="en-US" smtClean="0"/>
+              <a:t>10</a:t>
+            </a:fld>
+            <a:endParaRPr lang="en-US"/>
+          </a:p>
+        </p:txBody>
+      </p:sp>
+    </p:spTree>
+    <p:extLst>
+      <p:ext uri="{BB962C8B-B14F-4D97-AF65-F5344CB8AC3E}">
+        <p14:creationId xmlns:p14="http://schemas.microsoft.com/office/powerpoint/2010/main" val="2379089085"/>
+      </p:ext>
+    </p:extLst>
+  </p:cSld>
+  <p:clrMapOvr>
+    <a:masterClrMapping/>
+  </p:clrMapOvr>
+</p:sld>
+</file>
+
+<file path=ppt/slides/slide11.xml><?xml version="1.0" encoding="utf-8"?>
+<p:sld xmlns:a="http://schemas.openxmlformats.org/drawingml/2006/main" xmlns:r="http://schemas.openxmlformats.org/officeDocument/2006/relationships" xmlns:p="http://schemas.openxmlformats.org/presentationml/2006/main">
+  <p:cSld>
+    <p:spTree>
+      <p:nvGrpSpPr>
+        <p:cNvPr id="1" name="Shape 241"/>
+        <p:cNvGrpSpPr/>
+        <p:nvPr/>
+      </p:nvGrpSpPr>
+      <p:grpSpPr>
+        <a:xfrm>
+          <a:off x="0" y="0"/>
+          <a:ext cx="0" cy="0"/>
+          <a:chOff x="0" y="0"/>
+          <a:chExt cx="0" cy="0"/>
+        </a:xfrm>
+      </p:grpSpPr>
+      <p:sp>
+        <p:nvSpPr>
+          <p:cNvPr id="242" name="Google Shape;242;p37"/>
+          <p:cNvSpPr txBox="1">
+            <a:spLocks noGrp="1"/>
+          </p:cNvSpPr>
+          <p:nvPr>
+            <p:ph type="title"/>
+          </p:nvPr>
+        </p:nvSpPr>
+        <p:spPr>
+          <a:xfrm>
+            <a:off x="311700" y="445025"/>
+            <a:ext cx="8520600" cy="572700"/>
+          </a:xfrm>
+          <a:prstGeom prst="rect">
+            <a:avLst/>
+          </a:prstGeom>
+          <a:noFill/>
+          <a:ln>
+            <a:noFill/>
+          </a:ln>
+        </p:spPr>
+        <p:txBody>
+          <a:bodyPr spcFirstLastPara="1" wrap="square" lIns="91425" tIns="91425" rIns="91425" bIns="91425" anchor="t" anchorCtr="0">
+            <a:noAutofit/>
+          </a:bodyPr>
+          <a:lstStyle/>
+          <a:p>
+            <a:pPr marL="0" lvl="0" indent="0" algn="l" rtl="0">
+              <a:lnSpc>
+                <a:spcPct val="100000"/>
+              </a:lnSpc>
+              <a:spcBef>
+                <a:spcPts val="0"/>
+              </a:spcBef>
+              <a:spcAft>
+                <a:spcPts val="0"/>
+              </a:spcAft>
+              <a:buSzPts val="2800"/>
+              <a:buNone/>
+            </a:pPr>
+            <a:r>
+              <a:rPr lang="en-US" altLang="zh-TW" dirty="0">
+                <a:latin typeface="Microsoft JhengHei"/>
+                <a:ea typeface="Microsoft JhengHei"/>
+                <a:cs typeface="Microsoft JhengHei"/>
+                <a:sym typeface="Microsoft JhengHei"/>
+              </a:rPr>
               <a:t>Codebook editing</a:t>
             </a:r>
             <a:endParaRPr dirty="0">
@@ -10293,7 +10968,7 @@
                   <a:schemeClr val="tx1"/>
                 </a:solidFill>
               </a:rPr>
-              <a:t>打開專案資料夾的</a:t>
+              <a:t>打開專案資料夾的 </a:t>
             </a:r>
             <a:r>
               <a:rPr lang="en-US" altLang="zh-TW" dirty="0" err="1">
@@ -10317,7 +10992,7 @@
                   <a:schemeClr val="tx1"/>
                 </a:solidFill>
               </a:rPr>
-              <a:t>\section</a:t>
+              <a:t>\section </a:t>
             </a:r>
             <a:r>
               <a:rPr lang="zh-TW" altLang="en-US" dirty="0">
@@ -10341,7 +11016,7 @@
                   <a:schemeClr val="tx1"/>
                 </a:solidFill>
               </a:rPr>
-              <a:t>就是每個小概念</a:t>
+              <a:t>就是每個小概念 </a:t>
             </a:r>
             <a:r>
               <a:rPr lang="en-US" altLang="zh-TW" dirty="0" err="1">
@@ -10352,6 +11027,14 @@
               <a:t>templete</a:t>
             </a:r>
             <a:r>
+              <a:rPr lang="en-US" altLang="zh-TW" dirty="0">
+                <a:solidFill>
+                  <a:schemeClr val="tx1"/>
+                </a:solidFill>
+              </a:rPr>
+              <a:t> </a:t>
+            </a:r>
+            <a:r>
               <a:rPr lang="zh-TW" altLang="en-US" dirty="0">
                 <a:solidFill>
                   <a:schemeClr val="tx1"/>
@@ -10373,6 +11056,10 @@
             <a:r>
               <a:rPr lang="en-US" altLang="zh-TW" dirty="0" err="1"/>
               <a:t>lstinputlisting</a:t>
+            </a:r>
+            <a:r>
+              <a:rPr lang="en-US" altLang="zh-TW" dirty="0"/>
+              <a:t> </a:t>
             </a:r>
             <a:r>
               <a:rPr lang="zh-TW" altLang="en-US" dirty="0"/>
@@ -10476,7 +11163,7 @@
                   <a:srgbClr val="FF0000"/>
                 </a:solidFill>
               </a:rPr>
-              <a:t>改 </a:t>
+              <a:t>改</a:t>
             </a:r>
             <a:r>
               <a:rPr lang="en-US" altLang="zh-TW" dirty="0">
@@ -10484,7 +11171,7 @@
                   <a:srgbClr val="FF0000"/>
                 </a:solidFill>
               </a:rPr>
-              <a:t>codebook </a:t>
+              <a:t>codebook</a:t>
             </a:r>
             <a:r>
               <a:rPr lang="zh-TW" altLang="en-US" dirty="0">
@@ -10492,7 +11179,7 @@
                   <a:srgbClr val="FF0000"/>
                 </a:solidFill>
               </a:rPr>
-              <a:t>本身的格式，</a:t>
+              <a:t>格式，</a:t>
             </a:r>
             <a:r>
               <a:rPr lang="en-US" altLang="zh-TW" dirty="0" err="1">
@@ -10516,23 +11203,7 @@
                   <a:srgbClr val="FF0000"/>
                 </a:solidFill>
               </a:rPr>
-              <a:t>改 </a:t>
-            </a:r>
-            <a:r>
-              <a:rPr lang="en-US" altLang="zh-TW" dirty="0">
-                <a:solidFill>
-                  <a:srgbClr val="FF0000"/>
-                </a:solidFill>
-              </a:rPr>
-              <a:t>codebook </a:t>
-            </a:r>
-            <a:r>
-              <a:rPr lang="zh-TW" altLang="en-US" dirty="0">
-                <a:solidFill>
-                  <a:srgbClr val="FF0000"/>
-                </a:solidFill>
-              </a:rPr>
-              <a:t>的內容</a:t>
+              <a:t>改編排順序</a:t>
             </a:r>
             <a:endParaRPr lang="en-US" altLang="zh-TW" dirty="0">
               <a:solidFill>
@@ -10622,7 +11293,7 @@
             </a:pPr>
             <a:fld id="{00000000-1234-1234-1234-123412341234}" type="slidenum">
               <a:rPr lang="en-US" smtClean="0"/>
-              <a:t>10</a:t>
+              <a:t>11</a:t>
             </a:fld>
             <a:endParaRPr lang="en-US"/>
           </a:p>
@@ -10641,7 +11312,7 @@
 </p:sld>
 </file>
 
-<file path=ppt/slides/slide11.xml><?xml version="1.0" encoding="utf-8"?>
+<file path=ppt/slides/slide12.xml><?xml version="1.0" encoding="utf-8"?>
 <p:sld xmlns:a="http://schemas.openxmlformats.org/drawingml/2006/main" xmlns:r="http://schemas.openxmlformats.org/officeDocument/2006/relationships" xmlns:p="http://schemas.openxmlformats.org/presentationml/2006/main">
   <p:cSld>
     <p:spTree>
@@ -10776,379 +11447,6 @@
     <p:extLst>
       <p:ext uri="{BB962C8B-B14F-4D97-AF65-F5344CB8AC3E}">
         <p14:creationId xmlns:p14="http://schemas.microsoft.com/office/powerpoint/2010/main" val="1903965547"/>
-      </p:ext>
-    </p:extLst>
-  </p:cSld>
-  <p:clrMapOvr>
-    <a:masterClrMapping/>
-  </p:clrMapOvr>
-</p:sld>
-</file>
-
-<file path=ppt/slides/slide12.xml><?xml version="1.0" encoding="utf-8"?>
-<p:sld xmlns:a="http://schemas.openxmlformats.org/drawingml/2006/main" xmlns:r="http://schemas.openxmlformats.org/officeDocument/2006/relationships" xmlns:p="http://schemas.openxmlformats.org/presentationml/2006/main">
-  <p:cSld>
-    <p:spTree>
-      <p:nvGrpSpPr>
-        <p:cNvPr id="1" name="Shape 241"/>
-        <p:cNvGrpSpPr/>
-        <p:nvPr/>
-      </p:nvGrpSpPr>
-      <p:grpSpPr>
-        <a:xfrm>
-          <a:off x="0" y="0"/>
-          <a:ext cx="0" cy="0"/>
-          <a:chOff x="0" y="0"/>
-          <a:chExt cx="0" cy="0"/>
-        </a:xfrm>
-      </p:grpSpPr>
-      <p:sp>
-        <p:nvSpPr>
-          <p:cNvPr id="242" name="Google Shape;242;p37"/>
-          <p:cNvSpPr txBox="1">
-            <a:spLocks noGrp="1"/>
-          </p:cNvSpPr>
-          <p:nvPr>
-            <p:ph type="title"/>
-          </p:nvPr>
-        </p:nvSpPr>
-        <p:spPr>
-          <a:xfrm>
-            <a:off x="311700" y="445025"/>
-            <a:ext cx="8520600" cy="572700"/>
-          </a:xfrm>
-          <a:prstGeom prst="rect">
-            <a:avLst/>
-          </a:prstGeom>
-          <a:noFill/>
-          <a:ln>
-            <a:noFill/>
-          </a:ln>
-        </p:spPr>
-        <p:txBody>
-          <a:bodyPr spcFirstLastPara="1" wrap="square" lIns="91425" tIns="91425" rIns="91425" bIns="91425" anchor="t" anchorCtr="0">
-            <a:noAutofit/>
-          </a:bodyPr>
-          <a:lstStyle/>
-          <a:p>
-            <a:pPr marL="0" lvl="0" indent="0" algn="l" rtl="0">
-              <a:lnSpc>
-                <a:spcPct val="100000"/>
-              </a:lnSpc>
-              <a:spcBef>
-                <a:spcPts val="0"/>
-              </a:spcBef>
-              <a:spcAft>
-                <a:spcPts val="0"/>
-              </a:spcAft>
-              <a:buSzPts val="2800"/>
-              <a:buNone/>
-            </a:pPr>
-            <a:r>
-              <a:rPr lang="en-US" altLang="zh-TW" dirty="0">
-                <a:latin typeface="Microsoft JhengHei"/>
-                <a:ea typeface="Microsoft JhengHei"/>
-                <a:cs typeface="Microsoft JhengHei"/>
-                <a:sym typeface="Microsoft JhengHei"/>
-              </a:rPr>
-              <a:t>Git and </a:t>
-            </a:r>
-            <a:r>
-              <a:rPr lang="en-US" altLang="zh-TW" dirty="0" err="1">
-                <a:latin typeface="Microsoft JhengHei"/>
-                <a:ea typeface="Microsoft JhengHei"/>
-                <a:cs typeface="Microsoft JhengHei"/>
-                <a:sym typeface="Microsoft JhengHei"/>
-              </a:rPr>
-              <a:t>Github</a:t>
-            </a:r>
-            <a:r>
-              <a:rPr lang="en-US" altLang="zh-TW" dirty="0">
-                <a:latin typeface="Microsoft JhengHei"/>
-                <a:ea typeface="Microsoft JhengHei"/>
-                <a:cs typeface="Microsoft JhengHei"/>
-                <a:sym typeface="Microsoft JhengHei"/>
-              </a:rPr>
-              <a:t> intro</a:t>
-            </a:r>
-            <a:endParaRPr dirty="0">
-              <a:latin typeface="Microsoft JhengHei"/>
-              <a:ea typeface="Microsoft JhengHei"/>
-              <a:cs typeface="Microsoft JhengHei"/>
-              <a:sym typeface="Microsoft JhengHei"/>
-            </a:endParaRPr>
-          </a:p>
-        </p:txBody>
-      </p:sp>
-      <p:sp>
-        <p:nvSpPr>
-          <p:cNvPr id="243" name="Google Shape;243;p37"/>
-          <p:cNvSpPr txBox="1">
-            <a:spLocks noGrp="1"/>
-          </p:cNvSpPr>
-          <p:nvPr>
-            <p:ph type="body" idx="1"/>
-          </p:nvPr>
-        </p:nvSpPr>
-        <p:spPr>
-          <a:xfrm>
-            <a:off x="311699" y="1152475"/>
-            <a:ext cx="8658765" cy="3416400"/>
-          </a:xfrm>
-          <a:prstGeom prst="rect">
-            <a:avLst/>
-          </a:prstGeom>
-          <a:noFill/>
-          <a:ln>
-            <a:noFill/>
-          </a:ln>
-        </p:spPr>
-        <p:txBody>
-          <a:bodyPr spcFirstLastPara="1" wrap="square" lIns="91425" tIns="91425" rIns="91425" bIns="91425" anchor="t" anchorCtr="0">
-            <a:noAutofit/>
-          </a:bodyPr>
-          <a:lstStyle/>
-          <a:p>
-            <a:pPr marL="457200" lvl="0" indent="-342900" algn="l" rtl="0">
-              <a:lnSpc>
-                <a:spcPct val="115000"/>
-              </a:lnSpc>
-              <a:spcBef>
-                <a:spcPts val="0"/>
-              </a:spcBef>
-              <a:spcAft>
-                <a:spcPts val="0"/>
-              </a:spcAft>
-              <a:buSzPts val="1800"/>
-              <a:buChar char="●"/>
-            </a:pPr>
-            <a:r>
-              <a:rPr lang="en-US" altLang="zh-TW" dirty="0"/>
-              <a:t>Git </a:t>
-            </a:r>
-            <a:r>
-              <a:rPr lang="zh-TW" altLang="en-US" dirty="0"/>
-              <a:t>是一個分散式版本控制軟體，而 </a:t>
-            </a:r>
-            <a:r>
-              <a:rPr lang="en-US" altLang="zh-TW" dirty="0" err="1"/>
-              <a:t>Github</a:t>
-            </a:r>
-            <a:r>
-              <a:rPr lang="en-US" altLang="zh-TW" dirty="0"/>
-              <a:t> </a:t>
-            </a:r>
-            <a:r>
-              <a:rPr lang="zh-TW" altLang="en-US" dirty="0"/>
-              <a:t>則是透過 </a:t>
-            </a:r>
-            <a:r>
-              <a:rPr lang="en-US" altLang="zh-TW" dirty="0"/>
-              <a:t>Git </a:t>
-            </a:r>
-            <a:r>
-              <a:rPr lang="zh-TW" altLang="en-US" dirty="0"/>
-              <a:t>來保管程式碼的平臺</a:t>
-            </a:r>
-            <a:endParaRPr lang="en-US" altLang="zh-TW" dirty="0"/>
-          </a:p>
-          <a:p>
-            <a:pPr marL="457200" lvl="0" indent="-342900" algn="l" rtl="0">
-              <a:lnSpc>
-                <a:spcPct val="115000"/>
-              </a:lnSpc>
-              <a:spcBef>
-                <a:spcPts val="0"/>
-              </a:spcBef>
-              <a:spcAft>
-                <a:spcPts val="0"/>
-              </a:spcAft>
-              <a:buSzPts val="1800"/>
-              <a:buChar char="●"/>
-            </a:pPr>
-            <a:r>
-              <a:rPr lang="zh-TW" altLang="en-US" dirty="0"/>
-              <a:t>只要會用 </a:t>
-            </a:r>
-            <a:r>
-              <a:rPr lang="en-US" altLang="zh-TW" dirty="0"/>
-              <a:t>Git</a:t>
-            </a:r>
-            <a:r>
-              <a:rPr lang="zh-TW" altLang="en-US" dirty="0"/>
-              <a:t>，就可以在本地端測試完你要的功能，然後再同步到雲端</a:t>
-            </a:r>
-            <a:endParaRPr lang="en-US" altLang="zh-TW" dirty="0"/>
-          </a:p>
-          <a:p>
-            <a:pPr marL="457200" lvl="0" indent="-342900" algn="l" rtl="0">
-              <a:lnSpc>
-                <a:spcPct val="115000"/>
-              </a:lnSpc>
-              <a:spcBef>
-                <a:spcPts val="0"/>
-              </a:spcBef>
-              <a:spcAft>
-                <a:spcPts val="0"/>
-              </a:spcAft>
-              <a:buSzPts val="1800"/>
-              <a:buChar char="●"/>
-            </a:pPr>
-            <a:r>
-              <a:rPr lang="zh-TW" altLang="en-US" dirty="0"/>
-              <a:t>以下將介紹基本 </a:t>
-            </a:r>
-            <a:r>
-              <a:rPr lang="en-US" altLang="zh-TW" dirty="0"/>
-              <a:t>Git </a:t>
-            </a:r>
-            <a:r>
-              <a:rPr lang="zh-TW" altLang="en-US" dirty="0"/>
-              <a:t>的使用方法，以方便各位更新 </a:t>
-            </a:r>
-            <a:r>
-              <a:rPr lang="en-US" altLang="zh-TW" dirty="0"/>
-              <a:t>codebook</a:t>
-            </a:r>
-          </a:p>
-          <a:p>
-            <a:pPr marL="457200" lvl="0" indent="-342900" algn="l" rtl="0">
-              <a:lnSpc>
-                <a:spcPct val="115000"/>
-              </a:lnSpc>
-              <a:spcBef>
-                <a:spcPts val="0"/>
-              </a:spcBef>
-              <a:spcAft>
-                <a:spcPts val="0"/>
-              </a:spcAft>
-              <a:buSzPts val="1800"/>
-              <a:buChar char="●"/>
-            </a:pPr>
-            <a:endParaRPr lang="en-US" altLang="zh-TW" dirty="0"/>
-          </a:p>
-          <a:p>
-            <a:pPr marL="457200" lvl="0" indent="-342900" algn="l" rtl="0">
-              <a:lnSpc>
-                <a:spcPct val="115000"/>
-              </a:lnSpc>
-              <a:spcBef>
-                <a:spcPts val="0"/>
-              </a:spcBef>
-              <a:spcAft>
-                <a:spcPts val="0"/>
-              </a:spcAft>
-              <a:buSzPts val="1800"/>
-              <a:buChar char="●"/>
-            </a:pPr>
-            <a:r>
-              <a:rPr lang="zh-TW" altLang="en-US" dirty="0"/>
-              <a:t>首先，先辦一支 </a:t>
-            </a:r>
-            <a:r>
-              <a:rPr lang="en-US" altLang="zh-TW" dirty="0" err="1"/>
-              <a:t>Github</a:t>
-            </a:r>
-            <a:r>
-              <a:rPr lang="en-US" altLang="zh-TW" dirty="0"/>
-              <a:t> </a:t>
-            </a:r>
-            <a:r>
-              <a:rPr lang="zh-TW" altLang="en-US" dirty="0"/>
-              <a:t>帳號，並且下載 </a:t>
-            </a:r>
-            <a:r>
-              <a:rPr lang="en-US" altLang="zh-TW" dirty="0">
-                <a:hlinkClick r:id="rId3"/>
-              </a:rPr>
-              <a:t>Git for windows</a:t>
-            </a:r>
-            <a:r>
-              <a:rPr lang="en-US" altLang="zh-TW" dirty="0"/>
-              <a:t> </a:t>
-            </a:r>
-            <a:r>
-              <a:rPr lang="zh-TW" altLang="en-US" dirty="0"/>
-              <a:t>且安裝</a:t>
-            </a:r>
-            <a:endParaRPr lang="en-US" altLang="zh-TW" dirty="0"/>
-          </a:p>
-          <a:p>
-            <a:pPr marL="457200" lvl="0" indent="-342900" algn="l" rtl="0">
-              <a:lnSpc>
-                <a:spcPct val="115000"/>
-              </a:lnSpc>
-              <a:spcBef>
-                <a:spcPts val="0"/>
-              </a:spcBef>
-              <a:spcAft>
-                <a:spcPts val="0"/>
-              </a:spcAft>
-              <a:buSzPts val="1800"/>
-              <a:buChar char="●"/>
-            </a:pPr>
-            <a:endParaRPr lang="en-US" altLang="zh-TW" dirty="0"/>
-          </a:p>
-          <a:p>
-            <a:pPr marL="457200" lvl="0" indent="-342900" algn="l" rtl="0">
-              <a:lnSpc>
-                <a:spcPct val="115000"/>
-              </a:lnSpc>
-              <a:spcBef>
-                <a:spcPts val="0"/>
-              </a:spcBef>
-              <a:spcAft>
-                <a:spcPts val="0"/>
-              </a:spcAft>
-              <a:buSzPts val="1800"/>
-              <a:buChar char="●"/>
-            </a:pPr>
-            <a:endParaRPr dirty="0"/>
-          </a:p>
-        </p:txBody>
-      </p:sp>
-      <p:sp>
-        <p:nvSpPr>
-          <p:cNvPr id="2" name="投影片編號版面配置區 1">
-            <a:extLst>
-              <a:ext uri="{FF2B5EF4-FFF2-40B4-BE49-F238E27FC236}">
-                <a16:creationId xmlns:a16="http://schemas.microsoft.com/office/drawing/2014/main" id="{E5F2B600-0B8E-4FD9-BC4F-8E04A1563A49}"/>
-              </a:ext>
-            </a:extLst>
-          </p:cNvPr>
-          <p:cNvSpPr>
-            <a:spLocks noGrp="1"/>
-          </p:cNvSpPr>
-          <p:nvPr>
-            <p:ph type="sldNum" idx="12"/>
-          </p:nvPr>
-        </p:nvSpPr>
-        <p:spPr/>
-        <p:txBody>
-          <a:bodyPr/>
-          <a:lstStyle/>
-          <a:p>
-            <a:pPr marL="0" lvl="0" indent="0" algn="r" rtl="0">
-              <a:spcBef>
-                <a:spcPts val="0"/>
-              </a:spcBef>
-              <a:spcAft>
-                <a:spcPts val="0"/>
-              </a:spcAft>
-              <a:buNone/>
-            </a:pPr>
-            <a:fld id="{00000000-1234-1234-1234-123412341234}" type="slidenum">
-              <a:rPr lang="en-US" smtClean="0"/>
-              <a:t>12</a:t>
-            </a:fld>
-            <a:endParaRPr lang="en-US"/>
-          </a:p>
-        </p:txBody>
-      </p:sp>
-    </p:spTree>
-    <p:extLst>
-      <p:ext uri="{BB962C8B-B14F-4D97-AF65-F5344CB8AC3E}">
-        <p14:creationId xmlns:p14="http://schemas.microsoft.com/office/powerpoint/2010/main" val="3774511067"/>
       </p:ext>
     </p:extLst>
   </p:cSld>
@@ -11224,11 +11522,16 @@
                 <a:cs typeface="Microsoft JhengHei"/>
                 <a:sym typeface="Microsoft JhengHei"/>
               </a:rPr>
-              <a:t>Download </a:t>
-            </a:r>
-            <a:r>
-              <a:rPr lang="en-US" altLang="zh-TW" dirty="0"/>
-              <a:t>git and generate </a:t>
+              <a:t>Git and </a:t>
+            </a:r>
+            <a:r>
+              <a:rPr lang="en-US" altLang="zh-TW" dirty="0" err="1">
+                <a:latin typeface="Microsoft JhengHei"/>
+                <a:ea typeface="Microsoft JhengHei"/>
+                <a:cs typeface="Microsoft JhengHei"/>
+                <a:sym typeface="Microsoft JhengHei"/>
+              </a:rPr>
+              <a:t>Github</a:t>
             </a:r>
             <a:r>
               <a:rPr lang="en-US" altLang="zh-TW" dirty="0">
@@ -11237,7 +11540,7 @@
                 <a:cs typeface="Microsoft JhengHei"/>
                 <a:sym typeface="Microsoft JhengHei"/>
               </a:rPr>
-              <a:t>SSH key</a:t>
+              <a:t> intro</a:t>
             </a:r>
             <a:endParaRPr dirty="0">
               <a:latin typeface="Microsoft JhengHei"/>
@@ -11260,8 +11563,8 @@
         </p:nvSpPr>
         <p:spPr>
           <a:xfrm>
-            <a:off x="311699" y="1152474"/>
-            <a:ext cx="8758882" cy="3799969"/>
+            <a:off x="311699" y="1152475"/>
+            <a:ext cx="8658765" cy="3416400"/>
           </a:xfrm>
           <a:prstGeom prst="rect">
             <a:avLst/>
@@ -11291,25 +11594,34 @@
               <a:buChar char="●"/>
             </a:pPr>
             <a:r>
+              <a:rPr lang="en-US" altLang="zh-TW" dirty="0"/>
+              <a:t>Git </a:t>
+            </a:r>
+            <a:r>
+              <a:rPr lang="zh-TW" altLang="en-US" dirty="0"/>
+              <a:t>是一個分散式版本控制軟體，而 </a:t>
+            </a:r>
+            <a:r>
               <a:rPr lang="en-US" altLang="zh-TW" dirty="0" err="1"/>
               <a:t>Github</a:t>
             </a:r>
             <a:r>
+              <a:rPr lang="en-US" altLang="zh-TW" dirty="0"/>
+              <a:t> </a:t>
+            </a:r>
+            <a:r>
               <a:rPr lang="zh-TW" altLang="en-US" dirty="0"/>
-              <a:t>有三個模式，</a:t>
+              <a:t>則是透過 </a:t>
             </a:r>
             <a:r>
               <a:rPr lang="en-US" altLang="zh-TW" dirty="0"/>
-              <a:t>https / SSH / </a:t>
-            </a:r>
-            <a:r>
-              <a:rPr lang="en-US" altLang="zh-TW" dirty="0" err="1"/>
-              <a:t>Github</a:t>
-            </a:r>
-            <a:r>
-              <a:rPr lang="en-US" altLang="zh-TW" dirty="0"/>
-              <a:t> CLI</a:t>
-            </a:r>
+              <a:t>Git </a:t>
+            </a:r>
+            <a:r>
+              <a:rPr lang="zh-TW" altLang="en-US" dirty="0"/>
+              <a:t>來保管程式碼的平臺</a:t>
+            </a:r>
+            <a:endParaRPr lang="en-US" altLang="zh-TW" dirty="0"/>
           </a:p>
           <a:p>
             <a:pPr marL="457200" lvl="0" indent="-342900" algn="l" rtl="0">
@@ -11326,12 +11638,16 @@
               <a:buChar char="●"/>
             </a:pPr>
             <a:r>
+              <a:rPr lang="zh-TW" altLang="en-US" dirty="0"/>
+              <a:t>只要會用 </a:t>
+            </a:r>
+            <a:r>
               <a:rPr lang="en-US" altLang="zh-TW" dirty="0"/>
-              <a:t>https mode</a:t>
+              <a:t>Git</a:t>
             </a:r>
             <a:r>
               <a:rPr lang="zh-TW" altLang="en-US" dirty="0"/>
-              <a:t>每次推送上去跟同步下來都需要輸入帳號密碼</a:t>
+              <a:t>，就可以在本地端測試完你要的功能，然後再同步到雲端</a:t>
             </a:r>
             <a:endParaRPr lang="en-US" altLang="zh-TW" dirty="0"/>
           </a:p>
@@ -11350,125 +11666,21 @@
               <a:buChar char="●"/>
             </a:pPr>
             <a:r>
+              <a:rPr lang="zh-TW" altLang="en-US" dirty="0"/>
+              <a:t>以下將介紹基本 </a:t>
+            </a:r>
+            <a:r>
               <a:rPr lang="en-US" altLang="zh-TW" dirty="0"/>
-              <a:t>SSH</a:t>
+              <a:t>Git </a:t>
             </a:r>
             <a:r>
               <a:rPr lang="zh-TW" altLang="en-US" dirty="0"/>
-              <a:t>會直接對照，事先生成的</a:t>
+              <a:t>的使用方法，以方便各位更新 </a:t>
             </a:r>
             <a:r>
               <a:rPr lang="en-US" altLang="zh-TW" dirty="0"/>
-              <a:t>Key</a:t>
-            </a:r>
-            <a:r>
-              <a:rPr lang="zh-TW" altLang="en-US" dirty="0"/>
-              <a:t>，因此這次要先教如何生成一個</a:t>
-            </a:r>
-            <a:r>
-              <a:rPr lang="en-US" altLang="zh-TW" dirty="0"/>
-              <a:t>SSH key</a:t>
-            </a:r>
-          </a:p>
-          <a:p>
-            <a:pPr marL="457200" lvl="0" indent="-342900" algn="l" rtl="0">
-              <a:lnSpc>
-                <a:spcPct val="115000"/>
-              </a:lnSpc>
-              <a:spcBef>
-                <a:spcPts val="0"/>
-              </a:spcBef>
-              <a:spcAft>
-                <a:spcPts val="0"/>
-              </a:spcAft>
-              <a:buSzPts val="1800"/>
-              <a:buChar char="●"/>
-            </a:pPr>
-            <a:endParaRPr lang="en-US" altLang="zh-TW" sz="1600" dirty="0"/>
-          </a:p>
-          <a:p>
-            <a:pPr marL="457200" lvl="0" indent="-342900" algn="l" rtl="0">
-              <a:lnSpc>
-                <a:spcPct val="115000"/>
-              </a:lnSpc>
-              <a:spcBef>
-                <a:spcPts val="0"/>
-              </a:spcBef>
-              <a:spcAft>
-                <a:spcPts val="0"/>
-              </a:spcAft>
-              <a:buSzPts val="1800"/>
-              <a:buChar char="●"/>
-            </a:pPr>
-            <a:r>
-              <a:rPr lang="zh-TW" altLang="en-US" dirty="0"/>
-              <a:t>原理：電腦生 </a:t>
-            </a:r>
-            <a:r>
-              <a:rPr lang="en-US" altLang="zh-TW" dirty="0"/>
-              <a:t>SSH key -&gt;</a:t>
-            </a:r>
-            <a:r>
-              <a:rPr lang="zh-TW" altLang="en-US" dirty="0"/>
-              <a:t>將 </a:t>
-            </a:r>
-            <a:r>
-              <a:rPr lang="en-US" altLang="zh-TW" dirty="0"/>
-              <a:t>SSH key </a:t>
-            </a:r>
-            <a:r>
-              <a:rPr lang="zh-TW" altLang="en-US" dirty="0"/>
-              <a:t>跟 </a:t>
-            </a:r>
-            <a:r>
-              <a:rPr lang="en-US" altLang="zh-TW" dirty="0" err="1"/>
-              <a:t>Github</a:t>
-            </a:r>
-            <a:r>
-              <a:rPr lang="en-US" altLang="zh-TW" dirty="0"/>
-              <a:t> </a:t>
-            </a:r>
-            <a:r>
-              <a:rPr lang="zh-TW" altLang="en-US" dirty="0"/>
-              <a:t>帳號綁在一起</a:t>
-            </a:r>
-            <a:r>
-              <a:rPr lang="en-US" altLang="zh-TW" dirty="0"/>
-              <a:t> -&gt;git </a:t>
-            </a:r>
-            <a:r>
-              <a:rPr lang="zh-TW" altLang="en-US" dirty="0"/>
-              <a:t>操作的時候會拿 </a:t>
-            </a:r>
-            <a:r>
-              <a:rPr lang="en-US" altLang="zh-TW" dirty="0"/>
-              <a:t>SSH key</a:t>
-            </a:r>
-            <a:r>
-              <a:rPr lang="zh-TW" altLang="en-US" dirty="0"/>
-              <a:t> 跟 </a:t>
-            </a:r>
-            <a:r>
-              <a:rPr lang="en-US" altLang="zh-TW" dirty="0"/>
-              <a:t>private repo </a:t>
-            </a:r>
-            <a:r>
-              <a:rPr lang="zh-TW" altLang="en-US" dirty="0"/>
-              <a:t>的</a:t>
-            </a:r>
-            <a:r>
-              <a:rPr lang="en-US" altLang="zh-TW" dirty="0"/>
-              <a:t> members’ SSH keys </a:t>
-            </a:r>
-            <a:r>
-              <a:rPr lang="zh-TW" altLang="en-US" dirty="0"/>
-              <a:t>做比對</a:t>
-            </a:r>
-            <a:endParaRPr lang="en-US" altLang="zh-TW" dirty="0"/>
-          </a:p>
-          <a:p>
-            <a:pPr lvl="0"/>
-            <a:endParaRPr lang="en-US" altLang="zh-TW" dirty="0"/>
+              <a:t>codebook</a:t>
+            </a:r>
           </a:p>
           <a:p>
             <a:pPr marL="457200" lvl="0" indent="-342900" algn="l" rtl="0">
@@ -11500,22 +11712,36 @@
               <a:buSzPts val="1800"/>
               <a:buChar char="●"/>
             </a:pPr>
-            <a:endParaRPr lang="en-US" altLang="zh-TW" dirty="0"/>
-          </a:p>
-          <a:p>
-            <a:pPr marL="457200" lvl="0" indent="-342900" algn="l" rtl="0">
-              <a:lnSpc>
-                <a:spcPct val="115000"/>
-              </a:lnSpc>
-              <a:spcBef>
-                <a:spcPts val="0"/>
-              </a:spcBef>
-              <a:spcAft>
-                <a:spcPts val="0"/>
-              </a:spcAft>
-              <a:buSzPts val="1800"/>
-              <a:buChar char="●"/>
-            </a:pPr>
+            <a:r>
+              <a:rPr lang="zh-TW" altLang="en-US" dirty="0"/>
+              <a:t>首先，先辦一支 </a:t>
+            </a:r>
+            <a:r>
+              <a:rPr lang="en-US" altLang="zh-TW" dirty="0" err="1"/>
+              <a:t>Github</a:t>
+            </a:r>
+            <a:r>
+              <a:rPr lang="en-US" altLang="zh-TW" dirty="0"/>
+              <a:t> </a:t>
+            </a:r>
+            <a:r>
+              <a:rPr lang="zh-TW" altLang="en-US" dirty="0"/>
+              <a:t>帳號，並且下載 </a:t>
+            </a:r>
+            <a:r>
+              <a:rPr lang="en-US" altLang="zh-TW" dirty="0">
+                <a:hlinkClick r:id="rId3"/>
+              </a:rPr>
+              <a:t>Git for windows</a:t>
+            </a:r>
+            <a:r>
+              <a:rPr lang="en-US" altLang="zh-TW" dirty="0"/>
+              <a:t> </a:t>
+            </a:r>
+            <a:r>
+              <a:rPr lang="zh-TW" altLang="en-US" dirty="0"/>
+              <a:t>且安裝</a:t>
+            </a:r>
             <a:endParaRPr lang="en-US" altLang="zh-TW" dirty="0"/>
           </a:p>
           <a:p>
@@ -11593,7 +11819,7 @@
     </p:spTree>
     <p:extLst>
       <p:ext uri="{BB962C8B-B14F-4D97-AF65-F5344CB8AC3E}">
-        <p14:creationId xmlns:p14="http://schemas.microsoft.com/office/powerpoint/2010/main" val="2852421448"/>
+        <p14:creationId xmlns:p14="http://schemas.microsoft.com/office/powerpoint/2010/main" val="3774511067"/>
       </p:ext>
     </p:extLst>
   </p:cSld>
@@ -11682,25 +11908,7 @@
                 <a:cs typeface="Microsoft JhengHei"/>
                 <a:sym typeface="Microsoft JhengHei"/>
               </a:rPr>
-              <a:t>SSH key(</a:t>
-            </a:r>
-            <a:r>
-              <a:rPr lang="zh-TW" altLang="en-US" dirty="0">
-                <a:latin typeface="Microsoft JhengHei"/>
-                <a:ea typeface="Microsoft JhengHei"/>
-                <a:cs typeface="Microsoft JhengHei"/>
-                <a:sym typeface="Microsoft JhengHei"/>
-              </a:rPr>
-              <a:t>續</a:t>
-            </a:r>
-            <a:r>
-              <a:rPr lang="en-US" altLang="zh-TW" dirty="0">
-                <a:latin typeface="Microsoft JhengHei"/>
-                <a:ea typeface="Microsoft JhengHei"/>
-                <a:cs typeface="Microsoft JhengHei"/>
-                <a:sym typeface="Microsoft JhengHei"/>
-              </a:rPr>
-              <a:t>)</a:t>
+              <a:t>SSH key</a:t>
             </a:r>
             <a:endParaRPr dirty="0">
               <a:latin typeface="Microsoft JhengHei"/>
@@ -11740,180 +11948,6 @@
           </a:bodyPr>
           <a:lstStyle/>
           <a:p>
-            <a:pPr lvl="0"/>
-            <a:r>
-              <a:rPr lang="zh-TW" altLang="en-US" dirty="0"/>
-              <a:t>隨便一個地方右鍵</a:t>
-            </a:r>
-            <a:r>
-              <a:rPr lang="en-US" altLang="zh-TW" dirty="0"/>
-              <a:t>git bash here</a:t>
-            </a:r>
-          </a:p>
-          <a:p>
-            <a:pPr lvl="0"/>
-            <a:r>
-              <a:rPr lang="zh-TW" altLang="en-US" dirty="0"/>
-              <a:t>輸入</a:t>
-            </a:r>
-            <a:r>
-              <a:rPr lang="en-US" altLang="zh-TW" dirty="0" err="1"/>
-              <a:t>ssh</a:t>
-            </a:r>
-            <a:r>
-              <a:rPr lang="en-US" altLang="zh-TW" dirty="0"/>
-              <a:t>-keygen -t </a:t>
-            </a:r>
-            <a:r>
-              <a:rPr lang="en-US" altLang="zh-TW" dirty="0" err="1"/>
-              <a:t>rsa</a:t>
-            </a:r>
-            <a:r>
-              <a:rPr lang="en-US" altLang="zh-TW" dirty="0"/>
-              <a:t> -b 4096 -C [YOUR_EMAIL_ADDRESS]</a:t>
-            </a:r>
-            <a:r>
-              <a:rPr lang="zh-TW" altLang="en-US" dirty="0"/>
-              <a:t> </a:t>
-            </a:r>
-            <a:endParaRPr lang="en-US" altLang="zh-TW" dirty="0"/>
-          </a:p>
-          <a:p>
-            <a:pPr lvl="0"/>
-            <a:r>
-              <a:rPr lang="zh-TW" altLang="en-US" dirty="0"/>
-              <a:t>系統接著會問你存</a:t>
-            </a:r>
-            <a:r>
-              <a:rPr lang="en-US" altLang="zh-TW" dirty="0"/>
-              <a:t>key</a:t>
-            </a:r>
-            <a:r>
-              <a:rPr lang="zh-TW" altLang="en-US" dirty="0"/>
-              <a:t>的地方跟要不要設定密碼，我懶所以直接</a:t>
-            </a:r>
-            <a:r>
-              <a:rPr lang="en-US" altLang="zh-TW" dirty="0"/>
-              <a:t>enter</a:t>
-            </a:r>
-            <a:r>
-              <a:rPr lang="zh-TW" altLang="en-US" dirty="0"/>
-              <a:t>兩次跳過</a:t>
-            </a:r>
-            <a:endParaRPr lang="en-US" altLang="zh-TW" dirty="0"/>
-          </a:p>
-          <a:p>
-            <a:pPr lvl="0"/>
-            <a:r>
-              <a:rPr lang="zh-TW" altLang="en-US" dirty="0"/>
-              <a:t>輸入</a:t>
-            </a:r>
-            <a:r>
-              <a:rPr lang="en-US" altLang="zh-TW" dirty="0"/>
-              <a:t>cat ~/.</a:t>
-            </a:r>
-            <a:r>
-              <a:rPr lang="en-US" altLang="zh-TW" dirty="0" err="1"/>
-              <a:t>ssh</a:t>
-            </a:r>
-            <a:r>
-              <a:rPr lang="en-US" altLang="zh-TW" dirty="0"/>
-              <a:t>/id_rsa.pub</a:t>
-            </a:r>
-            <a:r>
-              <a:rPr lang="zh-TW" altLang="en-US" dirty="0"/>
-              <a:t>，將出來的結果複製起來</a:t>
-            </a:r>
-            <a:r>
-              <a:rPr lang="en-US" altLang="zh-TW" dirty="0"/>
-              <a:t>(</a:t>
-            </a:r>
-            <a:r>
-              <a:rPr lang="zh-TW" altLang="en-US" dirty="0"/>
-              <a:t>整個複製，拉到整個</a:t>
-            </a:r>
-            <a:r>
-              <a:rPr lang="en-US" altLang="zh-TW" dirty="0"/>
-              <a:t>email</a:t>
-            </a:r>
-            <a:r>
-              <a:rPr lang="zh-TW" altLang="en-US" dirty="0"/>
-              <a:t>都反白為止</a:t>
-            </a:r>
-            <a:r>
-              <a:rPr lang="en-US" altLang="zh-TW" dirty="0"/>
-              <a:t>)</a:t>
-            </a:r>
-          </a:p>
-          <a:p>
-            <a:r>
-              <a:rPr lang="zh-TW" altLang="en-US" dirty="0"/>
-              <a:t>登入 </a:t>
-            </a:r>
-            <a:r>
-              <a:rPr lang="en-US" altLang="zh-TW" dirty="0" err="1"/>
-              <a:t>Github</a:t>
-            </a:r>
-            <a:r>
-              <a:rPr lang="en-US" altLang="zh-TW" dirty="0"/>
-              <a:t> &gt; </a:t>
-            </a:r>
-            <a:r>
-              <a:rPr lang="zh-TW" altLang="en-US" dirty="0"/>
-              <a:t>右上角 </a:t>
-            </a:r>
-            <a:r>
-              <a:rPr lang="en-US" altLang="zh-TW" dirty="0"/>
-              <a:t>Settings &gt; </a:t>
-            </a:r>
-            <a:r>
-              <a:rPr lang="zh-TW" altLang="en-US" dirty="0"/>
-              <a:t>左邊 </a:t>
-            </a:r>
-            <a:r>
-              <a:rPr lang="en-US" altLang="zh-TW" dirty="0"/>
-              <a:t>SSH and GPG keys &gt; </a:t>
-            </a:r>
-            <a:r>
-              <a:rPr lang="zh-TW" altLang="en-US" dirty="0"/>
-              <a:t>右邊 </a:t>
-            </a:r>
-            <a:r>
-              <a:rPr lang="en-US" altLang="zh-TW" dirty="0"/>
-              <a:t>New SSH key</a:t>
-            </a:r>
-          </a:p>
-          <a:p>
-            <a:r>
-              <a:rPr lang="zh-TW" altLang="en-US" dirty="0"/>
-              <a:t>取一個賞心悅目的名字（建議跟擁有該 </a:t>
-            </a:r>
-            <a:r>
-              <a:rPr lang="en-US" altLang="zh-TW" dirty="0"/>
-              <a:t>SSH key </a:t>
-            </a:r>
-            <a:r>
-              <a:rPr lang="zh-TW" altLang="en-US" dirty="0"/>
-              <a:t>的 </a:t>
-            </a:r>
-            <a:r>
-              <a:rPr lang="en-US" altLang="zh-TW" dirty="0"/>
-              <a:t>PC </a:t>
-            </a:r>
-            <a:r>
-              <a:rPr lang="zh-TW" altLang="en-US" dirty="0"/>
-              <a:t>有關係的名字，比如</a:t>
-            </a:r>
-            <a:r>
-              <a:rPr lang="en-US" altLang="zh-TW" dirty="0"/>
-              <a:t> Lab 518 PC</a:t>
-            </a:r>
-            <a:r>
-              <a:rPr lang="zh-TW" altLang="en-US" dirty="0"/>
-              <a:t>），然後將剛剛那串貼上送出</a:t>
-            </a:r>
-          </a:p>
-          <a:p>
             <a:pPr marL="457200" lvl="0" indent="-342900" algn="l" rtl="0">
               <a:lnSpc>
                 <a:spcPct val="115000"/>
@@ -11927,10 +11961,181 @@
               <a:buSzPts val="1800"/>
               <a:buChar char="●"/>
             </a:pPr>
+            <a:r>
+              <a:rPr lang="en-US" altLang="zh-TW" dirty="0" err="1"/>
+              <a:t>Github</a:t>
+            </a:r>
+            <a:r>
+              <a:rPr lang="zh-TW" altLang="en-US" dirty="0"/>
+              <a:t>有三個模式，</a:t>
+            </a:r>
+            <a:r>
+              <a:rPr lang="en-US" altLang="zh-TW" dirty="0"/>
+              <a:t>https / SSH / </a:t>
+            </a:r>
+            <a:r>
+              <a:rPr lang="en-US" altLang="zh-TW" dirty="0" err="1"/>
+              <a:t>Github</a:t>
+            </a:r>
+            <a:r>
+              <a:rPr lang="en-US" altLang="zh-TW" dirty="0"/>
+              <a:t> CLI</a:t>
+            </a:r>
+          </a:p>
+          <a:p>
+            <a:pPr marL="457200" lvl="0" indent="-342900" algn="l" rtl="0">
+              <a:lnSpc>
+                <a:spcPct val="115000"/>
+              </a:lnSpc>
+              <a:spcBef>
+                <a:spcPts val="0"/>
+              </a:spcBef>
+              <a:spcAft>
+                <a:spcPts val="0"/>
+              </a:spcAft>
+              <a:buSzPts val="1800"/>
+              <a:buChar char="●"/>
+            </a:pPr>
+            <a:r>
+              <a:rPr lang="en-US" altLang="zh-TW" dirty="0"/>
+              <a:t>https mode</a:t>
+            </a:r>
+            <a:r>
+              <a:rPr lang="zh-TW" altLang="en-US" dirty="0"/>
+              <a:t>每次推送上去跟同步下來都需要輸入帳號密碼</a:t>
+            </a:r>
             <a:endParaRPr lang="en-US" altLang="zh-TW" dirty="0"/>
           </a:p>
           <a:p>
+            <a:pPr marL="457200" lvl="0" indent="-342900" algn="l" rtl="0">
+              <a:lnSpc>
+                <a:spcPct val="115000"/>
+              </a:lnSpc>
+              <a:spcBef>
+                <a:spcPts val="0"/>
+              </a:spcBef>
+              <a:spcAft>
+                <a:spcPts val="0"/>
+              </a:spcAft>
+              <a:buSzPts val="1800"/>
+              <a:buChar char="●"/>
+            </a:pPr>
+            <a:r>
+              <a:rPr lang="en-US" altLang="zh-TW" dirty="0"/>
+              <a:t>SSH</a:t>
+            </a:r>
+            <a:r>
+              <a:rPr lang="zh-TW" altLang="en-US" dirty="0"/>
+              <a:t>會直接對照，事先生成的</a:t>
+            </a:r>
+            <a:r>
+              <a:rPr lang="en-US" altLang="zh-TW" dirty="0"/>
+              <a:t>Key</a:t>
+            </a:r>
+            <a:r>
+              <a:rPr lang="zh-TW" altLang="en-US" dirty="0"/>
+              <a:t>，因此這次要先教如何生成一個</a:t>
+            </a:r>
+            <a:r>
+              <a:rPr lang="en-US" altLang="zh-TW" dirty="0"/>
+              <a:t>SSH key</a:t>
+            </a:r>
+          </a:p>
+          <a:p>
+            <a:pPr marL="457200" lvl="0" indent="-342900" algn="l" rtl="0">
+              <a:lnSpc>
+                <a:spcPct val="115000"/>
+              </a:lnSpc>
+              <a:spcBef>
+                <a:spcPts val="0"/>
+              </a:spcBef>
+              <a:spcAft>
+                <a:spcPts val="0"/>
+              </a:spcAft>
+              <a:buSzPts val="1800"/>
+              <a:buChar char="●"/>
+            </a:pPr>
             <a:endParaRPr lang="en-US" altLang="zh-TW" sz="1600" dirty="0"/>
+          </a:p>
+          <a:p>
+            <a:pPr marL="457200" lvl="0" indent="-342900" algn="l" rtl="0">
+              <a:lnSpc>
+                <a:spcPct val="115000"/>
+              </a:lnSpc>
+              <a:spcBef>
+                <a:spcPts val="0"/>
+              </a:spcBef>
+              <a:spcAft>
+                <a:spcPts val="0"/>
+              </a:spcAft>
+              <a:buSzPts val="1800"/>
+              <a:buChar char="●"/>
+            </a:pPr>
+            <a:r>
+              <a:rPr lang="zh-TW" altLang="en-US" dirty="0"/>
+              <a:t>原理：電腦生 </a:t>
+            </a:r>
+            <a:r>
+              <a:rPr lang="en-US" altLang="zh-TW" dirty="0"/>
+              <a:t>SSH key -&gt;</a:t>
+            </a:r>
+            <a:r>
+              <a:rPr lang="zh-TW" altLang="en-US" dirty="0"/>
+              <a:t>將 </a:t>
+            </a:r>
+            <a:r>
+              <a:rPr lang="en-US" altLang="zh-TW" dirty="0"/>
+              <a:t>SSH key </a:t>
+            </a:r>
+            <a:r>
+              <a:rPr lang="zh-TW" altLang="en-US" dirty="0"/>
+              <a:t>跟 </a:t>
+            </a:r>
+            <a:r>
+              <a:rPr lang="en-US" altLang="zh-TW" dirty="0" err="1"/>
+              <a:t>Github</a:t>
+            </a:r>
+            <a:r>
+              <a:rPr lang="en-US" altLang="zh-TW" dirty="0"/>
+              <a:t> </a:t>
+            </a:r>
+            <a:r>
+              <a:rPr lang="zh-TW" altLang="en-US" dirty="0"/>
+              <a:t>帳號綁在一起</a:t>
+            </a:r>
+            <a:r>
+              <a:rPr lang="en-US" altLang="zh-TW" dirty="0"/>
+              <a:t> -&gt;git </a:t>
+            </a:r>
+            <a:r>
+              <a:rPr lang="zh-TW" altLang="en-US" dirty="0"/>
+              <a:t>操作的時候會拿 </a:t>
+            </a:r>
+            <a:r>
+              <a:rPr lang="en-US" altLang="zh-TW" dirty="0"/>
+              <a:t>SSH key</a:t>
+            </a:r>
+            <a:r>
+              <a:rPr lang="zh-TW" altLang="en-US" dirty="0"/>
+              <a:t> 跟 </a:t>
+            </a:r>
+            <a:r>
+              <a:rPr lang="en-US" altLang="zh-TW" dirty="0"/>
+              <a:t>private repo </a:t>
+            </a:r>
+            <a:r>
+              <a:rPr lang="zh-TW" altLang="en-US" dirty="0"/>
+              <a:t>的</a:t>
+            </a:r>
+            <a:r>
+              <a:rPr lang="en-US" altLang="zh-TW" dirty="0"/>
+              <a:t> members’ SSH keys </a:t>
+            </a:r>
+            <a:r>
+              <a:rPr lang="zh-TW" altLang="en-US" dirty="0"/>
+              <a:t>做比對</a:t>
+            </a:r>
+            <a:endParaRPr lang="en-US" altLang="zh-TW" dirty="0"/>
           </a:p>
           <a:p>
             <a:pPr lvl="0"/>
@@ -12059,7 +12264,7 @@
     </p:spTree>
     <p:extLst>
       <p:ext uri="{BB962C8B-B14F-4D97-AF65-F5344CB8AC3E}">
-        <p14:creationId xmlns:p14="http://schemas.microsoft.com/office/powerpoint/2010/main" val="49042096"/>
+        <p14:creationId xmlns:p14="http://schemas.microsoft.com/office/powerpoint/2010/main" val="2852421448"/>
       </p:ext>
     </p:extLst>
   </p:cSld>
@@ -12129,16 +12334,44 @@
               <a:buNone/>
             </a:pPr>
             <a:r>
-              <a:rPr lang="en-US" dirty="0"/>
-              <a:t>Git</a:t>
-            </a:r>
-            <a:r>
-              <a:rPr lang="zh-TW" altLang="en-US" dirty="0"/>
-              <a:t> </a:t>
+              <a:rPr lang="en-US" altLang="zh-TW" dirty="0">
+                <a:latin typeface="Microsoft JhengHei"/>
+                <a:ea typeface="Microsoft JhengHei"/>
+                <a:cs typeface="Microsoft JhengHei"/>
+                <a:sym typeface="Microsoft JhengHei"/>
+              </a:rPr>
+              <a:t>Download </a:t>
             </a:r>
             <a:r>
               <a:rPr lang="en-US" altLang="zh-TW" dirty="0"/>
-              <a:t>basic intro</a:t>
+              <a:t>git and generate </a:t>
+            </a:r>
+            <a:r>
+              <a:rPr lang="en-US" altLang="zh-TW" dirty="0">
+                <a:latin typeface="Microsoft JhengHei"/>
+                <a:ea typeface="Microsoft JhengHei"/>
+                <a:cs typeface="Microsoft JhengHei"/>
+                <a:sym typeface="Microsoft JhengHei"/>
+              </a:rPr>
+              <a:t>SSH key(</a:t>
+            </a:r>
+            <a:r>
+              <a:rPr lang="zh-TW" altLang="en-US" dirty="0">
+                <a:latin typeface="Microsoft JhengHei"/>
+                <a:ea typeface="Microsoft JhengHei"/>
+                <a:cs typeface="Microsoft JhengHei"/>
+                <a:sym typeface="Microsoft JhengHei"/>
+              </a:rPr>
+              <a:t>續</a:t>
+            </a:r>
+            <a:r>
+              <a:rPr lang="en-US" altLang="zh-TW" dirty="0">
+                <a:latin typeface="Microsoft JhengHei"/>
+                <a:ea typeface="Microsoft JhengHei"/>
+                <a:cs typeface="Microsoft JhengHei"/>
+                <a:sym typeface="Microsoft JhengHei"/>
+              </a:rPr>
+              <a:t>)</a:t>
             </a:r>
             <a:endParaRPr dirty="0">
               <a:latin typeface="Microsoft JhengHei"/>
@@ -12161,8 +12394,8 @@
         </p:nvSpPr>
         <p:spPr>
           <a:xfrm>
-            <a:off x="311698" y="1152474"/>
-            <a:ext cx="8592021" cy="3799969"/>
+            <a:off x="311699" y="1152474"/>
+            <a:ext cx="8758882" cy="3799969"/>
           </a:xfrm>
           <a:prstGeom prst="rect">
             <a:avLst/>
@@ -12178,107 +12411,178 @@
           </a:bodyPr>
           <a:lstStyle/>
           <a:p>
-            <a:pPr marL="457200" lvl="0" indent="-342900" algn="l" rtl="0">
-              <a:lnSpc>
-                <a:spcPct val="115000"/>
-              </a:lnSpc>
-              <a:spcBef>
-                <a:spcPts val="0"/>
-              </a:spcBef>
-              <a:spcAft>
-                <a:spcPts val="0"/>
-              </a:spcAft>
-              <a:buSzPts val="1800"/>
-              <a:buChar char="●"/>
-            </a:pPr>
+            <a:pPr lvl="0"/>
             <a:r>
               <a:rPr lang="zh-TW" altLang="en-US" dirty="0"/>
-              <a:t>下圖為</a:t>
+              <a:t>隨便一個地方右鍵</a:t>
             </a:r>
             <a:r>
               <a:rPr lang="en-US" altLang="zh-TW" dirty="0"/>
-              <a:t>Git</a:t>
-            </a:r>
+              <a:t>git bash here</a:t>
+            </a:r>
+          </a:p>
+          <a:p>
+            <a:pPr lvl="0"/>
             <a:r>
               <a:rPr lang="zh-TW" altLang="en-US" dirty="0"/>
-              <a:t>的基本流程</a:t>
+              <a:t>輸入</a:t>
+            </a:r>
+            <a:r>
+              <a:rPr lang="en-US" altLang="zh-TW" dirty="0" err="1"/>
+              <a:t>ssh</a:t>
+            </a:r>
+            <a:r>
+              <a:rPr lang="en-US" altLang="zh-TW" dirty="0"/>
+              <a:t>-keygen -t </a:t>
+            </a:r>
+            <a:r>
+              <a:rPr lang="en-US" altLang="zh-TW" dirty="0" err="1"/>
+              <a:t>rsa</a:t>
+            </a:r>
+            <a:r>
+              <a:rPr lang="en-US" altLang="zh-TW" dirty="0"/>
+              <a:t> -b 4096 -C [YOUR_EMAIL_ADDRESS]</a:t>
+            </a:r>
+            <a:r>
+              <a:rPr lang="zh-TW" altLang="en-US" dirty="0"/>
+              <a:t> </a:t>
             </a:r>
             <a:endParaRPr lang="en-US" altLang="zh-TW" dirty="0"/>
           </a:p>
           <a:p>
-            <a:pPr marL="457200" lvl="0" indent="-342900" algn="l" rtl="0">
-              <a:lnSpc>
-                <a:spcPct val="115000"/>
-              </a:lnSpc>
-              <a:spcBef>
-                <a:spcPts val="0"/>
-              </a:spcBef>
-              <a:spcAft>
-                <a:spcPts val="0"/>
-              </a:spcAft>
-              <a:buSzPts val="1800"/>
-              <a:buChar char="●"/>
-            </a:pPr>
+            <a:pPr lvl="0"/>
             <a:r>
               <a:rPr lang="zh-TW" altLang="en-US" dirty="0"/>
-              <a:t>第一次抓別人的專案下來需要</a:t>
+              <a:t>系統接著會問你存</a:t>
             </a:r>
             <a:r>
               <a:rPr lang="en-US" altLang="zh-TW" dirty="0"/>
-              <a:t>git clone</a:t>
+              <a:t>key</a:t>
             </a:r>
             <a:r>
               <a:rPr lang="zh-TW" altLang="en-US" dirty="0"/>
-              <a:t>以創建一個</a:t>
+              <a:t>的地方跟要不要設定密碼，我懶所以直接</a:t>
             </a:r>
             <a:r>
               <a:rPr lang="en-US" altLang="zh-TW" dirty="0"/>
-              <a:t>local repository</a:t>
+              <a:t>enter</a:t>
             </a:r>
             <a:r>
               <a:rPr lang="zh-TW" altLang="en-US" dirty="0"/>
-              <a:t>，之後只要</a:t>
+              <a:t>兩次跳過</a:t>
+            </a:r>
+            <a:endParaRPr lang="en-US" altLang="zh-TW" dirty="0"/>
+          </a:p>
+          <a:p>
+            <a:pPr lvl="0"/>
+            <a:r>
+              <a:rPr lang="zh-TW" altLang="en-US" dirty="0"/>
+              <a:t>輸入</a:t>
             </a:r>
             <a:r>
               <a:rPr lang="en-US" altLang="zh-TW" dirty="0"/>
-              <a:t>git pull</a:t>
+              <a:t>cat ~/.</a:t>
+            </a:r>
+            <a:r>
+              <a:rPr lang="en-US" altLang="zh-TW" dirty="0" err="1"/>
+              <a:t>ssh</a:t>
+            </a:r>
+            <a:r>
+              <a:rPr lang="en-US" altLang="zh-TW" dirty="0"/>
+              <a:t>/id_rsa.pub</a:t>
             </a:r>
             <a:r>
               <a:rPr lang="zh-TW" altLang="en-US" dirty="0"/>
-              <a:t>更新就好</a:t>
-            </a:r>
-            <a:endParaRPr lang="en-US" altLang="zh-TW" dirty="0"/>
-          </a:p>
-          <a:p>
-            <a:pPr marL="457200" lvl="0" indent="-342900" algn="l" rtl="0">
-              <a:lnSpc>
-                <a:spcPct val="115000"/>
-              </a:lnSpc>
-              <a:spcBef>
-                <a:spcPts val="0"/>
-              </a:spcBef>
-              <a:spcAft>
-                <a:spcPts val="0"/>
-              </a:spcAft>
-              <a:buSzPts val="1800"/>
-              <a:buChar char="●"/>
-            </a:pPr>
+              <a:t>，將出來的結果複製起來</a:t>
+            </a:r>
+            <a:r>
+              <a:rPr lang="en-US" altLang="zh-TW" dirty="0"/>
+              <a:t>(</a:t>
+            </a:r>
             <a:r>
               <a:rPr lang="zh-TW" altLang="en-US" dirty="0"/>
-              <a:t>要送上去要過 </a:t>
+              <a:t>整個複製，拉到整個</a:t>
             </a:r>
             <a:r>
               <a:rPr lang="en-US" altLang="zh-TW" dirty="0"/>
-              <a:t>git add &gt; git commit &gt; git push</a:t>
+              <a:t>email</a:t>
             </a:r>
             <a:r>
               <a:rPr lang="zh-TW" altLang="en-US" dirty="0"/>
-              <a:t>三個步驟，不可省略。</a:t>
-            </a:r>
-            <a:endParaRPr lang="en-US" altLang="zh-TW" dirty="0"/>
-          </a:p>
-          <a:p>
-            <a:endParaRPr lang="en-US" altLang="zh-TW" dirty="0"/>
+              <a:t>都反白為止</a:t>
+            </a:r>
+            <a:r>
+              <a:rPr lang="en-US" altLang="zh-TW" dirty="0"/>
+              <a:t>)</a:t>
+            </a:r>
+          </a:p>
+          <a:p>
+            <a:r>
+              <a:rPr lang="zh-TW" altLang="en-US" dirty="0"/>
+              <a:t>登入 </a:t>
+            </a:r>
+            <a:r>
+              <a:rPr lang="en-US" altLang="zh-TW" dirty="0" err="1"/>
+              <a:t>Github</a:t>
+            </a:r>
+            <a:r>
+              <a:rPr lang="en-US" altLang="zh-TW" dirty="0"/>
+              <a:t> &gt; </a:t>
+            </a:r>
+            <a:r>
+              <a:rPr lang="zh-TW" altLang="en-US" dirty="0"/>
+              <a:t>右上角 </a:t>
+            </a:r>
+            <a:r>
+              <a:rPr lang="en-US" altLang="zh-TW" dirty="0"/>
+              <a:t>Settings &gt; </a:t>
+            </a:r>
+            <a:r>
+              <a:rPr lang="zh-TW" altLang="en-US" dirty="0"/>
+              <a:t>左邊 </a:t>
+            </a:r>
+            <a:r>
+              <a:rPr lang="en-US" altLang="zh-TW" dirty="0"/>
+              <a:t>SSH and GPG keys &gt; </a:t>
+            </a:r>
+            <a:r>
+              <a:rPr lang="zh-TW" altLang="en-US" dirty="0"/>
+              <a:t>右邊 </a:t>
+            </a:r>
+            <a:r>
+              <a:rPr lang="en-US" altLang="zh-TW" dirty="0"/>
+              <a:t>New SSH key</a:t>
+            </a:r>
+          </a:p>
+          <a:p>
+            <a:r>
+              <a:rPr lang="zh-TW" altLang="en-US" dirty="0"/>
+              <a:t>取一個賞心悅目的名字（建議跟擁有該 </a:t>
+            </a:r>
+            <a:r>
+              <a:rPr lang="en-US" altLang="zh-TW" dirty="0"/>
+              <a:t>SSH key </a:t>
+            </a:r>
+            <a:r>
+              <a:rPr lang="zh-TW" altLang="en-US" dirty="0"/>
+              <a:t>的 </a:t>
+            </a:r>
+            <a:r>
+              <a:rPr lang="en-US" altLang="zh-TW" dirty="0"/>
+              <a:t>PC </a:t>
+            </a:r>
+            <a:r>
+              <a:rPr lang="zh-TW" altLang="en-US" dirty="0"/>
+              <a:t>有關係的名字，比如</a:t>
+            </a:r>
+            <a:r>
+              <a:rPr lang="en-US" altLang="zh-TW" dirty="0"/>
+              <a:t> Lab 518 PC</a:t>
+            </a:r>
+            <a:r>
+              <a:rPr lang="zh-TW" altLang="en-US" dirty="0"/>
+              <a:t>），然後將剛剛那串貼上送出</a:t>
+            </a:r>
           </a:p>
           <a:p>
             <a:pPr marL="457200" lvl="0" indent="-342900" algn="l" rtl="0">
@@ -12295,6 +12599,9 @@
               <a:buChar char="●"/>
             </a:pPr>
             <a:endParaRPr lang="en-US" altLang="zh-TW" dirty="0"/>
+          </a:p>
+          <a:p>
+            <a:endParaRPr lang="en-US" altLang="zh-TW" sz="1600" dirty="0"/>
           </a:p>
           <a:p>
             <a:pPr lvl="0"/>
@@ -12420,55 +12727,10 @@
           </a:p>
         </p:txBody>
       </p:sp>
-      <p:pic>
-        <p:nvPicPr>
-          <p:cNvPr id="2052" name="Picture 4" descr="http://dic.vbird.tw/network_project/images/git_procedure.png">
-            <a:extLst>
-              <a:ext uri="{FF2B5EF4-FFF2-40B4-BE49-F238E27FC236}">
-                <a16:creationId xmlns:a16="http://schemas.microsoft.com/office/drawing/2014/main" id="{04877AFF-0755-4B71-BD2A-26F8B520C0BA}"/>
-              </a:ext>
-            </a:extLst>
-          </p:cNvPr>
-          <p:cNvPicPr>
-            <a:picLocks noChangeAspect="1" noChangeArrowheads="1"/>
-          </p:cNvPicPr>
-          <p:nvPr/>
-        </p:nvPicPr>
-        <p:blipFill rotWithShape="1">
-          <a:blip r:embed="rId3">
-            <a:extLst>
-              <a:ext uri="{28A0092B-C50C-407E-A947-70E740481C1C}">
-                <a14:useLocalDpi xmlns:a14="http://schemas.microsoft.com/office/drawing/2010/main" val="0"/>
-              </a:ext>
-            </a:extLst>
-          </a:blip>
-          <a:srcRect l="2271" t="3617" r="4930" b="6539"/>
-          <a:stretch/>
-        </p:blipFill>
-        <p:spPr bwMode="auto">
-          <a:xfrm>
-            <a:off x="737591" y="2821999"/>
-            <a:ext cx="3945173" cy="2182631"/>
-          </a:xfrm>
-          <a:prstGeom prst="rect">
-            <a:avLst/>
-          </a:prstGeom>
-          <a:noFill/>
-          <a:extLst>
-            <a:ext uri="{909E8E84-426E-40DD-AFC4-6F175D3DCCD1}">
-              <a14:hiddenFill xmlns:a14="http://schemas.microsoft.com/office/drawing/2010/main">
-                <a:solidFill>
-                  <a:srgbClr val="FFFFFF"/>
-                </a:solidFill>
-              </a14:hiddenFill>
-            </a:ext>
-          </a:extLst>
-        </p:spPr>
-      </p:pic>
     </p:spTree>
     <p:extLst>
       <p:ext uri="{BB962C8B-B14F-4D97-AF65-F5344CB8AC3E}">
-        <p14:creationId xmlns:p14="http://schemas.microsoft.com/office/powerpoint/2010/main" val="2257625500"/>
+        <p14:creationId xmlns:p14="http://schemas.microsoft.com/office/powerpoint/2010/main" val="49042096"/>
       </p:ext>
     </p:extLst>
   </p:cSld>
@@ -12524,9 +12786,21 @@
           </a:bodyPr>
           <a:lstStyle/>
           <a:p>
-            <a:pPr lvl="0"/>
-            <a:r>
-              <a:rPr lang="en-US" altLang="zh-TW" dirty="0"/>
+            <a:pPr marL="0" lvl="0" indent="0" algn="l" rtl="0">
+              <a:lnSpc>
+                <a:spcPct val="100000"/>
+              </a:lnSpc>
+              <a:spcBef>
+                <a:spcPts val="0"/>
+              </a:spcBef>
+              <a:spcAft>
+                <a:spcPts val="0"/>
+              </a:spcAft>
+              <a:buSzPts val="2800"/>
+              <a:buNone/>
+            </a:pPr>
+            <a:r>
+              <a:rPr lang="en-US" dirty="0"/>
               <a:t>Git</a:t>
             </a:r>
             <a:r>
@@ -12535,15 +12809,7 @@
             </a:r>
             <a:r>
               <a:rPr lang="en-US" altLang="zh-TW" dirty="0"/>
-              <a:t>basic intro(</a:t>
-            </a:r>
-            <a:r>
-              <a:rPr lang="zh-TW" altLang="en-US" dirty="0"/>
-              <a:t>續</a:t>
-            </a:r>
-            <a:r>
-              <a:rPr lang="en-US" altLang="zh-TW" dirty="0"/>
-              <a:t>)</a:t>
+              <a:t>basic intro</a:t>
             </a:r>
             <a:endParaRPr dirty="0">
               <a:latin typeface="Microsoft JhengHei"/>
@@ -12567,7 +12833,7 @@
         <p:spPr>
           <a:xfrm>
             <a:off x="311698" y="1152474"/>
-            <a:ext cx="8520599" cy="3799969"/>
+            <a:ext cx="8592021" cy="3799969"/>
           </a:xfrm>
           <a:prstGeom prst="rect">
             <a:avLst/>
@@ -12583,40 +12849,50 @@
           </a:bodyPr>
           <a:lstStyle/>
           <a:p>
+            <a:pPr marL="457200" lvl="0" indent="-342900" algn="l" rtl="0">
+              <a:lnSpc>
+                <a:spcPct val="115000"/>
+              </a:lnSpc>
+              <a:spcBef>
+                <a:spcPts val="0"/>
+              </a:spcBef>
+              <a:spcAft>
+                <a:spcPts val="0"/>
+              </a:spcAft>
+              <a:buSzPts val="1800"/>
+              <a:buChar char="●"/>
+            </a:pPr>
             <a:r>
               <a:rPr lang="zh-TW" altLang="en-US" dirty="0"/>
-              <a:t>回到剛剛我的 </a:t>
+              <a:t>下圖為</a:t>
             </a:r>
             <a:r>
               <a:rPr lang="en-US" altLang="zh-TW" dirty="0"/>
-              <a:t>repository</a:t>
+              <a:t>Git</a:t>
             </a:r>
             <a:r>
               <a:rPr lang="zh-TW" altLang="en-US" dirty="0"/>
-              <a:t>（下稱 </a:t>
-            </a:r>
-            <a:r>
-              <a:rPr lang="en-US" altLang="zh-TW" dirty="0"/>
-              <a:t>repo</a:t>
-            </a:r>
+              <a:t>的基本流程</a:t>
+            </a:r>
+            <a:endParaRPr lang="en-US" altLang="zh-TW" dirty="0"/>
+          </a:p>
+          <a:p>
+            <a:pPr marL="457200" lvl="0" indent="-342900" algn="l" rtl="0">
+              <a:lnSpc>
+                <a:spcPct val="115000"/>
+              </a:lnSpc>
+              <a:spcBef>
+                <a:spcPts val="0"/>
+              </a:spcBef>
+              <a:spcAft>
+                <a:spcPts val="0"/>
+              </a:spcAft>
+              <a:buSzPts val="1800"/>
+              <a:buChar char="●"/>
+            </a:pPr>
             <a:r>
               <a:rPr lang="zh-TW" altLang="en-US" dirty="0"/>
-              <a:t>），然後如右圖按下複製</a:t>
-            </a:r>
-            <a:endParaRPr lang="en-US" altLang="zh-TW" dirty="0"/>
-          </a:p>
-          <a:p>
-            <a:r>
-              <a:rPr lang="zh-TW" altLang="en-US" dirty="0"/>
-              <a:t>桌面打開 </a:t>
-            </a:r>
-            <a:r>
-              <a:rPr lang="en-US" altLang="zh-TW" dirty="0"/>
-              <a:t>git bash</a:t>
-            </a:r>
-            <a:r>
-              <a:rPr lang="zh-TW" altLang="en-US" dirty="0"/>
-              <a:t>，輸入</a:t>
+              <a:t>第一次抓別人的專案下來需要</a:t>
             </a:r>
             <a:r>
               <a:rPr lang="en-US" altLang="zh-TW" dirty="0"/>
@@ -12624,53 +12900,15 @@
             </a:r>
             <a:r>
               <a:rPr lang="zh-TW" altLang="en-US" dirty="0"/>
-              <a:t>，然後隔一個空白鍵貼上剛剛那串後 </a:t>
+              <a:t>以創建一個</a:t>
             </a:r>
             <a:r>
               <a:rPr lang="en-US" altLang="zh-TW" dirty="0"/>
-              <a:t>Enter</a:t>
-            </a:r>
-          </a:p>
-          <a:p>
+              <a:t>local repository</a:t>
+            </a:r>
             <a:r>
               <a:rPr lang="zh-TW" altLang="en-US" dirty="0"/>
-              <a:t>跑一下，就會在你開 </a:t>
-            </a:r>
-            <a:r>
-              <a:rPr lang="en-US" altLang="zh-TW" dirty="0"/>
-              <a:t>bash </a:t>
-            </a:r>
-            <a:r>
-              <a:rPr lang="zh-TW" altLang="en-US" dirty="0"/>
-              <a:t>的地方出現一個 </a:t>
-            </a:r>
-            <a:r>
-              <a:rPr lang="en-US" altLang="zh-TW" dirty="0"/>
-              <a:t>local repo</a:t>
-            </a:r>
-          </a:p>
-          <a:p>
-            <a:r>
-              <a:rPr lang="zh-TW" altLang="en-US" dirty="0"/>
-              <a:t>然後就可以大改特改啦</a:t>
-            </a:r>
-            <a:r>
-              <a:rPr lang="en-US" altLang="zh-TW" dirty="0"/>
-              <a:t>~</a:t>
-            </a:r>
-          </a:p>
-          <a:p>
-            <a:r>
-              <a:rPr lang="zh-TW" altLang="en-US" dirty="0"/>
-              <a:t>如果已經有這專案的 </a:t>
-            </a:r>
-            <a:r>
-              <a:rPr lang="en-US" altLang="zh-TW" dirty="0"/>
-              <a:t>local repo</a:t>
-            </a:r>
-            <a:r>
-              <a:rPr lang="zh-TW" altLang="en-US" dirty="0"/>
-              <a:t>，想要同步進度的話，只要輸入</a:t>
+              <a:t>，之後只要</a:t>
             </a:r>
             <a:r>
               <a:rPr lang="en-US" altLang="zh-TW" dirty="0"/>
@@ -12678,45 +12916,40 @@
             </a:r>
             <a:r>
               <a:rPr lang="zh-TW" altLang="en-US" dirty="0"/>
-              <a:t>，</a:t>
-            </a:r>
-            <a:r>
-              <a:rPr lang="zh-TW" altLang="en-US" dirty="0">
-                <a:solidFill>
-                  <a:schemeClr val="tx2">
-                    <a:lumMod val="75000"/>
-                  </a:schemeClr>
-                </a:solidFill>
-              </a:rPr>
-              <a:t>出現異常訊息那就要處理 </a:t>
-            </a:r>
-            <a:r>
-              <a:rPr lang="en-US" altLang="zh-TW" dirty="0">
-                <a:solidFill>
-                  <a:schemeClr val="tx2">
-                    <a:lumMod val="75000"/>
-                  </a:schemeClr>
-                </a:solidFill>
-              </a:rPr>
-              <a:t>git conflict </a:t>
-            </a:r>
-            <a:r>
-              <a:rPr lang="zh-TW" altLang="en-US" dirty="0">
-                <a:solidFill>
-                  <a:schemeClr val="tx2">
-                    <a:lumMod val="75000"/>
-                  </a:schemeClr>
-                </a:solidFill>
-              </a:rPr>
-              <a:t>了（詳情請往後翻）</a:t>
-            </a:r>
-            <a:endParaRPr lang="en-US" altLang="zh-TW" dirty="0">
-              <a:solidFill>
-                <a:schemeClr val="tx2">
-                  <a:lumMod val="75000"/>
-                </a:schemeClr>
-              </a:solidFill>
-            </a:endParaRPr>
+              <a:t>更新就好</a:t>
+            </a:r>
+            <a:endParaRPr lang="en-US" altLang="zh-TW" dirty="0"/>
+          </a:p>
+          <a:p>
+            <a:pPr marL="457200" lvl="0" indent="-342900" algn="l" rtl="0">
+              <a:lnSpc>
+                <a:spcPct val="115000"/>
+              </a:lnSpc>
+              <a:spcBef>
+                <a:spcPts val="0"/>
+              </a:spcBef>
+              <a:spcAft>
+                <a:spcPts val="0"/>
+              </a:spcAft>
+              <a:buSzPts val="1800"/>
+              <a:buChar char="●"/>
+            </a:pPr>
+            <a:r>
+              <a:rPr lang="zh-TW" altLang="en-US" dirty="0"/>
+              <a:t>要送上去要過 </a:t>
+            </a:r>
+            <a:r>
+              <a:rPr lang="en-US" altLang="zh-TW" dirty="0"/>
+              <a:t>git add &gt; git commit &gt; git push</a:t>
+            </a:r>
+            <a:r>
+              <a:rPr lang="zh-TW" altLang="en-US" dirty="0"/>
+              <a:t>三個步驟，不可省略。</a:t>
+            </a:r>
+            <a:endParaRPr lang="en-US" altLang="zh-TW" dirty="0"/>
+          </a:p>
+          <a:p>
+            <a:endParaRPr lang="en-US" altLang="zh-TW" dirty="0"/>
           </a:p>
           <a:p>
             <a:pPr marL="457200" lvl="0" indent="-342900" algn="l" rtl="0">
@@ -12860,38 +13093,53 @@
       </p:sp>
       <p:pic>
         <p:nvPicPr>
-          <p:cNvPr id="3" name="圖片 2">
+          <p:cNvPr id="2052" name="Picture 4" descr="http://dic.vbird.tw/network_project/images/git_procedure.png">
             <a:extLst>
               <a:ext uri="{FF2B5EF4-FFF2-40B4-BE49-F238E27FC236}">
-                <a16:creationId xmlns:a16="http://schemas.microsoft.com/office/drawing/2014/main" id="{A0FAB0D0-6585-4756-9777-5F0F0D49B1AF}"/>
+                <a16:creationId xmlns:a16="http://schemas.microsoft.com/office/drawing/2014/main" id="{04877AFF-0755-4B71-BD2A-26F8B520C0BA}"/>
               </a:ext>
             </a:extLst>
           </p:cNvPr>
           <p:cNvPicPr>
-            <a:picLocks noChangeAspect="1"/>
+            <a:picLocks noChangeAspect="1" noChangeArrowheads="1"/>
           </p:cNvPicPr>
           <p:nvPr/>
         </p:nvPicPr>
-        <p:blipFill>
-          <a:blip r:embed="rId3"/>
-          <a:stretch>
-            <a:fillRect/>
-          </a:stretch>
+        <p:blipFill rotWithShape="1">
+          <a:blip r:embed="rId3">
+            <a:extLst>
+              <a:ext uri="{28A0092B-C50C-407E-A947-70E740481C1C}">
+                <a14:useLocalDpi xmlns:a14="http://schemas.microsoft.com/office/drawing/2010/main" val="0"/>
+              </a:ext>
+            </a:extLst>
+          </a:blip>
+          <a:srcRect l="2271" t="3617" r="4930" b="6539"/>
+          <a:stretch/>
         </p:blipFill>
-        <p:spPr>
+        <p:spPr bwMode="auto">
           <a:xfrm>
-            <a:off x="6162516" y="2955509"/>
-            <a:ext cx="2669781" cy="1742966"/>
+            <a:off x="737591" y="2821999"/>
+            <a:ext cx="3945173" cy="2182631"/>
           </a:xfrm>
           <a:prstGeom prst="rect">
             <a:avLst/>
           </a:prstGeom>
+          <a:noFill/>
+          <a:extLst>
+            <a:ext uri="{909E8E84-426E-40DD-AFC4-6F175D3DCCD1}">
+              <a14:hiddenFill xmlns:a14="http://schemas.microsoft.com/office/drawing/2010/main">
+                <a:solidFill>
+                  <a:srgbClr val="FFFFFF"/>
+                </a:solidFill>
+              </a14:hiddenFill>
+            </a:ext>
+          </a:extLst>
         </p:spPr>
       </p:pic>
     </p:spTree>
     <p:extLst>
       <p:ext uri="{BB962C8B-B14F-4D97-AF65-F5344CB8AC3E}">
-        <p14:creationId xmlns:p14="http://schemas.microsoft.com/office/powerpoint/2010/main" val="2307317400"/>
+        <p14:creationId xmlns:p14="http://schemas.microsoft.com/office/powerpoint/2010/main" val="2257625500"/>
       </p:ext>
     </p:extLst>
   </p:cSld>
@@ -12947,21 +13195,9 @@
           </a:bodyPr>
           <a:lstStyle/>
           <a:p>
-            <a:pPr marL="0" lvl="0" indent="0" algn="l" rtl="0">
-              <a:lnSpc>
-                <a:spcPct val="100000"/>
-              </a:lnSpc>
-              <a:spcBef>
-                <a:spcPts val="0"/>
-              </a:spcBef>
-              <a:spcAft>
-                <a:spcPts val="0"/>
-              </a:spcAft>
-              <a:buSzPts val="2800"/>
-              <a:buNone/>
-            </a:pPr>
-            <a:r>
-              <a:rPr lang="en-US" dirty="0"/>
+            <a:pPr lvl="0"/>
+            <a:r>
+              <a:rPr lang="en-US" altLang="zh-TW" dirty="0"/>
               <a:t>Git</a:t>
             </a:r>
             <a:r>
@@ -12970,7 +13206,15 @@
             </a:r>
             <a:r>
               <a:rPr lang="en-US" altLang="zh-TW" dirty="0"/>
-              <a:t>push</a:t>
+              <a:t>basic intro(</a:t>
+            </a:r>
+            <a:r>
+              <a:rPr lang="zh-TW" altLang="en-US" dirty="0"/>
+              <a:t>續</a:t>
+            </a:r>
+            <a:r>
+              <a:rPr lang="en-US" altLang="zh-TW" dirty="0"/>
+              <a:t>)</a:t>
             </a:r>
             <a:endParaRPr dirty="0">
               <a:latin typeface="Microsoft JhengHei"/>
@@ -13010,313 +13254,103 @@
           </a:bodyPr>
           <a:lstStyle/>
           <a:p>
-            <a:pPr marL="457200" lvl="0" indent="-342900" algn="l" rtl="0">
-              <a:lnSpc>
-                <a:spcPct val="115000"/>
-              </a:lnSpc>
-              <a:spcBef>
-                <a:spcPts val="0"/>
-              </a:spcBef>
-              <a:spcAft>
-                <a:spcPts val="0"/>
-              </a:spcAft>
-              <a:buSzPts val="1800"/>
-              <a:buChar char="●"/>
-            </a:pPr>
             <a:r>
               <a:rPr lang="zh-TW" altLang="en-US" dirty="0"/>
-              <a:t>大改特改之後，想要上傳至雲端資料夾要經過三個步驟：</a:t>
+              <a:t>回到剛剛我的 </a:t>
             </a:r>
             <a:r>
               <a:rPr lang="en-US" altLang="zh-TW" dirty="0"/>
-              <a:t>add, commit, push</a:t>
-            </a:r>
-          </a:p>
-          <a:p>
-            <a:pPr marL="457200" lvl="0" indent="-342900" algn="l" rtl="0">
-              <a:lnSpc>
-                <a:spcPct val="115000"/>
-              </a:lnSpc>
-              <a:spcBef>
-                <a:spcPts val="0"/>
-              </a:spcBef>
-              <a:spcAft>
-                <a:spcPts val="0"/>
-              </a:spcAft>
-              <a:buSzPts val="1800"/>
-              <a:buChar char="●"/>
-            </a:pPr>
-            <a:r>
-              <a:rPr lang="en-US" altLang="zh-TW" dirty="0">
-                <a:solidFill>
-                  <a:srgbClr val="FF0000"/>
-                </a:solidFill>
-              </a:rPr>
-              <a:t>git add --all </a:t>
-            </a:r>
-            <a:r>
-              <a:rPr lang="zh-TW" altLang="en-US" dirty="0">
-                <a:solidFill>
-                  <a:schemeClr val="tx1"/>
-                </a:solidFill>
-              </a:rPr>
-              <a:t>或者</a:t>
-            </a:r>
-            <a:r>
-              <a:rPr lang="zh-TW" altLang="en-US" dirty="0">
-                <a:solidFill>
-                  <a:srgbClr val="FF0000"/>
-                </a:solidFill>
-              </a:rPr>
-              <a:t> </a:t>
-            </a:r>
-            <a:r>
-              <a:rPr lang="en-US" altLang="zh-TW" dirty="0">
-                <a:solidFill>
-                  <a:srgbClr val="FF0000"/>
-                </a:solidFill>
-              </a:rPr>
-              <a:t>git add .</a:t>
-            </a:r>
-          </a:p>
-          <a:p>
-            <a:pPr marL="457200" lvl="0" indent="-342900" algn="l" rtl="0">
-              <a:lnSpc>
-                <a:spcPct val="115000"/>
-              </a:lnSpc>
-              <a:spcBef>
-                <a:spcPts val="0"/>
-              </a:spcBef>
-              <a:spcAft>
-                <a:spcPts val="0"/>
-              </a:spcAft>
-              <a:buSzPts val="1800"/>
-              <a:buChar char="●"/>
-            </a:pPr>
-            <a:r>
-              <a:rPr lang="en-US" altLang="zh-TW" dirty="0">
-                <a:solidFill>
-                  <a:srgbClr val="FF0000"/>
-                </a:solidFill>
-              </a:rPr>
-              <a:t>git commit -m </a:t>
-            </a:r>
-            <a:r>
-              <a:rPr lang="en-US" altLang="zh-TW" dirty="0">
-                <a:solidFill>
-                  <a:srgbClr val="FF0000"/>
-                </a:solidFill>
-                <a:latin typeface="Times New Roman" panose="02020603050405020304" pitchFamily="18" charset="0"/>
-                <a:cs typeface="Times New Roman" panose="02020603050405020304" pitchFamily="18" charset="0"/>
-              </a:rPr>
-              <a:t>“</a:t>
-            </a:r>
-            <a:r>
-              <a:rPr lang="en-US" altLang="zh-TW" dirty="0">
-                <a:solidFill>
-                  <a:srgbClr val="FF0000"/>
-                </a:solidFill>
-                <a:latin typeface="微軟正黑體" panose="020B0604030504040204" pitchFamily="34" charset="-120"/>
-                <a:ea typeface="微軟正黑體" panose="020B0604030504040204" pitchFamily="34" charset="-120"/>
-                <a:cs typeface="Times New Roman" panose="02020603050405020304" pitchFamily="18" charset="0"/>
-              </a:rPr>
-              <a:t>SOME MESSAGE</a:t>
-            </a:r>
-            <a:r>
-              <a:rPr lang="en-US" altLang="zh-TW" dirty="0">
-                <a:solidFill>
-                  <a:srgbClr val="FF0000"/>
-                </a:solidFill>
-                <a:latin typeface="Times New Roman" panose="02020603050405020304" pitchFamily="18" charset="0"/>
-                <a:cs typeface="Times New Roman" panose="02020603050405020304" pitchFamily="18" charset="0"/>
-              </a:rPr>
-              <a:t>”</a:t>
-            </a:r>
-          </a:p>
-          <a:p>
-            <a:pPr marL="457200" lvl="0" indent="-342900" algn="l" rtl="0">
-              <a:lnSpc>
-                <a:spcPct val="115000"/>
-              </a:lnSpc>
-              <a:spcBef>
-                <a:spcPts val="0"/>
-              </a:spcBef>
-              <a:spcAft>
-                <a:spcPts val="0"/>
-              </a:spcAft>
-              <a:buSzPts val="1800"/>
-              <a:buChar char="●"/>
-            </a:pPr>
-            <a:r>
-              <a:rPr lang="en-US" altLang="zh-TW" dirty="0">
-                <a:solidFill>
-                  <a:srgbClr val="FF0000"/>
-                </a:solidFill>
-                <a:latin typeface="微軟正黑體" panose="020B0604030504040204" pitchFamily="34" charset="-120"/>
-                <a:ea typeface="微軟正黑體" panose="020B0604030504040204" pitchFamily="34" charset="-120"/>
-                <a:cs typeface="Times New Roman" panose="02020603050405020304" pitchFamily="18" charset="0"/>
-              </a:rPr>
-              <a:t>git push</a:t>
-            </a:r>
-          </a:p>
-          <a:p>
-            <a:pPr marL="457200" lvl="0" indent="-342900" algn="l" rtl="0">
-              <a:lnSpc>
-                <a:spcPct val="115000"/>
-              </a:lnSpc>
-              <a:spcBef>
-                <a:spcPts val="0"/>
-              </a:spcBef>
-              <a:spcAft>
-                <a:spcPts val="0"/>
-              </a:spcAft>
-              <a:buSzPts val="1800"/>
-              <a:buChar char="●"/>
-            </a:pPr>
-            <a:r>
-              <a:rPr lang="en-US" altLang="zh-TW" dirty="0">
-                <a:latin typeface="微軟正黑體" panose="020B0604030504040204" pitchFamily="34" charset="-120"/>
-                <a:ea typeface="微軟正黑體" panose="020B0604030504040204" pitchFamily="34" charset="-120"/>
-              </a:rPr>
-              <a:t>git add</a:t>
-            </a:r>
-            <a:r>
-              <a:rPr lang="zh-TW" altLang="en-US" dirty="0">
-                <a:latin typeface="微軟正黑體" panose="020B0604030504040204" pitchFamily="34" charset="-120"/>
-                <a:ea typeface="微軟正黑體" panose="020B0604030504040204" pitchFamily="34" charset="-120"/>
-              </a:rPr>
-              <a:t> 代表將檔案加入索引，</a:t>
-            </a:r>
-            <a:r>
-              <a:rPr lang="en-US" altLang="zh-TW" dirty="0">
-                <a:latin typeface="微軟正黑體" panose="020B0604030504040204" pitchFamily="34" charset="-120"/>
-                <a:ea typeface="微軟正黑體" panose="020B0604030504040204" pitchFamily="34" charset="-120"/>
-              </a:rPr>
-              <a:t>--all</a:t>
-            </a:r>
-            <a:r>
-              <a:rPr lang="zh-TW" altLang="en-US" dirty="0">
-                <a:latin typeface="微軟正黑體" panose="020B0604030504040204" pitchFamily="34" charset="-120"/>
-                <a:ea typeface="微軟正黑體" panose="020B0604030504040204" pitchFamily="34" charset="-120"/>
-              </a:rPr>
-              <a:t>則是將所有檔案加進索引</a:t>
-            </a:r>
-            <a:endParaRPr lang="en-US" altLang="zh-TW" dirty="0">
-              <a:latin typeface="微軟正黑體" panose="020B0604030504040204" pitchFamily="34" charset="-120"/>
-              <a:ea typeface="微軟正黑體" panose="020B0604030504040204" pitchFamily="34" charset="-120"/>
-            </a:endParaRPr>
-          </a:p>
-          <a:p>
-            <a:pPr marL="457200" lvl="0" indent="-342900" algn="l" rtl="0">
-              <a:lnSpc>
-                <a:spcPct val="115000"/>
-              </a:lnSpc>
-              <a:spcBef>
-                <a:spcPts val="0"/>
-              </a:spcBef>
-              <a:spcAft>
-                <a:spcPts val="0"/>
-              </a:spcAft>
-              <a:buSzPts val="1800"/>
-              <a:buChar char="●"/>
-            </a:pPr>
-            <a:r>
-              <a:rPr lang="en-US" altLang="zh-TW" dirty="0">
-                <a:latin typeface="微軟正黑體" panose="020B0604030504040204" pitchFamily="34" charset="-120"/>
-                <a:ea typeface="微軟正黑體" panose="020B0604030504040204" pitchFamily="34" charset="-120"/>
-              </a:rPr>
-              <a:t>git commit </a:t>
-            </a:r>
-            <a:r>
-              <a:rPr lang="zh-TW" altLang="en-US" dirty="0">
-                <a:latin typeface="微軟正黑體" panose="020B0604030504040204" pitchFamily="34" charset="-120"/>
-                <a:ea typeface="微軟正黑體" panose="020B0604030504040204" pitchFamily="34" charset="-120"/>
-              </a:rPr>
-              <a:t>代表對這個版本下個簡單的註解，</a:t>
-            </a:r>
-            <a:r>
-              <a:rPr lang="en-US" altLang="zh-TW" dirty="0">
-                <a:latin typeface="微軟正黑體" panose="020B0604030504040204" pitchFamily="34" charset="-120"/>
-                <a:ea typeface="微軟正黑體" panose="020B0604030504040204" pitchFamily="34" charset="-120"/>
-              </a:rPr>
-              <a:t>-m </a:t>
-            </a:r>
-            <a:r>
-              <a:rPr lang="zh-TW" altLang="en-US" dirty="0">
-                <a:latin typeface="微軟正黑體" panose="020B0604030504040204" pitchFamily="34" charset="-120"/>
-                <a:ea typeface="微軟正黑體" panose="020B0604030504040204" pitchFamily="34" charset="-120"/>
-              </a:rPr>
-              <a:t>代表 </a:t>
-            </a:r>
-            <a:r>
-              <a:rPr lang="en-US" altLang="zh-TW" dirty="0">
-                <a:latin typeface="微軟正黑體" panose="020B0604030504040204" pitchFamily="34" charset="-120"/>
-                <a:ea typeface="微軟正黑體" panose="020B0604030504040204" pitchFamily="34" charset="-120"/>
-              </a:rPr>
-              <a:t>message</a:t>
-            </a:r>
-            <a:r>
-              <a:rPr lang="zh-TW" altLang="en-US" dirty="0">
-                <a:latin typeface="微軟正黑體" panose="020B0604030504040204" pitchFamily="34" charset="-120"/>
-                <a:ea typeface="微軟正黑體" panose="020B0604030504040204" pitchFamily="34" charset="-120"/>
-              </a:rPr>
-              <a:t>，然後含兩個雙引號將訊息打進去。</a:t>
-            </a:r>
-            <a:endParaRPr lang="en-US" altLang="zh-TW" dirty="0">
-              <a:latin typeface="微軟正黑體" panose="020B0604030504040204" pitchFamily="34" charset="-120"/>
-              <a:ea typeface="微軟正黑體" panose="020B0604030504040204" pitchFamily="34" charset="-120"/>
-            </a:endParaRPr>
-          </a:p>
-          <a:p>
-            <a:pPr marL="457200" lvl="0" indent="-342900" algn="l" rtl="0">
-              <a:lnSpc>
-                <a:spcPct val="115000"/>
-              </a:lnSpc>
-              <a:spcBef>
-                <a:spcPts val="0"/>
-              </a:spcBef>
-              <a:spcAft>
-                <a:spcPts val="0"/>
-              </a:spcAft>
-              <a:buSzPts val="1800"/>
-              <a:buChar char="●"/>
-            </a:pPr>
-            <a:r>
-              <a:rPr lang="en-US" altLang="zh-TW" dirty="0">
-                <a:latin typeface="微軟正黑體" panose="020B0604030504040204" pitchFamily="34" charset="-120"/>
-                <a:ea typeface="微軟正黑體" panose="020B0604030504040204" pitchFamily="34" charset="-120"/>
-              </a:rPr>
-              <a:t>git push </a:t>
-            </a:r>
-            <a:r>
-              <a:rPr lang="zh-TW" altLang="en-US" dirty="0">
-                <a:latin typeface="微軟正黑體" panose="020B0604030504040204" pitchFamily="34" charset="-120"/>
-                <a:ea typeface="微軟正黑體" panose="020B0604030504040204" pitchFamily="34" charset="-120"/>
-              </a:rPr>
-              <a:t>顧名思義就是將這個版本推上去。</a:t>
-            </a:r>
-            <a:endParaRPr lang="en-US" altLang="zh-TW" dirty="0">
-              <a:latin typeface="微軟正黑體" panose="020B0604030504040204" pitchFamily="34" charset="-120"/>
-              <a:ea typeface="微軟正黑體" panose="020B0604030504040204" pitchFamily="34" charset="-120"/>
-            </a:endParaRPr>
-          </a:p>
-          <a:p>
-            <a:pPr lvl="0"/>
+              <a:t>repository</a:t>
+            </a:r>
             <a:r>
               <a:rPr lang="zh-TW" altLang="en-US" dirty="0"/>
-              <a:t>此外，如果要看更動的話，那可以輸入 </a:t>
-            </a:r>
-            <a:r>
-              <a:rPr lang="en-US" altLang="zh-TW" dirty="0">
-                <a:solidFill>
-                  <a:srgbClr val="FF0000"/>
-                </a:solidFill>
-              </a:rPr>
-              <a:t>git log</a:t>
-            </a:r>
-          </a:p>
-          <a:p>
-            <a:pPr lvl="0"/>
+              <a:t>（下稱 </a:t>
+            </a:r>
+            <a:r>
+              <a:rPr lang="en-US" altLang="zh-TW" dirty="0"/>
+              <a:t>repo</a:t>
+            </a:r>
+            <a:r>
+              <a:rPr lang="zh-TW" altLang="en-US" dirty="0"/>
+              <a:t>），然後如右圖按下複製</a:t>
+            </a:r>
+            <a:endParaRPr lang="en-US" altLang="zh-TW" dirty="0"/>
+          </a:p>
+          <a:p>
+            <a:r>
+              <a:rPr lang="zh-TW" altLang="en-US" dirty="0"/>
+              <a:t>桌面打開 </a:t>
+            </a:r>
+            <a:r>
+              <a:rPr lang="en-US" altLang="zh-TW" dirty="0"/>
+              <a:t>git bash</a:t>
+            </a:r>
+            <a:r>
+              <a:rPr lang="zh-TW" altLang="en-US" dirty="0"/>
+              <a:t>，輸入</a:t>
+            </a:r>
+            <a:r>
+              <a:rPr lang="en-US" altLang="zh-TW" dirty="0"/>
+              <a:t>git clone</a:t>
+            </a:r>
+            <a:r>
+              <a:rPr lang="zh-TW" altLang="en-US" dirty="0"/>
+              <a:t>，然後隔一個空白鍵貼上剛剛那串後 </a:t>
+            </a:r>
+            <a:r>
+              <a:rPr lang="en-US" altLang="zh-TW" dirty="0"/>
+              <a:t>Enter</a:t>
+            </a:r>
+          </a:p>
+          <a:p>
+            <a:r>
+              <a:rPr lang="zh-TW" altLang="en-US" dirty="0"/>
+              <a:t>跑一下，就會在你開 </a:t>
+            </a:r>
+            <a:r>
+              <a:rPr lang="en-US" altLang="zh-TW" dirty="0"/>
+              <a:t>bash </a:t>
+            </a:r>
+            <a:r>
+              <a:rPr lang="zh-TW" altLang="en-US" dirty="0"/>
+              <a:t>的地方出現一個 </a:t>
+            </a:r>
+            <a:r>
+              <a:rPr lang="en-US" altLang="zh-TW" dirty="0"/>
+              <a:t>local repo</a:t>
+            </a:r>
+          </a:p>
+          <a:p>
+            <a:r>
+              <a:rPr lang="zh-TW" altLang="en-US" dirty="0"/>
+              <a:t>然後就可以大改特改啦</a:t>
+            </a:r>
+            <a:r>
+              <a:rPr lang="en-US" altLang="zh-TW" dirty="0"/>
+              <a:t>~</a:t>
+            </a:r>
+          </a:p>
+          <a:p>
+            <a:r>
+              <a:rPr lang="zh-TW" altLang="en-US" dirty="0"/>
+              <a:t>如果已經有這專案的 </a:t>
+            </a:r>
+            <a:r>
+              <a:rPr lang="en-US" altLang="zh-TW" dirty="0"/>
+              <a:t>local repo</a:t>
+            </a:r>
+            <a:r>
+              <a:rPr lang="zh-TW" altLang="en-US" dirty="0"/>
+              <a:t>，想要同步進度的話，只要輸入</a:t>
+            </a:r>
+            <a:r>
+              <a:rPr lang="en-US" altLang="zh-TW" dirty="0"/>
+              <a:t>git pull</a:t>
+            </a:r>
+            <a:r>
+              <a:rPr lang="zh-TW" altLang="en-US" dirty="0"/>
+              <a:t>，</a:t>
+            </a:r>
             <a:r>
               <a:rPr lang="zh-TW" altLang="en-US" dirty="0">
                 <a:solidFill>
@@ -13325,7 +13359,27 @@
                   </a:schemeClr>
                 </a:solidFill>
               </a:rPr>
-              <a:t>這些指令後面可以加別的參數，會有不同效果</a:t>
+              <a:t>出現異常訊息那就要處理 </a:t>
+            </a:r>
+            <a:r>
+              <a:rPr lang="en-US" altLang="zh-TW" dirty="0">
+                <a:solidFill>
+                  <a:schemeClr val="tx2">
+                    <a:lumMod val="75000"/>
+                  </a:schemeClr>
+                </a:solidFill>
+              </a:rPr>
+              <a:t>git conflict </a:t>
+            </a:r>
+            <a:r>
+              <a:rPr lang="zh-TW" altLang="en-US" dirty="0">
+                <a:solidFill>
+                  <a:schemeClr val="tx2">
+                    <a:lumMod val="75000"/>
+                  </a:schemeClr>
+                </a:solidFill>
+              </a:rPr>
+              <a:t>了（詳情請往後翻）</a:t>
             </a:r>
             <a:endParaRPr lang="en-US" altLang="zh-TW" dirty="0">
               <a:solidFill>
@@ -13334,6 +13388,26 @@
                 </a:schemeClr>
               </a:solidFill>
             </a:endParaRPr>
+          </a:p>
+          <a:p>
+            <a:pPr marL="457200" lvl="0" indent="-342900" algn="l" rtl="0">
+              <a:lnSpc>
+                <a:spcPct val="115000"/>
+              </a:lnSpc>
+              <a:spcBef>
+                <a:spcPts val="0"/>
+              </a:spcBef>
+              <a:spcAft>
+                <a:spcPts val="0"/>
+              </a:spcAft>
+              <a:buSzPts val="1800"/>
+              <a:buChar char="●"/>
+            </a:pPr>
+            <a:endParaRPr lang="en-US" altLang="zh-TW" dirty="0"/>
+          </a:p>
+          <a:p>
+            <a:pPr lvl="0"/>
+            <a:endParaRPr lang="en-US" altLang="zh-TW" dirty="0"/>
           </a:p>
           <a:p>
             <a:pPr marL="457200" lvl="0" indent="-342900" algn="l" rtl="0">
@@ -13450,6 +13524,603 @@
             <a:fld id="{00000000-1234-1234-1234-123412341234}" type="slidenum">
               <a:rPr lang="en-US" smtClean="0"/>
               <a:t>17</a:t>
+            </a:fld>
+            <a:endParaRPr lang="en-US"/>
+          </a:p>
+        </p:txBody>
+      </p:sp>
+      <p:pic>
+        <p:nvPicPr>
+          <p:cNvPr id="3" name="圖片 2">
+            <a:extLst>
+              <a:ext uri="{FF2B5EF4-FFF2-40B4-BE49-F238E27FC236}">
+                <a16:creationId xmlns:a16="http://schemas.microsoft.com/office/drawing/2014/main" id="{A0FAB0D0-6585-4756-9777-5F0F0D49B1AF}"/>
+              </a:ext>
+            </a:extLst>
+          </p:cNvPr>
+          <p:cNvPicPr>
+            <a:picLocks noChangeAspect="1"/>
+          </p:cNvPicPr>
+          <p:nvPr/>
+        </p:nvPicPr>
+        <p:blipFill>
+          <a:blip r:embed="rId3"/>
+          <a:stretch>
+            <a:fillRect/>
+          </a:stretch>
+        </p:blipFill>
+        <p:spPr>
+          <a:xfrm>
+            <a:off x="6162516" y="2955509"/>
+            <a:ext cx="2669781" cy="1742966"/>
+          </a:xfrm>
+          <a:prstGeom prst="rect">
+            <a:avLst/>
+          </a:prstGeom>
+        </p:spPr>
+      </p:pic>
+    </p:spTree>
+    <p:extLst>
+      <p:ext uri="{BB962C8B-B14F-4D97-AF65-F5344CB8AC3E}">
+        <p14:creationId xmlns:p14="http://schemas.microsoft.com/office/powerpoint/2010/main" val="2307317400"/>
+      </p:ext>
+    </p:extLst>
+  </p:cSld>
+  <p:clrMapOvr>
+    <a:masterClrMapping/>
+  </p:clrMapOvr>
+</p:sld>
+</file>
+
+<file path=ppt/slides/slide18.xml><?xml version="1.0" encoding="utf-8"?>
+<p:sld xmlns:a="http://schemas.openxmlformats.org/drawingml/2006/main" xmlns:r="http://schemas.openxmlformats.org/officeDocument/2006/relationships" xmlns:p="http://schemas.openxmlformats.org/presentationml/2006/main">
+  <p:cSld>
+    <p:spTree>
+      <p:nvGrpSpPr>
+        <p:cNvPr id="1" name="Shape 241"/>
+        <p:cNvGrpSpPr/>
+        <p:nvPr/>
+      </p:nvGrpSpPr>
+      <p:grpSpPr>
+        <a:xfrm>
+          <a:off x="0" y="0"/>
+          <a:ext cx="0" cy="0"/>
+          <a:chOff x="0" y="0"/>
+          <a:chExt cx="0" cy="0"/>
+        </a:xfrm>
+      </p:grpSpPr>
+      <p:sp>
+        <p:nvSpPr>
+          <p:cNvPr id="242" name="Google Shape;242;p37"/>
+          <p:cNvSpPr txBox="1">
+            <a:spLocks noGrp="1"/>
+          </p:cNvSpPr>
+          <p:nvPr>
+            <p:ph type="title"/>
+          </p:nvPr>
+        </p:nvSpPr>
+        <p:spPr>
+          <a:xfrm>
+            <a:off x="311700" y="445025"/>
+            <a:ext cx="8520600" cy="572700"/>
+          </a:xfrm>
+          <a:prstGeom prst="rect">
+            <a:avLst/>
+          </a:prstGeom>
+          <a:noFill/>
+          <a:ln>
+            <a:noFill/>
+          </a:ln>
+        </p:spPr>
+        <p:txBody>
+          <a:bodyPr spcFirstLastPara="1" wrap="square" lIns="91425" tIns="91425" rIns="91425" bIns="91425" anchor="t" anchorCtr="0">
+            <a:noAutofit/>
+          </a:bodyPr>
+          <a:lstStyle/>
+          <a:p>
+            <a:pPr marL="0" lvl="0" indent="0" algn="l" rtl="0">
+              <a:lnSpc>
+                <a:spcPct val="100000"/>
+              </a:lnSpc>
+              <a:spcBef>
+                <a:spcPts val="0"/>
+              </a:spcBef>
+              <a:spcAft>
+                <a:spcPts val="0"/>
+              </a:spcAft>
+              <a:buSzPts val="2800"/>
+              <a:buNone/>
+            </a:pPr>
+            <a:r>
+              <a:rPr lang="en-US" dirty="0"/>
+              <a:t>Git</a:t>
+            </a:r>
+            <a:r>
+              <a:rPr lang="zh-TW" altLang="en-US" dirty="0"/>
+              <a:t> </a:t>
+            </a:r>
+            <a:r>
+              <a:rPr lang="en-US" altLang="zh-TW" dirty="0"/>
+              <a:t>push</a:t>
+            </a:r>
+            <a:endParaRPr dirty="0">
+              <a:latin typeface="Microsoft JhengHei"/>
+              <a:ea typeface="Microsoft JhengHei"/>
+              <a:cs typeface="Microsoft JhengHei"/>
+              <a:sym typeface="Microsoft JhengHei"/>
+            </a:endParaRPr>
+          </a:p>
+        </p:txBody>
+      </p:sp>
+      <p:sp>
+        <p:nvSpPr>
+          <p:cNvPr id="243" name="Google Shape;243;p37"/>
+          <p:cNvSpPr txBox="1">
+            <a:spLocks noGrp="1"/>
+          </p:cNvSpPr>
+          <p:nvPr>
+            <p:ph type="body" idx="1"/>
+          </p:nvPr>
+        </p:nvSpPr>
+        <p:spPr>
+          <a:xfrm>
+            <a:off x="311698" y="1152474"/>
+            <a:ext cx="8520599" cy="3799969"/>
+          </a:xfrm>
+          <a:prstGeom prst="rect">
+            <a:avLst/>
+          </a:prstGeom>
+          <a:noFill/>
+          <a:ln>
+            <a:noFill/>
+          </a:ln>
+        </p:spPr>
+        <p:txBody>
+          <a:bodyPr spcFirstLastPara="1" wrap="square" lIns="91425" tIns="91425" rIns="91425" bIns="91425" anchor="t" anchorCtr="0">
+            <a:noAutofit/>
+          </a:bodyPr>
+          <a:lstStyle/>
+          <a:p>
+            <a:pPr marL="457200" lvl="0" indent="-342900" algn="l" rtl="0">
+              <a:lnSpc>
+                <a:spcPct val="115000"/>
+              </a:lnSpc>
+              <a:spcBef>
+                <a:spcPts val="0"/>
+              </a:spcBef>
+              <a:spcAft>
+                <a:spcPts val="0"/>
+              </a:spcAft>
+              <a:buSzPts val="1800"/>
+              <a:buChar char="●"/>
+            </a:pPr>
+            <a:r>
+              <a:rPr lang="zh-TW" altLang="en-US" dirty="0"/>
+              <a:t>大改特改之後，想要上傳至雲端資料夾要經過三個步驟：</a:t>
+            </a:r>
+            <a:r>
+              <a:rPr lang="en-US" altLang="zh-TW" dirty="0"/>
+              <a:t>add, commit, push</a:t>
+            </a:r>
+          </a:p>
+          <a:p>
+            <a:pPr marL="457200" lvl="0" indent="-342900" algn="l" rtl="0">
+              <a:lnSpc>
+                <a:spcPct val="115000"/>
+              </a:lnSpc>
+              <a:spcBef>
+                <a:spcPts val="0"/>
+              </a:spcBef>
+              <a:spcAft>
+                <a:spcPts val="0"/>
+              </a:spcAft>
+              <a:buSzPts val="1800"/>
+              <a:buChar char="●"/>
+            </a:pPr>
+            <a:r>
+              <a:rPr lang="en-US" altLang="zh-TW" dirty="0">
+                <a:solidFill>
+                  <a:srgbClr val="FF0000"/>
+                </a:solidFill>
+              </a:rPr>
+              <a:t>git add --all </a:t>
+            </a:r>
+            <a:r>
+              <a:rPr lang="zh-TW" altLang="en-US" dirty="0">
+                <a:solidFill>
+                  <a:schemeClr val="tx1"/>
+                </a:solidFill>
+              </a:rPr>
+              <a:t>或者</a:t>
+            </a:r>
+            <a:r>
+              <a:rPr lang="zh-TW" altLang="en-US" dirty="0">
+                <a:solidFill>
+                  <a:srgbClr val="FF0000"/>
+                </a:solidFill>
+              </a:rPr>
+              <a:t> </a:t>
+            </a:r>
+            <a:r>
+              <a:rPr lang="en-US" altLang="zh-TW" dirty="0">
+                <a:solidFill>
+                  <a:srgbClr val="FF0000"/>
+                </a:solidFill>
+              </a:rPr>
+              <a:t>git add .</a:t>
+            </a:r>
+          </a:p>
+          <a:p>
+            <a:pPr marL="457200" lvl="0" indent="-342900" algn="l" rtl="0">
+              <a:lnSpc>
+                <a:spcPct val="115000"/>
+              </a:lnSpc>
+              <a:spcBef>
+                <a:spcPts val="0"/>
+              </a:spcBef>
+              <a:spcAft>
+                <a:spcPts val="0"/>
+              </a:spcAft>
+              <a:buSzPts val="1800"/>
+              <a:buChar char="●"/>
+            </a:pPr>
+            <a:r>
+              <a:rPr lang="en-US" altLang="zh-TW" dirty="0">
+                <a:solidFill>
+                  <a:srgbClr val="FF0000"/>
+                </a:solidFill>
+              </a:rPr>
+              <a:t>git commit -m </a:t>
+            </a:r>
+            <a:r>
+              <a:rPr lang="en-US" altLang="zh-TW" dirty="0">
+                <a:solidFill>
+                  <a:srgbClr val="FF0000"/>
+                </a:solidFill>
+                <a:latin typeface="Times New Roman" panose="02020603050405020304" pitchFamily="18" charset="0"/>
+                <a:cs typeface="Times New Roman" panose="02020603050405020304" pitchFamily="18" charset="0"/>
+              </a:rPr>
+              <a:t>“</a:t>
+            </a:r>
+            <a:r>
+              <a:rPr lang="en-US" altLang="zh-TW" dirty="0">
+                <a:solidFill>
+                  <a:srgbClr val="FF0000"/>
+                </a:solidFill>
+                <a:latin typeface="微軟正黑體" panose="020B0604030504040204" pitchFamily="34" charset="-120"/>
+                <a:ea typeface="微軟正黑體" panose="020B0604030504040204" pitchFamily="34" charset="-120"/>
+                <a:cs typeface="Times New Roman" panose="02020603050405020304" pitchFamily="18" charset="0"/>
+              </a:rPr>
+              <a:t>SOME MESSAGE</a:t>
+            </a:r>
+            <a:r>
+              <a:rPr lang="en-US" altLang="zh-TW" dirty="0">
+                <a:solidFill>
+                  <a:srgbClr val="FF0000"/>
+                </a:solidFill>
+                <a:latin typeface="Times New Roman" panose="02020603050405020304" pitchFamily="18" charset="0"/>
+                <a:cs typeface="Times New Roman" panose="02020603050405020304" pitchFamily="18" charset="0"/>
+              </a:rPr>
+              <a:t>”</a:t>
+            </a:r>
+          </a:p>
+          <a:p>
+            <a:pPr marL="457200" lvl="0" indent="-342900" algn="l" rtl="0">
+              <a:lnSpc>
+                <a:spcPct val="115000"/>
+              </a:lnSpc>
+              <a:spcBef>
+                <a:spcPts val="0"/>
+              </a:spcBef>
+              <a:spcAft>
+                <a:spcPts val="0"/>
+              </a:spcAft>
+              <a:buSzPts val="1800"/>
+              <a:buChar char="●"/>
+            </a:pPr>
+            <a:r>
+              <a:rPr lang="en-US" altLang="zh-TW" dirty="0">
+                <a:solidFill>
+                  <a:srgbClr val="FF0000"/>
+                </a:solidFill>
+                <a:latin typeface="微軟正黑體" panose="020B0604030504040204" pitchFamily="34" charset="-120"/>
+                <a:ea typeface="微軟正黑體" panose="020B0604030504040204" pitchFamily="34" charset="-120"/>
+                <a:cs typeface="Times New Roman" panose="02020603050405020304" pitchFamily="18" charset="0"/>
+              </a:rPr>
+              <a:t>git push</a:t>
+            </a:r>
+          </a:p>
+          <a:p>
+            <a:pPr marL="457200" lvl="0" indent="-342900" algn="l" rtl="0">
+              <a:lnSpc>
+                <a:spcPct val="115000"/>
+              </a:lnSpc>
+              <a:spcBef>
+                <a:spcPts val="0"/>
+              </a:spcBef>
+              <a:spcAft>
+                <a:spcPts val="0"/>
+              </a:spcAft>
+              <a:buSzPts val="1800"/>
+              <a:buChar char="●"/>
+            </a:pPr>
+            <a:r>
+              <a:rPr lang="en-US" altLang="zh-TW" dirty="0">
+                <a:latin typeface="微軟正黑體" panose="020B0604030504040204" pitchFamily="34" charset="-120"/>
+                <a:ea typeface="微軟正黑體" panose="020B0604030504040204" pitchFamily="34" charset="-120"/>
+              </a:rPr>
+              <a:t>git add</a:t>
+            </a:r>
+            <a:r>
+              <a:rPr lang="zh-TW" altLang="en-US" dirty="0">
+                <a:latin typeface="微軟正黑體" panose="020B0604030504040204" pitchFamily="34" charset="-120"/>
+                <a:ea typeface="微軟正黑體" panose="020B0604030504040204" pitchFamily="34" charset="-120"/>
+              </a:rPr>
+              <a:t> 代表將檔案加入索引，</a:t>
+            </a:r>
+            <a:r>
+              <a:rPr lang="en-US" altLang="zh-TW" dirty="0">
+                <a:latin typeface="微軟正黑體" panose="020B0604030504040204" pitchFamily="34" charset="-120"/>
+                <a:ea typeface="微軟正黑體" panose="020B0604030504040204" pitchFamily="34" charset="-120"/>
+              </a:rPr>
+              <a:t>--all</a:t>
+            </a:r>
+            <a:r>
+              <a:rPr lang="zh-TW" altLang="en-US" dirty="0">
+                <a:latin typeface="微軟正黑體" panose="020B0604030504040204" pitchFamily="34" charset="-120"/>
+                <a:ea typeface="微軟正黑體" panose="020B0604030504040204" pitchFamily="34" charset="-120"/>
+              </a:rPr>
+              <a:t>則是將所有檔案加進索引</a:t>
+            </a:r>
+            <a:endParaRPr lang="en-US" altLang="zh-TW" dirty="0">
+              <a:latin typeface="微軟正黑體" panose="020B0604030504040204" pitchFamily="34" charset="-120"/>
+              <a:ea typeface="微軟正黑體" panose="020B0604030504040204" pitchFamily="34" charset="-120"/>
+            </a:endParaRPr>
+          </a:p>
+          <a:p>
+            <a:pPr marL="457200" lvl="0" indent="-342900" algn="l" rtl="0">
+              <a:lnSpc>
+                <a:spcPct val="115000"/>
+              </a:lnSpc>
+              <a:spcBef>
+                <a:spcPts val="0"/>
+              </a:spcBef>
+              <a:spcAft>
+                <a:spcPts val="0"/>
+              </a:spcAft>
+              <a:buSzPts val="1800"/>
+              <a:buChar char="●"/>
+            </a:pPr>
+            <a:r>
+              <a:rPr lang="en-US" altLang="zh-TW" dirty="0">
+                <a:latin typeface="微軟正黑體" panose="020B0604030504040204" pitchFamily="34" charset="-120"/>
+                <a:ea typeface="微軟正黑體" panose="020B0604030504040204" pitchFamily="34" charset="-120"/>
+              </a:rPr>
+              <a:t>git commit </a:t>
+            </a:r>
+            <a:r>
+              <a:rPr lang="zh-TW" altLang="en-US" dirty="0">
+                <a:latin typeface="微軟正黑體" panose="020B0604030504040204" pitchFamily="34" charset="-120"/>
+                <a:ea typeface="微軟正黑體" panose="020B0604030504040204" pitchFamily="34" charset="-120"/>
+              </a:rPr>
+              <a:t>代表對這個版本下個簡單的註解，</a:t>
+            </a:r>
+            <a:r>
+              <a:rPr lang="en-US" altLang="zh-TW" dirty="0">
+                <a:latin typeface="微軟正黑體" panose="020B0604030504040204" pitchFamily="34" charset="-120"/>
+                <a:ea typeface="微軟正黑體" panose="020B0604030504040204" pitchFamily="34" charset="-120"/>
+              </a:rPr>
+              <a:t>-m </a:t>
+            </a:r>
+            <a:r>
+              <a:rPr lang="zh-TW" altLang="en-US" dirty="0">
+                <a:latin typeface="微軟正黑體" panose="020B0604030504040204" pitchFamily="34" charset="-120"/>
+                <a:ea typeface="微軟正黑體" panose="020B0604030504040204" pitchFamily="34" charset="-120"/>
+              </a:rPr>
+              <a:t>代表 </a:t>
+            </a:r>
+            <a:r>
+              <a:rPr lang="en-US" altLang="zh-TW" dirty="0">
+                <a:latin typeface="微軟正黑體" panose="020B0604030504040204" pitchFamily="34" charset="-120"/>
+                <a:ea typeface="微軟正黑體" panose="020B0604030504040204" pitchFamily="34" charset="-120"/>
+              </a:rPr>
+              <a:t>message</a:t>
+            </a:r>
+            <a:r>
+              <a:rPr lang="zh-TW" altLang="en-US" dirty="0">
+                <a:latin typeface="微軟正黑體" panose="020B0604030504040204" pitchFamily="34" charset="-120"/>
+                <a:ea typeface="微軟正黑體" panose="020B0604030504040204" pitchFamily="34" charset="-120"/>
+              </a:rPr>
+              <a:t>，然後含兩個雙引號將訊息打進去。</a:t>
+            </a:r>
+            <a:endParaRPr lang="en-US" altLang="zh-TW" dirty="0">
+              <a:latin typeface="微軟正黑體" panose="020B0604030504040204" pitchFamily="34" charset="-120"/>
+              <a:ea typeface="微軟正黑體" panose="020B0604030504040204" pitchFamily="34" charset="-120"/>
+            </a:endParaRPr>
+          </a:p>
+          <a:p>
+            <a:pPr marL="457200" lvl="0" indent="-342900" algn="l" rtl="0">
+              <a:lnSpc>
+                <a:spcPct val="115000"/>
+              </a:lnSpc>
+              <a:spcBef>
+                <a:spcPts val="0"/>
+              </a:spcBef>
+              <a:spcAft>
+                <a:spcPts val="0"/>
+              </a:spcAft>
+              <a:buSzPts val="1800"/>
+              <a:buChar char="●"/>
+            </a:pPr>
+            <a:r>
+              <a:rPr lang="en-US" altLang="zh-TW" dirty="0">
+                <a:latin typeface="微軟正黑體" panose="020B0604030504040204" pitchFamily="34" charset="-120"/>
+                <a:ea typeface="微軟正黑體" panose="020B0604030504040204" pitchFamily="34" charset="-120"/>
+              </a:rPr>
+              <a:t>git push </a:t>
+            </a:r>
+            <a:r>
+              <a:rPr lang="zh-TW" altLang="en-US" dirty="0">
+                <a:latin typeface="微軟正黑體" panose="020B0604030504040204" pitchFamily="34" charset="-120"/>
+                <a:ea typeface="微軟正黑體" panose="020B0604030504040204" pitchFamily="34" charset="-120"/>
+              </a:rPr>
+              <a:t>顧名思義就是將這個版本推上去。</a:t>
+            </a:r>
+            <a:endParaRPr lang="en-US" altLang="zh-TW" dirty="0">
+              <a:latin typeface="微軟正黑體" panose="020B0604030504040204" pitchFamily="34" charset="-120"/>
+              <a:ea typeface="微軟正黑體" panose="020B0604030504040204" pitchFamily="34" charset="-120"/>
+            </a:endParaRPr>
+          </a:p>
+          <a:p>
+            <a:pPr lvl="0"/>
+            <a:r>
+              <a:rPr lang="zh-TW" altLang="en-US" dirty="0"/>
+              <a:t>此外，如果要看更動的話，那可以輸入 </a:t>
+            </a:r>
+            <a:r>
+              <a:rPr lang="en-US" altLang="zh-TW" dirty="0">
+                <a:solidFill>
+                  <a:srgbClr val="FF0000"/>
+                </a:solidFill>
+              </a:rPr>
+              <a:t>git log</a:t>
+            </a:r>
+          </a:p>
+          <a:p>
+            <a:pPr lvl="0"/>
+            <a:r>
+              <a:rPr lang="zh-TW" altLang="en-US" dirty="0">
+                <a:solidFill>
+                  <a:schemeClr val="tx2">
+                    <a:lumMod val="75000"/>
+                  </a:schemeClr>
+                </a:solidFill>
+              </a:rPr>
+              <a:t>這些指令後面可以加別的參數，會有不同效果</a:t>
+            </a:r>
+            <a:endParaRPr lang="en-US" altLang="zh-TW" dirty="0">
+              <a:solidFill>
+                <a:schemeClr val="tx2">
+                  <a:lumMod val="75000"/>
+                </a:schemeClr>
+              </a:solidFill>
+            </a:endParaRPr>
+          </a:p>
+          <a:p>
+            <a:pPr marL="457200" lvl="0" indent="-342900" algn="l" rtl="0">
+              <a:lnSpc>
+                <a:spcPct val="115000"/>
+              </a:lnSpc>
+              <a:spcBef>
+                <a:spcPts val="0"/>
+              </a:spcBef>
+              <a:spcAft>
+                <a:spcPts val="0"/>
+              </a:spcAft>
+              <a:buSzPts val="1800"/>
+              <a:buChar char="●"/>
+            </a:pPr>
+            <a:endParaRPr lang="en-US" altLang="zh-TW" dirty="0"/>
+          </a:p>
+          <a:p>
+            <a:pPr marL="457200" lvl="0" indent="-342900" algn="l" rtl="0">
+              <a:lnSpc>
+                <a:spcPct val="115000"/>
+              </a:lnSpc>
+              <a:spcBef>
+                <a:spcPts val="0"/>
+              </a:spcBef>
+              <a:spcAft>
+                <a:spcPts val="0"/>
+              </a:spcAft>
+              <a:buSzPts val="1800"/>
+              <a:buChar char="●"/>
+            </a:pPr>
+            <a:endParaRPr lang="en-US" altLang="zh-TW" dirty="0"/>
+          </a:p>
+          <a:p>
+            <a:pPr marL="457200" lvl="0" indent="-342900" algn="l" rtl="0">
+              <a:lnSpc>
+                <a:spcPct val="115000"/>
+              </a:lnSpc>
+              <a:spcBef>
+                <a:spcPts val="0"/>
+              </a:spcBef>
+              <a:spcAft>
+                <a:spcPts val="0"/>
+              </a:spcAft>
+              <a:buSzPts val="1800"/>
+              <a:buChar char="●"/>
+            </a:pPr>
+            <a:endParaRPr lang="en-US" altLang="zh-TW" dirty="0"/>
+          </a:p>
+          <a:p>
+            <a:pPr marL="457200" lvl="0" indent="-342900" algn="l" rtl="0">
+              <a:lnSpc>
+                <a:spcPct val="115000"/>
+              </a:lnSpc>
+              <a:spcBef>
+                <a:spcPts val="0"/>
+              </a:spcBef>
+              <a:spcAft>
+                <a:spcPts val="0"/>
+              </a:spcAft>
+              <a:buSzPts val="1800"/>
+              <a:buChar char="●"/>
+            </a:pPr>
+            <a:endParaRPr lang="en-US" altLang="zh-TW" dirty="0"/>
+          </a:p>
+          <a:p>
+            <a:pPr marL="457200" lvl="0" indent="-342900" algn="l" rtl="0">
+              <a:lnSpc>
+                <a:spcPct val="115000"/>
+              </a:lnSpc>
+              <a:spcBef>
+                <a:spcPts val="0"/>
+              </a:spcBef>
+              <a:spcAft>
+                <a:spcPts val="0"/>
+              </a:spcAft>
+              <a:buSzPts val="1800"/>
+              <a:buChar char="●"/>
+            </a:pPr>
+            <a:endParaRPr dirty="0"/>
+          </a:p>
+        </p:txBody>
+      </p:sp>
+      <p:sp>
+        <p:nvSpPr>
+          <p:cNvPr id="2" name="投影片編號版面配置區 1">
+            <a:extLst>
+              <a:ext uri="{FF2B5EF4-FFF2-40B4-BE49-F238E27FC236}">
+                <a16:creationId xmlns:a16="http://schemas.microsoft.com/office/drawing/2014/main" id="{E5F2B600-0B8E-4FD9-BC4F-8E04A1563A49}"/>
+              </a:ext>
+            </a:extLst>
+          </p:cNvPr>
+          <p:cNvSpPr>
+            <a:spLocks noGrp="1"/>
+          </p:cNvSpPr>
+          <p:nvPr>
+            <p:ph type="sldNum" idx="12"/>
+          </p:nvPr>
+        </p:nvSpPr>
+        <p:spPr/>
+        <p:txBody>
+          <a:bodyPr/>
+          <a:lstStyle/>
+          <a:p>
+            <a:pPr marL="0" lvl="0" indent="0" algn="r" rtl="0">
+              <a:spcBef>
+                <a:spcPts val="0"/>
+              </a:spcBef>
+              <a:spcAft>
+                <a:spcPts val="0"/>
+              </a:spcAft>
+              <a:buNone/>
+            </a:pPr>
+            <a:fld id="{00000000-1234-1234-1234-123412341234}" type="slidenum">
+              <a:rPr lang="en-US" smtClean="0"/>
+              <a:t>18</a:t>
             </a:fld>
             <a:endParaRPr lang="en-US"/>
           </a:p>
@@ -14736,7 +15407,24 @@
                 <a:cs typeface="Microsoft JhengHei"/>
                 <a:sym typeface="Microsoft JhengHei"/>
               </a:rPr>
-              <a:t>Codebook making</a:t>
+              <a:t>Codebook making (</a:t>
+            </a:r>
+            <a:r>
+              <a:rPr lang="zh-TW" altLang="en-US" dirty="0"/>
+              <a:t>複製</a:t>
+            </a:r>
+            <a:r>
+              <a:rPr lang="en-US" altLang="zh-TW" dirty="0"/>
+              <a:t>Codebook</a:t>
+            </a:r>
+            <a:r>
+              <a:rPr lang="en-US" altLang="zh-TW" dirty="0">
+                <a:latin typeface="Microsoft JhengHei"/>
+                <a:ea typeface="Microsoft JhengHei"/>
+                <a:cs typeface="Microsoft JhengHei"/>
+                <a:sym typeface="Microsoft JhengHei"/>
+              </a:rPr>
+              <a:t>)</a:t>
             </a:r>
             <a:endParaRPr dirty="0">
               <a:latin typeface="Microsoft JhengHei"/>
@@ -14790,33 +15478,6 @@
               <a:buChar char="●"/>
             </a:pPr>
             <a:r>
-              <a:rPr lang="en-US" altLang="zh-TW" dirty="0"/>
-              <a:t>Download </a:t>
-            </a:r>
-            <a:r>
-              <a:rPr lang="en-US" altLang="zh-TW" dirty="0" err="1"/>
-              <a:t>texwork</a:t>
-            </a:r>
-            <a:r>
-              <a:rPr lang="en-US" altLang="zh-TW" dirty="0"/>
-              <a:t> and install</a:t>
-            </a:r>
-          </a:p>
-          <a:p>
-            <a:pPr marL="457200" lvl="0" indent="-342900" algn="l" rtl="0">
-              <a:lnSpc>
-                <a:spcPct val="115000"/>
-              </a:lnSpc>
-              <a:spcBef>
-                <a:spcPts val="0"/>
-              </a:spcBef>
-              <a:spcAft>
-                <a:spcPts val="0"/>
-              </a:spcAft>
-              <a:buSzPts val="1800"/>
-              <a:buChar char="●"/>
-            </a:pPr>
-            <a:r>
               <a:rPr lang="zh-TW" altLang="en-US" dirty="0"/>
               <a:t>去</a:t>
             </a:r>
@@ -14842,37 +15503,6 @@
               <a:rPr lang="en-US" altLang="zh-TW" dirty="0"/>
               <a:t>)</a:t>
             </a:r>
-          </a:p>
-          <a:p>
-            <a:pPr lvl="0"/>
-            <a:r>
-              <a:rPr lang="zh-TW" altLang="en-US" dirty="0"/>
-              <a:t>解壓縮完裡面有個「</a:t>
-            </a:r>
-            <a:r>
-              <a:rPr lang="en-US" altLang="zh-TW" dirty="0"/>
-              <a:t>NotoSansCJKtc-Regular.otf</a:t>
-            </a:r>
-            <a:r>
-              <a:rPr lang="zh-TW" altLang="en-US" dirty="0"/>
-              <a:t>」的檔案，</a:t>
-            </a:r>
-            <a:r>
-              <a:rPr lang="zh-TW" altLang="en-US" dirty="0">
-                <a:solidFill>
-                  <a:srgbClr val="FF0000"/>
-                </a:solidFill>
-              </a:rPr>
-              <a:t>對其右鍵「為所有使用者安裝」</a:t>
-            </a:r>
-            <a:endParaRPr lang="en-US" altLang="zh-TW" dirty="0">
-              <a:solidFill>
-                <a:srgbClr val="FF0000"/>
-              </a:solidFill>
-            </a:endParaRPr>
-          </a:p>
-          <a:p>
-            <a:pPr lvl="0"/>
             <a:endParaRPr lang="en-US" altLang="zh-TW" dirty="0">
               <a:solidFill>
                 <a:srgbClr val="FF0000"/>
@@ -14989,7 +15619,7 @@
         </p:blipFill>
         <p:spPr>
           <a:xfrm>
-            <a:off x="311699" y="2552775"/>
+            <a:off x="459617" y="1660251"/>
             <a:ext cx="5588517" cy="2307242"/>
           </a:xfrm>
           <a:prstGeom prst="rect">
@@ -15076,16 +15706,16 @@
                 <a:cs typeface="Microsoft JhengHei"/>
                 <a:sym typeface="Microsoft JhengHei"/>
               </a:rPr>
-              <a:t>Codebook making(</a:t>
-            </a:r>
-            <a:r>
-              <a:rPr lang="en-US" altLang="zh-TW" dirty="0" err="1">
+              <a:t>Codebook making (</a:t>
+            </a:r>
+            <a:r>
+              <a:rPr lang="zh-TW" altLang="en-US" dirty="0">
                 <a:latin typeface="Microsoft JhengHei"/>
                 <a:ea typeface="Microsoft JhengHei"/>
                 <a:cs typeface="Microsoft JhengHei"/>
                 <a:sym typeface="Microsoft JhengHei"/>
               </a:rPr>
-              <a:t>Miktex</a:t>
+              <a:t>下載編輯器跟字體</a:t>
             </a:r>
             <a:r>
               <a:rPr lang="en-US" altLang="zh-TW" dirty="0">
@@ -15118,7 +15748,7 @@
         <p:spPr>
           <a:xfrm>
             <a:off x="311699" y="1152475"/>
-            <a:ext cx="8709459" cy="3416400"/>
+            <a:ext cx="8429691" cy="3416400"/>
           </a:xfrm>
           <a:prstGeom prst="rect">
             <a:avLst/>
@@ -15149,51 +15779,59 @@
             </a:pPr>
             <a:r>
               <a:rPr lang="zh-TW" altLang="en-US" dirty="0"/>
-              <a:t>去</a:t>
-            </a:r>
-            <a:r>
-              <a:rPr lang="zh-TW" altLang="en-US" dirty="0">
+              <a:t>下載 </a:t>
+            </a:r>
+            <a:r>
+              <a:rPr lang="en-US" altLang="zh-TW" dirty="0">
                 <a:hlinkClick r:id="rId3"/>
               </a:rPr>
-              <a:t>官網</a:t>
-            </a:r>
-            <a:r>
-              <a:rPr lang="zh-TW" altLang="en-US" dirty="0"/>
-              <a:t>下載</a:t>
+              <a:t>texwork</a:t>
             </a:r>
             <a:r>
               <a:rPr lang="en-US" altLang="zh-TW" dirty="0"/>
               <a:t> </a:t>
             </a:r>
             <a:r>
-              <a:rPr lang="en-US" altLang="zh-TW" dirty="0" err="1"/>
-              <a:t>miktex</a:t>
-            </a:r>
-            <a:r>
               <a:rPr lang="zh-TW" altLang="en-US" dirty="0"/>
-              <a:t>，懶就點</a:t>
-            </a:r>
-            <a:r>
-              <a:rPr lang="zh-TW" altLang="en-US" dirty="0">
+              <a:t>跟 </a:t>
+            </a:r>
+            <a:r>
+              <a:rPr lang="en-US" altLang="zh-TW" sz="1800" b="0" i="0" dirty="0">
+                <a:solidFill>
+                  <a:srgbClr val="616161"/>
+                </a:solidFill>
+                <a:effectLst/>
+                <a:latin typeface="Microsoft JhengHei" panose="020B0604030504040204" pitchFamily="34" charset="-120"/>
+                <a:ea typeface="Microsoft JhengHei" panose="020B0604030504040204" pitchFamily="34" charset="-120"/>
+                <a:cs typeface="Microsoft JhengHei" panose="020B0604030504040204" pitchFamily="34" charset="-120"/>
                 <a:hlinkClick r:id="rId4"/>
               </a:rPr>
-              <a:t>這個</a:t>
-            </a:r>
-            <a:r>
-              <a:rPr lang="zh-TW" altLang="en-US" dirty="0"/>
-              <a:t>或</a:t>
-            </a:r>
-            <a:r>
-              <a:rPr lang="zh-TW" altLang="en-US" dirty="0">
-                <a:hlinkClick r:id="rId5"/>
+              <a:t>NotoSansCJKtc-Regular.otf</a:t>
+            </a:r>
+            <a:r>
+              <a:rPr lang="zh-TW" altLang="en-US" sz="1800" b="0" i="0" dirty="0">
+                <a:solidFill>
+                  <a:srgbClr val="616161"/>
+                </a:solidFill>
+                <a:effectLst/>
+                <a:latin typeface="Microsoft JhengHei" panose="020B0604030504040204" pitchFamily="34" charset="-120"/>
+                <a:ea typeface="Microsoft JhengHei" panose="020B0604030504040204" pitchFamily="34" charset="-120"/>
+                <a:cs typeface="Microsoft JhengHei" panose="020B0604030504040204" pitchFamily="34" charset="-120"/>
               </a:rPr>
-              <a:t>這個</a:t>
-            </a:r>
-            <a:r>
-              <a:rPr lang="zh-TW" altLang="en-US" dirty="0"/>
-              <a:t>，會直接下載，安裝過程按下一步到底</a:t>
-            </a:r>
-            <a:endParaRPr lang="en-US" altLang="zh-TW" dirty="0"/>
+              <a:t>，如果超連結失效就自己 </a:t>
+            </a:r>
+            <a:r>
+              <a:rPr lang="en-US" altLang="zh-TW" sz="1800" b="0" i="0" dirty="0">
+                <a:solidFill>
+                  <a:srgbClr val="616161"/>
+                </a:solidFill>
+                <a:effectLst/>
+                <a:latin typeface="Microsoft JhengHei" panose="020B0604030504040204" pitchFamily="34" charset="-120"/>
+                <a:ea typeface="Microsoft JhengHei" panose="020B0604030504040204" pitchFamily="34" charset="-120"/>
+                <a:cs typeface="Microsoft JhengHei" panose="020B0604030504040204" pitchFamily="34" charset="-120"/>
+              </a:rPr>
+              <a:t>Google</a:t>
+            </a:r>
           </a:p>
           <a:p>
             <a:pPr marL="457200" lvl="0" indent="-342900" algn="l" rtl="0">
@@ -15210,307 +15848,37 @@
               <a:buChar char="●"/>
             </a:pPr>
             <a:r>
-              <a:rPr lang="en-US" altLang="zh-TW" dirty="0">
-                <a:solidFill>
-                  <a:schemeClr val="tx1"/>
-                </a:solidFill>
+              <a:rPr lang="en-US" altLang="zh-TW" sz="1800" b="0" i="0" dirty="0">
+                <a:solidFill>
+                  <a:srgbClr val="616161"/>
+                </a:solidFill>
+                <a:effectLst/>
+                <a:latin typeface="Microsoft JhengHei" panose="020B0604030504040204" pitchFamily="34" charset="-120"/>
+                <a:ea typeface="Microsoft JhengHei" panose="020B0604030504040204" pitchFamily="34" charset="-120"/>
+                <a:cs typeface="Microsoft JhengHei" panose="020B0604030504040204" pitchFamily="34" charset="-120"/>
               </a:rPr>
-              <a:t>Windows</a:t>
-            </a:r>
-            <a:r>
-              <a:rPr lang="zh-TW" altLang="en-US" dirty="0">
-                <a:solidFill>
-                  <a:schemeClr val="tx1"/>
-                </a:solidFill>
+              <a:t>Google Fonts </a:t>
+            </a:r>
+            <a:r>
+              <a:rPr lang="zh-TW" altLang="en-US" sz="1800" b="0" i="0" dirty="0">
+                <a:solidFill>
+                  <a:srgbClr val="616161"/>
+                </a:solidFill>
+                <a:effectLst/>
+                <a:latin typeface="Microsoft JhengHei" panose="020B0604030504040204" pitchFamily="34" charset="-120"/>
+                <a:ea typeface="Microsoft JhengHei" panose="020B0604030504040204" pitchFamily="34" charset="-120"/>
+                <a:cs typeface="Microsoft JhengHei" panose="020B0604030504040204" pitchFamily="34" charset="-120"/>
               </a:rPr>
-              <a:t>開始</a:t>
-            </a:r>
-            <a:r>
-              <a:rPr lang="en-US" altLang="zh-TW" dirty="0">
-                <a:solidFill>
-                  <a:schemeClr val="tx1"/>
-                </a:solidFill>
-              </a:rPr>
-              <a:t>&gt;</a:t>
-            </a:r>
-            <a:r>
-              <a:rPr lang="zh-TW" altLang="en-US" dirty="0">
-                <a:solidFill>
-                  <a:schemeClr val="tx1"/>
-                </a:solidFill>
-              </a:rPr>
-              <a:t>找到</a:t>
-            </a:r>
-            <a:r>
-              <a:rPr lang="en-US" altLang="zh-TW" dirty="0" err="1">
-                <a:solidFill>
-                  <a:schemeClr val="tx1"/>
-                </a:solidFill>
-              </a:rPr>
-              <a:t>Miktex</a:t>
-            </a:r>
-            <a:r>
-              <a:rPr lang="en-US" altLang="zh-TW" dirty="0">
-                <a:solidFill>
-                  <a:schemeClr val="tx1"/>
-                </a:solidFill>
-              </a:rPr>
-              <a:t> console</a:t>
-            </a:r>
-            <a:r>
-              <a:rPr lang="zh-TW" altLang="en-US" dirty="0">
-                <a:solidFill>
-                  <a:schemeClr val="tx1"/>
-                </a:solidFill>
-              </a:rPr>
-              <a:t>之後右鍵「以系統管理員身份執行」</a:t>
-            </a:r>
-            <a:endParaRPr lang="en-US" altLang="zh-TW" dirty="0">
+              <a:t>有這字體，應該不會出大事情</a:t>
+            </a:r>
+            <a:endParaRPr lang="en-US" altLang="zh-TW" sz="1800" b="0" i="0" dirty="0">
               <a:solidFill>
-                <a:schemeClr val="tx1"/>
+                <a:srgbClr val="616161"/>
               </a:solidFill>
-            </a:endParaRPr>
-          </a:p>
-          <a:p>
-            <a:pPr marL="457200" lvl="0" indent="-342900" algn="l" rtl="0">
-              <a:lnSpc>
-                <a:spcPct val="115000"/>
-              </a:lnSpc>
-              <a:spcBef>
-                <a:spcPts val="0"/>
-              </a:spcBef>
-              <a:spcAft>
-                <a:spcPts val="0"/>
-              </a:spcAft>
-              <a:buSzPts val="1800"/>
-              <a:buChar char="●"/>
-            </a:pPr>
-            <a:r>
-              <a:rPr lang="zh-TW" altLang="en-US" dirty="0">
-                <a:solidFill>
-                  <a:schemeClr val="tx1"/>
-                </a:solidFill>
-              </a:rPr>
-              <a:t>如果沒有蹦出畫面，那代表背景就會</a:t>
-            </a:r>
-            <a:r>
-              <a:rPr lang="en-US" altLang="zh-TW" dirty="0">
-                <a:solidFill>
-                  <a:schemeClr val="tx1"/>
-                </a:solidFill>
-              </a:rPr>
-              <a:t>run </a:t>
-            </a:r>
-            <a:r>
-              <a:rPr lang="en-US" altLang="zh-TW" dirty="0" err="1">
-                <a:solidFill>
-                  <a:schemeClr val="tx1"/>
-                </a:solidFill>
-              </a:rPr>
-              <a:t>Miktex</a:t>
-            </a:r>
-            <a:r>
-              <a:rPr lang="zh-TW" altLang="en-US" dirty="0">
-                <a:solidFill>
-                  <a:schemeClr val="tx1"/>
-                </a:solidFill>
-              </a:rPr>
-              <a:t>，此時</a:t>
-            </a:r>
-            <a:r>
-              <a:rPr lang="en-US" altLang="zh-TW" dirty="0">
-                <a:solidFill>
-                  <a:schemeClr val="tx1"/>
-                </a:solidFill>
-              </a:rPr>
-              <a:t>Windows</a:t>
-            </a:r>
-            <a:r>
-              <a:rPr lang="zh-TW" altLang="en-US" dirty="0">
-                <a:solidFill>
-                  <a:schemeClr val="tx1"/>
-                </a:solidFill>
-              </a:rPr>
-              <a:t>右下方工具列找</a:t>
-            </a:r>
-            <a:r>
-              <a:rPr lang="en-US" altLang="zh-TW" dirty="0" err="1">
-                <a:solidFill>
-                  <a:schemeClr val="tx1"/>
-                </a:solidFill>
-              </a:rPr>
-              <a:t>Miktex</a:t>
-            </a:r>
-            <a:r>
-              <a:rPr lang="zh-TW" altLang="en-US" dirty="0">
-                <a:solidFill>
-                  <a:schemeClr val="tx1"/>
-                </a:solidFill>
-              </a:rPr>
-              <a:t>的</a:t>
-            </a:r>
-            <a:r>
-              <a:rPr lang="en-US" altLang="zh-TW" dirty="0">
-                <a:solidFill>
-                  <a:schemeClr val="tx1"/>
-                </a:solidFill>
-              </a:rPr>
-              <a:t>icon</a:t>
-            </a:r>
-            <a:r>
-              <a:rPr lang="zh-TW" altLang="en-US" dirty="0">
-                <a:solidFill>
-                  <a:schemeClr val="tx1"/>
-                </a:solidFill>
-              </a:rPr>
-              <a:t>重新點開（</a:t>
-            </a:r>
-            <a:r>
-              <a:rPr lang="en-US" altLang="zh-TW" dirty="0">
-                <a:solidFill>
-                  <a:schemeClr val="tx1"/>
-                </a:solidFill>
-              </a:rPr>
-              <a:t>icon</a:t>
-            </a:r>
-            <a:r>
-              <a:rPr lang="zh-TW" altLang="en-US" dirty="0">
-                <a:solidFill>
-                  <a:schemeClr val="tx1"/>
-                </a:solidFill>
-              </a:rPr>
-              <a:t>為下圖的右下角）</a:t>
-            </a:r>
-            <a:endParaRPr lang="en-US" altLang="zh-TW" dirty="0">
-              <a:solidFill>
-                <a:schemeClr val="tx1"/>
-              </a:solidFill>
-            </a:endParaRPr>
-          </a:p>
-          <a:p>
-            <a:pPr marL="457200" lvl="0" indent="-342900" algn="l" rtl="0">
-              <a:lnSpc>
-                <a:spcPct val="115000"/>
-              </a:lnSpc>
-              <a:spcBef>
-                <a:spcPts val="0"/>
-              </a:spcBef>
-              <a:spcAft>
-                <a:spcPts val="0"/>
-              </a:spcAft>
-              <a:buSzPts val="1800"/>
-              <a:buChar char="●"/>
-            </a:pPr>
-            <a:r>
-              <a:rPr lang="zh-TW" altLang="en-US" dirty="0">
-                <a:solidFill>
-                  <a:schemeClr val="tx1"/>
-                </a:solidFill>
-              </a:rPr>
-              <a:t>第一次</a:t>
-            </a:r>
-            <a:r>
-              <a:rPr lang="en-US" altLang="zh-TW" dirty="0" err="1">
-                <a:solidFill>
-                  <a:schemeClr val="tx1"/>
-                </a:solidFill>
-              </a:rPr>
-              <a:t>Miktex</a:t>
-            </a:r>
-            <a:r>
-              <a:rPr lang="en-US" altLang="zh-TW" dirty="0">
-                <a:solidFill>
-                  <a:schemeClr val="tx1"/>
-                </a:solidFill>
-              </a:rPr>
-              <a:t> console&gt;package</a:t>
-            </a:r>
-            <a:r>
-              <a:rPr lang="zh-TW" altLang="en-US" dirty="0">
-                <a:solidFill>
-                  <a:schemeClr val="tx1"/>
-                </a:solidFill>
-              </a:rPr>
-              <a:t>需要加載，等個一分鐘應該就會好了，之後點</a:t>
-            </a:r>
-            <a:r>
-              <a:rPr lang="en-US" altLang="zh-TW" dirty="0">
-                <a:solidFill>
-                  <a:schemeClr val="tx1"/>
-                </a:solidFill>
-              </a:rPr>
-              <a:t>package&gt;</a:t>
-            </a:r>
-            <a:r>
-              <a:rPr lang="zh-TW" altLang="en-US" dirty="0">
-                <a:solidFill>
-                  <a:schemeClr val="tx1"/>
-                </a:solidFill>
-              </a:rPr>
-              <a:t>對話框搜尋</a:t>
-            </a:r>
-            <a:r>
-              <a:rPr lang="en-US" altLang="zh-TW" dirty="0" err="1">
-                <a:solidFill>
-                  <a:schemeClr val="tx1"/>
-                </a:solidFill>
-              </a:rPr>
-              <a:t>xecjk</a:t>
-            </a:r>
-            <a:r>
-              <a:rPr lang="zh-TW" altLang="en-US" dirty="0">
-                <a:solidFill>
-                  <a:schemeClr val="tx1"/>
-                </a:solidFill>
-              </a:rPr>
-              <a:t>之後安裝他</a:t>
-            </a:r>
-            <a:endParaRPr lang="en-US" altLang="zh-TW" dirty="0">
-              <a:solidFill>
-                <a:schemeClr val="tx1"/>
-              </a:solidFill>
-            </a:endParaRPr>
-          </a:p>
-          <a:p>
-            <a:pPr marL="457200" lvl="0" indent="-342900" algn="l" rtl="0">
-              <a:lnSpc>
-                <a:spcPct val="115000"/>
-              </a:lnSpc>
-              <a:spcBef>
-                <a:spcPts val="0"/>
-              </a:spcBef>
-              <a:spcAft>
-                <a:spcPts val="0"/>
-              </a:spcAft>
-              <a:buSzPts val="1800"/>
-              <a:buChar char="●"/>
-            </a:pPr>
-            <a:endParaRPr lang="en-US" altLang="zh-TW" dirty="0">
-              <a:solidFill>
-                <a:schemeClr val="tx1"/>
-              </a:solidFill>
-              <a:latin typeface="Times New Roman" panose="02020603050405020304" pitchFamily="18" charset="0"/>
-              <a:cs typeface="Times New Roman" panose="02020603050405020304" pitchFamily="18" charset="0"/>
-            </a:endParaRPr>
-          </a:p>
-          <a:p>
-            <a:pPr marL="457200" lvl="0" indent="-342900" algn="l" rtl="0">
-              <a:lnSpc>
-                <a:spcPct val="115000"/>
-              </a:lnSpc>
-              <a:spcBef>
-                <a:spcPts val="0"/>
-              </a:spcBef>
-              <a:spcAft>
-                <a:spcPts val="0"/>
-              </a:spcAft>
-              <a:buSzPts val="1800"/>
-              <a:buChar char="●"/>
-            </a:pPr>
-            <a:endParaRPr lang="en-US" altLang="zh-TW" dirty="0">
-              <a:solidFill>
-                <a:schemeClr val="tx1"/>
-              </a:solidFill>
+              <a:effectLst/>
+              <a:latin typeface="Microsoft JhengHei" panose="020B0604030504040204" pitchFamily="34" charset="-120"/>
+              <a:ea typeface="Microsoft JhengHei" panose="020B0604030504040204" pitchFamily="34" charset="-120"/>
+              <a:cs typeface="Microsoft JhengHei" panose="020B0604030504040204" pitchFamily="34" charset="-120"/>
             </a:endParaRPr>
           </a:p>
           <a:p>
@@ -15528,38 +15896,6 @@
               <a:buChar char="●"/>
             </a:pPr>
             <a:endParaRPr lang="en-US" altLang="zh-TW" dirty="0"/>
-          </a:p>
-          <a:p>
-            <a:pPr marL="457200" lvl="0" indent="-342900" algn="l" rtl="0">
-              <a:lnSpc>
-                <a:spcPct val="115000"/>
-              </a:lnSpc>
-              <a:spcBef>
-                <a:spcPts val="0"/>
-              </a:spcBef>
-              <a:spcAft>
-                <a:spcPts val="0"/>
-              </a:spcAft>
-              <a:buSzPts val="1800"/>
-              <a:buChar char="●"/>
-            </a:pPr>
-            <a:endParaRPr lang="en-US" altLang="zh-TW" dirty="0"/>
-          </a:p>
-          <a:p>
-            <a:pPr marL="457200" lvl="0" indent="-342900" algn="l" rtl="0">
-              <a:lnSpc>
-                <a:spcPct val="115000"/>
-              </a:lnSpc>
-              <a:spcBef>
-                <a:spcPts val="0"/>
-              </a:spcBef>
-              <a:spcAft>
-                <a:spcPts val="0"/>
-              </a:spcAft>
-              <a:buSzPts val="1800"/>
-              <a:buChar char="●"/>
-            </a:pPr>
-            <a:endParaRPr dirty="0"/>
           </a:p>
         </p:txBody>
       </p:sp>
@@ -15603,10 +15939,10 @@
       </p:sp>
       <p:pic>
         <p:nvPicPr>
-          <p:cNvPr id="3" name="圖片 2">
+          <p:cNvPr id="4" name="圖片 3">
             <a:extLst>
               <a:ext uri="{FF2B5EF4-FFF2-40B4-BE49-F238E27FC236}">
-                <a16:creationId xmlns:a16="http://schemas.microsoft.com/office/drawing/2014/main" id="{BC071B12-E415-42DF-91D9-A50B5C4D3DDC}"/>
+                <a16:creationId xmlns:a16="http://schemas.microsoft.com/office/drawing/2014/main" id="{386756F8-9D88-4550-8EFB-F8E588C911A1}"/>
               </a:ext>
             </a:extLst>
           </p:cNvPr>
@@ -15615,16 +15951,15 @@
           </p:cNvPicPr>
           <p:nvPr/>
         </p:nvPicPr>
-        <p:blipFill>
-          <a:blip r:embed="rId6"/>
-          <a:stretch>
-            <a:fillRect/>
-          </a:stretch>
+        <p:blipFill rotWithShape="1">
+          <a:blip r:embed="rId5"/>
+          <a:srcRect t="11201"/>
+          <a:stretch/>
         </p:blipFill>
         <p:spPr>
           <a:xfrm>
-            <a:off x="311699" y="3576629"/>
-            <a:ext cx="1143160" cy="828791"/>
+            <a:off x="570699" y="2262279"/>
+            <a:ext cx="5930153" cy="2306596"/>
           </a:xfrm>
           <a:prstGeom prst="rect">
             <a:avLst/>
@@ -15634,7 +15969,7 @@
     </p:spTree>
     <p:extLst>
       <p:ext uri="{BB962C8B-B14F-4D97-AF65-F5344CB8AC3E}">
-        <p14:creationId xmlns:p14="http://schemas.microsoft.com/office/powerpoint/2010/main" val="2200015890"/>
+        <p14:creationId xmlns:p14="http://schemas.microsoft.com/office/powerpoint/2010/main" val="479973042"/>
       </p:ext>
     </p:extLst>
   </p:cSld>
@@ -15710,7 +16045,25 @@
                 <a:cs typeface="Microsoft JhengHei"/>
                 <a:sym typeface="Microsoft JhengHei"/>
               </a:rPr>
-              <a:t>Codebook making</a:t>
+              <a:t>Codebook making (</a:t>
+            </a:r>
+            <a:r>
+              <a:rPr lang="en-US" altLang="zh-TW" dirty="0" err="1">
+                <a:latin typeface="Microsoft JhengHei"/>
+                <a:ea typeface="Microsoft JhengHei"/>
+                <a:cs typeface="Microsoft JhengHei"/>
+                <a:sym typeface="Microsoft JhengHei"/>
+              </a:rPr>
+              <a:t>Miktex</a:t>
+            </a:r>
+            <a:r>
+              <a:rPr lang="en-US" altLang="zh-TW" dirty="0">
+                <a:latin typeface="Microsoft JhengHei"/>
+                <a:ea typeface="Microsoft JhengHei"/>
+                <a:cs typeface="Microsoft JhengHei"/>
+                <a:sym typeface="Microsoft JhengHei"/>
+              </a:rPr>
+              <a:t>)</a:t>
             </a:r>
             <a:endParaRPr dirty="0">
               <a:latin typeface="Microsoft JhengHei"/>
@@ -15734,7 +16087,7 @@
         <p:spPr>
           <a:xfrm>
             <a:off x="311699" y="1152475"/>
-            <a:ext cx="8429691" cy="3416400"/>
+            <a:ext cx="8709459" cy="3416400"/>
           </a:xfrm>
           <a:prstGeom prst="rect">
             <a:avLst/>
@@ -15769,7 +16122,21 @@
                   <a:schemeClr val="tx1"/>
                 </a:solidFill>
               </a:rPr>
-              <a:t>打開之前被你解壓縮的資料夾內部</a:t>
+              <a:t>去</a:t>
+            </a:r>
+            <a:r>
+              <a:rPr lang="zh-TW" altLang="en-US" dirty="0">
+                <a:hlinkClick r:id="rId3"/>
+              </a:rPr>
+              <a:t>官網</a:t>
+            </a:r>
+            <a:r>
+              <a:rPr lang="zh-TW" altLang="en-US" dirty="0">
+                <a:solidFill>
+                  <a:schemeClr val="tx1"/>
+                </a:solidFill>
+              </a:rPr>
+              <a:t>下載</a:t>
             </a:r>
             <a:r>
               <a:rPr lang="en-US" altLang="zh-TW" dirty="0">
@@ -15777,7 +16144,15 @@
                   <a:schemeClr val="tx1"/>
                 </a:solidFill>
               </a:rPr>
-              <a:t>&gt;</a:t>
+              <a:t> </a:t>
+            </a:r>
+            <a:r>
+              <a:rPr lang="en-US" altLang="zh-TW" dirty="0" err="1">
+                <a:solidFill>
+                  <a:schemeClr val="tx1"/>
+                </a:solidFill>
+              </a:rPr>
+              <a:t>miktex</a:t>
             </a:r>
             <a:r>
               <a:rPr lang="zh-TW" altLang="en-US" dirty="0">
@@ -15785,126 +16160,7 @@
                   <a:schemeClr val="tx1"/>
                 </a:solidFill>
               </a:rPr>
-              <a:t>把副擋名打開</a:t>
-            </a:r>
-            <a:r>
-              <a:rPr lang="en-US" altLang="zh-TW" dirty="0">
-                <a:solidFill>
-                  <a:schemeClr val="tx1"/>
-                </a:solidFill>
-              </a:rPr>
-              <a:t>&gt;</a:t>
-            </a:r>
-            <a:r>
-              <a:rPr lang="zh-TW" altLang="en-US" dirty="0">
-                <a:solidFill>
-                  <a:schemeClr val="tx1"/>
-                </a:solidFill>
-              </a:rPr>
-              <a:t>用</a:t>
-            </a:r>
-            <a:r>
-              <a:rPr lang="en-US" altLang="zh-TW" dirty="0" err="1">
-                <a:solidFill>
-                  <a:schemeClr val="tx1"/>
-                </a:solidFill>
-              </a:rPr>
-              <a:t>texwork</a:t>
-            </a:r>
-            <a:r>
-              <a:rPr lang="zh-TW" altLang="en-US" dirty="0">
-                <a:solidFill>
-                  <a:schemeClr val="tx1"/>
-                </a:solidFill>
-              </a:rPr>
-              <a:t>打開</a:t>
-            </a:r>
-            <a:r>
-              <a:rPr lang="en-US" altLang="zh-TW" dirty="0" err="1">
-                <a:solidFill>
-                  <a:schemeClr val="tx1"/>
-                </a:solidFill>
-              </a:rPr>
-              <a:t>codebook.tex</a:t>
-            </a:r>
-            <a:r>
-              <a:rPr lang="en-US" altLang="zh-TW" dirty="0">
-                <a:solidFill>
-                  <a:schemeClr val="tx1"/>
-                </a:solidFill>
-              </a:rPr>
-              <a:t>&gt;</a:t>
-            </a:r>
-            <a:r>
-              <a:rPr lang="zh-TW" altLang="en-US" dirty="0">
-                <a:solidFill>
-                  <a:schemeClr val="tx1"/>
-                </a:solidFill>
-              </a:rPr>
-              <a:t>會出現一個一左一右的畫面，左邊是</a:t>
-            </a:r>
-            <a:r>
-              <a:rPr lang="en-US" altLang="zh-TW" dirty="0">
-                <a:solidFill>
-                  <a:schemeClr val="tx1"/>
-                </a:solidFill>
-              </a:rPr>
-              <a:t>script</a:t>
-            </a:r>
-            <a:r>
-              <a:rPr lang="zh-TW" altLang="en-US" dirty="0">
-                <a:solidFill>
-                  <a:schemeClr val="tx1"/>
-                </a:solidFill>
-              </a:rPr>
-              <a:t>，右邊是目前的</a:t>
-            </a:r>
-            <a:r>
-              <a:rPr lang="en-US" altLang="zh-TW" dirty="0">
-                <a:solidFill>
-                  <a:schemeClr val="tx1"/>
-                </a:solidFill>
-              </a:rPr>
-              <a:t>pdf</a:t>
-            </a:r>
-          </a:p>
-          <a:p>
-            <a:pPr marL="457200" lvl="0" indent="-342900" algn="l" rtl="0">
-              <a:lnSpc>
-                <a:spcPct val="115000"/>
-              </a:lnSpc>
-              <a:spcBef>
-                <a:spcPts val="0"/>
-              </a:spcBef>
-              <a:spcAft>
-                <a:spcPts val="0"/>
-              </a:spcAft>
-              <a:buSzPts val="1800"/>
-              <a:buChar char="●"/>
-            </a:pPr>
-            <a:r>
-              <a:rPr lang="zh-TW" altLang="en-US" dirty="0">
-                <a:solidFill>
-                  <a:schemeClr val="tx1"/>
-                </a:solidFill>
-              </a:rPr>
-              <a:t>選擇</a:t>
-            </a:r>
-            <a:r>
-              <a:rPr lang="en-US" altLang="zh-TW" dirty="0" err="1">
-                <a:solidFill>
-                  <a:schemeClr val="tx1"/>
-                </a:solidFill>
-              </a:rPr>
-              <a:t>Xelatex</a:t>
-            </a:r>
-            <a:r>
-              <a:rPr lang="zh-TW" altLang="en-US" dirty="0">
-                <a:solidFill>
-                  <a:schemeClr val="tx1"/>
-                </a:solidFill>
-              </a:rPr>
-              <a:t>，然後播放，過程中可能會出現彈跳視窗要你裝就裝</a:t>
+              <a:t>，安裝過程按「下一步」到底</a:t>
             </a:r>
             <a:endParaRPr lang="en-US" altLang="zh-TW" dirty="0">
               <a:solidFill>
@@ -15927,12 +16183,20 @@
               <a:buChar char="●"/>
             </a:pPr>
             <a:r>
+              <a:rPr lang="en-US" altLang="zh-TW" dirty="0">
+                <a:solidFill>
+                  <a:schemeClr val="tx1"/>
+                </a:solidFill>
+              </a:rPr>
+              <a:t>Windows </a:t>
+            </a:r>
+            <a:r>
               <a:rPr lang="zh-TW" altLang="en-US" dirty="0">
                 <a:solidFill>
                   <a:schemeClr val="tx1"/>
                 </a:solidFill>
               </a:rPr>
-              <a:t>完事右邊會出現新的</a:t>
+              <a:t>開始 </a:t>
             </a:r>
             <a:r>
               <a:rPr lang="en-US" altLang="zh-TW" dirty="0">
@@ -15940,7 +16204,7 @@
                   <a:schemeClr val="tx1"/>
                 </a:solidFill>
               </a:rPr>
-              <a:t>codebook</a:t>
+              <a:t>&gt; </a:t>
             </a:r>
             <a:r>
               <a:rPr lang="zh-TW" altLang="en-US" dirty="0">
@@ -15948,7 +16212,15 @@
                   <a:schemeClr val="tx1"/>
                 </a:solidFill>
               </a:rPr>
-              <a:t>，檢查一下出來的</a:t>
+              <a:t>輸入 </a:t>
+            </a:r>
+            <a:r>
+              <a:rPr lang="en-US" altLang="zh-TW" dirty="0" err="1">
+                <a:solidFill>
+                  <a:schemeClr val="tx1"/>
+                </a:solidFill>
+              </a:rPr>
+              <a:t>Miktex</a:t>
             </a:r>
             <a:r>
               <a:rPr lang="en-US" altLang="zh-TW" dirty="0">
@@ -15956,15 +16228,70 @@
                   <a:schemeClr val="tx1"/>
                 </a:solidFill>
               </a:rPr>
-              <a:t>pdf</a:t>
-            </a:r>
+              <a:t> console</a:t>
+            </a:r>
+          </a:p>
+          <a:p>
+            <a:pPr marL="457200" lvl="0" indent="-342900" algn="l" rtl="0">
+              <a:lnSpc>
+                <a:spcPct val="115000"/>
+              </a:lnSpc>
+              <a:spcBef>
+                <a:spcPts val="0"/>
+              </a:spcBef>
+              <a:spcAft>
+                <a:spcPts val="0"/>
+              </a:spcAft>
+              <a:buSzPts val="1800"/>
+              <a:buChar char="●"/>
+            </a:pPr>
             <a:r>
               <a:rPr lang="zh-TW" altLang="en-US" dirty="0">
                 <a:solidFill>
                   <a:schemeClr val="tx1"/>
                 </a:solidFill>
               </a:rPr>
-              <a:t>右上角是不是今天日期。</a:t>
+              <a:t>如果沒蹦出畫面，找找 </a:t>
+            </a:r>
+            <a:r>
+              <a:rPr lang="en-US" altLang="zh-TW" dirty="0">
+                <a:solidFill>
+                  <a:schemeClr val="tx1"/>
+                </a:solidFill>
+              </a:rPr>
+              <a:t>Windows </a:t>
+            </a:r>
+            <a:r>
+              <a:rPr lang="zh-TW" altLang="en-US" dirty="0">
+                <a:solidFill>
+                  <a:schemeClr val="tx1"/>
+                </a:solidFill>
+              </a:rPr>
+              <a:t>右下方工具列有沒有 </a:t>
+            </a:r>
+            <a:r>
+              <a:rPr lang="en-US" altLang="zh-TW" dirty="0" err="1">
+                <a:solidFill>
+                  <a:schemeClr val="tx1"/>
+                </a:solidFill>
+              </a:rPr>
+              <a:t>Miktex</a:t>
+            </a:r>
+            <a:r>
+              <a:rPr lang="en-US" altLang="zh-TW" dirty="0">
+                <a:solidFill>
+                  <a:schemeClr val="tx1"/>
+                </a:solidFill>
+              </a:rPr>
+              <a:t> icon</a:t>
+            </a:r>
+            <a:r>
+              <a:rPr lang="zh-TW" altLang="en-US" dirty="0">
+                <a:solidFill>
+                  <a:schemeClr val="tx1"/>
+                </a:solidFill>
+              </a:rPr>
+              <a:t>，有就點開</a:t>
             </a:r>
             <a:endParaRPr lang="en-US" altLang="zh-TW" dirty="0">
               <a:solidFill>
@@ -15986,13 +16313,41 @@
               <a:buSzPts val="1800"/>
               <a:buChar char="●"/>
             </a:pPr>
+            <a:endParaRPr lang="en-US" altLang="zh-TW" dirty="0">
+              <a:solidFill>
+                <a:schemeClr val="tx1"/>
+              </a:solidFill>
+            </a:endParaRPr>
+          </a:p>
+          <a:p>
+            <a:pPr marL="457200" lvl="0" indent="-342900" algn="l" rtl="0">
+              <a:lnSpc>
+                <a:spcPct val="115000"/>
+              </a:lnSpc>
+              <a:spcBef>
+                <a:spcPts val="0"/>
+              </a:spcBef>
+              <a:spcAft>
+                <a:spcPts val="0"/>
+              </a:spcAft>
+              <a:buSzPts val="1800"/>
+              <a:buChar char="●"/>
+            </a:pPr>
             <a:r>
               <a:rPr lang="zh-TW" altLang="en-US" dirty="0">
                 <a:solidFill>
                   <a:schemeClr val="tx1"/>
                 </a:solidFill>
               </a:rPr>
-              <a:t>有時候會出現跑出來的</a:t>
+              <a:t>第一次</a:t>
+            </a:r>
+            <a:r>
+              <a:rPr lang="en-US" altLang="zh-TW" dirty="0" err="1">
+                <a:solidFill>
+                  <a:schemeClr val="tx1"/>
+                </a:solidFill>
+              </a:rPr>
+              <a:t>Miktex</a:t>
             </a:r>
             <a:r>
               <a:rPr lang="en-US" altLang="zh-TW" dirty="0">
@@ -16000,7 +16355,7 @@
                   <a:schemeClr val="tx1"/>
                 </a:solidFill>
               </a:rPr>
-              <a:t>codebook</a:t>
+              <a:t> console &gt; package</a:t>
             </a:r>
             <a:r>
               <a:rPr lang="zh-TW" altLang="en-US" dirty="0">
@@ -16008,7 +16363,7 @@
                   <a:schemeClr val="tx1"/>
                 </a:solidFill>
               </a:rPr>
-              <a:t>沒有目錄的情形，重跑就好。</a:t>
+              <a:t>需要加載，等個一分鐘應該就會好了，之後點</a:t>
             </a:r>
             <a:r>
               <a:rPr lang="en-US" altLang="zh-TW" dirty="0">
@@ -16016,8 +16371,78 @@
                   <a:schemeClr val="tx1"/>
                 </a:solidFill>
               </a:rPr>
-              <a:t>	</a:t>
-            </a:r>
+              <a:t>package&gt;</a:t>
+            </a:r>
+            <a:r>
+              <a:rPr lang="zh-TW" altLang="en-US" dirty="0">
+                <a:solidFill>
+                  <a:schemeClr val="tx1"/>
+                </a:solidFill>
+              </a:rPr>
+              <a:t>對話框搜尋</a:t>
+            </a:r>
+            <a:r>
+              <a:rPr lang="en-US" altLang="zh-TW" dirty="0" err="1">
+                <a:solidFill>
+                  <a:schemeClr val="tx1"/>
+                </a:solidFill>
+              </a:rPr>
+              <a:t>xecjk</a:t>
+            </a:r>
+            <a:r>
+              <a:rPr lang="zh-TW" altLang="en-US" dirty="0">
+                <a:solidFill>
+                  <a:schemeClr val="tx1"/>
+                </a:solidFill>
+              </a:rPr>
+              <a:t>之後安裝他</a:t>
+            </a:r>
+            <a:r>
+              <a:rPr lang="en-US" altLang="zh-TW" dirty="0">
+                <a:solidFill>
+                  <a:schemeClr val="tx1"/>
+                </a:solidFill>
+              </a:rPr>
+              <a:t>(</a:t>
+            </a:r>
+            <a:r>
+              <a:rPr lang="zh-TW" altLang="en-US" dirty="0">
+                <a:solidFill>
+                  <a:schemeClr val="tx1"/>
+                </a:solidFill>
+              </a:rPr>
+              <a:t>也有可能它幫你裝好了</a:t>
+            </a:r>
+            <a:r>
+              <a:rPr lang="en-US" altLang="zh-TW" dirty="0">
+                <a:solidFill>
+                  <a:schemeClr val="tx1"/>
+                </a:solidFill>
+              </a:rPr>
+              <a:t>)</a:t>
+            </a:r>
+          </a:p>
+          <a:p>
+            <a:pPr marL="457200" lvl="0" indent="-342900" algn="l" rtl="0">
+              <a:lnSpc>
+                <a:spcPct val="115000"/>
+              </a:lnSpc>
+              <a:spcBef>
+                <a:spcPts val="0"/>
+              </a:spcBef>
+              <a:spcAft>
+                <a:spcPts val="0"/>
+              </a:spcAft>
+              <a:buSzPts val="1800"/>
+              <a:buChar char="●"/>
+            </a:pPr>
+            <a:endParaRPr lang="en-US" altLang="zh-TW" dirty="0">
+              <a:solidFill>
+                <a:schemeClr val="tx1"/>
+              </a:solidFill>
+              <a:latin typeface="Times New Roman" panose="02020603050405020304" pitchFamily="18" charset="0"/>
+              <a:cs typeface="Times New Roman" panose="02020603050405020304" pitchFamily="18" charset="0"/>
+            </a:endParaRPr>
           </a:p>
           <a:p>
             <a:pPr marL="457200" lvl="0" indent="-342900" algn="l" rtl="0">
@@ -16127,10 +16552,40 @@
           </a:p>
         </p:txBody>
       </p:sp>
+      <p:pic>
+        <p:nvPicPr>
+          <p:cNvPr id="3" name="圖片 2">
+            <a:extLst>
+              <a:ext uri="{FF2B5EF4-FFF2-40B4-BE49-F238E27FC236}">
+                <a16:creationId xmlns:a16="http://schemas.microsoft.com/office/drawing/2014/main" id="{BC071B12-E415-42DF-91D9-A50B5C4D3DDC}"/>
+              </a:ext>
+            </a:extLst>
+          </p:cNvPr>
+          <p:cNvPicPr>
+            <a:picLocks noChangeAspect="1"/>
+          </p:cNvPicPr>
+          <p:nvPr/>
+        </p:nvPicPr>
+        <p:blipFill>
+          <a:blip r:embed="rId4"/>
+          <a:stretch>
+            <a:fillRect/>
+          </a:stretch>
+        </p:blipFill>
+        <p:spPr>
+          <a:xfrm>
+            <a:off x="311699" y="3576629"/>
+            <a:ext cx="1143160" cy="828791"/>
+          </a:xfrm>
+          <a:prstGeom prst="rect">
+            <a:avLst/>
+          </a:prstGeom>
+        </p:spPr>
+      </p:pic>
     </p:spTree>
     <p:extLst>
       <p:ext uri="{BB962C8B-B14F-4D97-AF65-F5344CB8AC3E}">
-        <p14:creationId xmlns:p14="http://schemas.microsoft.com/office/powerpoint/2010/main" val="2379089085"/>
+        <p14:creationId xmlns:p14="http://schemas.microsoft.com/office/powerpoint/2010/main" val="2200015890"/>
       </p:ext>
     </p:extLst>
   </p:cSld>
